--- a/Final Project Presentation Slides.pptx
+++ b/Final Project Presentation Slides.pptx
@@ -9,8 +9,8 @@
   </p:notesMasterIdLst>
   <p:sldIdLst>
     <p:sldId id="256" r:id="rId2"/>
-    <p:sldId id="257" r:id="rId3"/>
-    <p:sldId id="258" r:id="rId4"/>
+    <p:sldId id="258" r:id="rId3"/>
+    <p:sldId id="257" r:id="rId4"/>
     <p:sldId id="259" r:id="rId5"/>
     <p:sldId id="261" r:id="rId6"/>
     <p:sldId id="265" r:id="rId7"/>
@@ -7668,3377 +7668,6 @@
           <a:chExt cx="0" cy="0"/>
         </a:xfrm>
       </p:grpSpPr>
-      <p:sp useBgFill="1">
-        <p:nvSpPr>
-          <p:cNvPr id="10" name="Rectangle 9">
-            <a:extLst>
-              <a:ext uri="{FF2B5EF4-FFF2-40B4-BE49-F238E27FC236}">
-                <a16:creationId xmlns:a16="http://schemas.microsoft.com/office/drawing/2014/main" id="{EDDBB197-D710-4A4F-A9CA-FD2177498BE8}"/>
-              </a:ext>
-              <a:ext uri="{C183D7F6-B498-43B3-948B-1728B52AA6E4}">
-                <adec:decorative xmlns:adec="http://schemas.microsoft.com/office/drawing/2017/decorative" val="1"/>
-              </a:ext>
-            </a:extLst>
-          </p:cNvPr>
-          <p:cNvSpPr>
-            <a:spLocks noGrp="1" noRot="1" noChangeAspect="1" noMove="1" noResize="1" noEditPoints="1" noAdjustHandles="1" noChangeArrowheads="1" noChangeShapeType="1" noTextEdit="1"/>
-          </p:cNvSpPr>
-          <p:nvPr>
-            <p:extLst>
-              <p:ext uri="{386F3935-93C4-4BCD-93E2-E3B085C9AB24}">
-                <p16:designElem xmlns:p16="http://schemas.microsoft.com/office/powerpoint/2015/main" val="1"/>
-              </p:ext>
-            </p:extLst>
-          </p:nvPr>
-        </p:nvSpPr>
-        <p:spPr>
-          <a:xfrm>
-            <a:off x="0" y="0"/>
-            <a:ext cx="12192000" cy="6858000"/>
-          </a:xfrm>
-          <a:prstGeom prst="rect">
-            <a:avLst/>
-          </a:prstGeom>
-          <a:ln>
-            <a:noFill/>
-          </a:ln>
-        </p:spPr>
-        <p:style>
-          <a:lnRef idx="2">
-            <a:schemeClr val="accent1">
-              <a:shade val="50000"/>
-            </a:schemeClr>
-          </a:lnRef>
-          <a:fillRef idx="1">
-            <a:schemeClr val="accent1"/>
-          </a:fillRef>
-          <a:effectRef idx="0">
-            <a:schemeClr val="accent1"/>
-          </a:effectRef>
-          <a:fontRef idx="minor">
-            <a:schemeClr val="lt1"/>
-          </a:fontRef>
-        </p:style>
-        <p:txBody>
-          <a:bodyPr rtlCol="0" anchor="ctr"/>
-          <a:lstStyle/>
-          <a:p>
-            <a:pPr algn="ctr"/>
-            <a:endParaRPr lang="en-US"/>
-          </a:p>
-        </p:txBody>
-      </p:sp>
-      <p:sp>
-        <p:nvSpPr>
-          <p:cNvPr id="12" name="Rectangle 11">
-            <a:extLst>
-              <a:ext uri="{FF2B5EF4-FFF2-40B4-BE49-F238E27FC236}">
-                <a16:creationId xmlns:a16="http://schemas.microsoft.com/office/drawing/2014/main" id="{975D1CFA-2CDB-4B64-BD9F-85744E8DA12F}"/>
-              </a:ext>
-              <a:ext uri="{C183D7F6-B498-43B3-948B-1728B52AA6E4}">
-                <adec:decorative xmlns:adec="http://schemas.microsoft.com/office/drawing/2017/decorative" val="1"/>
-              </a:ext>
-            </a:extLst>
-          </p:cNvPr>
-          <p:cNvSpPr>
-            <a:spLocks noGrp="1" noRot="1" noChangeAspect="1" noMove="1" noResize="1" noEditPoints="1" noAdjustHandles="1" noChangeArrowheads="1" noChangeShapeType="1" noTextEdit="1"/>
-          </p:cNvSpPr>
-          <p:nvPr>
-            <p:extLst>
-              <p:ext uri="{386F3935-93C4-4BCD-93E2-E3B085C9AB24}">
-                <p16:designElem xmlns:p16="http://schemas.microsoft.com/office/powerpoint/2015/main" val="1"/>
-              </p:ext>
-            </p:extLst>
-          </p:nvPr>
-        </p:nvSpPr>
-        <p:spPr>
-          <a:xfrm>
-            <a:off x="305" y="0"/>
-            <a:ext cx="12191695" cy="6858000"/>
-          </a:xfrm>
-          <a:prstGeom prst="rect">
-            <a:avLst/>
-          </a:prstGeom>
-          <a:solidFill>
-            <a:schemeClr val="bg1"/>
-          </a:solidFill>
-          <a:ln>
-            <a:noFill/>
-          </a:ln>
-        </p:spPr>
-        <p:style>
-          <a:lnRef idx="2">
-            <a:schemeClr val="accent1">
-              <a:shade val="50000"/>
-            </a:schemeClr>
-          </a:lnRef>
-          <a:fillRef idx="1">
-            <a:schemeClr val="accent1"/>
-          </a:fillRef>
-          <a:effectRef idx="0">
-            <a:schemeClr val="accent1"/>
-          </a:effectRef>
-          <a:fontRef idx="minor">
-            <a:schemeClr val="lt1"/>
-          </a:fontRef>
-        </p:style>
-        <p:txBody>
-          <a:bodyPr rtlCol="0" anchor="ctr"/>
-          <a:lstStyle/>
-          <a:p>
-            <a:pPr algn="ctr"/>
-            <a:endParaRPr lang="en-US"/>
-          </a:p>
-        </p:txBody>
-      </p:sp>
-      <p:sp>
-        <p:nvSpPr>
-          <p:cNvPr id="2" name="Title 1">
-            <a:extLst>
-              <a:ext uri="{FF2B5EF4-FFF2-40B4-BE49-F238E27FC236}">
-                <a16:creationId xmlns:a16="http://schemas.microsoft.com/office/drawing/2014/main" id="{1ADEE594-55E8-07B4-25AB-0293FD51AE9C}"/>
-              </a:ext>
-            </a:extLst>
-          </p:cNvPr>
-          <p:cNvSpPr>
-            <a:spLocks noGrp="1"/>
-          </p:cNvSpPr>
-          <p:nvPr>
-            <p:ph type="title"/>
-          </p:nvPr>
-        </p:nvSpPr>
-        <p:spPr>
-          <a:xfrm>
-            <a:off x="450253" y="411669"/>
-            <a:ext cx="5594483" cy="1454051"/>
-          </a:xfrm>
-        </p:spPr>
-        <p:txBody>
-          <a:bodyPr>
-            <a:normAutofit/>
-          </a:bodyPr>
-          <a:lstStyle/>
-          <a:p>
-            <a:pPr algn="ctr"/>
-            <a:r>
-              <a:rPr lang="en-CN" sz="4000" b="1" dirty="0">
-                <a:solidFill>
-                  <a:schemeClr val="tx2"/>
-                </a:solidFill>
-              </a:rPr>
-              <a:t>Requirements </a:t>
-            </a:r>
-            <a:r>
-              <a:rPr lang="en-CN" b="1" dirty="0"/>
-              <a:t>Fulfilled</a:t>
-            </a:r>
-            <a:endParaRPr lang="en-CN" sz="4000" b="1" dirty="0"/>
-          </a:p>
-        </p:txBody>
-      </p:sp>
-      <p:grpSp>
-        <p:nvGrpSpPr>
-          <p:cNvPr id="14" name="Group 13">
-            <a:extLst>
-              <a:ext uri="{FF2B5EF4-FFF2-40B4-BE49-F238E27FC236}">
-                <a16:creationId xmlns:a16="http://schemas.microsoft.com/office/drawing/2014/main" id="{25EE5136-01F1-466C-962D-BA9B4C6757AA}"/>
-              </a:ext>
-              <a:ext uri="{C183D7F6-B498-43B3-948B-1728B52AA6E4}">
-                <adec:decorative xmlns:adec="http://schemas.microsoft.com/office/drawing/2017/decorative" val="1"/>
-              </a:ext>
-            </a:extLst>
-          </p:cNvPr>
-          <p:cNvGrpSpPr>
-            <a:grpSpLocks noGrp="1" noUngrp="1" noRot="1" noChangeAspect="1" noMove="1" noResize="1"/>
-          </p:cNvGrpSpPr>
-          <p:nvPr>
-            <p:extLst>
-              <p:ext uri="{386F3935-93C4-4BCD-93E2-E3B085C9AB24}">
-                <p16:designElem xmlns:p16="http://schemas.microsoft.com/office/powerpoint/2015/main" val="1"/>
-              </p:ext>
-            </p:extLst>
-          </p:nvPr>
-        </p:nvGrpSpPr>
-        <p:grpSpPr>
-          <a:xfrm>
-            <a:off x="6369897" y="0"/>
-            <a:ext cx="5822103" cy="6685267"/>
-            <a:chOff x="6357228" y="0"/>
-            <a:chExt cx="5822103" cy="6685267"/>
-          </a:xfrm>
-        </p:grpSpPr>
-        <p:sp>
-          <p:nvSpPr>
-            <p:cNvPr id="15" name="Freeform: Shape 14">
-              <a:extLst>
-                <a:ext uri="{FF2B5EF4-FFF2-40B4-BE49-F238E27FC236}">
-                  <a16:creationId xmlns:a16="http://schemas.microsoft.com/office/drawing/2014/main" id="{E11D3AD4-AF9B-4EB5-8C7B-C45D173B4B56}"/>
-                </a:ext>
-                <a:ext uri="{C183D7F6-B498-43B3-948B-1728B52AA6E4}">
-                  <adec:decorative xmlns:adec="http://schemas.microsoft.com/office/drawing/2017/decorative" val="1"/>
-                </a:ext>
-              </a:extLst>
-            </p:cNvPr>
-            <p:cNvSpPr/>
-            <p:nvPr>
-              <p:extLst>
-                <p:ext uri="{386F3935-93C4-4BCD-93E2-E3B085C9AB24}">
-                  <p16:designElem xmlns:p16="http://schemas.microsoft.com/office/powerpoint/2015/main" val="1"/>
-                </p:ext>
-              </p:extLst>
-            </p:nvPr>
-          </p:nvSpPr>
-          <p:spPr>
-            <a:xfrm>
-              <a:off x="6357228" y="0"/>
-              <a:ext cx="5822102" cy="6685267"/>
-            </a:xfrm>
-            <a:custGeom>
-              <a:avLst/>
-              <a:gdLst>
-                <a:gd name="connsiteX0" fmla="*/ 2605444 w 5822102"/>
-                <a:gd name="connsiteY0" fmla="*/ 0 h 6685267"/>
-                <a:gd name="connsiteX1" fmla="*/ 4757391 w 5822102"/>
-                <a:gd name="connsiteY1" fmla="*/ 0 h 6685267"/>
-                <a:gd name="connsiteX2" fmla="*/ 4913680 w 5822102"/>
-                <a:gd name="connsiteY2" fmla="*/ 56274 h 6685267"/>
-                <a:gd name="connsiteX3" fmla="*/ 5376238 w 5822102"/>
-                <a:gd name="connsiteY3" fmla="*/ 282027 h 6685267"/>
-                <a:gd name="connsiteX4" fmla="*/ 5658024 w 5822102"/>
-                <a:gd name="connsiteY4" fmla="*/ 471014 h 6685267"/>
-                <a:gd name="connsiteX5" fmla="*/ 5822102 w 5822102"/>
-                <a:gd name="connsiteY5" fmla="*/ 609109 h 6685267"/>
-                <a:gd name="connsiteX6" fmla="*/ 5822102 w 5822102"/>
-                <a:gd name="connsiteY6" fmla="*/ 760697 h 6685267"/>
-                <a:gd name="connsiteX7" fmla="*/ 5707785 w 5822102"/>
-                <a:gd name="connsiteY7" fmla="*/ 666601 h 6685267"/>
-                <a:gd name="connsiteX8" fmla="*/ 5577306 w 5822102"/>
-                <a:gd name="connsiteY8" fmla="*/ 571666 h 6685267"/>
-                <a:gd name="connsiteX9" fmla="*/ 5298630 w 5822102"/>
-                <a:gd name="connsiteY9" fmla="*/ 407449 h 6685267"/>
-                <a:gd name="connsiteX10" fmla="*/ 4690768 w 5822102"/>
-                <a:gd name="connsiteY10" fmla="*/ 184979 h 6685267"/>
-                <a:gd name="connsiteX11" fmla="*/ 4048577 w 5822102"/>
-                <a:gd name="connsiteY11" fmla="*/ 99280 h 6685267"/>
-                <a:gd name="connsiteX12" fmla="*/ 3405404 w 5822102"/>
-                <a:gd name="connsiteY12" fmla="*/ 131937 h 6685267"/>
-                <a:gd name="connsiteX13" fmla="*/ 3089702 w 5822102"/>
-                <a:gd name="connsiteY13" fmla="*/ 190190 h 6685267"/>
-                <a:gd name="connsiteX14" fmla="*/ 2780132 w 5822102"/>
-                <a:gd name="connsiteY14" fmla="*/ 273457 h 6685267"/>
-                <a:gd name="connsiteX15" fmla="*/ 2478040 w 5822102"/>
-                <a:gd name="connsiteY15" fmla="*/ 379654 h 6685267"/>
-                <a:gd name="connsiteX16" fmla="*/ 2184897 w 5822102"/>
-                <a:gd name="connsiteY16" fmla="*/ 507972 h 6685267"/>
-                <a:gd name="connsiteX17" fmla="*/ 1629141 w 5822102"/>
-                <a:gd name="connsiteY17" fmla="*/ 823205 h 6685267"/>
-                <a:gd name="connsiteX18" fmla="*/ 1497711 w 5822102"/>
-                <a:gd name="connsiteY18" fmla="*/ 914000 h 6685267"/>
-                <a:gd name="connsiteX19" fmla="*/ 1433099 w 5822102"/>
-                <a:gd name="connsiteY19" fmla="*/ 960903 h 6685267"/>
-                <a:gd name="connsiteX20" fmla="*/ 1369346 w 5822102"/>
-                <a:gd name="connsiteY20" fmla="*/ 1008963 h 6685267"/>
-                <a:gd name="connsiteX21" fmla="*/ 1123406 w 5822102"/>
-                <a:gd name="connsiteY21" fmla="*/ 1212905 h 6685267"/>
-                <a:gd name="connsiteX22" fmla="*/ 684367 w 5822102"/>
-                <a:gd name="connsiteY22" fmla="*/ 1675564 h 6685267"/>
-                <a:gd name="connsiteX23" fmla="*/ 497153 w 5822102"/>
-                <a:gd name="connsiteY23" fmla="*/ 1933588 h 6685267"/>
-                <a:gd name="connsiteX24" fmla="*/ 337770 w 5822102"/>
-                <a:gd name="connsiteY24" fmla="*/ 2208983 h 6685267"/>
-                <a:gd name="connsiteX25" fmla="*/ 302461 w 5822102"/>
-                <a:gd name="connsiteY25" fmla="*/ 2280207 h 6685267"/>
-                <a:gd name="connsiteX26" fmla="*/ 285296 w 5822102"/>
-                <a:gd name="connsiteY26" fmla="*/ 2316107 h 6685267"/>
-                <a:gd name="connsiteX27" fmla="*/ 268991 w 5822102"/>
-                <a:gd name="connsiteY27" fmla="*/ 2352355 h 6685267"/>
-                <a:gd name="connsiteX28" fmla="*/ 237849 w 5822102"/>
-                <a:gd name="connsiteY28" fmla="*/ 2425432 h 6685267"/>
-                <a:gd name="connsiteX29" fmla="*/ 208670 w 5822102"/>
-                <a:gd name="connsiteY29" fmla="*/ 2499319 h 6685267"/>
-                <a:gd name="connsiteX30" fmla="*/ 113775 w 5822102"/>
-                <a:gd name="connsiteY30" fmla="*/ 2801929 h 6685267"/>
-                <a:gd name="connsiteX31" fmla="*/ 36781 w 5822102"/>
-                <a:gd name="connsiteY31" fmla="*/ 3428922 h 6685267"/>
-                <a:gd name="connsiteX32" fmla="*/ 69148 w 5822102"/>
-                <a:gd name="connsiteY32" fmla="*/ 3741955 h 6685267"/>
-                <a:gd name="connsiteX33" fmla="*/ 167966 w 5822102"/>
-                <a:gd name="connsiteY33" fmla="*/ 4041323 h 6685267"/>
-                <a:gd name="connsiteX34" fmla="*/ 202049 w 5822102"/>
-                <a:gd name="connsiteY34" fmla="*/ 4112894 h 6685267"/>
-                <a:gd name="connsiteX35" fmla="*/ 239933 w 5822102"/>
-                <a:gd name="connsiteY35" fmla="*/ 4182843 h 6685267"/>
-                <a:gd name="connsiteX36" fmla="*/ 323916 w 5822102"/>
-                <a:gd name="connsiteY36" fmla="*/ 4318456 h 6685267"/>
-                <a:gd name="connsiteX37" fmla="*/ 416604 w 5822102"/>
-                <a:gd name="connsiteY37" fmla="*/ 4449436 h 6685267"/>
-                <a:gd name="connsiteX38" fmla="*/ 515911 w 5822102"/>
-                <a:gd name="connsiteY38" fmla="*/ 4576711 h 6685267"/>
-                <a:gd name="connsiteX39" fmla="*/ 722619 w 5822102"/>
-                <a:gd name="connsiteY39" fmla="*/ 4828482 h 6685267"/>
-                <a:gd name="connsiteX40" fmla="*/ 825972 w 5822102"/>
-                <a:gd name="connsiteY40" fmla="*/ 4956104 h 6685267"/>
-                <a:gd name="connsiteX41" fmla="*/ 926506 w 5822102"/>
-                <a:gd name="connsiteY41" fmla="*/ 5085347 h 6685267"/>
-                <a:gd name="connsiteX42" fmla="*/ 1027040 w 5822102"/>
-                <a:gd name="connsiteY42" fmla="*/ 5210191 h 6685267"/>
-                <a:gd name="connsiteX43" fmla="*/ 1132110 w 5822102"/>
-                <a:gd name="connsiteY43" fmla="*/ 5330748 h 6685267"/>
-                <a:gd name="connsiteX44" fmla="*/ 1354880 w 5822102"/>
-                <a:gd name="connsiteY44" fmla="*/ 5558083 h 6685267"/>
-                <a:gd name="connsiteX45" fmla="*/ 1855220 w 5822102"/>
-                <a:gd name="connsiteY45" fmla="*/ 5937591 h 6685267"/>
-                <a:gd name="connsiteX46" fmla="*/ 2131810 w 5822102"/>
-                <a:gd name="connsiteY46" fmla="*/ 6080268 h 6685267"/>
-                <a:gd name="connsiteX47" fmla="*/ 2423726 w 5822102"/>
-                <a:gd name="connsiteY47" fmla="*/ 6188087 h 6685267"/>
-                <a:gd name="connsiteX48" fmla="*/ 2727780 w 5822102"/>
-                <a:gd name="connsiteY48" fmla="*/ 6262552 h 6685267"/>
-                <a:gd name="connsiteX49" fmla="*/ 3041276 w 5822102"/>
-                <a:gd name="connsiteY49" fmla="*/ 6304245 h 6685267"/>
-                <a:gd name="connsiteX50" fmla="*/ 3360532 w 5822102"/>
-                <a:gd name="connsiteY50" fmla="*/ 6317331 h 6685267"/>
-                <a:gd name="connsiteX51" fmla="*/ 3439855 w 5822102"/>
-                <a:gd name="connsiteY51" fmla="*/ 6316751 h 6685267"/>
-                <a:gd name="connsiteX52" fmla="*/ 3478721 w 5822102"/>
-                <a:gd name="connsiteY52" fmla="*/ 6315826 h 6685267"/>
-                <a:gd name="connsiteX53" fmla="*/ 3517463 w 5822102"/>
-                <a:gd name="connsiteY53" fmla="*/ 6313971 h 6685267"/>
-                <a:gd name="connsiteX54" fmla="*/ 3671452 w 5822102"/>
-                <a:gd name="connsiteY54" fmla="*/ 6301233 h 6685267"/>
-                <a:gd name="connsiteX55" fmla="*/ 4265460 w 5822102"/>
-                <a:gd name="connsiteY55" fmla="*/ 6149638 h 6685267"/>
-                <a:gd name="connsiteX56" fmla="*/ 4546587 w 5822102"/>
-                <a:gd name="connsiteY56" fmla="*/ 6018079 h 6685267"/>
-                <a:gd name="connsiteX57" fmla="*/ 4818030 w 5822102"/>
-                <a:gd name="connsiteY57" fmla="*/ 5858029 h 6685267"/>
-                <a:gd name="connsiteX58" fmla="*/ 5081870 w 5822102"/>
-                <a:gd name="connsiteY58" fmla="*/ 5676903 h 6685267"/>
-                <a:gd name="connsiteX59" fmla="*/ 5212073 w 5822102"/>
-                <a:gd name="connsiteY59" fmla="*/ 5581013 h 6685267"/>
-                <a:gd name="connsiteX60" fmla="*/ 5343625 w 5822102"/>
-                <a:gd name="connsiteY60" fmla="*/ 5481533 h 6685267"/>
-                <a:gd name="connsiteX61" fmla="*/ 5610378 w 5822102"/>
-                <a:gd name="connsiteY61" fmla="*/ 5284425 h 6685267"/>
-                <a:gd name="connsiteX62" fmla="*/ 5822102 w 5822102"/>
-                <a:gd name="connsiteY62" fmla="*/ 5126414 h 6685267"/>
-                <a:gd name="connsiteX63" fmla="*/ 5822102 w 5822102"/>
-                <a:gd name="connsiteY63" fmla="*/ 5556641 h 6685267"/>
-                <a:gd name="connsiteX64" fmla="*/ 5576325 w 5822102"/>
-                <a:gd name="connsiteY64" fmla="*/ 5749979 h 6685267"/>
-                <a:gd name="connsiteX65" fmla="*/ 5447715 w 5822102"/>
-                <a:gd name="connsiteY65" fmla="*/ 5852818 h 6685267"/>
-                <a:gd name="connsiteX66" fmla="*/ 5315059 w 5822102"/>
-                <a:gd name="connsiteY66" fmla="*/ 5956236 h 6685267"/>
-                <a:gd name="connsiteX67" fmla="*/ 5038468 w 5822102"/>
-                <a:gd name="connsiteY67" fmla="*/ 6155776 h 6685267"/>
-                <a:gd name="connsiteX68" fmla="*/ 4741892 w 5822102"/>
-                <a:gd name="connsiteY68" fmla="*/ 6338292 h 6685267"/>
-                <a:gd name="connsiteX69" fmla="*/ 4420920 w 5822102"/>
-                <a:gd name="connsiteY69" fmla="*/ 6492203 h 6685267"/>
-                <a:gd name="connsiteX70" fmla="*/ 3717672 w 5822102"/>
-                <a:gd name="connsiteY70" fmla="*/ 6670434 h 6685267"/>
-                <a:gd name="connsiteX71" fmla="*/ 3535853 w 5822102"/>
-                <a:gd name="connsiteY71" fmla="*/ 6683289 h 6685267"/>
-                <a:gd name="connsiteX72" fmla="*/ 3490367 w 5822102"/>
-                <a:gd name="connsiteY72" fmla="*/ 6684910 h 6685267"/>
-                <a:gd name="connsiteX73" fmla="*/ 3445005 w 5822102"/>
-                <a:gd name="connsiteY73" fmla="*/ 6685142 h 6685267"/>
-                <a:gd name="connsiteX74" fmla="*/ 3355872 w 5822102"/>
-                <a:gd name="connsiteY74" fmla="*/ 6684100 h 6685267"/>
-                <a:gd name="connsiteX75" fmla="*/ 3179203 w 5822102"/>
-                <a:gd name="connsiteY75" fmla="*/ 6677150 h 6685267"/>
-                <a:gd name="connsiteX76" fmla="*/ 3002410 w 5822102"/>
-                <a:gd name="connsiteY76" fmla="*/ 6661169 h 6685267"/>
-                <a:gd name="connsiteX77" fmla="*/ 2650296 w 5822102"/>
-                <a:gd name="connsiteY77" fmla="*/ 6604191 h 6685267"/>
-                <a:gd name="connsiteX78" fmla="*/ 2306028 w 5822102"/>
-                <a:gd name="connsiteY78" fmla="*/ 6505869 h 6685267"/>
-                <a:gd name="connsiteX79" fmla="*/ 1978803 w 5822102"/>
-                <a:gd name="connsiteY79" fmla="*/ 6363307 h 6685267"/>
-                <a:gd name="connsiteX80" fmla="*/ 1678428 w 5822102"/>
-                <a:gd name="connsiteY80" fmla="*/ 6177779 h 6685267"/>
-                <a:gd name="connsiteX81" fmla="*/ 1175880 w 5822102"/>
-                <a:gd name="connsiteY81" fmla="*/ 5710373 h 6685267"/>
-                <a:gd name="connsiteX82" fmla="*/ 971502 w 5822102"/>
-                <a:gd name="connsiteY82" fmla="*/ 5445399 h 6685267"/>
-                <a:gd name="connsiteX83" fmla="*/ 790909 w 5822102"/>
-                <a:gd name="connsiteY83" fmla="*/ 5169078 h 6685267"/>
-                <a:gd name="connsiteX84" fmla="*/ 706680 w 5822102"/>
-                <a:gd name="connsiteY84" fmla="*/ 5031959 h 6685267"/>
-                <a:gd name="connsiteX85" fmla="*/ 619143 w 5822102"/>
-                <a:gd name="connsiteY85" fmla="*/ 4897157 h 6685267"/>
-                <a:gd name="connsiteX86" fmla="*/ 436465 w 5822102"/>
-                <a:gd name="connsiteY86" fmla="*/ 4628710 h 6685267"/>
-                <a:gd name="connsiteX87" fmla="*/ 347088 w 5822102"/>
-                <a:gd name="connsiteY87" fmla="*/ 4492171 h 6685267"/>
-                <a:gd name="connsiteX88" fmla="*/ 262001 w 5822102"/>
-                <a:gd name="connsiteY88" fmla="*/ 4352619 h 6685267"/>
-                <a:gd name="connsiteX89" fmla="*/ 118679 w 5822102"/>
-                <a:gd name="connsiteY89" fmla="*/ 4059853 h 6685267"/>
-                <a:gd name="connsiteX90" fmla="*/ 28322 w 5822102"/>
-                <a:gd name="connsiteY90" fmla="*/ 3749136 h 6685267"/>
-                <a:gd name="connsiteX91" fmla="*/ 0 w 5822102"/>
-                <a:gd name="connsiteY91" fmla="*/ 3428922 h 6685267"/>
-                <a:gd name="connsiteX92" fmla="*/ 253052 w 5822102"/>
-                <a:gd name="connsiteY92" fmla="*/ 2174356 h 6685267"/>
-                <a:gd name="connsiteX93" fmla="*/ 389141 w 5822102"/>
-                <a:gd name="connsiteY93" fmla="*/ 1877652 h 6685267"/>
-                <a:gd name="connsiteX94" fmla="*/ 552079 w 5822102"/>
-                <a:gd name="connsiteY94" fmla="*/ 1591834 h 6685267"/>
-                <a:gd name="connsiteX95" fmla="*/ 954950 w 5822102"/>
-                <a:gd name="connsiteY95" fmla="*/ 1061773 h 6685267"/>
-                <a:gd name="connsiteX96" fmla="*/ 1192922 w 5822102"/>
-                <a:gd name="connsiteY96" fmla="*/ 822626 h 6685267"/>
-                <a:gd name="connsiteX97" fmla="*/ 1255939 w 5822102"/>
-                <a:gd name="connsiteY97" fmla="*/ 765880 h 6685267"/>
-                <a:gd name="connsiteX98" fmla="*/ 1320183 w 5822102"/>
-                <a:gd name="connsiteY98" fmla="*/ 710291 h 6685267"/>
-                <a:gd name="connsiteX99" fmla="*/ 1452961 w 5822102"/>
-                <a:gd name="connsiteY99" fmla="*/ 603514 h 6685267"/>
-                <a:gd name="connsiteX100" fmla="*/ 2033360 w 5822102"/>
-                <a:gd name="connsiteY100" fmla="*/ 235818 h 6685267"/>
-                <a:gd name="connsiteX101" fmla="*/ 2512513 w 5822102"/>
-                <a:gd name="connsiteY101" fmla="*/ 30012 h 6685267"/>
-              </a:gdLst>
-              <a:ahLst/>
-              <a:cxnLst>
-                <a:cxn ang="0">
-                  <a:pos x="connsiteX0" y="connsiteY0"/>
-                </a:cxn>
-                <a:cxn ang="0">
-                  <a:pos x="connsiteX1" y="connsiteY1"/>
-                </a:cxn>
-                <a:cxn ang="0">
-                  <a:pos x="connsiteX2" y="connsiteY2"/>
-                </a:cxn>
-                <a:cxn ang="0">
-                  <a:pos x="connsiteX3" y="connsiteY3"/>
-                </a:cxn>
-                <a:cxn ang="0">
-                  <a:pos x="connsiteX4" y="connsiteY4"/>
-                </a:cxn>
-                <a:cxn ang="0">
-                  <a:pos x="connsiteX5" y="connsiteY5"/>
-                </a:cxn>
-                <a:cxn ang="0">
-                  <a:pos x="connsiteX6" y="connsiteY6"/>
-                </a:cxn>
-                <a:cxn ang="0">
-                  <a:pos x="connsiteX7" y="connsiteY7"/>
-                </a:cxn>
-                <a:cxn ang="0">
-                  <a:pos x="connsiteX8" y="connsiteY8"/>
-                </a:cxn>
-                <a:cxn ang="0">
-                  <a:pos x="connsiteX9" y="connsiteY9"/>
-                </a:cxn>
-                <a:cxn ang="0">
-                  <a:pos x="connsiteX10" y="connsiteY10"/>
-                </a:cxn>
-                <a:cxn ang="0">
-                  <a:pos x="connsiteX11" y="connsiteY11"/>
-                </a:cxn>
-                <a:cxn ang="0">
-                  <a:pos x="connsiteX12" y="connsiteY12"/>
-                </a:cxn>
-                <a:cxn ang="0">
-                  <a:pos x="connsiteX13" y="connsiteY13"/>
-                </a:cxn>
-                <a:cxn ang="0">
-                  <a:pos x="connsiteX14" y="connsiteY14"/>
-                </a:cxn>
-                <a:cxn ang="0">
-                  <a:pos x="connsiteX15" y="connsiteY15"/>
-                </a:cxn>
-                <a:cxn ang="0">
-                  <a:pos x="connsiteX16" y="connsiteY16"/>
-                </a:cxn>
-                <a:cxn ang="0">
-                  <a:pos x="connsiteX17" y="connsiteY17"/>
-                </a:cxn>
-                <a:cxn ang="0">
-                  <a:pos x="connsiteX18" y="connsiteY18"/>
-                </a:cxn>
-                <a:cxn ang="0">
-                  <a:pos x="connsiteX19" y="connsiteY19"/>
-                </a:cxn>
-                <a:cxn ang="0">
-                  <a:pos x="connsiteX20" y="connsiteY20"/>
-                </a:cxn>
-                <a:cxn ang="0">
-                  <a:pos x="connsiteX21" y="connsiteY21"/>
-                </a:cxn>
-                <a:cxn ang="0">
-                  <a:pos x="connsiteX22" y="connsiteY22"/>
-                </a:cxn>
-                <a:cxn ang="0">
-                  <a:pos x="connsiteX23" y="connsiteY23"/>
-                </a:cxn>
-                <a:cxn ang="0">
-                  <a:pos x="connsiteX24" y="connsiteY24"/>
-                </a:cxn>
-                <a:cxn ang="0">
-                  <a:pos x="connsiteX25" y="connsiteY25"/>
-                </a:cxn>
-                <a:cxn ang="0">
-                  <a:pos x="connsiteX26" y="connsiteY26"/>
-                </a:cxn>
-                <a:cxn ang="0">
-                  <a:pos x="connsiteX27" y="connsiteY27"/>
-                </a:cxn>
-                <a:cxn ang="0">
-                  <a:pos x="connsiteX28" y="connsiteY28"/>
-                </a:cxn>
-                <a:cxn ang="0">
-                  <a:pos x="connsiteX29" y="connsiteY29"/>
-                </a:cxn>
-                <a:cxn ang="0">
-                  <a:pos x="connsiteX30" y="connsiteY30"/>
-                </a:cxn>
-                <a:cxn ang="0">
-                  <a:pos x="connsiteX31" y="connsiteY31"/>
-                </a:cxn>
-                <a:cxn ang="0">
-                  <a:pos x="connsiteX32" y="connsiteY32"/>
-                </a:cxn>
-                <a:cxn ang="0">
-                  <a:pos x="connsiteX33" y="connsiteY33"/>
-                </a:cxn>
-                <a:cxn ang="0">
-                  <a:pos x="connsiteX34" y="connsiteY34"/>
-                </a:cxn>
-                <a:cxn ang="0">
-                  <a:pos x="connsiteX35" y="connsiteY35"/>
-                </a:cxn>
-                <a:cxn ang="0">
-                  <a:pos x="connsiteX36" y="connsiteY36"/>
-                </a:cxn>
-                <a:cxn ang="0">
-                  <a:pos x="connsiteX37" y="connsiteY37"/>
-                </a:cxn>
-                <a:cxn ang="0">
-                  <a:pos x="connsiteX38" y="connsiteY38"/>
-                </a:cxn>
-                <a:cxn ang="0">
-                  <a:pos x="connsiteX39" y="connsiteY39"/>
-                </a:cxn>
-                <a:cxn ang="0">
-                  <a:pos x="connsiteX40" y="connsiteY40"/>
-                </a:cxn>
-                <a:cxn ang="0">
-                  <a:pos x="connsiteX41" y="connsiteY41"/>
-                </a:cxn>
-                <a:cxn ang="0">
-                  <a:pos x="connsiteX42" y="connsiteY42"/>
-                </a:cxn>
-                <a:cxn ang="0">
-                  <a:pos x="connsiteX43" y="connsiteY43"/>
-                </a:cxn>
-                <a:cxn ang="0">
-                  <a:pos x="connsiteX44" y="connsiteY44"/>
-                </a:cxn>
-                <a:cxn ang="0">
-                  <a:pos x="connsiteX45" y="connsiteY45"/>
-                </a:cxn>
-                <a:cxn ang="0">
-                  <a:pos x="connsiteX46" y="connsiteY46"/>
-                </a:cxn>
-                <a:cxn ang="0">
-                  <a:pos x="connsiteX47" y="connsiteY47"/>
-                </a:cxn>
-                <a:cxn ang="0">
-                  <a:pos x="connsiteX48" y="connsiteY48"/>
-                </a:cxn>
-                <a:cxn ang="0">
-                  <a:pos x="connsiteX49" y="connsiteY49"/>
-                </a:cxn>
-                <a:cxn ang="0">
-                  <a:pos x="connsiteX50" y="connsiteY50"/>
-                </a:cxn>
-                <a:cxn ang="0">
-                  <a:pos x="connsiteX51" y="connsiteY51"/>
-                </a:cxn>
-                <a:cxn ang="0">
-                  <a:pos x="connsiteX52" y="connsiteY52"/>
-                </a:cxn>
-                <a:cxn ang="0">
-                  <a:pos x="connsiteX53" y="connsiteY53"/>
-                </a:cxn>
-                <a:cxn ang="0">
-                  <a:pos x="connsiteX54" y="connsiteY54"/>
-                </a:cxn>
-                <a:cxn ang="0">
-                  <a:pos x="connsiteX55" y="connsiteY55"/>
-                </a:cxn>
-                <a:cxn ang="0">
-                  <a:pos x="connsiteX56" y="connsiteY56"/>
-                </a:cxn>
-                <a:cxn ang="0">
-                  <a:pos x="connsiteX57" y="connsiteY57"/>
-                </a:cxn>
-                <a:cxn ang="0">
-                  <a:pos x="connsiteX58" y="connsiteY58"/>
-                </a:cxn>
-                <a:cxn ang="0">
-                  <a:pos x="connsiteX59" y="connsiteY59"/>
-                </a:cxn>
-                <a:cxn ang="0">
-                  <a:pos x="connsiteX60" y="connsiteY60"/>
-                </a:cxn>
-                <a:cxn ang="0">
-                  <a:pos x="connsiteX61" y="connsiteY61"/>
-                </a:cxn>
-                <a:cxn ang="0">
-                  <a:pos x="connsiteX62" y="connsiteY62"/>
-                </a:cxn>
-                <a:cxn ang="0">
-                  <a:pos x="connsiteX63" y="connsiteY63"/>
-                </a:cxn>
-                <a:cxn ang="0">
-                  <a:pos x="connsiteX64" y="connsiteY64"/>
-                </a:cxn>
-                <a:cxn ang="0">
-                  <a:pos x="connsiteX65" y="connsiteY65"/>
-                </a:cxn>
-                <a:cxn ang="0">
-                  <a:pos x="connsiteX66" y="connsiteY66"/>
-                </a:cxn>
-                <a:cxn ang="0">
-                  <a:pos x="connsiteX67" y="connsiteY67"/>
-                </a:cxn>
-                <a:cxn ang="0">
-                  <a:pos x="connsiteX68" y="connsiteY68"/>
-                </a:cxn>
-                <a:cxn ang="0">
-                  <a:pos x="connsiteX69" y="connsiteY69"/>
-                </a:cxn>
-                <a:cxn ang="0">
-                  <a:pos x="connsiteX70" y="connsiteY70"/>
-                </a:cxn>
-                <a:cxn ang="0">
-                  <a:pos x="connsiteX71" y="connsiteY71"/>
-                </a:cxn>
-                <a:cxn ang="0">
-                  <a:pos x="connsiteX72" y="connsiteY72"/>
-                </a:cxn>
-                <a:cxn ang="0">
-                  <a:pos x="connsiteX73" y="connsiteY73"/>
-                </a:cxn>
-                <a:cxn ang="0">
-                  <a:pos x="connsiteX74" y="connsiteY74"/>
-                </a:cxn>
-                <a:cxn ang="0">
-                  <a:pos x="connsiteX75" y="connsiteY75"/>
-                </a:cxn>
-                <a:cxn ang="0">
-                  <a:pos x="connsiteX76" y="connsiteY76"/>
-                </a:cxn>
-                <a:cxn ang="0">
-                  <a:pos x="connsiteX77" y="connsiteY77"/>
-                </a:cxn>
-                <a:cxn ang="0">
-                  <a:pos x="connsiteX78" y="connsiteY78"/>
-                </a:cxn>
-                <a:cxn ang="0">
-                  <a:pos x="connsiteX79" y="connsiteY79"/>
-                </a:cxn>
-                <a:cxn ang="0">
-                  <a:pos x="connsiteX80" y="connsiteY80"/>
-                </a:cxn>
-                <a:cxn ang="0">
-                  <a:pos x="connsiteX81" y="connsiteY81"/>
-                </a:cxn>
-                <a:cxn ang="0">
-                  <a:pos x="connsiteX82" y="connsiteY82"/>
-                </a:cxn>
-                <a:cxn ang="0">
-                  <a:pos x="connsiteX83" y="connsiteY83"/>
-                </a:cxn>
-                <a:cxn ang="0">
-                  <a:pos x="connsiteX84" y="connsiteY84"/>
-                </a:cxn>
-                <a:cxn ang="0">
-                  <a:pos x="connsiteX85" y="connsiteY85"/>
-                </a:cxn>
-                <a:cxn ang="0">
-                  <a:pos x="connsiteX86" y="connsiteY86"/>
-                </a:cxn>
-                <a:cxn ang="0">
-                  <a:pos x="connsiteX87" y="connsiteY87"/>
-                </a:cxn>
-                <a:cxn ang="0">
-                  <a:pos x="connsiteX88" y="connsiteY88"/>
-                </a:cxn>
-                <a:cxn ang="0">
-                  <a:pos x="connsiteX89" y="connsiteY89"/>
-                </a:cxn>
-                <a:cxn ang="0">
-                  <a:pos x="connsiteX90" y="connsiteY90"/>
-                </a:cxn>
-                <a:cxn ang="0">
-                  <a:pos x="connsiteX91" y="connsiteY91"/>
-                </a:cxn>
-                <a:cxn ang="0">
-                  <a:pos x="connsiteX92" y="connsiteY92"/>
-                </a:cxn>
-                <a:cxn ang="0">
-                  <a:pos x="connsiteX93" y="connsiteY93"/>
-                </a:cxn>
-                <a:cxn ang="0">
-                  <a:pos x="connsiteX94" y="connsiteY94"/>
-                </a:cxn>
-                <a:cxn ang="0">
-                  <a:pos x="connsiteX95" y="connsiteY95"/>
-                </a:cxn>
-                <a:cxn ang="0">
-                  <a:pos x="connsiteX96" y="connsiteY96"/>
-                </a:cxn>
-                <a:cxn ang="0">
-                  <a:pos x="connsiteX97" y="connsiteY97"/>
-                </a:cxn>
-                <a:cxn ang="0">
-                  <a:pos x="connsiteX98" y="connsiteY98"/>
-                </a:cxn>
-                <a:cxn ang="0">
-                  <a:pos x="connsiteX99" y="connsiteY99"/>
-                </a:cxn>
-                <a:cxn ang="0">
-                  <a:pos x="connsiteX100" y="connsiteY100"/>
-                </a:cxn>
-                <a:cxn ang="0">
-                  <a:pos x="connsiteX101" y="connsiteY101"/>
-                </a:cxn>
-              </a:cxnLst>
-              <a:rect l="l" t="t" r="r" b="b"/>
-              <a:pathLst>
-                <a:path w="5822102" h="6685267">
-                  <a:moveTo>
-                    <a:pt x="2605444" y="0"/>
-                  </a:moveTo>
-                  <a:lnTo>
-                    <a:pt x="4757391" y="0"/>
-                  </a:lnTo>
-                  <a:lnTo>
-                    <a:pt x="4913680" y="56274"/>
-                  </a:lnTo>
-                  <a:cubicBezTo>
-                    <a:pt x="5074659" y="119278"/>
-                    <a:pt x="5229483" y="195083"/>
-                    <a:pt x="5376238" y="282027"/>
-                  </a:cubicBezTo>
-                  <a:cubicBezTo>
-                    <a:pt x="5474014" y="340105"/>
-                    <a:pt x="5568080" y="403280"/>
-                    <a:pt x="5658024" y="471014"/>
-                  </a:cubicBezTo>
-                  <a:lnTo>
-                    <a:pt x="5822102" y="609109"/>
-                  </a:lnTo>
-                  <a:lnTo>
-                    <a:pt x="5822102" y="760697"/>
-                  </a:lnTo>
-                  <a:lnTo>
-                    <a:pt x="5707785" y="666601"/>
-                  </a:lnTo>
-                  <a:cubicBezTo>
-                    <a:pt x="5665273" y="633682"/>
-                    <a:pt x="5621749" y="602008"/>
-                    <a:pt x="5577306" y="571666"/>
-                  </a:cubicBezTo>
-                  <a:cubicBezTo>
-                    <a:pt x="5487929" y="511562"/>
-                    <a:pt x="5395118" y="456089"/>
-                    <a:pt x="5298630" y="407449"/>
-                  </a:cubicBezTo>
-                  <a:cubicBezTo>
-                    <a:pt x="5106266" y="309010"/>
-                    <a:pt x="4901153" y="235355"/>
-                    <a:pt x="4690768" y="184979"/>
-                  </a:cubicBezTo>
-                  <a:cubicBezTo>
-                    <a:pt x="4480382" y="134486"/>
-                    <a:pt x="4264724" y="106807"/>
-                    <a:pt x="4048577" y="99280"/>
-                  </a:cubicBezTo>
-                  <a:cubicBezTo>
-                    <a:pt x="3832182" y="90709"/>
-                    <a:pt x="3617997" y="102290"/>
-                    <a:pt x="3405404" y="131937"/>
-                  </a:cubicBezTo>
-                  <a:cubicBezTo>
-                    <a:pt x="3299353" y="147340"/>
-                    <a:pt x="3193915" y="166449"/>
-                    <a:pt x="3089702" y="190190"/>
-                  </a:cubicBezTo>
-                  <a:cubicBezTo>
-                    <a:pt x="2985491" y="214278"/>
-                    <a:pt x="2882137" y="241725"/>
-                    <a:pt x="2780132" y="273457"/>
-                  </a:cubicBezTo>
-                  <a:cubicBezTo>
-                    <a:pt x="2678126" y="305073"/>
-                    <a:pt x="2577348" y="340510"/>
-                    <a:pt x="2478040" y="379654"/>
-                  </a:cubicBezTo>
-                  <a:cubicBezTo>
-                    <a:pt x="2378854" y="418914"/>
-                    <a:pt x="2281017" y="461763"/>
-                    <a:pt x="2184897" y="507972"/>
-                  </a:cubicBezTo>
-                  <a:cubicBezTo>
-                    <a:pt x="1992657" y="600271"/>
-                    <a:pt x="1806791" y="705542"/>
-                    <a:pt x="1629141" y="823205"/>
-                  </a:cubicBezTo>
-                  <a:cubicBezTo>
-                    <a:pt x="1584882" y="852736"/>
-                    <a:pt x="1540745" y="882731"/>
-                    <a:pt x="1497711" y="914000"/>
-                  </a:cubicBezTo>
-                  <a:cubicBezTo>
-                    <a:pt x="1475888" y="929286"/>
-                    <a:pt x="1454555" y="945153"/>
-                    <a:pt x="1433099" y="960903"/>
-                  </a:cubicBezTo>
-                  <a:cubicBezTo>
-                    <a:pt x="1411521" y="976537"/>
-                    <a:pt x="1390311" y="992634"/>
-                    <a:pt x="1369346" y="1008963"/>
-                  </a:cubicBezTo>
-                  <a:cubicBezTo>
-                    <a:pt x="1285119" y="1074165"/>
-                    <a:pt x="1202730" y="1141797"/>
-                    <a:pt x="1123406" y="1212905"/>
-                  </a:cubicBezTo>
-                  <a:cubicBezTo>
-                    <a:pt x="964391" y="1354656"/>
-                    <a:pt x="816900" y="1509261"/>
-                    <a:pt x="684367" y="1675564"/>
-                  </a:cubicBezTo>
-                  <a:cubicBezTo>
-                    <a:pt x="618161" y="1758716"/>
-                    <a:pt x="555512" y="1844763"/>
-                    <a:pt x="497153" y="1933588"/>
-                  </a:cubicBezTo>
-                  <a:cubicBezTo>
-                    <a:pt x="439775" y="2022877"/>
-                    <a:pt x="385584" y="2114367"/>
-                    <a:pt x="337770" y="2208983"/>
-                  </a:cubicBezTo>
-                  <a:cubicBezTo>
-                    <a:pt x="325388" y="2232493"/>
-                    <a:pt x="313862" y="2256349"/>
-                    <a:pt x="302461" y="2280207"/>
-                  </a:cubicBezTo>
-                  <a:lnTo>
-                    <a:pt x="285296" y="2316107"/>
-                  </a:lnTo>
-                  <a:lnTo>
-                    <a:pt x="268991" y="2352355"/>
-                  </a:lnTo>
-                  <a:cubicBezTo>
-                    <a:pt x="258324" y="2376560"/>
-                    <a:pt x="247535" y="2400764"/>
-                    <a:pt x="237849" y="2425432"/>
-                  </a:cubicBezTo>
-                  <a:cubicBezTo>
-                    <a:pt x="228163" y="2450099"/>
-                    <a:pt x="217498" y="2474419"/>
-                    <a:pt x="208670" y="2499319"/>
-                  </a:cubicBezTo>
-                  <a:cubicBezTo>
-                    <a:pt x="170909" y="2598219"/>
-                    <a:pt x="138908" y="2699206"/>
-                    <a:pt x="113775" y="2801929"/>
-                  </a:cubicBezTo>
-                  <a:cubicBezTo>
-                    <a:pt x="62773" y="3006911"/>
-                    <a:pt x="36659" y="3217917"/>
-                    <a:pt x="36781" y="3428922"/>
-                  </a:cubicBezTo>
-                  <a:cubicBezTo>
-                    <a:pt x="37394" y="3534078"/>
-                    <a:pt x="47816" y="3639001"/>
-                    <a:pt x="69148" y="3741955"/>
-                  </a:cubicBezTo>
-                  <a:cubicBezTo>
-                    <a:pt x="91585" y="3844679"/>
-                    <a:pt x="124074" y="3945202"/>
-                    <a:pt x="167966" y="4041323"/>
-                  </a:cubicBezTo>
-                  <a:cubicBezTo>
-                    <a:pt x="178387" y="4065528"/>
-                    <a:pt x="190525" y="4089153"/>
-                    <a:pt x="202049" y="4112894"/>
-                  </a:cubicBezTo>
-                  <a:cubicBezTo>
-                    <a:pt x="214555" y="4136288"/>
-                    <a:pt x="226447" y="4159912"/>
-                    <a:pt x="239933" y="4182843"/>
-                  </a:cubicBezTo>
-                  <a:cubicBezTo>
-                    <a:pt x="265680" y="4229167"/>
-                    <a:pt x="294368" y="4274101"/>
-                    <a:pt x="323916" y="4318456"/>
-                  </a:cubicBezTo>
-                  <a:cubicBezTo>
-                    <a:pt x="353341" y="4362927"/>
-                    <a:pt x="384849" y="4406240"/>
-                    <a:pt x="416604" y="4449436"/>
-                  </a:cubicBezTo>
-                  <a:cubicBezTo>
-                    <a:pt x="448847" y="4492286"/>
-                    <a:pt x="482319" y="4534557"/>
-                    <a:pt x="515911" y="4576711"/>
-                  </a:cubicBezTo>
-                  <a:cubicBezTo>
-                    <a:pt x="583219" y="4661137"/>
-                    <a:pt x="653594" y="4743825"/>
-                    <a:pt x="722619" y="4828482"/>
-                  </a:cubicBezTo>
-                  <a:cubicBezTo>
-                    <a:pt x="757315" y="4870637"/>
-                    <a:pt x="791889" y="4913138"/>
-                    <a:pt x="825972" y="4956104"/>
-                  </a:cubicBezTo>
-                  <a:cubicBezTo>
-                    <a:pt x="859934" y="4998722"/>
-                    <a:pt x="893649" y="5044004"/>
-                    <a:pt x="926506" y="5085347"/>
-                  </a:cubicBezTo>
-                  <a:cubicBezTo>
-                    <a:pt x="959119" y="5127734"/>
-                    <a:pt x="993324" y="5168847"/>
-                    <a:pt x="1027040" y="5210191"/>
-                  </a:cubicBezTo>
-                  <a:cubicBezTo>
-                    <a:pt x="1061737" y="5250840"/>
-                    <a:pt x="1096188" y="5291488"/>
-                    <a:pt x="1132110" y="5330748"/>
-                  </a:cubicBezTo>
-                  <a:cubicBezTo>
-                    <a:pt x="1203465" y="5409731"/>
-                    <a:pt x="1277639" y="5485818"/>
-                    <a:pt x="1354880" y="5558083"/>
-                  </a:cubicBezTo>
-                  <a:cubicBezTo>
-                    <a:pt x="1509603" y="5702266"/>
-                    <a:pt x="1676588" y="5830930"/>
-                    <a:pt x="1855220" y="5937591"/>
-                  </a:cubicBezTo>
-                  <a:cubicBezTo>
-                    <a:pt x="1944720" y="5990632"/>
-                    <a:pt x="2036549" y="6039272"/>
-                    <a:pt x="2131810" y="6080268"/>
-                  </a:cubicBezTo>
-                  <a:cubicBezTo>
-                    <a:pt x="2226460" y="6122423"/>
-                    <a:pt x="2324173" y="6157977"/>
-                    <a:pt x="2423726" y="6188087"/>
-                  </a:cubicBezTo>
-                  <a:cubicBezTo>
-                    <a:pt x="2523280" y="6218313"/>
-                    <a:pt x="2624794" y="6242749"/>
-                    <a:pt x="2727780" y="6262552"/>
-                  </a:cubicBezTo>
-                  <a:cubicBezTo>
-                    <a:pt x="2830890" y="6282008"/>
-                    <a:pt x="2935714" y="6295326"/>
-                    <a:pt x="3041276" y="6304245"/>
-                  </a:cubicBezTo>
-                  <a:cubicBezTo>
-                    <a:pt x="3146836" y="6313277"/>
-                    <a:pt x="3253499" y="6317215"/>
-                    <a:pt x="3360532" y="6317331"/>
-                  </a:cubicBezTo>
-                  <a:cubicBezTo>
-                    <a:pt x="3387259" y="6317331"/>
-                    <a:pt x="3414354" y="6317794"/>
-                    <a:pt x="3439855" y="6316751"/>
-                  </a:cubicBezTo>
-                  <a:lnTo>
-                    <a:pt x="3478721" y="6315826"/>
-                  </a:lnTo>
-                  <a:lnTo>
-                    <a:pt x="3517463" y="6313971"/>
-                  </a:lnTo>
-                  <a:cubicBezTo>
-                    <a:pt x="3569078" y="6311772"/>
-                    <a:pt x="3620449" y="6306907"/>
-                    <a:pt x="3671452" y="6301233"/>
-                  </a:cubicBezTo>
-                  <a:cubicBezTo>
-                    <a:pt x="3875707" y="6277608"/>
-                    <a:pt x="4074445" y="6225841"/>
-                    <a:pt x="4265460" y="6149638"/>
-                  </a:cubicBezTo>
-                  <a:cubicBezTo>
-                    <a:pt x="4361212" y="6111884"/>
-                    <a:pt x="4454636" y="6067065"/>
-                    <a:pt x="4546587" y="6018079"/>
-                  </a:cubicBezTo>
-                  <a:cubicBezTo>
-                    <a:pt x="4638662" y="5969322"/>
-                    <a:pt x="4729020" y="5915240"/>
-                    <a:pt x="4818030" y="5858029"/>
-                  </a:cubicBezTo>
-                  <a:cubicBezTo>
-                    <a:pt x="4907038" y="5800703"/>
-                    <a:pt x="4994577" y="5739672"/>
-                    <a:pt x="5081870" y="5676903"/>
-                  </a:cubicBezTo>
-                  <a:cubicBezTo>
-                    <a:pt x="5125392" y="5645519"/>
-                    <a:pt x="5168794" y="5613324"/>
-                    <a:pt x="5212073" y="5581013"/>
-                  </a:cubicBezTo>
-                  <a:lnTo>
-                    <a:pt x="5343625" y="5481533"/>
-                  </a:lnTo>
-                  <a:cubicBezTo>
-                    <a:pt x="5432696" y="5414768"/>
-                    <a:pt x="5521951" y="5349452"/>
-                    <a:pt x="5610378" y="5284425"/>
-                  </a:cubicBezTo>
-                  <a:lnTo>
-                    <a:pt x="5822102" y="5126414"/>
-                  </a:lnTo>
-                  <a:lnTo>
-                    <a:pt x="5822102" y="5556641"/>
-                  </a:lnTo>
-                  <a:lnTo>
-                    <a:pt x="5576325" y="5749979"/>
-                  </a:lnTo>
-                  <a:lnTo>
-                    <a:pt x="5447715" y="5852818"/>
-                  </a:lnTo>
-                  <a:cubicBezTo>
-                    <a:pt x="5403945" y="5887445"/>
-                    <a:pt x="5359932" y="5922073"/>
-                    <a:pt x="5315059" y="5956236"/>
-                  </a:cubicBezTo>
-                  <a:cubicBezTo>
-                    <a:pt x="5225682" y="6024680"/>
-                    <a:pt x="5133976" y="6091734"/>
-                    <a:pt x="5038468" y="6155776"/>
-                  </a:cubicBezTo>
-                  <a:cubicBezTo>
-                    <a:pt x="4943084" y="6219703"/>
-                    <a:pt x="4845002" y="6281777"/>
-                    <a:pt x="4741892" y="6338292"/>
-                  </a:cubicBezTo>
-                  <a:cubicBezTo>
-                    <a:pt x="4638784" y="6394692"/>
-                    <a:pt x="4532120" y="6447038"/>
-                    <a:pt x="4420920" y="6492203"/>
-                  </a:cubicBezTo>
-                  <a:cubicBezTo>
-                    <a:pt x="4199255" y="6583693"/>
-                    <a:pt x="3959813" y="6644840"/>
-                    <a:pt x="3717672" y="6670434"/>
-                  </a:cubicBezTo>
-                  <a:cubicBezTo>
-                    <a:pt x="3657106" y="6676456"/>
-                    <a:pt x="3596419" y="6681321"/>
-                    <a:pt x="3535853" y="6683289"/>
-                  </a:cubicBezTo>
-                  <a:lnTo>
-                    <a:pt x="3490367" y="6684910"/>
-                  </a:lnTo>
-                  <a:lnTo>
-                    <a:pt x="3445005" y="6685142"/>
-                  </a:lnTo>
-                  <a:cubicBezTo>
-                    <a:pt x="3414354" y="6685605"/>
-                    <a:pt x="3385297" y="6684679"/>
-                    <a:pt x="3355872" y="6684100"/>
-                  </a:cubicBezTo>
-                  <a:cubicBezTo>
-                    <a:pt x="3297146" y="6683405"/>
-                    <a:pt x="3238052" y="6680047"/>
-                    <a:pt x="3179203" y="6677150"/>
-                  </a:cubicBezTo>
-                  <a:cubicBezTo>
-                    <a:pt x="3120232" y="6672519"/>
-                    <a:pt x="3061259" y="6668233"/>
-                    <a:pt x="3002410" y="6661169"/>
-                  </a:cubicBezTo>
-                  <a:cubicBezTo>
-                    <a:pt x="2884589" y="6647851"/>
-                    <a:pt x="2766891" y="6629669"/>
-                    <a:pt x="2650296" y="6604191"/>
-                  </a:cubicBezTo>
-                  <a:cubicBezTo>
-                    <a:pt x="2533702" y="6578713"/>
-                    <a:pt x="2418456" y="6545938"/>
-                    <a:pt x="2306028" y="6505869"/>
-                  </a:cubicBezTo>
-                  <a:cubicBezTo>
-                    <a:pt x="2193602" y="6465683"/>
-                    <a:pt x="2084118" y="6417738"/>
-                    <a:pt x="1978803" y="6363307"/>
-                  </a:cubicBezTo>
-                  <a:cubicBezTo>
-                    <a:pt x="1873855" y="6308066"/>
-                    <a:pt x="1773077" y="6246340"/>
-                    <a:pt x="1678428" y="6177779"/>
-                  </a:cubicBezTo>
-                  <a:cubicBezTo>
-                    <a:pt x="1488393" y="6041356"/>
-                    <a:pt x="1321900" y="5881423"/>
-                    <a:pt x="1175880" y="5710373"/>
-                  </a:cubicBezTo>
-                  <a:cubicBezTo>
-                    <a:pt x="1103177" y="5624441"/>
-                    <a:pt x="1035501" y="5535732"/>
-                    <a:pt x="971502" y="5445399"/>
-                  </a:cubicBezTo>
-                  <a:cubicBezTo>
-                    <a:pt x="907380" y="5355069"/>
-                    <a:pt x="847550" y="5262768"/>
-                    <a:pt x="790909" y="5169078"/>
-                  </a:cubicBezTo>
-                  <a:cubicBezTo>
-                    <a:pt x="761974" y="5121712"/>
-                    <a:pt x="735492" y="5077357"/>
-                    <a:pt x="706680" y="5031959"/>
-                  </a:cubicBezTo>
-                  <a:cubicBezTo>
-                    <a:pt x="678114" y="4986910"/>
-                    <a:pt x="649058" y="4941860"/>
-                    <a:pt x="619143" y="4897157"/>
-                  </a:cubicBezTo>
-                  <a:lnTo>
-                    <a:pt x="436465" y="4628710"/>
-                  </a:lnTo>
-                  <a:cubicBezTo>
-                    <a:pt x="406182" y="4583544"/>
-                    <a:pt x="376267" y="4538147"/>
-                    <a:pt x="347088" y="4492171"/>
-                  </a:cubicBezTo>
-                  <a:cubicBezTo>
-                    <a:pt x="317908" y="4446194"/>
-                    <a:pt x="288974" y="4400102"/>
-                    <a:pt x="262001" y="4352619"/>
-                  </a:cubicBezTo>
-                  <a:cubicBezTo>
-                    <a:pt x="207934" y="4258119"/>
-                    <a:pt x="158280" y="4160840"/>
-                    <a:pt x="118679" y="4059853"/>
-                  </a:cubicBezTo>
-                  <a:cubicBezTo>
-                    <a:pt x="78343" y="3959214"/>
-                    <a:pt x="48429" y="3854870"/>
-                    <a:pt x="28322" y="3749136"/>
-                  </a:cubicBezTo>
-                  <a:cubicBezTo>
-                    <a:pt x="9073" y="3643402"/>
-                    <a:pt x="0" y="3536046"/>
-                    <a:pt x="0" y="3428922"/>
-                  </a:cubicBezTo>
-                  <a:cubicBezTo>
-                    <a:pt x="1594" y="3001816"/>
-                    <a:pt x="89010" y="2575868"/>
-                    <a:pt x="253052" y="2174356"/>
-                  </a:cubicBezTo>
-                  <a:cubicBezTo>
-                    <a:pt x="294246" y="2074066"/>
-                    <a:pt x="338873" y="1974700"/>
-                    <a:pt x="389141" y="1877652"/>
-                  </a:cubicBezTo>
-                  <a:cubicBezTo>
-                    <a:pt x="438672" y="1780256"/>
-                    <a:pt x="493230" y="1684945"/>
-                    <a:pt x="552079" y="1591834"/>
-                  </a:cubicBezTo>
-                  <a:cubicBezTo>
-                    <a:pt x="669900" y="1405728"/>
-                    <a:pt x="804394" y="1227729"/>
-                    <a:pt x="954950" y="1061773"/>
-                  </a:cubicBezTo>
-                  <a:cubicBezTo>
-                    <a:pt x="1030597" y="979085"/>
-                    <a:pt x="1109552" y="898829"/>
-                    <a:pt x="1192922" y="822626"/>
-                  </a:cubicBezTo>
-                  <a:cubicBezTo>
-                    <a:pt x="1213642" y="803402"/>
-                    <a:pt x="1234483" y="784409"/>
-                    <a:pt x="1255939" y="765880"/>
-                  </a:cubicBezTo>
-                  <a:cubicBezTo>
-                    <a:pt x="1277273" y="747234"/>
-                    <a:pt x="1298237" y="728241"/>
-                    <a:pt x="1320183" y="710291"/>
-                  </a:cubicBezTo>
-                  <a:cubicBezTo>
-                    <a:pt x="1363585" y="673811"/>
-                    <a:pt x="1408088" y="638489"/>
-                    <a:pt x="1452961" y="603514"/>
-                  </a:cubicBezTo>
-                  <a:cubicBezTo>
-                    <a:pt x="1633310" y="464543"/>
-                    <a:pt x="1828125" y="341437"/>
-                    <a:pt x="2033360" y="235818"/>
-                  </a:cubicBezTo>
-                  <a:cubicBezTo>
-                    <a:pt x="2187242" y="156561"/>
-                    <a:pt x="2347554" y="87597"/>
-                    <a:pt x="2512513" y="30012"/>
-                  </a:cubicBezTo>
-                  <a:close/>
-                </a:path>
-              </a:pathLst>
-            </a:custGeom>
-            <a:gradFill>
-              <a:gsLst>
-                <a:gs pos="2000">
-                  <a:schemeClr val="bg1">
-                    <a:alpha val="10000"/>
-                  </a:schemeClr>
-                </a:gs>
-                <a:gs pos="16000">
-                  <a:schemeClr val="accent6">
-                    <a:alpha val="10000"/>
-                  </a:schemeClr>
-                </a:gs>
-                <a:gs pos="100000">
-                  <a:schemeClr val="bg1">
-                    <a:alpha val="10000"/>
-                  </a:schemeClr>
-                </a:gs>
-                <a:gs pos="85000">
-                  <a:schemeClr val="accent1">
-                    <a:alpha val="10000"/>
-                  </a:schemeClr>
-                </a:gs>
-              </a:gsLst>
-              <a:lin ang="12000000" scaled="0"/>
-            </a:gradFill>
-            <a:ln>
-              <a:noFill/>
-            </a:ln>
-          </p:spPr>
-          <p:style>
-            <a:lnRef idx="2">
-              <a:schemeClr val="accent1">
-                <a:shade val="50000"/>
-              </a:schemeClr>
-            </a:lnRef>
-            <a:fillRef idx="1">
-              <a:schemeClr val="accent1"/>
-            </a:fillRef>
-            <a:effectRef idx="0">
-              <a:schemeClr val="accent1"/>
-            </a:effectRef>
-            <a:fontRef idx="minor">
-              <a:schemeClr val="lt1"/>
-            </a:fontRef>
-          </p:style>
-          <p:txBody>
-            <a:bodyPr rtlCol="0" anchor="ctr"/>
-            <a:lstStyle/>
-            <a:p>
-              <a:pPr algn="ctr"/>
-              <a:endParaRPr lang="en-US"/>
-            </a:p>
-          </p:txBody>
-        </p:sp>
-        <p:sp>
-          <p:nvSpPr>
-            <p:cNvPr id="16" name="Freeform: Shape 15">
-              <a:extLst>
-                <a:ext uri="{FF2B5EF4-FFF2-40B4-BE49-F238E27FC236}">
-                  <a16:creationId xmlns:a16="http://schemas.microsoft.com/office/drawing/2014/main" id="{15102EBE-A80F-4CFF-B1DD-941EF9728B54}"/>
-                </a:ext>
-                <a:ext uri="{C183D7F6-B498-43B3-948B-1728B52AA6E4}">
-                  <adec:decorative xmlns:adec="http://schemas.microsoft.com/office/drawing/2017/decorative" val="1"/>
-                </a:ext>
-              </a:extLst>
-            </p:cNvPr>
-            <p:cNvSpPr/>
-            <p:nvPr>
-              <p:extLst>
-                <p:ext uri="{386F3935-93C4-4BCD-93E2-E3B085C9AB24}">
-                  <p16:designElem xmlns:p16="http://schemas.microsoft.com/office/powerpoint/2015/main" val="1"/>
-                </p:ext>
-              </p:extLst>
-            </p:nvPr>
-          </p:nvSpPr>
-          <p:spPr>
-            <a:xfrm>
-              <a:off x="6404998" y="98659"/>
-              <a:ext cx="5774333" cy="6315453"/>
-            </a:xfrm>
-            <a:custGeom>
-              <a:avLst/>
-              <a:gdLst>
-                <a:gd name="connsiteX0" fmla="*/ 3707237 w 5774333"/>
-                <a:gd name="connsiteY0" fmla="*/ 1489 h 6315453"/>
-                <a:gd name="connsiteX1" fmla="*/ 4037665 w 5774333"/>
-                <a:gd name="connsiteY1" fmla="*/ 6121 h 6315453"/>
-                <a:gd name="connsiteX2" fmla="*/ 4692239 w 5774333"/>
-                <a:gd name="connsiteY2" fmla="*/ 102128 h 6315453"/>
-                <a:gd name="connsiteX3" fmla="*/ 5315059 w 5774333"/>
-                <a:gd name="connsiteY3" fmla="*/ 324945 h 6315453"/>
-                <a:gd name="connsiteX4" fmla="*/ 5738325 w 5774333"/>
-                <a:gd name="connsiteY4" fmla="*/ 578286 h 6315453"/>
-                <a:gd name="connsiteX5" fmla="*/ 5774333 w 5774333"/>
-                <a:gd name="connsiteY5" fmla="*/ 606551 h 6315453"/>
-                <a:gd name="connsiteX6" fmla="*/ 5774333 w 5774333"/>
-                <a:gd name="connsiteY6" fmla="*/ 975490 h 6315453"/>
-                <a:gd name="connsiteX7" fmla="*/ 5676001 w 5774333"/>
-                <a:gd name="connsiteY7" fmla="*/ 889749 h 6315453"/>
-                <a:gd name="connsiteX8" fmla="*/ 5177132 w 5774333"/>
-                <a:gd name="connsiteY8" fmla="*/ 581926 h 6315453"/>
-                <a:gd name="connsiteX9" fmla="*/ 4615735 w 5774333"/>
-                <a:gd name="connsiteY9" fmla="*/ 388640 h 6315453"/>
-                <a:gd name="connsiteX10" fmla="*/ 4020010 w 5774333"/>
-                <a:gd name="connsiteY10" fmla="*/ 308500 h 6315453"/>
-                <a:gd name="connsiteX11" fmla="*/ 3416315 w 5774333"/>
-                <a:gd name="connsiteY11" fmla="*/ 328882 h 6315453"/>
-                <a:gd name="connsiteX12" fmla="*/ 2823779 w 5774333"/>
-                <a:gd name="connsiteY12" fmla="*/ 446545 h 6315453"/>
-                <a:gd name="connsiteX13" fmla="*/ 2256987 w 5774333"/>
-                <a:gd name="connsiteY13" fmla="*/ 651296 h 6315453"/>
-                <a:gd name="connsiteX14" fmla="*/ 1244169 w 5774333"/>
-                <a:gd name="connsiteY14" fmla="*/ 1280374 h 6315453"/>
-                <a:gd name="connsiteX15" fmla="*/ 830141 w 5774333"/>
-                <a:gd name="connsiteY15" fmla="*/ 1700184 h 6315453"/>
-                <a:gd name="connsiteX16" fmla="*/ 502792 w 5774333"/>
-                <a:gd name="connsiteY16" fmla="*/ 2182300 h 6315453"/>
-                <a:gd name="connsiteX17" fmla="*/ 280637 w 5774333"/>
-                <a:gd name="connsiteY17" fmla="*/ 2715256 h 6315453"/>
-                <a:gd name="connsiteX18" fmla="*/ 199843 w 5774333"/>
-                <a:gd name="connsiteY18" fmla="*/ 3283418 h 6315453"/>
-                <a:gd name="connsiteX19" fmla="*/ 233926 w 5774333"/>
-                <a:gd name="connsiteY19" fmla="*/ 3561593 h 6315453"/>
-                <a:gd name="connsiteX20" fmla="*/ 334582 w 5774333"/>
-                <a:gd name="connsiteY20" fmla="*/ 3821816 h 6315453"/>
-                <a:gd name="connsiteX21" fmla="*/ 404834 w 5774333"/>
-                <a:gd name="connsiteY21" fmla="*/ 3944343 h 6315453"/>
-                <a:gd name="connsiteX22" fmla="*/ 485506 w 5774333"/>
-                <a:gd name="connsiteY22" fmla="*/ 4062932 h 6315453"/>
-                <a:gd name="connsiteX23" fmla="*/ 671861 w 5774333"/>
-                <a:gd name="connsiteY23" fmla="*/ 4292120 h 6315453"/>
-                <a:gd name="connsiteX24" fmla="*/ 873542 w 5774333"/>
-                <a:gd name="connsiteY24" fmla="*/ 4523044 h 6315453"/>
-                <a:gd name="connsiteX25" fmla="*/ 973831 w 5774333"/>
-                <a:gd name="connsiteY25" fmla="*/ 4643601 h 6315453"/>
-                <a:gd name="connsiteX26" fmla="*/ 1022014 w 5774333"/>
-                <a:gd name="connsiteY26" fmla="*/ 4702780 h 6315453"/>
-                <a:gd name="connsiteX27" fmla="*/ 1069215 w 5774333"/>
-                <a:gd name="connsiteY27" fmla="*/ 4759411 h 6315453"/>
-                <a:gd name="connsiteX28" fmla="*/ 1474784 w 5774333"/>
-                <a:gd name="connsiteY28" fmla="*/ 5177948 h 6315453"/>
-                <a:gd name="connsiteX29" fmla="*/ 1690442 w 5774333"/>
-                <a:gd name="connsiteY29" fmla="*/ 5366255 h 6315453"/>
-                <a:gd name="connsiteX30" fmla="*/ 1916276 w 5774333"/>
-                <a:gd name="connsiteY30" fmla="*/ 5539852 h 6315453"/>
-                <a:gd name="connsiteX31" fmla="*/ 2420784 w 5774333"/>
-                <a:gd name="connsiteY31" fmla="*/ 5814437 h 6315453"/>
-                <a:gd name="connsiteX32" fmla="*/ 2703015 w 5774333"/>
-                <a:gd name="connsiteY32" fmla="*/ 5892029 h 6315453"/>
-                <a:gd name="connsiteX33" fmla="*/ 2775350 w 5774333"/>
-                <a:gd name="connsiteY33" fmla="*/ 5905695 h 6315453"/>
-                <a:gd name="connsiteX34" fmla="*/ 2848299 w 5774333"/>
-                <a:gd name="connsiteY34" fmla="*/ 5917161 h 6315453"/>
-                <a:gd name="connsiteX35" fmla="*/ 2995544 w 5774333"/>
-                <a:gd name="connsiteY35" fmla="*/ 5933605 h 6315453"/>
-                <a:gd name="connsiteX36" fmla="*/ 3069596 w 5774333"/>
-                <a:gd name="connsiteY36" fmla="*/ 5938933 h 6315453"/>
-                <a:gd name="connsiteX37" fmla="*/ 3143894 w 5774333"/>
-                <a:gd name="connsiteY37" fmla="*/ 5942639 h 6315453"/>
-                <a:gd name="connsiteX38" fmla="*/ 3218436 w 5774333"/>
-                <a:gd name="connsiteY38" fmla="*/ 5944260 h 6315453"/>
-                <a:gd name="connsiteX39" fmla="*/ 3293101 w 5774333"/>
-                <a:gd name="connsiteY39" fmla="*/ 5943913 h 6315453"/>
-                <a:gd name="connsiteX40" fmla="*/ 3330494 w 5774333"/>
-                <a:gd name="connsiteY40" fmla="*/ 5943565 h 6315453"/>
-                <a:gd name="connsiteX41" fmla="*/ 3366540 w 5774333"/>
-                <a:gd name="connsiteY41" fmla="*/ 5942059 h 6315453"/>
-                <a:gd name="connsiteX42" fmla="*/ 3402462 w 5774333"/>
-                <a:gd name="connsiteY42" fmla="*/ 5940323 h 6315453"/>
-                <a:gd name="connsiteX43" fmla="*/ 3438262 w 5774333"/>
-                <a:gd name="connsiteY43" fmla="*/ 5937543 h 6315453"/>
-                <a:gd name="connsiteX44" fmla="*/ 3580236 w 5774333"/>
-                <a:gd name="connsiteY44" fmla="*/ 5920982 h 6315453"/>
-                <a:gd name="connsiteX45" fmla="*/ 4121034 w 5774333"/>
-                <a:gd name="connsiteY45" fmla="*/ 5753290 h 6315453"/>
-                <a:gd name="connsiteX46" fmla="*/ 4620639 w 5774333"/>
-                <a:gd name="connsiteY46" fmla="*/ 5459364 h 6315453"/>
-                <a:gd name="connsiteX47" fmla="*/ 4741771 w 5774333"/>
-                <a:gd name="connsiteY47" fmla="*/ 5372971 h 6315453"/>
-                <a:gd name="connsiteX48" fmla="*/ 4862901 w 5774333"/>
-                <a:gd name="connsiteY48" fmla="*/ 5283682 h 6315453"/>
-                <a:gd name="connsiteX49" fmla="*/ 5108229 w 5774333"/>
-                <a:gd name="connsiteY49" fmla="*/ 5098386 h 6315453"/>
-                <a:gd name="connsiteX50" fmla="*/ 5612493 w 5774333"/>
-                <a:gd name="connsiteY50" fmla="*/ 4739724 h 6315453"/>
-                <a:gd name="connsiteX51" fmla="*/ 5774333 w 5774333"/>
-                <a:gd name="connsiteY51" fmla="*/ 4623488 h 6315453"/>
-                <a:gd name="connsiteX52" fmla="*/ 5774333 w 5774333"/>
-                <a:gd name="connsiteY52" fmla="*/ 5232926 h 6315453"/>
-                <a:gd name="connsiteX53" fmla="*/ 5676492 w 5774333"/>
-                <a:gd name="connsiteY53" fmla="*/ 5306859 h 6315453"/>
-                <a:gd name="connsiteX54" fmla="*/ 5426260 w 5774333"/>
-                <a:gd name="connsiteY54" fmla="*/ 5486233 h 6315453"/>
-                <a:gd name="connsiteX55" fmla="*/ 5300225 w 5774333"/>
-                <a:gd name="connsiteY55" fmla="*/ 5576217 h 6315453"/>
-                <a:gd name="connsiteX56" fmla="*/ 5170757 w 5774333"/>
-                <a:gd name="connsiteY56" fmla="*/ 5666780 h 6315453"/>
-                <a:gd name="connsiteX57" fmla="*/ 5038100 w 5774333"/>
-                <a:gd name="connsiteY57" fmla="*/ 5756185 h 6315453"/>
-                <a:gd name="connsiteX58" fmla="*/ 4901276 w 5774333"/>
-                <a:gd name="connsiteY58" fmla="*/ 5843043 h 6315453"/>
-                <a:gd name="connsiteX59" fmla="*/ 4614019 w 5774333"/>
-                <a:gd name="connsiteY59" fmla="*/ 6006103 h 6315453"/>
-                <a:gd name="connsiteX60" fmla="*/ 4305061 w 5774333"/>
-                <a:gd name="connsiteY60" fmla="*/ 6144726 h 6315453"/>
-                <a:gd name="connsiteX61" fmla="*/ 3632710 w 5774333"/>
-                <a:gd name="connsiteY61" fmla="*/ 6304196 h 6315453"/>
-                <a:gd name="connsiteX62" fmla="*/ 3459594 w 5774333"/>
-                <a:gd name="connsiteY62" fmla="*/ 6314504 h 6315453"/>
-                <a:gd name="connsiteX63" fmla="*/ 3416315 w 5774333"/>
-                <a:gd name="connsiteY63" fmla="*/ 6315429 h 6315453"/>
-                <a:gd name="connsiteX64" fmla="*/ 3373159 w 5774333"/>
-                <a:gd name="connsiteY64" fmla="*/ 6315198 h 6315453"/>
-                <a:gd name="connsiteX65" fmla="*/ 3330127 w 5774333"/>
-                <a:gd name="connsiteY65" fmla="*/ 6314735 h 6315453"/>
-                <a:gd name="connsiteX66" fmla="*/ 3288320 w 5774333"/>
-                <a:gd name="connsiteY66" fmla="*/ 6313230 h 6315453"/>
-                <a:gd name="connsiteX67" fmla="*/ 2954350 w 5774333"/>
-                <a:gd name="connsiteY67" fmla="*/ 6288098 h 6315453"/>
-                <a:gd name="connsiteX68" fmla="*/ 2622466 w 5774333"/>
-                <a:gd name="connsiteY68" fmla="*/ 6232742 h 6315453"/>
-                <a:gd name="connsiteX69" fmla="*/ 2296466 w 5774333"/>
-                <a:gd name="connsiteY69" fmla="*/ 6146001 h 6315453"/>
-                <a:gd name="connsiteX70" fmla="*/ 1672419 w 5774333"/>
-                <a:gd name="connsiteY70" fmla="*/ 5885197 h 6315453"/>
-                <a:gd name="connsiteX71" fmla="*/ 1146578 w 5774333"/>
-                <a:gd name="connsiteY71" fmla="*/ 5479168 h 6315453"/>
-                <a:gd name="connsiteX72" fmla="*/ 933372 w 5774333"/>
-                <a:gd name="connsiteY72" fmla="*/ 5234810 h 6315453"/>
-                <a:gd name="connsiteX73" fmla="*/ 747140 w 5774333"/>
-                <a:gd name="connsiteY73" fmla="*/ 4976091 h 6315453"/>
-                <a:gd name="connsiteX74" fmla="*/ 703616 w 5774333"/>
-                <a:gd name="connsiteY74" fmla="*/ 4910196 h 6315453"/>
-                <a:gd name="connsiteX75" fmla="*/ 662053 w 5774333"/>
-                <a:gd name="connsiteY75" fmla="*/ 4846269 h 6315453"/>
-                <a:gd name="connsiteX76" fmla="*/ 580033 w 5774333"/>
-                <a:gd name="connsiteY76" fmla="*/ 4722352 h 6315453"/>
-                <a:gd name="connsiteX77" fmla="*/ 410105 w 5774333"/>
-                <a:gd name="connsiteY77" fmla="*/ 4469193 h 6315453"/>
-                <a:gd name="connsiteX78" fmla="*/ 244224 w 5774333"/>
-                <a:gd name="connsiteY78" fmla="*/ 4201556 h 6315453"/>
-                <a:gd name="connsiteX79" fmla="*/ 169437 w 5774333"/>
-                <a:gd name="connsiteY79" fmla="*/ 4059690 h 6315453"/>
-                <a:gd name="connsiteX80" fmla="*/ 105929 w 5774333"/>
-                <a:gd name="connsiteY80" fmla="*/ 3911221 h 6315453"/>
-                <a:gd name="connsiteX81" fmla="*/ 57256 w 5774333"/>
-                <a:gd name="connsiteY81" fmla="*/ 3757195 h 6315453"/>
-                <a:gd name="connsiteX82" fmla="*/ 39111 w 5774333"/>
-                <a:gd name="connsiteY82" fmla="*/ 3678677 h 6315453"/>
-                <a:gd name="connsiteX83" fmla="*/ 31142 w 5774333"/>
-                <a:gd name="connsiteY83" fmla="*/ 3639300 h 6315453"/>
-                <a:gd name="connsiteX84" fmla="*/ 24521 w 5774333"/>
-                <a:gd name="connsiteY84" fmla="*/ 3599809 h 6315453"/>
-                <a:gd name="connsiteX85" fmla="*/ 0 w 5774333"/>
-                <a:gd name="connsiteY85" fmla="*/ 3283418 h 6315453"/>
-                <a:gd name="connsiteX86" fmla="*/ 68045 w 5774333"/>
-                <a:gd name="connsiteY86" fmla="*/ 2666963 h 6315453"/>
-                <a:gd name="connsiteX87" fmla="*/ 272546 w 5774333"/>
-                <a:gd name="connsiteY87" fmla="*/ 2076334 h 6315453"/>
-                <a:gd name="connsiteX88" fmla="*/ 1039300 w 5774333"/>
-                <a:gd name="connsiteY88" fmla="*/ 1073307 h 6315453"/>
-                <a:gd name="connsiteX89" fmla="*/ 1547733 w 5774333"/>
-                <a:gd name="connsiteY89" fmla="*/ 680365 h 6315453"/>
-                <a:gd name="connsiteX90" fmla="*/ 2115995 w 5774333"/>
-                <a:gd name="connsiteY90" fmla="*/ 368373 h 6315453"/>
-                <a:gd name="connsiteX91" fmla="*/ 3377451 w 5774333"/>
-                <a:gd name="connsiteY91" fmla="*/ 24304 h 6315453"/>
-                <a:gd name="connsiteX92" fmla="*/ 3707237 w 5774333"/>
-                <a:gd name="connsiteY92" fmla="*/ 1489 h 6315453"/>
-              </a:gdLst>
-              <a:ahLst/>
-              <a:cxnLst>
-                <a:cxn ang="0">
-                  <a:pos x="connsiteX0" y="connsiteY0"/>
-                </a:cxn>
-                <a:cxn ang="0">
-                  <a:pos x="connsiteX1" y="connsiteY1"/>
-                </a:cxn>
-                <a:cxn ang="0">
-                  <a:pos x="connsiteX2" y="connsiteY2"/>
-                </a:cxn>
-                <a:cxn ang="0">
-                  <a:pos x="connsiteX3" y="connsiteY3"/>
-                </a:cxn>
-                <a:cxn ang="0">
-                  <a:pos x="connsiteX4" y="connsiteY4"/>
-                </a:cxn>
-                <a:cxn ang="0">
-                  <a:pos x="connsiteX5" y="connsiteY5"/>
-                </a:cxn>
-                <a:cxn ang="0">
-                  <a:pos x="connsiteX6" y="connsiteY6"/>
-                </a:cxn>
-                <a:cxn ang="0">
-                  <a:pos x="connsiteX7" y="connsiteY7"/>
-                </a:cxn>
-                <a:cxn ang="0">
-                  <a:pos x="connsiteX8" y="connsiteY8"/>
-                </a:cxn>
-                <a:cxn ang="0">
-                  <a:pos x="connsiteX9" y="connsiteY9"/>
-                </a:cxn>
-                <a:cxn ang="0">
-                  <a:pos x="connsiteX10" y="connsiteY10"/>
-                </a:cxn>
-                <a:cxn ang="0">
-                  <a:pos x="connsiteX11" y="connsiteY11"/>
-                </a:cxn>
-                <a:cxn ang="0">
-                  <a:pos x="connsiteX12" y="connsiteY12"/>
-                </a:cxn>
-                <a:cxn ang="0">
-                  <a:pos x="connsiteX13" y="connsiteY13"/>
-                </a:cxn>
-                <a:cxn ang="0">
-                  <a:pos x="connsiteX14" y="connsiteY14"/>
-                </a:cxn>
-                <a:cxn ang="0">
-                  <a:pos x="connsiteX15" y="connsiteY15"/>
-                </a:cxn>
-                <a:cxn ang="0">
-                  <a:pos x="connsiteX16" y="connsiteY16"/>
-                </a:cxn>
-                <a:cxn ang="0">
-                  <a:pos x="connsiteX17" y="connsiteY17"/>
-                </a:cxn>
-                <a:cxn ang="0">
-                  <a:pos x="connsiteX18" y="connsiteY18"/>
-                </a:cxn>
-                <a:cxn ang="0">
-                  <a:pos x="connsiteX19" y="connsiteY19"/>
-                </a:cxn>
-                <a:cxn ang="0">
-                  <a:pos x="connsiteX20" y="connsiteY20"/>
-                </a:cxn>
-                <a:cxn ang="0">
-                  <a:pos x="connsiteX21" y="connsiteY21"/>
-                </a:cxn>
-                <a:cxn ang="0">
-                  <a:pos x="connsiteX22" y="connsiteY22"/>
-                </a:cxn>
-                <a:cxn ang="0">
-                  <a:pos x="connsiteX23" y="connsiteY23"/>
-                </a:cxn>
-                <a:cxn ang="0">
-                  <a:pos x="connsiteX24" y="connsiteY24"/>
-                </a:cxn>
-                <a:cxn ang="0">
-                  <a:pos x="connsiteX25" y="connsiteY25"/>
-                </a:cxn>
-                <a:cxn ang="0">
-                  <a:pos x="connsiteX26" y="connsiteY26"/>
-                </a:cxn>
-                <a:cxn ang="0">
-                  <a:pos x="connsiteX27" y="connsiteY27"/>
-                </a:cxn>
-                <a:cxn ang="0">
-                  <a:pos x="connsiteX28" y="connsiteY28"/>
-                </a:cxn>
-                <a:cxn ang="0">
-                  <a:pos x="connsiteX29" y="connsiteY29"/>
-                </a:cxn>
-                <a:cxn ang="0">
-                  <a:pos x="connsiteX30" y="connsiteY30"/>
-                </a:cxn>
-                <a:cxn ang="0">
-                  <a:pos x="connsiteX31" y="connsiteY31"/>
-                </a:cxn>
-                <a:cxn ang="0">
-                  <a:pos x="connsiteX32" y="connsiteY32"/>
-                </a:cxn>
-                <a:cxn ang="0">
-                  <a:pos x="connsiteX33" y="connsiteY33"/>
-                </a:cxn>
-                <a:cxn ang="0">
-                  <a:pos x="connsiteX34" y="connsiteY34"/>
-                </a:cxn>
-                <a:cxn ang="0">
-                  <a:pos x="connsiteX35" y="connsiteY35"/>
-                </a:cxn>
-                <a:cxn ang="0">
-                  <a:pos x="connsiteX36" y="connsiteY36"/>
-                </a:cxn>
-                <a:cxn ang="0">
-                  <a:pos x="connsiteX37" y="connsiteY37"/>
-                </a:cxn>
-                <a:cxn ang="0">
-                  <a:pos x="connsiteX38" y="connsiteY38"/>
-                </a:cxn>
-                <a:cxn ang="0">
-                  <a:pos x="connsiteX39" y="connsiteY39"/>
-                </a:cxn>
-                <a:cxn ang="0">
-                  <a:pos x="connsiteX40" y="connsiteY40"/>
-                </a:cxn>
-                <a:cxn ang="0">
-                  <a:pos x="connsiteX41" y="connsiteY41"/>
-                </a:cxn>
-                <a:cxn ang="0">
-                  <a:pos x="connsiteX42" y="connsiteY42"/>
-                </a:cxn>
-                <a:cxn ang="0">
-                  <a:pos x="connsiteX43" y="connsiteY43"/>
-                </a:cxn>
-                <a:cxn ang="0">
-                  <a:pos x="connsiteX44" y="connsiteY44"/>
-                </a:cxn>
-                <a:cxn ang="0">
-                  <a:pos x="connsiteX45" y="connsiteY45"/>
-                </a:cxn>
-                <a:cxn ang="0">
-                  <a:pos x="connsiteX46" y="connsiteY46"/>
-                </a:cxn>
-                <a:cxn ang="0">
-                  <a:pos x="connsiteX47" y="connsiteY47"/>
-                </a:cxn>
-                <a:cxn ang="0">
-                  <a:pos x="connsiteX48" y="connsiteY48"/>
-                </a:cxn>
-                <a:cxn ang="0">
-                  <a:pos x="connsiteX49" y="connsiteY49"/>
-                </a:cxn>
-                <a:cxn ang="0">
-                  <a:pos x="connsiteX50" y="connsiteY50"/>
-                </a:cxn>
-                <a:cxn ang="0">
-                  <a:pos x="connsiteX51" y="connsiteY51"/>
-                </a:cxn>
-                <a:cxn ang="0">
-                  <a:pos x="connsiteX52" y="connsiteY52"/>
-                </a:cxn>
-                <a:cxn ang="0">
-                  <a:pos x="connsiteX53" y="connsiteY53"/>
-                </a:cxn>
-                <a:cxn ang="0">
-                  <a:pos x="connsiteX54" y="connsiteY54"/>
-                </a:cxn>
-                <a:cxn ang="0">
-                  <a:pos x="connsiteX55" y="connsiteY55"/>
-                </a:cxn>
-                <a:cxn ang="0">
-                  <a:pos x="connsiteX56" y="connsiteY56"/>
-                </a:cxn>
-                <a:cxn ang="0">
-                  <a:pos x="connsiteX57" y="connsiteY57"/>
-                </a:cxn>
-                <a:cxn ang="0">
-                  <a:pos x="connsiteX58" y="connsiteY58"/>
-                </a:cxn>
-                <a:cxn ang="0">
-                  <a:pos x="connsiteX59" y="connsiteY59"/>
-                </a:cxn>
-                <a:cxn ang="0">
-                  <a:pos x="connsiteX60" y="connsiteY60"/>
-                </a:cxn>
-                <a:cxn ang="0">
-                  <a:pos x="connsiteX61" y="connsiteY61"/>
-                </a:cxn>
-                <a:cxn ang="0">
-                  <a:pos x="connsiteX62" y="connsiteY62"/>
-                </a:cxn>
-                <a:cxn ang="0">
-                  <a:pos x="connsiteX63" y="connsiteY63"/>
-                </a:cxn>
-                <a:cxn ang="0">
-                  <a:pos x="connsiteX64" y="connsiteY64"/>
-                </a:cxn>
-                <a:cxn ang="0">
-                  <a:pos x="connsiteX65" y="connsiteY65"/>
-                </a:cxn>
-                <a:cxn ang="0">
-                  <a:pos x="connsiteX66" y="connsiteY66"/>
-                </a:cxn>
-                <a:cxn ang="0">
-                  <a:pos x="connsiteX67" y="connsiteY67"/>
-                </a:cxn>
-                <a:cxn ang="0">
-                  <a:pos x="connsiteX68" y="connsiteY68"/>
-                </a:cxn>
-                <a:cxn ang="0">
-                  <a:pos x="connsiteX69" y="connsiteY69"/>
-                </a:cxn>
-                <a:cxn ang="0">
-                  <a:pos x="connsiteX70" y="connsiteY70"/>
-                </a:cxn>
-                <a:cxn ang="0">
-                  <a:pos x="connsiteX71" y="connsiteY71"/>
-                </a:cxn>
-                <a:cxn ang="0">
-                  <a:pos x="connsiteX72" y="connsiteY72"/>
-                </a:cxn>
-                <a:cxn ang="0">
-                  <a:pos x="connsiteX73" y="connsiteY73"/>
-                </a:cxn>
-                <a:cxn ang="0">
-                  <a:pos x="connsiteX74" y="connsiteY74"/>
-                </a:cxn>
-                <a:cxn ang="0">
-                  <a:pos x="connsiteX75" y="connsiteY75"/>
-                </a:cxn>
-                <a:cxn ang="0">
-                  <a:pos x="connsiteX76" y="connsiteY76"/>
-                </a:cxn>
-                <a:cxn ang="0">
-                  <a:pos x="connsiteX77" y="connsiteY77"/>
-                </a:cxn>
-                <a:cxn ang="0">
-                  <a:pos x="connsiteX78" y="connsiteY78"/>
-                </a:cxn>
-                <a:cxn ang="0">
-                  <a:pos x="connsiteX79" y="connsiteY79"/>
-                </a:cxn>
-                <a:cxn ang="0">
-                  <a:pos x="connsiteX80" y="connsiteY80"/>
-                </a:cxn>
-                <a:cxn ang="0">
-                  <a:pos x="connsiteX81" y="connsiteY81"/>
-                </a:cxn>
-                <a:cxn ang="0">
-                  <a:pos x="connsiteX82" y="connsiteY82"/>
-                </a:cxn>
-                <a:cxn ang="0">
-                  <a:pos x="connsiteX83" y="connsiteY83"/>
-                </a:cxn>
-                <a:cxn ang="0">
-                  <a:pos x="connsiteX84" y="connsiteY84"/>
-                </a:cxn>
-                <a:cxn ang="0">
-                  <a:pos x="connsiteX85" y="connsiteY85"/>
-                </a:cxn>
-                <a:cxn ang="0">
-                  <a:pos x="connsiteX86" y="connsiteY86"/>
-                </a:cxn>
-                <a:cxn ang="0">
-                  <a:pos x="connsiteX87" y="connsiteY87"/>
-                </a:cxn>
-                <a:cxn ang="0">
-                  <a:pos x="connsiteX88" y="connsiteY88"/>
-                </a:cxn>
-                <a:cxn ang="0">
-                  <a:pos x="connsiteX89" y="connsiteY89"/>
-                </a:cxn>
-                <a:cxn ang="0">
-                  <a:pos x="connsiteX90" y="connsiteY90"/>
-                </a:cxn>
-                <a:cxn ang="0">
-                  <a:pos x="connsiteX91" y="connsiteY91"/>
-                </a:cxn>
-                <a:cxn ang="0">
-                  <a:pos x="connsiteX92" y="connsiteY92"/>
-                </a:cxn>
-              </a:cxnLst>
-              <a:rect l="l" t="t" r="r" b="b"/>
-              <a:pathLst>
-                <a:path w="5774333" h="6315453">
-                  <a:moveTo>
-                    <a:pt x="3707237" y="1489"/>
-                  </a:moveTo>
-                  <a:cubicBezTo>
-                    <a:pt x="3817502" y="-1522"/>
-                    <a:pt x="3927875" y="41"/>
-                    <a:pt x="4037665" y="6121"/>
-                  </a:cubicBezTo>
-                  <a:cubicBezTo>
-                    <a:pt x="4257614" y="18745"/>
-                    <a:pt x="4477439" y="49665"/>
-                    <a:pt x="4692239" y="102128"/>
-                  </a:cubicBezTo>
-                  <a:cubicBezTo>
-                    <a:pt x="4907039" y="154474"/>
-                    <a:pt x="5116811" y="228592"/>
-                    <a:pt x="5315059" y="324945"/>
-                  </a:cubicBezTo>
-                  <a:cubicBezTo>
-                    <a:pt x="5463562" y="397211"/>
-                    <a:pt x="5606133" y="481527"/>
-                    <a:pt x="5738325" y="578286"/>
-                  </a:cubicBezTo>
-                  <a:lnTo>
-                    <a:pt x="5774333" y="606551"/>
-                  </a:lnTo>
-                  <a:lnTo>
-                    <a:pt x="5774333" y="975490"/>
-                  </a:lnTo>
-                  <a:lnTo>
-                    <a:pt x="5676001" y="889749"/>
-                  </a:lnTo>
-                  <a:cubicBezTo>
-                    <a:pt x="5522381" y="769886"/>
-                    <a:pt x="5355519" y="665657"/>
-                    <a:pt x="5177132" y="581926"/>
-                  </a:cubicBezTo>
-                  <a:cubicBezTo>
-                    <a:pt x="4998867" y="497965"/>
-                    <a:pt x="4810183" y="433574"/>
-                    <a:pt x="4615735" y="388640"/>
-                  </a:cubicBezTo>
-                  <a:cubicBezTo>
-                    <a:pt x="4421289" y="343591"/>
-                    <a:pt x="4221446" y="317649"/>
-                    <a:pt x="4020010" y="308500"/>
-                  </a:cubicBezTo>
-                  <a:cubicBezTo>
-                    <a:pt x="3818207" y="298887"/>
-                    <a:pt x="3616649" y="305257"/>
-                    <a:pt x="3416315" y="328882"/>
-                  </a:cubicBezTo>
-                  <a:cubicBezTo>
-                    <a:pt x="3216106" y="352623"/>
-                    <a:pt x="3017736" y="392346"/>
-                    <a:pt x="2823779" y="446545"/>
-                  </a:cubicBezTo>
-                  <a:cubicBezTo>
-                    <a:pt x="2629699" y="500513"/>
-                    <a:pt x="2440401" y="570345"/>
-                    <a:pt x="2256987" y="651296"/>
-                  </a:cubicBezTo>
-                  <a:cubicBezTo>
-                    <a:pt x="1889058" y="811461"/>
-                    <a:pt x="1545527" y="1023856"/>
-                    <a:pt x="1244169" y="1280374"/>
-                  </a:cubicBezTo>
-                  <a:cubicBezTo>
-                    <a:pt x="1093982" y="1409039"/>
-                    <a:pt x="954828" y="1549400"/>
-                    <a:pt x="830141" y="1700184"/>
-                  </a:cubicBezTo>
-                  <a:cubicBezTo>
-                    <a:pt x="705209" y="1850736"/>
-                    <a:pt x="594989" y="2012176"/>
-                    <a:pt x="502792" y="2182300"/>
-                  </a:cubicBezTo>
-                  <a:cubicBezTo>
-                    <a:pt x="410595" y="2352308"/>
-                    <a:pt x="333847" y="2530307"/>
-                    <a:pt x="280637" y="2715256"/>
-                  </a:cubicBezTo>
-                  <a:cubicBezTo>
-                    <a:pt x="227306" y="2899741"/>
-                    <a:pt x="199719" y="3091521"/>
-                    <a:pt x="199843" y="3283418"/>
-                  </a:cubicBezTo>
-                  <a:cubicBezTo>
-                    <a:pt x="200946" y="3377687"/>
-                    <a:pt x="210754" y="3471261"/>
-                    <a:pt x="233926" y="3561593"/>
-                  </a:cubicBezTo>
-                  <a:cubicBezTo>
-                    <a:pt x="256730" y="3652040"/>
-                    <a:pt x="292162" y="3738550"/>
-                    <a:pt x="334582" y="3821816"/>
-                  </a:cubicBezTo>
-                  <a:cubicBezTo>
-                    <a:pt x="356038" y="3863392"/>
-                    <a:pt x="379823" y="3904157"/>
-                    <a:pt x="404834" y="3944343"/>
-                  </a:cubicBezTo>
-                  <a:cubicBezTo>
-                    <a:pt x="430212" y="3984413"/>
-                    <a:pt x="457308" y="4023905"/>
-                    <a:pt x="485506" y="4062932"/>
-                  </a:cubicBezTo>
-                  <a:cubicBezTo>
-                    <a:pt x="542639" y="4140757"/>
-                    <a:pt x="606146" y="4216265"/>
-                    <a:pt x="671861" y="4292120"/>
-                  </a:cubicBezTo>
-                  <a:cubicBezTo>
-                    <a:pt x="737576" y="4368091"/>
-                    <a:pt x="806234" y="4444062"/>
-                    <a:pt x="873542" y="4523044"/>
-                  </a:cubicBezTo>
-                  <a:cubicBezTo>
-                    <a:pt x="907258" y="4562419"/>
-                    <a:pt x="940606" y="4602721"/>
-                    <a:pt x="973831" y="4643601"/>
-                  </a:cubicBezTo>
-                  <a:lnTo>
-                    <a:pt x="1022014" y="4702780"/>
-                  </a:lnTo>
-                  <a:cubicBezTo>
-                    <a:pt x="1037829" y="4721658"/>
-                    <a:pt x="1052910" y="4740998"/>
-                    <a:pt x="1069215" y="4759411"/>
-                  </a:cubicBezTo>
-                  <a:cubicBezTo>
-                    <a:pt x="1196477" y="4909269"/>
-                    <a:pt x="1334527" y="5047199"/>
-                    <a:pt x="1474784" y="5177948"/>
-                  </a:cubicBezTo>
-                  <a:cubicBezTo>
-                    <a:pt x="1545281" y="5243033"/>
-                    <a:pt x="1617003" y="5305917"/>
-                    <a:pt x="1690442" y="5366255"/>
-                  </a:cubicBezTo>
-                  <a:cubicBezTo>
-                    <a:pt x="1763881" y="5426591"/>
-                    <a:pt x="1838668" y="5484959"/>
-                    <a:pt x="1916276" y="5539852"/>
-                  </a:cubicBezTo>
-                  <a:cubicBezTo>
-                    <a:pt x="2070877" y="5649872"/>
-                    <a:pt x="2237617" y="5748194"/>
-                    <a:pt x="2420784" y="5814437"/>
-                  </a:cubicBezTo>
-                  <a:cubicBezTo>
-                    <a:pt x="2512124" y="5847559"/>
-                    <a:pt x="2606773" y="5872921"/>
-                    <a:pt x="2703015" y="5892029"/>
-                  </a:cubicBezTo>
-                  <a:cubicBezTo>
-                    <a:pt x="2727168" y="5896546"/>
-                    <a:pt x="2751075" y="5901758"/>
-                    <a:pt x="2775350" y="5905695"/>
-                  </a:cubicBezTo>
-                  <a:lnTo>
-                    <a:pt x="2848299" y="5917161"/>
-                  </a:lnTo>
-                  <a:cubicBezTo>
-                    <a:pt x="2897218" y="5923298"/>
-                    <a:pt x="2946136" y="5929784"/>
-                    <a:pt x="2995544" y="5933605"/>
-                  </a:cubicBezTo>
-                  <a:cubicBezTo>
-                    <a:pt x="3020188" y="5935806"/>
-                    <a:pt x="3044831" y="5937891"/>
-                    <a:pt x="3069596" y="5938933"/>
-                  </a:cubicBezTo>
-                  <a:cubicBezTo>
-                    <a:pt x="3094362" y="5940090"/>
-                    <a:pt x="3119005" y="5941943"/>
-                    <a:pt x="3143894" y="5942639"/>
-                  </a:cubicBezTo>
-                  <a:lnTo>
-                    <a:pt x="3218436" y="5944260"/>
-                  </a:lnTo>
-                  <a:cubicBezTo>
-                    <a:pt x="3243201" y="5944838"/>
-                    <a:pt x="3268212" y="5944029"/>
-                    <a:pt x="3293101" y="5943913"/>
-                  </a:cubicBezTo>
-                  <a:lnTo>
-                    <a:pt x="3330494" y="5943565"/>
-                  </a:lnTo>
-                  <a:cubicBezTo>
-                    <a:pt x="3342632" y="5943218"/>
-                    <a:pt x="3354524" y="5942523"/>
-                    <a:pt x="3366540" y="5942059"/>
-                  </a:cubicBezTo>
-                  <a:cubicBezTo>
-                    <a:pt x="3378554" y="5941480"/>
-                    <a:pt x="3390570" y="5941134"/>
-                    <a:pt x="3402462" y="5940323"/>
-                  </a:cubicBezTo>
-                  <a:lnTo>
-                    <a:pt x="3438262" y="5937543"/>
-                  </a:lnTo>
-                  <a:cubicBezTo>
-                    <a:pt x="3485954" y="5933953"/>
-                    <a:pt x="3533279" y="5927931"/>
-                    <a:pt x="3580236" y="5920982"/>
-                  </a:cubicBezTo>
-                  <a:cubicBezTo>
-                    <a:pt x="3768185" y="5891567"/>
-                    <a:pt x="3948901" y="5834010"/>
-                    <a:pt x="4121034" y="5753290"/>
-                  </a:cubicBezTo>
-                  <a:cubicBezTo>
-                    <a:pt x="4293782" y="5673497"/>
-                    <a:pt x="4458191" y="5571353"/>
-                    <a:pt x="4620639" y="5459364"/>
-                  </a:cubicBezTo>
-                  <a:cubicBezTo>
-                    <a:pt x="4661221" y="5431455"/>
-                    <a:pt x="4701557" y="5402271"/>
-                    <a:pt x="4741771" y="5372971"/>
-                  </a:cubicBezTo>
-                  <a:cubicBezTo>
-                    <a:pt x="4782230" y="5343672"/>
-                    <a:pt x="4822566" y="5313908"/>
-                    <a:pt x="4862901" y="5283682"/>
-                  </a:cubicBezTo>
-                  <a:lnTo>
-                    <a:pt x="5108229" y="5098386"/>
-                  </a:lnTo>
-                  <a:cubicBezTo>
-                    <a:pt x="5276563" y="4972270"/>
-                    <a:pt x="5446489" y="4854838"/>
-                    <a:pt x="5612493" y="4739724"/>
-                  </a:cubicBezTo>
-                  <a:lnTo>
-                    <a:pt x="5774333" y="4623488"/>
-                  </a:lnTo>
-                  <a:lnTo>
-                    <a:pt x="5774333" y="5232926"/>
-                  </a:lnTo>
-                  <a:lnTo>
-                    <a:pt x="5676492" y="5306859"/>
-                  </a:lnTo>
-                  <a:cubicBezTo>
-                    <a:pt x="5592693" y="5367905"/>
-                    <a:pt x="5508955" y="5427286"/>
-                    <a:pt x="5426260" y="5486233"/>
-                  </a:cubicBezTo>
-                  <a:lnTo>
-                    <a:pt x="5300225" y="5576217"/>
-                  </a:lnTo>
-                  <a:cubicBezTo>
-                    <a:pt x="5257559" y="5606443"/>
-                    <a:pt x="5214525" y="5636901"/>
-                    <a:pt x="5170757" y="5666780"/>
-                  </a:cubicBezTo>
-                  <a:cubicBezTo>
-                    <a:pt x="5127110" y="5696775"/>
-                    <a:pt x="5082973" y="5726654"/>
-                    <a:pt x="5038100" y="5756185"/>
-                  </a:cubicBezTo>
-                  <a:cubicBezTo>
-                    <a:pt x="4993106" y="5785486"/>
-                    <a:pt x="4947743" y="5814553"/>
-                    <a:pt x="4901276" y="5843043"/>
-                  </a:cubicBezTo>
-                  <a:cubicBezTo>
-                    <a:pt x="4808835" y="5900136"/>
-                    <a:pt x="4713449" y="5955494"/>
-                    <a:pt x="4614019" y="6006103"/>
-                  </a:cubicBezTo>
-                  <a:cubicBezTo>
-                    <a:pt x="4514711" y="6056943"/>
-                    <a:pt x="4411971" y="6104192"/>
-                    <a:pt x="4305061" y="6144726"/>
-                  </a:cubicBezTo>
-                  <a:cubicBezTo>
-                    <a:pt x="4092223" y="6226952"/>
-                    <a:pt x="3863569" y="6282424"/>
-                    <a:pt x="3632710" y="6304196"/>
-                  </a:cubicBezTo>
-                  <a:cubicBezTo>
-                    <a:pt x="3574964" y="6309408"/>
-                    <a:pt x="3517218" y="6313345"/>
-                    <a:pt x="3459594" y="6314504"/>
-                  </a:cubicBezTo>
-                  <a:lnTo>
-                    <a:pt x="3416315" y="6315429"/>
-                  </a:lnTo>
-                  <a:cubicBezTo>
-                    <a:pt x="3401971" y="6315546"/>
-                    <a:pt x="3387505" y="6315198"/>
-                    <a:pt x="3373159" y="6315198"/>
-                  </a:cubicBezTo>
-                  <a:lnTo>
-                    <a:pt x="3330127" y="6314735"/>
-                  </a:lnTo>
-                  <a:lnTo>
-                    <a:pt x="3288320" y="6313230"/>
-                  </a:lnTo>
-                  <a:cubicBezTo>
-                    <a:pt x="3176996" y="6309870"/>
-                    <a:pt x="3065428" y="6301533"/>
-                    <a:pt x="2954350" y="6288098"/>
-                  </a:cubicBezTo>
-                  <a:cubicBezTo>
-                    <a:pt x="2843150" y="6275360"/>
-                    <a:pt x="2732194" y="6257061"/>
-                    <a:pt x="2622466" y="6232742"/>
-                  </a:cubicBezTo>
-                  <a:cubicBezTo>
-                    <a:pt x="2512859" y="6208190"/>
-                    <a:pt x="2404110" y="6179122"/>
-                    <a:pt x="2296466" y="6146001"/>
-                  </a:cubicBezTo>
-                  <a:cubicBezTo>
-                    <a:pt x="2081544" y="6079179"/>
-                    <a:pt x="1869073" y="5996027"/>
-                    <a:pt x="1672419" y="5885197"/>
-                  </a:cubicBezTo>
-                  <a:cubicBezTo>
-                    <a:pt x="1475643" y="5774599"/>
-                    <a:pt x="1299954" y="5634353"/>
-                    <a:pt x="1146578" y="5479168"/>
-                  </a:cubicBezTo>
-                  <a:cubicBezTo>
-                    <a:pt x="1069461" y="5401692"/>
-                    <a:pt x="999333" y="5319235"/>
-                    <a:pt x="933372" y="5234810"/>
-                  </a:cubicBezTo>
-                  <a:cubicBezTo>
-                    <a:pt x="867781" y="5150038"/>
-                    <a:pt x="805375" y="5063991"/>
-                    <a:pt x="747140" y="4976091"/>
-                  </a:cubicBezTo>
-                  <a:cubicBezTo>
-                    <a:pt x="732182" y="4954319"/>
-                    <a:pt x="718082" y="4932199"/>
-                    <a:pt x="703616" y="4910196"/>
-                  </a:cubicBezTo>
-                  <a:lnTo>
-                    <a:pt x="662053" y="4846269"/>
-                  </a:lnTo>
-                  <a:cubicBezTo>
-                    <a:pt x="635449" y="4804925"/>
-                    <a:pt x="607864" y="4763928"/>
-                    <a:pt x="580033" y="4722352"/>
-                  </a:cubicBezTo>
-                  <a:lnTo>
-                    <a:pt x="410105" y="4469193"/>
-                  </a:lnTo>
-                  <a:cubicBezTo>
-                    <a:pt x="353095" y="4382915"/>
-                    <a:pt x="296820" y="4294089"/>
-                    <a:pt x="244224" y="4201556"/>
-                  </a:cubicBezTo>
-                  <a:cubicBezTo>
-                    <a:pt x="217987" y="4155232"/>
-                    <a:pt x="192609" y="4108098"/>
-                    <a:pt x="169437" y="4059690"/>
-                  </a:cubicBezTo>
-                  <a:cubicBezTo>
-                    <a:pt x="146388" y="4011165"/>
-                    <a:pt x="124932" y="3961715"/>
-                    <a:pt x="105929" y="3911221"/>
-                  </a:cubicBezTo>
-                  <a:cubicBezTo>
-                    <a:pt x="87293" y="3860613"/>
-                    <a:pt x="70742" y="3809309"/>
-                    <a:pt x="57256" y="3757195"/>
-                  </a:cubicBezTo>
-                  <a:cubicBezTo>
-                    <a:pt x="50881" y="3731138"/>
-                    <a:pt x="44383" y="3704965"/>
-                    <a:pt x="39111" y="3678677"/>
-                  </a:cubicBezTo>
-                  <a:lnTo>
-                    <a:pt x="31142" y="3639300"/>
-                  </a:lnTo>
-                  <a:lnTo>
-                    <a:pt x="24521" y="3599809"/>
-                  </a:lnTo>
-                  <a:cubicBezTo>
-                    <a:pt x="7234" y="3494423"/>
-                    <a:pt x="0" y="3388457"/>
-                    <a:pt x="0" y="3283418"/>
-                  </a:cubicBezTo>
-                  <a:cubicBezTo>
-                    <a:pt x="491" y="3076698"/>
-                    <a:pt x="23418" y="2869978"/>
-                    <a:pt x="68045" y="2666963"/>
-                  </a:cubicBezTo>
-                  <a:cubicBezTo>
-                    <a:pt x="112550" y="2464064"/>
-                    <a:pt x="180717" y="2265104"/>
-                    <a:pt x="272546" y="2076334"/>
-                  </a:cubicBezTo>
-                  <a:cubicBezTo>
-                    <a:pt x="457062" y="1698794"/>
-                    <a:pt x="724457" y="1360978"/>
-                    <a:pt x="1039300" y="1073307"/>
-                  </a:cubicBezTo>
-                  <a:cubicBezTo>
-                    <a:pt x="1197090" y="929472"/>
-                    <a:pt x="1367630" y="798259"/>
-                    <a:pt x="1547733" y="680365"/>
-                  </a:cubicBezTo>
-                  <a:cubicBezTo>
-                    <a:pt x="1728081" y="562587"/>
-                    <a:pt x="1917870" y="457663"/>
-                    <a:pt x="2115995" y="368373"/>
-                  </a:cubicBezTo>
-                  <a:cubicBezTo>
-                    <a:pt x="2512737" y="191070"/>
-                    <a:pt x="2939883" y="73870"/>
-                    <a:pt x="3377451" y="24304"/>
-                  </a:cubicBezTo>
-                  <a:cubicBezTo>
-                    <a:pt x="3486812" y="12086"/>
-                    <a:pt x="3596971" y="4500"/>
-                    <a:pt x="3707237" y="1489"/>
-                  </a:cubicBezTo>
-                  <a:close/>
-                </a:path>
-              </a:pathLst>
-            </a:custGeom>
-            <a:gradFill>
-              <a:gsLst>
-                <a:gs pos="2000">
-                  <a:schemeClr val="bg1">
-                    <a:alpha val="10000"/>
-                  </a:schemeClr>
-                </a:gs>
-                <a:gs pos="16000">
-                  <a:schemeClr val="accent6">
-                    <a:alpha val="10000"/>
-                  </a:schemeClr>
-                </a:gs>
-                <a:gs pos="100000">
-                  <a:schemeClr val="bg1">
-                    <a:alpha val="10000"/>
-                  </a:schemeClr>
-                </a:gs>
-                <a:gs pos="85000">
-                  <a:schemeClr val="accent1">
-                    <a:alpha val="10000"/>
-                  </a:schemeClr>
-                </a:gs>
-              </a:gsLst>
-              <a:lin ang="12000000" scaled="0"/>
-            </a:gradFill>
-            <a:ln>
-              <a:noFill/>
-            </a:ln>
-          </p:spPr>
-          <p:style>
-            <a:lnRef idx="2">
-              <a:schemeClr val="accent1">
-                <a:shade val="50000"/>
-              </a:schemeClr>
-            </a:lnRef>
-            <a:fillRef idx="1">
-              <a:schemeClr val="accent1"/>
-            </a:fillRef>
-            <a:effectRef idx="0">
-              <a:schemeClr val="accent1"/>
-            </a:effectRef>
-            <a:fontRef idx="minor">
-              <a:schemeClr val="lt1"/>
-            </a:fontRef>
-          </p:style>
-          <p:txBody>
-            <a:bodyPr rtlCol="0" anchor="ctr"/>
-            <a:lstStyle/>
-            <a:p>
-              <a:pPr algn="ctr"/>
-              <a:endParaRPr lang="en-US"/>
-            </a:p>
-          </p:txBody>
-        </p:sp>
-        <p:sp>
-          <p:nvSpPr>
-            <p:cNvPr id="17" name="Freeform: Shape 16">
-              <a:extLst>
-                <a:ext uri="{FF2B5EF4-FFF2-40B4-BE49-F238E27FC236}">
-                  <a16:creationId xmlns:a16="http://schemas.microsoft.com/office/drawing/2014/main" id="{EC18CE1F-9DF1-47AF-9E66-6CE348AC2334}"/>
-                </a:ext>
-                <a:ext uri="{C183D7F6-B498-43B3-948B-1728B52AA6E4}">
-                  <adec:decorative xmlns:adec="http://schemas.microsoft.com/office/drawing/2017/decorative" val="1"/>
-                </a:ext>
-              </a:extLst>
-            </p:cNvPr>
-            <p:cNvSpPr/>
-            <p:nvPr>
-              <p:extLst>
-                <p:ext uri="{386F3935-93C4-4BCD-93E2-E3B085C9AB24}">
-                  <p16:designElem xmlns:p16="http://schemas.microsoft.com/office/powerpoint/2015/main" val="1"/>
-                </p:ext>
-              </p:extLst>
-            </p:nvPr>
-          </p:nvSpPr>
-          <p:spPr>
-            <a:xfrm>
-              <a:off x="6410220" y="131729"/>
-              <a:ext cx="5769111" cy="6229400"/>
-            </a:xfrm>
-            <a:custGeom>
-              <a:avLst/>
-              <a:gdLst>
-                <a:gd name="connsiteX0" fmla="*/ 3882695 w 5769111"/>
-                <a:gd name="connsiteY0" fmla="*/ 0 h 6229400"/>
-                <a:gd name="connsiteX1" fmla="*/ 5691883 w 5769111"/>
-                <a:gd name="connsiteY1" fmla="*/ 557381 h 6229400"/>
-                <a:gd name="connsiteX2" fmla="*/ 5769111 w 5769111"/>
-                <a:gd name="connsiteY2" fmla="*/ 620523 h 6229400"/>
-                <a:gd name="connsiteX3" fmla="*/ 5769111 w 5769111"/>
-                <a:gd name="connsiteY3" fmla="*/ 1464911 h 6229400"/>
-                <a:gd name="connsiteX4" fmla="*/ 5660063 w 5769111"/>
-                <a:gd name="connsiteY4" fmla="*/ 1328105 h 6229400"/>
-                <a:gd name="connsiteX5" fmla="*/ 4910471 w 5769111"/>
-                <a:gd name="connsiteY5" fmla="*/ 781599 h 6229400"/>
-                <a:gd name="connsiteX6" fmla="*/ 3882695 w 5769111"/>
-                <a:gd name="connsiteY6" fmla="*/ 579048 h 6229400"/>
-                <a:gd name="connsiteX7" fmla="*/ 2683153 w 5769111"/>
-                <a:gd name="connsiteY7" fmla="*/ 797003 h 6229400"/>
-                <a:gd name="connsiteX8" fmla="*/ 1617493 w 5769111"/>
-                <a:gd name="connsiteY8" fmla="*/ 1395738 h 6229400"/>
-                <a:gd name="connsiteX9" fmla="*/ 880408 w 5769111"/>
-                <a:gd name="connsiteY9" fmla="*/ 2259099 h 6229400"/>
-                <a:gd name="connsiteX10" fmla="*/ 613135 w 5769111"/>
-                <a:gd name="connsiteY10" fmla="*/ 3263863 h 6229400"/>
-                <a:gd name="connsiteX11" fmla="*/ 1055484 w 5769111"/>
-                <a:gd name="connsiteY11" fmla="*/ 4196825 h 6229400"/>
-                <a:gd name="connsiteX12" fmla="*/ 1278376 w 5769111"/>
-                <a:gd name="connsiteY12" fmla="*/ 4492950 h 6229400"/>
-                <a:gd name="connsiteX13" fmla="*/ 3369851 w 5769111"/>
-                <a:gd name="connsiteY13" fmla="*/ 5650468 h 6229400"/>
-                <a:gd name="connsiteX14" fmla="*/ 4957551 w 5769111"/>
-                <a:gd name="connsiteY14" fmla="*/ 4938355 h 6229400"/>
-                <a:gd name="connsiteX15" fmla="*/ 5150773 w 5769111"/>
-                <a:gd name="connsiteY15" fmla="*/ 4796950 h 6229400"/>
-                <a:gd name="connsiteX16" fmla="*/ 5747247 w 5769111"/>
-                <a:gd name="connsiteY16" fmla="*/ 4338176 h 6229400"/>
-                <a:gd name="connsiteX17" fmla="*/ 5769111 w 5769111"/>
-                <a:gd name="connsiteY17" fmla="*/ 4318497 h 6229400"/>
-                <a:gd name="connsiteX18" fmla="*/ 5769111 w 5769111"/>
-                <a:gd name="connsiteY18" fmla="*/ 5074612 h 6229400"/>
-                <a:gd name="connsiteX19" fmla="*/ 5636252 w 5769111"/>
-                <a:gd name="connsiteY19" fmla="*/ 5174208 h 6229400"/>
-                <a:gd name="connsiteX20" fmla="*/ 5334922 w 5769111"/>
-                <a:gd name="connsiteY20" fmla="*/ 5394528 h 6229400"/>
-                <a:gd name="connsiteX21" fmla="*/ 3369727 w 5769111"/>
-                <a:gd name="connsiteY21" fmla="*/ 6229400 h 6229400"/>
-                <a:gd name="connsiteX22" fmla="*/ 771046 w 5769111"/>
-                <a:gd name="connsiteY22" fmla="*/ 4817913 h 6229400"/>
-                <a:gd name="connsiteX23" fmla="*/ 0 w 5769111"/>
-                <a:gd name="connsiteY23" fmla="*/ 3263748 h 6229400"/>
-                <a:gd name="connsiteX24" fmla="*/ 3882695 w 5769111"/>
-                <a:gd name="connsiteY24" fmla="*/ 0 h 6229400"/>
-              </a:gdLst>
-              <a:ahLst/>
-              <a:cxnLst>
-                <a:cxn ang="0">
-                  <a:pos x="connsiteX0" y="connsiteY0"/>
-                </a:cxn>
-                <a:cxn ang="0">
-                  <a:pos x="connsiteX1" y="connsiteY1"/>
-                </a:cxn>
-                <a:cxn ang="0">
-                  <a:pos x="connsiteX2" y="connsiteY2"/>
-                </a:cxn>
-                <a:cxn ang="0">
-                  <a:pos x="connsiteX3" y="connsiteY3"/>
-                </a:cxn>
-                <a:cxn ang="0">
-                  <a:pos x="connsiteX4" y="connsiteY4"/>
-                </a:cxn>
-                <a:cxn ang="0">
-                  <a:pos x="connsiteX5" y="connsiteY5"/>
-                </a:cxn>
-                <a:cxn ang="0">
-                  <a:pos x="connsiteX6" y="connsiteY6"/>
-                </a:cxn>
-                <a:cxn ang="0">
-                  <a:pos x="connsiteX7" y="connsiteY7"/>
-                </a:cxn>
-                <a:cxn ang="0">
-                  <a:pos x="connsiteX8" y="connsiteY8"/>
-                </a:cxn>
-                <a:cxn ang="0">
-                  <a:pos x="connsiteX9" y="connsiteY9"/>
-                </a:cxn>
-                <a:cxn ang="0">
-                  <a:pos x="connsiteX10" y="connsiteY10"/>
-                </a:cxn>
-                <a:cxn ang="0">
-                  <a:pos x="connsiteX11" y="connsiteY11"/>
-                </a:cxn>
-                <a:cxn ang="0">
-                  <a:pos x="connsiteX12" y="connsiteY12"/>
-                </a:cxn>
-                <a:cxn ang="0">
-                  <a:pos x="connsiteX13" y="connsiteY13"/>
-                </a:cxn>
-                <a:cxn ang="0">
-                  <a:pos x="connsiteX14" y="connsiteY14"/>
-                </a:cxn>
-                <a:cxn ang="0">
-                  <a:pos x="connsiteX15" y="connsiteY15"/>
-                </a:cxn>
-                <a:cxn ang="0">
-                  <a:pos x="connsiteX16" y="connsiteY16"/>
-                </a:cxn>
-                <a:cxn ang="0">
-                  <a:pos x="connsiteX17" y="connsiteY17"/>
-                </a:cxn>
-                <a:cxn ang="0">
-                  <a:pos x="connsiteX18" y="connsiteY18"/>
-                </a:cxn>
-                <a:cxn ang="0">
-                  <a:pos x="connsiteX19" y="connsiteY19"/>
-                </a:cxn>
-                <a:cxn ang="0">
-                  <a:pos x="connsiteX20" y="connsiteY20"/>
-                </a:cxn>
-                <a:cxn ang="0">
-                  <a:pos x="connsiteX21" y="connsiteY21"/>
-                </a:cxn>
-                <a:cxn ang="0">
-                  <a:pos x="connsiteX22" y="connsiteY22"/>
-                </a:cxn>
-                <a:cxn ang="0">
-                  <a:pos x="connsiteX23" y="connsiteY23"/>
-                </a:cxn>
-                <a:cxn ang="0">
-                  <a:pos x="connsiteX24" y="connsiteY24"/>
-                </a:cxn>
-              </a:cxnLst>
-              <a:rect l="l" t="t" r="r" b="b"/>
-              <a:pathLst>
-                <a:path w="5769111" h="6229400">
-                  <a:moveTo>
-                    <a:pt x="3882695" y="0"/>
-                  </a:moveTo>
-                  <a:cubicBezTo>
-                    <a:pt x="4601253" y="0"/>
-                    <a:pt x="5210727" y="205477"/>
-                    <a:pt x="5691883" y="557381"/>
-                  </a:cubicBezTo>
-                  <a:lnTo>
-                    <a:pt x="5769111" y="620523"/>
-                  </a:lnTo>
-                  <a:lnTo>
-                    <a:pt x="5769111" y="1464911"/>
-                  </a:lnTo>
-                  <a:lnTo>
-                    <a:pt x="5660063" y="1328105"/>
-                  </a:lnTo>
-                  <a:cubicBezTo>
-                    <a:pt x="5449800" y="1091506"/>
-                    <a:pt x="5197607" y="907600"/>
-                    <a:pt x="4910471" y="781599"/>
-                  </a:cubicBezTo>
-                  <a:cubicBezTo>
-                    <a:pt x="4604088" y="647260"/>
-                    <a:pt x="4258349" y="579048"/>
-                    <a:pt x="3882695" y="579048"/>
-                  </a:cubicBezTo>
-                  <a:cubicBezTo>
-                    <a:pt x="3484238" y="579048"/>
-                    <a:pt x="3080631" y="652240"/>
-                    <a:pt x="2683153" y="797003"/>
-                  </a:cubicBezTo>
-                  <a:cubicBezTo>
-                    <a:pt x="2296098" y="937595"/>
-                    <a:pt x="1927678" y="1144662"/>
-                    <a:pt x="1617493" y="1395738"/>
-                  </a:cubicBezTo>
-                  <a:cubicBezTo>
-                    <a:pt x="1301915" y="1651098"/>
-                    <a:pt x="1053890" y="1941665"/>
-                    <a:pt x="880408" y="2259099"/>
-                  </a:cubicBezTo>
-                  <a:cubicBezTo>
-                    <a:pt x="703125" y="2583597"/>
-                    <a:pt x="613135" y="2921645"/>
-                    <a:pt x="613135" y="3263863"/>
-                  </a:cubicBezTo>
-                  <a:cubicBezTo>
-                    <a:pt x="613135" y="3608512"/>
-                    <a:pt x="756702" y="3809789"/>
-                    <a:pt x="1055484" y="4196825"/>
-                  </a:cubicBezTo>
-                  <a:cubicBezTo>
-                    <a:pt x="1127574" y="4290167"/>
-                    <a:pt x="1202116" y="4386753"/>
-                    <a:pt x="1278376" y="4492950"/>
-                  </a:cubicBezTo>
-                  <a:cubicBezTo>
-                    <a:pt x="1861105" y="5304313"/>
-                    <a:pt x="2486623" y="5650468"/>
-                    <a:pt x="3369851" y="5650468"/>
-                  </a:cubicBezTo>
-                  <a:cubicBezTo>
-                    <a:pt x="3949515" y="5650468"/>
-                    <a:pt x="4374822" y="5368471"/>
-                    <a:pt x="4957551" y="4938355"/>
-                  </a:cubicBezTo>
-                  <a:cubicBezTo>
-                    <a:pt x="5022653" y="4890293"/>
-                    <a:pt x="5087755" y="4842811"/>
-                    <a:pt x="5150773" y="4796950"/>
-                  </a:cubicBezTo>
-                  <a:cubicBezTo>
-                    <a:pt x="5364254" y="4641404"/>
-                    <a:pt x="5570313" y="4491241"/>
-                    <a:pt x="5747247" y="4338176"/>
-                  </a:cubicBezTo>
-                  <a:lnTo>
-                    <a:pt x="5769111" y="4318497"/>
-                  </a:lnTo>
-                  <a:lnTo>
-                    <a:pt x="5769111" y="5074612"/>
-                  </a:lnTo>
-                  <a:lnTo>
-                    <a:pt x="5636252" y="5174208"/>
-                  </a:lnTo>
-                  <a:cubicBezTo>
-                    <a:pt x="5537051" y="5246835"/>
-                    <a:pt x="5436100" y="5319845"/>
-                    <a:pt x="5334922" y="5394528"/>
-                  </a:cubicBezTo>
-                  <a:cubicBezTo>
-                    <a:pt x="4745327" y="5829741"/>
-                    <a:pt x="4177309" y="6229400"/>
-                    <a:pt x="3369727" y="6229400"/>
-                  </a:cubicBezTo>
-                  <a:cubicBezTo>
-                    <a:pt x="2172147" y="6229400"/>
-                    <a:pt x="1394603" y="5686137"/>
-                    <a:pt x="771046" y="4817913"/>
-                  </a:cubicBezTo>
-                  <a:cubicBezTo>
-                    <a:pt x="396864" y="4297000"/>
-                    <a:pt x="0" y="3939728"/>
-                    <a:pt x="0" y="3263748"/>
-                  </a:cubicBezTo>
-                  <a:cubicBezTo>
-                    <a:pt x="0" y="1461170"/>
-                    <a:pt x="1955141" y="0"/>
-                    <a:pt x="3882695" y="0"/>
-                  </a:cubicBezTo>
-                  <a:close/>
-                </a:path>
-              </a:pathLst>
-            </a:custGeom>
-            <a:gradFill>
-              <a:gsLst>
-                <a:gs pos="2000">
-                  <a:schemeClr val="bg1">
-                    <a:alpha val="10000"/>
-                  </a:schemeClr>
-                </a:gs>
-                <a:gs pos="16000">
-                  <a:schemeClr val="accent6">
-                    <a:alpha val="10000"/>
-                  </a:schemeClr>
-                </a:gs>
-                <a:gs pos="100000">
-                  <a:schemeClr val="bg1">
-                    <a:alpha val="10000"/>
-                  </a:schemeClr>
-                </a:gs>
-                <a:gs pos="85000">
-                  <a:schemeClr val="accent1">
-                    <a:alpha val="10000"/>
-                  </a:schemeClr>
-                </a:gs>
-              </a:gsLst>
-              <a:lin ang="12000000" scaled="0"/>
-            </a:gradFill>
-            <a:ln>
-              <a:noFill/>
-            </a:ln>
-          </p:spPr>
-          <p:style>
-            <a:lnRef idx="2">
-              <a:schemeClr val="accent1">
-                <a:shade val="50000"/>
-              </a:schemeClr>
-            </a:lnRef>
-            <a:fillRef idx="1">
-              <a:schemeClr val="accent1"/>
-            </a:fillRef>
-            <a:effectRef idx="0">
-              <a:schemeClr val="accent1"/>
-            </a:effectRef>
-            <a:fontRef idx="minor">
-              <a:schemeClr val="lt1"/>
-            </a:fontRef>
-          </p:style>
-          <p:txBody>
-            <a:bodyPr rtlCol="0" anchor="ctr"/>
-            <a:lstStyle/>
-            <a:p>
-              <a:pPr algn="ctr"/>
-              <a:endParaRPr lang="en-US"/>
-            </a:p>
-          </p:txBody>
-        </p:sp>
-        <p:sp>
-          <p:nvSpPr>
-            <p:cNvPr id="18" name="Freeform: Shape 17">
-              <a:extLst>
-                <a:ext uri="{FF2B5EF4-FFF2-40B4-BE49-F238E27FC236}">
-                  <a16:creationId xmlns:a16="http://schemas.microsoft.com/office/drawing/2014/main" id="{5BD26A8C-8D1D-41E6-A71E-FE9AC75F3F8A}"/>
-                </a:ext>
-                <a:ext uri="{C183D7F6-B498-43B3-948B-1728B52AA6E4}">
-                  <adec:decorative xmlns:adec="http://schemas.microsoft.com/office/drawing/2017/decorative" val="1"/>
-                </a:ext>
-              </a:extLst>
-            </p:cNvPr>
-            <p:cNvSpPr/>
-            <p:nvPr>
-              <p:extLst>
-                <p:ext uri="{386F3935-93C4-4BCD-93E2-E3B085C9AB24}">
-                  <p16:designElem xmlns:p16="http://schemas.microsoft.com/office/powerpoint/2015/main" val="1"/>
-                </p:ext>
-              </p:extLst>
-            </p:nvPr>
-          </p:nvSpPr>
-          <p:spPr>
-            <a:xfrm>
-              <a:off x="6410220" y="131729"/>
-              <a:ext cx="5769111" cy="6229400"/>
-            </a:xfrm>
-            <a:custGeom>
-              <a:avLst/>
-              <a:gdLst>
-                <a:gd name="connsiteX0" fmla="*/ 3882695 w 5769111"/>
-                <a:gd name="connsiteY0" fmla="*/ 0 h 6229400"/>
-                <a:gd name="connsiteX1" fmla="*/ 5691883 w 5769111"/>
-                <a:gd name="connsiteY1" fmla="*/ 557381 h 6229400"/>
-                <a:gd name="connsiteX2" fmla="*/ 5769111 w 5769111"/>
-                <a:gd name="connsiteY2" fmla="*/ 620523 h 6229400"/>
-                <a:gd name="connsiteX3" fmla="*/ 5769111 w 5769111"/>
-                <a:gd name="connsiteY3" fmla="*/ 1675390 h 6229400"/>
-                <a:gd name="connsiteX4" fmla="*/ 5711488 w 5769111"/>
-                <a:gd name="connsiteY4" fmla="*/ 1585205 h 6229400"/>
-                <a:gd name="connsiteX5" fmla="*/ 5566027 w 5769111"/>
-                <a:gd name="connsiteY5" fmla="*/ 1402571 h 6229400"/>
-                <a:gd name="connsiteX6" fmla="*/ 4858734 w 5769111"/>
-                <a:gd name="connsiteY6" fmla="*/ 886639 h 6229400"/>
-                <a:gd name="connsiteX7" fmla="*/ 3882695 w 5769111"/>
-                <a:gd name="connsiteY7" fmla="*/ 694858 h 6229400"/>
-                <a:gd name="connsiteX8" fmla="*/ 2727046 w 5769111"/>
-                <a:gd name="connsiteY8" fmla="*/ 905053 h 6229400"/>
-                <a:gd name="connsiteX9" fmla="*/ 1697186 w 5769111"/>
-                <a:gd name="connsiteY9" fmla="*/ 1483638 h 6229400"/>
-                <a:gd name="connsiteX10" fmla="*/ 989279 w 5769111"/>
-                <a:gd name="connsiteY10" fmla="*/ 2312139 h 6229400"/>
-                <a:gd name="connsiteX11" fmla="*/ 735615 w 5769111"/>
-                <a:gd name="connsiteY11" fmla="*/ 3263863 h 6229400"/>
-                <a:gd name="connsiteX12" fmla="*/ 1154424 w 5769111"/>
-                <a:gd name="connsiteY12" fmla="*/ 4128614 h 6229400"/>
-                <a:gd name="connsiteX13" fmla="*/ 1379768 w 5769111"/>
-                <a:gd name="connsiteY13" fmla="*/ 4427981 h 6229400"/>
-                <a:gd name="connsiteX14" fmla="*/ 2239456 w 5769111"/>
-                <a:gd name="connsiteY14" fmla="*/ 5256947 h 6229400"/>
-                <a:gd name="connsiteX15" fmla="*/ 3369727 w 5769111"/>
-                <a:gd name="connsiteY15" fmla="*/ 5534658 h 6229400"/>
-                <a:gd name="connsiteX16" fmla="*/ 4096760 w 5769111"/>
-                <a:gd name="connsiteY16" fmla="*/ 5357817 h 6229400"/>
-                <a:gd name="connsiteX17" fmla="*/ 4881905 w 5769111"/>
-                <a:gd name="connsiteY17" fmla="*/ 4847212 h 6229400"/>
-                <a:gd name="connsiteX18" fmla="*/ 5075739 w 5769111"/>
-                <a:gd name="connsiteY18" fmla="*/ 4705346 h 6229400"/>
-                <a:gd name="connsiteX19" fmla="*/ 5759930 w 5769111"/>
-                <a:gd name="connsiteY19" fmla="*/ 4166809 h 6229400"/>
-                <a:gd name="connsiteX20" fmla="*/ 5769111 w 5769111"/>
-                <a:gd name="connsiteY20" fmla="*/ 4157764 h 6229400"/>
-                <a:gd name="connsiteX21" fmla="*/ 5769111 w 5769111"/>
-                <a:gd name="connsiteY21" fmla="*/ 5074612 h 6229400"/>
-                <a:gd name="connsiteX22" fmla="*/ 5636252 w 5769111"/>
-                <a:gd name="connsiteY22" fmla="*/ 5174208 h 6229400"/>
-                <a:gd name="connsiteX23" fmla="*/ 5334922 w 5769111"/>
-                <a:gd name="connsiteY23" fmla="*/ 5394528 h 6229400"/>
-                <a:gd name="connsiteX24" fmla="*/ 3369727 w 5769111"/>
-                <a:gd name="connsiteY24" fmla="*/ 6229400 h 6229400"/>
-                <a:gd name="connsiteX25" fmla="*/ 771046 w 5769111"/>
-                <a:gd name="connsiteY25" fmla="*/ 4817913 h 6229400"/>
-                <a:gd name="connsiteX26" fmla="*/ 0 w 5769111"/>
-                <a:gd name="connsiteY26" fmla="*/ 3263748 h 6229400"/>
-                <a:gd name="connsiteX27" fmla="*/ 3882695 w 5769111"/>
-                <a:gd name="connsiteY27" fmla="*/ 0 h 6229400"/>
-              </a:gdLst>
-              <a:ahLst/>
-              <a:cxnLst>
-                <a:cxn ang="0">
-                  <a:pos x="connsiteX0" y="connsiteY0"/>
-                </a:cxn>
-                <a:cxn ang="0">
-                  <a:pos x="connsiteX1" y="connsiteY1"/>
-                </a:cxn>
-                <a:cxn ang="0">
-                  <a:pos x="connsiteX2" y="connsiteY2"/>
-                </a:cxn>
-                <a:cxn ang="0">
-                  <a:pos x="connsiteX3" y="connsiteY3"/>
-                </a:cxn>
-                <a:cxn ang="0">
-                  <a:pos x="connsiteX4" y="connsiteY4"/>
-                </a:cxn>
-                <a:cxn ang="0">
-                  <a:pos x="connsiteX5" y="connsiteY5"/>
-                </a:cxn>
-                <a:cxn ang="0">
-                  <a:pos x="connsiteX6" y="connsiteY6"/>
-                </a:cxn>
-                <a:cxn ang="0">
-                  <a:pos x="connsiteX7" y="connsiteY7"/>
-                </a:cxn>
-                <a:cxn ang="0">
-                  <a:pos x="connsiteX8" y="connsiteY8"/>
-                </a:cxn>
-                <a:cxn ang="0">
-                  <a:pos x="connsiteX9" y="connsiteY9"/>
-                </a:cxn>
-                <a:cxn ang="0">
-                  <a:pos x="connsiteX10" y="connsiteY10"/>
-                </a:cxn>
-                <a:cxn ang="0">
-                  <a:pos x="connsiteX11" y="connsiteY11"/>
-                </a:cxn>
-                <a:cxn ang="0">
-                  <a:pos x="connsiteX12" y="connsiteY12"/>
-                </a:cxn>
-                <a:cxn ang="0">
-                  <a:pos x="connsiteX13" y="connsiteY13"/>
-                </a:cxn>
-                <a:cxn ang="0">
-                  <a:pos x="connsiteX14" y="connsiteY14"/>
-                </a:cxn>
-                <a:cxn ang="0">
-                  <a:pos x="connsiteX15" y="connsiteY15"/>
-                </a:cxn>
-                <a:cxn ang="0">
-                  <a:pos x="connsiteX16" y="connsiteY16"/>
-                </a:cxn>
-                <a:cxn ang="0">
-                  <a:pos x="connsiteX17" y="connsiteY17"/>
-                </a:cxn>
-                <a:cxn ang="0">
-                  <a:pos x="connsiteX18" y="connsiteY18"/>
-                </a:cxn>
-                <a:cxn ang="0">
-                  <a:pos x="connsiteX19" y="connsiteY19"/>
-                </a:cxn>
-                <a:cxn ang="0">
-                  <a:pos x="connsiteX20" y="connsiteY20"/>
-                </a:cxn>
-                <a:cxn ang="0">
-                  <a:pos x="connsiteX21" y="connsiteY21"/>
-                </a:cxn>
-                <a:cxn ang="0">
-                  <a:pos x="connsiteX22" y="connsiteY22"/>
-                </a:cxn>
-                <a:cxn ang="0">
-                  <a:pos x="connsiteX23" y="connsiteY23"/>
-                </a:cxn>
-                <a:cxn ang="0">
-                  <a:pos x="connsiteX24" y="connsiteY24"/>
-                </a:cxn>
-                <a:cxn ang="0">
-                  <a:pos x="connsiteX25" y="connsiteY25"/>
-                </a:cxn>
-                <a:cxn ang="0">
-                  <a:pos x="connsiteX26" y="connsiteY26"/>
-                </a:cxn>
-                <a:cxn ang="0">
-                  <a:pos x="connsiteX27" y="connsiteY27"/>
-                </a:cxn>
-              </a:cxnLst>
-              <a:rect l="l" t="t" r="r" b="b"/>
-              <a:pathLst>
-                <a:path w="5769111" h="6229400">
-                  <a:moveTo>
-                    <a:pt x="3882695" y="0"/>
-                  </a:moveTo>
-                  <a:cubicBezTo>
-                    <a:pt x="4601253" y="0"/>
-                    <a:pt x="5210727" y="205477"/>
-                    <a:pt x="5691883" y="557381"/>
-                  </a:cubicBezTo>
-                  <a:lnTo>
-                    <a:pt x="5769111" y="620523"/>
-                  </a:lnTo>
-                  <a:lnTo>
-                    <a:pt x="5769111" y="1675390"/>
-                  </a:lnTo>
-                  <a:lnTo>
-                    <a:pt x="5711488" y="1585205"/>
-                  </a:lnTo>
-                  <a:cubicBezTo>
-                    <a:pt x="5665942" y="1521390"/>
-                    <a:pt x="5617428" y="1460432"/>
-                    <a:pt x="5566027" y="1402571"/>
-                  </a:cubicBezTo>
-                  <a:cubicBezTo>
-                    <a:pt x="5367411" y="1179058"/>
-                    <a:pt x="5129563" y="1005460"/>
-                    <a:pt x="4858734" y="886639"/>
-                  </a:cubicBezTo>
-                  <a:cubicBezTo>
-                    <a:pt x="4568779" y="759363"/>
-                    <a:pt x="4240327" y="694858"/>
-                    <a:pt x="3882695" y="694858"/>
-                  </a:cubicBezTo>
-                  <a:cubicBezTo>
-                    <a:pt x="3504835" y="694858"/>
-                    <a:pt x="3105151" y="767471"/>
-                    <a:pt x="2727046" y="905053"/>
-                  </a:cubicBezTo>
-                  <a:cubicBezTo>
-                    <a:pt x="2352985" y="1041013"/>
-                    <a:pt x="1996826" y="1241132"/>
-                    <a:pt x="1697186" y="1483638"/>
-                  </a:cubicBezTo>
-                  <a:cubicBezTo>
-                    <a:pt x="1397913" y="1725796"/>
-                    <a:pt x="1153199" y="2012308"/>
-                    <a:pt x="989279" y="2312139"/>
-                  </a:cubicBezTo>
-                  <a:cubicBezTo>
-                    <a:pt x="820946" y="2620077"/>
-                    <a:pt x="735615" y="2940290"/>
-                    <a:pt x="735615" y="3263863"/>
-                  </a:cubicBezTo>
-                  <a:cubicBezTo>
-                    <a:pt x="735615" y="3573074"/>
-                    <a:pt x="863980" y="3752464"/>
-                    <a:pt x="1154424" y="4128614"/>
-                  </a:cubicBezTo>
-                  <a:cubicBezTo>
-                    <a:pt x="1227127" y="4222767"/>
-                    <a:pt x="1302282" y="4320162"/>
-                    <a:pt x="1379768" y="4427981"/>
-                  </a:cubicBezTo>
-                  <a:cubicBezTo>
-                    <a:pt x="1653784" y="4809458"/>
-                    <a:pt x="1934912" y="5080685"/>
-                    <a:pt x="2239456" y="5256947"/>
-                  </a:cubicBezTo>
-                  <a:cubicBezTo>
-                    <a:pt x="2562268" y="5443863"/>
-                    <a:pt x="2932037" y="5534658"/>
-                    <a:pt x="3369727" y="5534658"/>
-                  </a:cubicBezTo>
-                  <a:cubicBezTo>
-                    <a:pt x="3618120" y="5534658"/>
-                    <a:pt x="3849103" y="5478491"/>
-                    <a:pt x="4096760" y="5357817"/>
-                  </a:cubicBezTo>
-                  <a:cubicBezTo>
-                    <a:pt x="4351037" y="5233901"/>
-                    <a:pt x="4602740" y="5053238"/>
-                    <a:pt x="4881905" y="4847212"/>
-                  </a:cubicBezTo>
-                  <a:cubicBezTo>
-                    <a:pt x="4947375" y="4798920"/>
-                    <a:pt x="5012599" y="4751322"/>
-                    <a:pt x="5075739" y="4705346"/>
-                  </a:cubicBezTo>
-                  <a:cubicBezTo>
-                    <a:pt x="5327320" y="4521990"/>
-                    <a:pt x="5568418" y="4346256"/>
-                    <a:pt x="5759930" y="4166809"/>
-                  </a:cubicBezTo>
-                  <a:lnTo>
-                    <a:pt x="5769111" y="4157764"/>
-                  </a:lnTo>
-                  <a:lnTo>
-                    <a:pt x="5769111" y="5074612"/>
-                  </a:lnTo>
-                  <a:lnTo>
-                    <a:pt x="5636252" y="5174208"/>
-                  </a:lnTo>
-                  <a:cubicBezTo>
-                    <a:pt x="5537051" y="5246835"/>
-                    <a:pt x="5436100" y="5319845"/>
-                    <a:pt x="5334922" y="5394528"/>
-                  </a:cubicBezTo>
-                  <a:cubicBezTo>
-                    <a:pt x="4745327" y="5829741"/>
-                    <a:pt x="4177309" y="6229400"/>
-                    <a:pt x="3369727" y="6229400"/>
-                  </a:cubicBezTo>
-                  <a:cubicBezTo>
-                    <a:pt x="2172147" y="6229400"/>
-                    <a:pt x="1394603" y="5686137"/>
-                    <a:pt x="771046" y="4817913"/>
-                  </a:cubicBezTo>
-                  <a:cubicBezTo>
-                    <a:pt x="396864" y="4297000"/>
-                    <a:pt x="0" y="3939728"/>
-                    <a:pt x="0" y="3263748"/>
-                  </a:cubicBezTo>
-                  <a:cubicBezTo>
-                    <a:pt x="0" y="1461170"/>
-                    <a:pt x="1955141" y="0"/>
-                    <a:pt x="3882695" y="0"/>
-                  </a:cubicBezTo>
-                  <a:close/>
-                </a:path>
-              </a:pathLst>
-            </a:custGeom>
-            <a:gradFill>
-              <a:gsLst>
-                <a:gs pos="2000">
-                  <a:schemeClr val="bg1">
-                    <a:alpha val="10000"/>
-                  </a:schemeClr>
-                </a:gs>
-                <a:gs pos="16000">
-                  <a:schemeClr val="accent6">
-                    <a:alpha val="10000"/>
-                  </a:schemeClr>
-                </a:gs>
-                <a:gs pos="100000">
-                  <a:schemeClr val="bg1">
-                    <a:alpha val="10000"/>
-                  </a:schemeClr>
-                </a:gs>
-                <a:gs pos="85000">
-                  <a:schemeClr val="accent1">
-                    <a:alpha val="10000"/>
-                  </a:schemeClr>
-                </a:gs>
-              </a:gsLst>
-              <a:lin ang="12000000" scaled="0"/>
-            </a:gradFill>
-            <a:ln>
-              <a:noFill/>
-            </a:ln>
-          </p:spPr>
-          <p:style>
-            <a:lnRef idx="2">
-              <a:schemeClr val="accent1">
-                <a:shade val="50000"/>
-              </a:schemeClr>
-            </a:lnRef>
-            <a:fillRef idx="1">
-              <a:schemeClr val="accent1"/>
-            </a:fillRef>
-            <a:effectRef idx="0">
-              <a:schemeClr val="accent1"/>
-            </a:effectRef>
-            <a:fontRef idx="minor">
-              <a:schemeClr val="lt1"/>
-            </a:fontRef>
-          </p:style>
-          <p:txBody>
-            <a:bodyPr rtlCol="0" anchor="ctr"/>
-            <a:lstStyle/>
-            <a:p>
-              <a:pPr algn="ctr"/>
-              <a:endParaRPr lang="en-US"/>
-            </a:p>
-          </p:txBody>
-        </p:sp>
-      </p:grpSp>
-      <p:pic>
-        <p:nvPicPr>
-          <p:cNvPr id="7" name="Graphic 6" descr="Checkmark">
-            <a:extLst>
-              <a:ext uri="{FF2B5EF4-FFF2-40B4-BE49-F238E27FC236}">
-                <a16:creationId xmlns:a16="http://schemas.microsoft.com/office/drawing/2014/main" id="{660153F0-7872-B06C-7FD9-9B40687E62DA}"/>
-              </a:ext>
-            </a:extLst>
-          </p:cNvPr>
-          <p:cNvPicPr>
-            <a:picLocks noChangeAspect="1"/>
-          </p:cNvPicPr>
-          <p:nvPr/>
-        </p:nvPicPr>
-        <p:blipFill>
-          <a:blip r:embed="rId2">
-            <a:extLst>
-              <a:ext uri="{28A0092B-C50C-407E-A947-70E740481C1C}">
-                <a14:useLocalDpi xmlns:a14="http://schemas.microsoft.com/office/drawing/2010/main" val="0"/>
-              </a:ext>
-              <a:ext uri="{96DAC541-7B7A-43D3-8B79-37D633B846F1}">
-                <asvg:svgBlip xmlns:asvg="http://schemas.microsoft.com/office/drawing/2016/SVG/main" r:embed="rId3"/>
-              </a:ext>
-            </a:extLst>
-          </a:blip>
-          <a:stretch>
-            <a:fillRect/>
-          </a:stretch>
-        </p:blipFill>
-        <p:spPr>
-          <a:xfrm>
-            <a:off x="8121726" y="1629089"/>
-            <a:ext cx="3620021" cy="3620021"/>
-          </a:xfrm>
-          <a:prstGeom prst="rect">
-            <a:avLst/>
-          </a:prstGeom>
-        </p:spPr>
-      </p:pic>
-      <p:sp>
-        <p:nvSpPr>
-          <p:cNvPr id="5" name="Rectangle 4">
-            <a:extLst>
-              <a:ext uri="{FF2B5EF4-FFF2-40B4-BE49-F238E27FC236}">
-                <a16:creationId xmlns:a16="http://schemas.microsoft.com/office/drawing/2014/main" id="{48854170-395B-2773-B95C-9A2AFD3097A1}"/>
-              </a:ext>
-            </a:extLst>
-          </p:cNvPr>
-          <p:cNvSpPr/>
-          <p:nvPr/>
-        </p:nvSpPr>
-        <p:spPr>
-          <a:xfrm>
-            <a:off x="519335" y="2190406"/>
-            <a:ext cx="2455144" cy="785711"/>
-          </a:xfrm>
-          <a:prstGeom prst="rect">
-            <a:avLst/>
-          </a:prstGeom>
-          <a:solidFill>
-            <a:srgbClr val="ED7D31"/>
-          </a:solidFill>
-          <a:ln>
-            <a:noFill/>
-          </a:ln>
-        </p:spPr>
-        <p:style>
-          <a:lnRef idx="0">
-            <a:scrgbClr r="0" g="0" b="0"/>
-          </a:lnRef>
-          <a:fillRef idx="0">
-            <a:scrgbClr r="0" g="0" b="0"/>
-          </a:fillRef>
-          <a:effectRef idx="0">
-            <a:scrgbClr r="0" g="0" b="0"/>
-          </a:effectRef>
-          <a:fontRef idx="minor">
-            <a:schemeClr val="accent2"/>
-          </a:fontRef>
-        </p:style>
-        <p:txBody>
-          <a:bodyPr rtlCol="0" anchor="ctr"/>
-          <a:lstStyle/>
-          <a:p>
-            <a:pPr algn="ctr"/>
-            <a:r>
-              <a:rPr lang="en-CN" dirty="0">
-                <a:solidFill>
-                  <a:schemeClr val="bg1"/>
-                </a:solidFill>
-              </a:rPr>
-              <a:t>Used JavaFX</a:t>
-            </a:r>
-          </a:p>
-        </p:txBody>
-      </p:sp>
-      <p:sp>
-        <p:nvSpPr>
-          <p:cNvPr id="6" name="Rectangle 5">
-            <a:extLst>
-              <a:ext uri="{FF2B5EF4-FFF2-40B4-BE49-F238E27FC236}">
-                <a16:creationId xmlns:a16="http://schemas.microsoft.com/office/drawing/2014/main" id="{6462561C-605C-68E2-03E9-954D29D6A6C6}"/>
-              </a:ext>
-            </a:extLst>
-          </p:cNvPr>
-          <p:cNvSpPr/>
-          <p:nvPr/>
-        </p:nvSpPr>
-        <p:spPr>
-          <a:xfrm>
-            <a:off x="521567" y="3731440"/>
-            <a:ext cx="2455144" cy="785711"/>
-          </a:xfrm>
-          <a:prstGeom prst="rect">
-            <a:avLst/>
-          </a:prstGeom>
-          <a:solidFill>
-            <a:srgbClr val="DC7A4B"/>
-          </a:solidFill>
-          <a:ln>
-            <a:noFill/>
-          </a:ln>
-        </p:spPr>
-        <p:style>
-          <a:lnRef idx="0">
-            <a:scrgbClr r="0" g="0" b="0"/>
-          </a:lnRef>
-          <a:fillRef idx="0">
-            <a:scrgbClr r="0" g="0" b="0"/>
-          </a:fillRef>
-          <a:effectRef idx="0">
-            <a:scrgbClr r="0" g="0" b="0"/>
-          </a:effectRef>
-          <a:fontRef idx="minor">
-            <a:schemeClr val="accent2"/>
-          </a:fontRef>
-        </p:style>
-        <p:txBody>
-          <a:bodyPr rtlCol="0" anchor="ctr"/>
-          <a:lstStyle/>
-          <a:p>
-            <a:pPr algn="ctr"/>
-            <a:r>
-              <a:rPr lang="en-CN" dirty="0">
-                <a:solidFill>
-                  <a:schemeClr val="bg1"/>
-                </a:solidFill>
-              </a:rPr>
-              <a:t>Class Definition</a:t>
-            </a:r>
-          </a:p>
-        </p:txBody>
-      </p:sp>
-      <p:sp>
-        <p:nvSpPr>
-          <p:cNvPr id="8" name="Rectangle 7">
-            <a:extLst>
-              <a:ext uri="{FF2B5EF4-FFF2-40B4-BE49-F238E27FC236}">
-                <a16:creationId xmlns:a16="http://schemas.microsoft.com/office/drawing/2014/main" id="{8AD0B9CD-0660-A5E9-9A9A-01581F7D8B6C}"/>
-              </a:ext>
-            </a:extLst>
-          </p:cNvPr>
-          <p:cNvSpPr/>
-          <p:nvPr/>
-        </p:nvSpPr>
-        <p:spPr>
-          <a:xfrm>
-            <a:off x="521567" y="5316966"/>
-            <a:ext cx="2455144" cy="785711"/>
-          </a:xfrm>
-          <a:prstGeom prst="rect">
-            <a:avLst/>
-          </a:prstGeom>
-          <a:solidFill>
-            <a:srgbClr val="CC7D64"/>
-          </a:solidFill>
-          <a:ln>
-            <a:noFill/>
-          </a:ln>
-        </p:spPr>
-        <p:style>
-          <a:lnRef idx="0">
-            <a:scrgbClr r="0" g="0" b="0"/>
-          </a:lnRef>
-          <a:fillRef idx="0">
-            <a:scrgbClr r="0" g="0" b="0"/>
-          </a:fillRef>
-          <a:effectRef idx="0">
-            <a:scrgbClr r="0" g="0" b="0"/>
-          </a:effectRef>
-          <a:fontRef idx="minor">
-            <a:schemeClr val="accent2"/>
-          </a:fontRef>
-        </p:style>
-        <p:txBody>
-          <a:bodyPr rtlCol="0" anchor="ctr"/>
-          <a:lstStyle/>
-          <a:p>
-            <a:pPr algn="ctr"/>
-            <a:r>
-              <a:rPr lang="en-CN" dirty="0">
-                <a:solidFill>
-                  <a:schemeClr val="bg1"/>
-                </a:solidFill>
-              </a:rPr>
-              <a:t>Interitance</a:t>
-            </a:r>
-          </a:p>
-        </p:txBody>
-      </p:sp>
-      <p:sp>
-        <p:nvSpPr>
-          <p:cNvPr id="9" name="Rectangle 8">
-            <a:extLst>
-              <a:ext uri="{FF2B5EF4-FFF2-40B4-BE49-F238E27FC236}">
-                <a16:creationId xmlns:a16="http://schemas.microsoft.com/office/drawing/2014/main" id="{07B814CD-1061-3EC7-838A-9B1CDA78D146}"/>
-              </a:ext>
-            </a:extLst>
-          </p:cNvPr>
-          <p:cNvSpPr/>
-          <p:nvPr/>
-        </p:nvSpPr>
-        <p:spPr>
-          <a:xfrm>
-            <a:off x="3589592" y="3731440"/>
-            <a:ext cx="2455144" cy="785711"/>
-          </a:xfrm>
-          <a:prstGeom prst="rect">
-            <a:avLst/>
-          </a:prstGeom>
-          <a:solidFill>
-            <a:srgbClr val="B09391"/>
-          </a:solidFill>
-          <a:ln>
-            <a:noFill/>
-          </a:ln>
-        </p:spPr>
-        <p:style>
-          <a:lnRef idx="0">
-            <a:scrgbClr r="0" g="0" b="0"/>
-          </a:lnRef>
-          <a:fillRef idx="0">
-            <a:scrgbClr r="0" g="0" b="0"/>
-          </a:fillRef>
-          <a:effectRef idx="0">
-            <a:scrgbClr r="0" g="0" b="0"/>
-          </a:effectRef>
-          <a:fontRef idx="minor">
-            <a:schemeClr val="accent2"/>
-          </a:fontRef>
-        </p:style>
-        <p:txBody>
-          <a:bodyPr rtlCol="0" anchor="ctr"/>
-          <a:lstStyle/>
-          <a:p>
-            <a:pPr algn="ctr"/>
-            <a:r>
-              <a:rPr lang="en-CN" dirty="0">
-                <a:solidFill>
-                  <a:schemeClr val="bg1"/>
-                </a:solidFill>
-              </a:rPr>
-              <a:t>Lists</a:t>
-            </a:r>
-          </a:p>
-        </p:txBody>
-      </p:sp>
-      <p:sp>
-        <p:nvSpPr>
-          <p:cNvPr id="11" name="Rectangle 10">
-            <a:extLst>
-              <a:ext uri="{FF2B5EF4-FFF2-40B4-BE49-F238E27FC236}">
-                <a16:creationId xmlns:a16="http://schemas.microsoft.com/office/drawing/2014/main" id="{EE75CDA4-6196-A2A6-F4EC-C6FF17D8E7EF}"/>
-              </a:ext>
-            </a:extLst>
-          </p:cNvPr>
-          <p:cNvSpPr/>
-          <p:nvPr/>
-        </p:nvSpPr>
-        <p:spPr>
-          <a:xfrm>
-            <a:off x="3589592" y="5316965"/>
-            <a:ext cx="2455144" cy="785711"/>
-          </a:xfrm>
-          <a:prstGeom prst="rect">
-            <a:avLst/>
-          </a:prstGeom>
-          <a:solidFill>
-            <a:srgbClr val="A5A5A5"/>
-          </a:solidFill>
-          <a:ln>
-            <a:noFill/>
-          </a:ln>
-        </p:spPr>
-        <p:style>
-          <a:lnRef idx="0">
-            <a:scrgbClr r="0" g="0" b="0"/>
-          </a:lnRef>
-          <a:fillRef idx="0">
-            <a:scrgbClr r="0" g="0" b="0"/>
-          </a:fillRef>
-          <a:effectRef idx="0">
-            <a:scrgbClr r="0" g="0" b="0"/>
-          </a:effectRef>
-          <a:fontRef idx="minor">
-            <a:schemeClr val="accent2"/>
-          </a:fontRef>
-        </p:style>
-        <p:txBody>
-          <a:bodyPr rtlCol="0" anchor="ctr"/>
-          <a:lstStyle/>
-          <a:p>
-            <a:pPr algn="ctr"/>
-            <a:r>
-              <a:rPr lang="en-CN" dirty="0">
-                <a:solidFill>
-                  <a:schemeClr val="bg1"/>
-                </a:solidFill>
-              </a:rPr>
-              <a:t>Maps</a:t>
-            </a:r>
-          </a:p>
-        </p:txBody>
-      </p:sp>
-      <p:sp>
-        <p:nvSpPr>
-          <p:cNvPr id="13" name="Rectangle 12">
-            <a:extLst>
-              <a:ext uri="{FF2B5EF4-FFF2-40B4-BE49-F238E27FC236}">
-                <a16:creationId xmlns:a16="http://schemas.microsoft.com/office/drawing/2014/main" id="{711E8559-3435-3BC1-BF7E-8BE169E6478A}"/>
-              </a:ext>
-            </a:extLst>
-          </p:cNvPr>
-          <p:cNvSpPr/>
-          <p:nvPr/>
-        </p:nvSpPr>
-        <p:spPr>
-          <a:xfrm>
-            <a:off x="3589592" y="2152967"/>
-            <a:ext cx="2455144" cy="785711"/>
-          </a:xfrm>
-          <a:prstGeom prst="rect">
-            <a:avLst/>
-          </a:prstGeom>
-          <a:solidFill>
-            <a:schemeClr val="accent2">
-              <a:lumMod val="75000"/>
-            </a:schemeClr>
-          </a:solidFill>
-          <a:ln>
-            <a:noFill/>
-          </a:ln>
-        </p:spPr>
-        <p:style>
-          <a:lnRef idx="0">
-            <a:scrgbClr r="0" g="0" b="0"/>
-          </a:lnRef>
-          <a:fillRef idx="0">
-            <a:scrgbClr r="0" g="0" b="0"/>
-          </a:fillRef>
-          <a:effectRef idx="0">
-            <a:scrgbClr r="0" g="0" b="0"/>
-          </a:effectRef>
-          <a:fontRef idx="minor">
-            <a:schemeClr val="accent2"/>
-          </a:fontRef>
-        </p:style>
-        <p:txBody>
-          <a:bodyPr rtlCol="0" anchor="ctr"/>
-          <a:lstStyle/>
-          <a:p>
-            <a:pPr algn="ctr"/>
-            <a:r>
-              <a:rPr lang="en-CN" dirty="0">
-                <a:solidFill>
-                  <a:schemeClr val="bg1"/>
-                </a:solidFill>
-              </a:rPr>
-              <a:t>Interface</a:t>
-            </a:r>
-          </a:p>
-        </p:txBody>
-      </p:sp>
-    </p:spTree>
-    <p:extLst>
-      <p:ext uri="{BB962C8B-B14F-4D97-AF65-F5344CB8AC3E}">
-        <p14:creationId xmlns:p14="http://schemas.microsoft.com/office/powerpoint/2010/main" val="196374541"/>
-      </p:ext>
-    </p:extLst>
-  </p:cSld>
-  <p:clrMapOvr>
-    <a:masterClrMapping/>
-  </p:clrMapOvr>
-</p:sld>
-</file>
-
-<file path=ppt/slides/slide3.xml><?xml version="1.0" encoding="utf-8"?>
-<p:sld xmlns:a="http://schemas.openxmlformats.org/drawingml/2006/main" xmlns:r="http://schemas.openxmlformats.org/officeDocument/2006/relationships" xmlns:p="http://schemas.openxmlformats.org/presentationml/2006/main">
-  <p:cSld>
-    <p:bg>
-      <p:bgPr>
-        <a:solidFill>
-          <a:schemeClr val="bg1"/>
-        </a:solidFill>
-        <a:effectLst/>
-      </p:bgPr>
-    </p:bg>
-    <p:spTree>
-      <p:nvGrpSpPr>
-        <p:cNvPr id="1" name=""/>
-        <p:cNvGrpSpPr/>
-        <p:nvPr/>
-      </p:nvGrpSpPr>
-      <p:grpSpPr>
-        <a:xfrm>
-          <a:off x="0" y="0"/>
-          <a:ext cx="0" cy="0"/>
-          <a:chOff x="0" y="0"/>
-          <a:chExt cx="0" cy="0"/>
-        </a:xfrm>
-      </p:grpSpPr>
       <p:sp>
         <p:nvSpPr>
           <p:cNvPr id="2" name="Title 1">
@@ -11533,6 +8162,3377 @@
     <p:extLst>
       <p:ext uri="{BB962C8B-B14F-4D97-AF65-F5344CB8AC3E}">
         <p14:creationId xmlns:p14="http://schemas.microsoft.com/office/powerpoint/2010/main" val="1201565962"/>
+      </p:ext>
+    </p:extLst>
+  </p:cSld>
+  <p:clrMapOvr>
+    <a:masterClrMapping/>
+  </p:clrMapOvr>
+</p:sld>
+</file>
+
+<file path=ppt/slides/slide3.xml><?xml version="1.0" encoding="utf-8"?>
+<p:sld xmlns:a="http://schemas.openxmlformats.org/drawingml/2006/main" xmlns:r="http://schemas.openxmlformats.org/officeDocument/2006/relationships" xmlns:p="http://schemas.openxmlformats.org/presentationml/2006/main">
+  <p:cSld>
+    <p:bg>
+      <p:bgPr>
+        <a:solidFill>
+          <a:schemeClr val="bg1"/>
+        </a:solidFill>
+        <a:effectLst/>
+      </p:bgPr>
+    </p:bg>
+    <p:spTree>
+      <p:nvGrpSpPr>
+        <p:cNvPr id="1" name=""/>
+        <p:cNvGrpSpPr/>
+        <p:nvPr/>
+      </p:nvGrpSpPr>
+      <p:grpSpPr>
+        <a:xfrm>
+          <a:off x="0" y="0"/>
+          <a:ext cx="0" cy="0"/>
+          <a:chOff x="0" y="0"/>
+          <a:chExt cx="0" cy="0"/>
+        </a:xfrm>
+      </p:grpSpPr>
+      <p:sp useBgFill="1">
+        <p:nvSpPr>
+          <p:cNvPr id="10" name="Rectangle 9">
+            <a:extLst>
+              <a:ext uri="{FF2B5EF4-FFF2-40B4-BE49-F238E27FC236}">
+                <a16:creationId xmlns:a16="http://schemas.microsoft.com/office/drawing/2014/main" id="{EDDBB197-D710-4A4F-A9CA-FD2177498BE8}"/>
+              </a:ext>
+              <a:ext uri="{C183D7F6-B498-43B3-948B-1728B52AA6E4}">
+                <adec:decorative xmlns:adec="http://schemas.microsoft.com/office/drawing/2017/decorative" val="1"/>
+              </a:ext>
+            </a:extLst>
+          </p:cNvPr>
+          <p:cNvSpPr>
+            <a:spLocks noGrp="1" noRot="1" noChangeAspect="1" noMove="1" noResize="1" noEditPoints="1" noAdjustHandles="1" noChangeArrowheads="1" noChangeShapeType="1" noTextEdit="1"/>
+          </p:cNvSpPr>
+          <p:nvPr>
+            <p:extLst>
+              <p:ext uri="{386F3935-93C4-4BCD-93E2-E3B085C9AB24}">
+                <p16:designElem xmlns:p16="http://schemas.microsoft.com/office/powerpoint/2015/main" val="1"/>
+              </p:ext>
+            </p:extLst>
+          </p:nvPr>
+        </p:nvSpPr>
+        <p:spPr>
+          <a:xfrm>
+            <a:off x="0" y="0"/>
+            <a:ext cx="12192000" cy="6858000"/>
+          </a:xfrm>
+          <a:prstGeom prst="rect">
+            <a:avLst/>
+          </a:prstGeom>
+          <a:ln>
+            <a:noFill/>
+          </a:ln>
+        </p:spPr>
+        <p:style>
+          <a:lnRef idx="2">
+            <a:schemeClr val="accent1">
+              <a:shade val="50000"/>
+            </a:schemeClr>
+          </a:lnRef>
+          <a:fillRef idx="1">
+            <a:schemeClr val="accent1"/>
+          </a:fillRef>
+          <a:effectRef idx="0">
+            <a:schemeClr val="accent1"/>
+          </a:effectRef>
+          <a:fontRef idx="minor">
+            <a:schemeClr val="lt1"/>
+          </a:fontRef>
+        </p:style>
+        <p:txBody>
+          <a:bodyPr rtlCol="0" anchor="ctr"/>
+          <a:lstStyle/>
+          <a:p>
+            <a:pPr algn="ctr"/>
+            <a:endParaRPr lang="en-US"/>
+          </a:p>
+        </p:txBody>
+      </p:sp>
+      <p:sp>
+        <p:nvSpPr>
+          <p:cNvPr id="12" name="Rectangle 11">
+            <a:extLst>
+              <a:ext uri="{FF2B5EF4-FFF2-40B4-BE49-F238E27FC236}">
+                <a16:creationId xmlns:a16="http://schemas.microsoft.com/office/drawing/2014/main" id="{975D1CFA-2CDB-4B64-BD9F-85744E8DA12F}"/>
+              </a:ext>
+              <a:ext uri="{C183D7F6-B498-43B3-948B-1728B52AA6E4}">
+                <adec:decorative xmlns:adec="http://schemas.microsoft.com/office/drawing/2017/decorative" val="1"/>
+              </a:ext>
+            </a:extLst>
+          </p:cNvPr>
+          <p:cNvSpPr>
+            <a:spLocks noGrp="1" noRot="1" noChangeAspect="1" noMove="1" noResize="1" noEditPoints="1" noAdjustHandles="1" noChangeArrowheads="1" noChangeShapeType="1" noTextEdit="1"/>
+          </p:cNvSpPr>
+          <p:nvPr>
+            <p:extLst>
+              <p:ext uri="{386F3935-93C4-4BCD-93E2-E3B085C9AB24}">
+                <p16:designElem xmlns:p16="http://schemas.microsoft.com/office/powerpoint/2015/main" val="1"/>
+              </p:ext>
+            </p:extLst>
+          </p:nvPr>
+        </p:nvSpPr>
+        <p:spPr>
+          <a:xfrm>
+            <a:off x="305" y="0"/>
+            <a:ext cx="12191695" cy="6858000"/>
+          </a:xfrm>
+          <a:prstGeom prst="rect">
+            <a:avLst/>
+          </a:prstGeom>
+          <a:solidFill>
+            <a:schemeClr val="bg1"/>
+          </a:solidFill>
+          <a:ln>
+            <a:noFill/>
+          </a:ln>
+        </p:spPr>
+        <p:style>
+          <a:lnRef idx="2">
+            <a:schemeClr val="accent1">
+              <a:shade val="50000"/>
+            </a:schemeClr>
+          </a:lnRef>
+          <a:fillRef idx="1">
+            <a:schemeClr val="accent1"/>
+          </a:fillRef>
+          <a:effectRef idx="0">
+            <a:schemeClr val="accent1"/>
+          </a:effectRef>
+          <a:fontRef idx="minor">
+            <a:schemeClr val="lt1"/>
+          </a:fontRef>
+        </p:style>
+        <p:txBody>
+          <a:bodyPr rtlCol="0" anchor="ctr"/>
+          <a:lstStyle/>
+          <a:p>
+            <a:pPr algn="ctr"/>
+            <a:endParaRPr lang="en-US"/>
+          </a:p>
+        </p:txBody>
+      </p:sp>
+      <p:sp>
+        <p:nvSpPr>
+          <p:cNvPr id="2" name="Title 1">
+            <a:extLst>
+              <a:ext uri="{FF2B5EF4-FFF2-40B4-BE49-F238E27FC236}">
+                <a16:creationId xmlns:a16="http://schemas.microsoft.com/office/drawing/2014/main" id="{1ADEE594-55E8-07B4-25AB-0293FD51AE9C}"/>
+              </a:ext>
+            </a:extLst>
+          </p:cNvPr>
+          <p:cNvSpPr>
+            <a:spLocks noGrp="1"/>
+          </p:cNvSpPr>
+          <p:nvPr>
+            <p:ph type="title"/>
+          </p:nvPr>
+        </p:nvSpPr>
+        <p:spPr>
+          <a:xfrm>
+            <a:off x="450253" y="411669"/>
+            <a:ext cx="5594483" cy="1454051"/>
+          </a:xfrm>
+        </p:spPr>
+        <p:txBody>
+          <a:bodyPr>
+            <a:normAutofit/>
+          </a:bodyPr>
+          <a:lstStyle/>
+          <a:p>
+            <a:pPr algn="ctr"/>
+            <a:r>
+              <a:rPr lang="en-CN" sz="4000" b="1" dirty="0">
+                <a:solidFill>
+                  <a:schemeClr val="tx2"/>
+                </a:solidFill>
+              </a:rPr>
+              <a:t>Requirements </a:t>
+            </a:r>
+            <a:r>
+              <a:rPr lang="en-CN" b="1" dirty="0"/>
+              <a:t>Fulfilled</a:t>
+            </a:r>
+            <a:endParaRPr lang="en-CN" sz="4000" b="1" dirty="0"/>
+          </a:p>
+        </p:txBody>
+      </p:sp>
+      <p:grpSp>
+        <p:nvGrpSpPr>
+          <p:cNvPr id="14" name="Group 13">
+            <a:extLst>
+              <a:ext uri="{FF2B5EF4-FFF2-40B4-BE49-F238E27FC236}">
+                <a16:creationId xmlns:a16="http://schemas.microsoft.com/office/drawing/2014/main" id="{25EE5136-01F1-466C-962D-BA9B4C6757AA}"/>
+              </a:ext>
+              <a:ext uri="{C183D7F6-B498-43B3-948B-1728B52AA6E4}">
+                <adec:decorative xmlns:adec="http://schemas.microsoft.com/office/drawing/2017/decorative" val="1"/>
+              </a:ext>
+            </a:extLst>
+          </p:cNvPr>
+          <p:cNvGrpSpPr>
+            <a:grpSpLocks noGrp="1" noUngrp="1" noRot="1" noChangeAspect="1" noMove="1" noResize="1"/>
+          </p:cNvGrpSpPr>
+          <p:nvPr>
+            <p:extLst>
+              <p:ext uri="{386F3935-93C4-4BCD-93E2-E3B085C9AB24}">
+                <p16:designElem xmlns:p16="http://schemas.microsoft.com/office/powerpoint/2015/main" val="1"/>
+              </p:ext>
+            </p:extLst>
+          </p:nvPr>
+        </p:nvGrpSpPr>
+        <p:grpSpPr>
+          <a:xfrm>
+            <a:off x="6369897" y="0"/>
+            <a:ext cx="5822103" cy="6685267"/>
+            <a:chOff x="6357228" y="0"/>
+            <a:chExt cx="5822103" cy="6685267"/>
+          </a:xfrm>
+        </p:grpSpPr>
+        <p:sp>
+          <p:nvSpPr>
+            <p:cNvPr id="15" name="Freeform: Shape 14">
+              <a:extLst>
+                <a:ext uri="{FF2B5EF4-FFF2-40B4-BE49-F238E27FC236}">
+                  <a16:creationId xmlns:a16="http://schemas.microsoft.com/office/drawing/2014/main" id="{E11D3AD4-AF9B-4EB5-8C7B-C45D173B4B56}"/>
+                </a:ext>
+                <a:ext uri="{C183D7F6-B498-43B3-948B-1728B52AA6E4}">
+                  <adec:decorative xmlns:adec="http://schemas.microsoft.com/office/drawing/2017/decorative" val="1"/>
+                </a:ext>
+              </a:extLst>
+            </p:cNvPr>
+            <p:cNvSpPr/>
+            <p:nvPr>
+              <p:extLst>
+                <p:ext uri="{386F3935-93C4-4BCD-93E2-E3B085C9AB24}">
+                  <p16:designElem xmlns:p16="http://schemas.microsoft.com/office/powerpoint/2015/main" val="1"/>
+                </p:ext>
+              </p:extLst>
+            </p:nvPr>
+          </p:nvSpPr>
+          <p:spPr>
+            <a:xfrm>
+              <a:off x="6357228" y="0"/>
+              <a:ext cx="5822102" cy="6685267"/>
+            </a:xfrm>
+            <a:custGeom>
+              <a:avLst/>
+              <a:gdLst>
+                <a:gd name="connsiteX0" fmla="*/ 2605444 w 5822102"/>
+                <a:gd name="connsiteY0" fmla="*/ 0 h 6685267"/>
+                <a:gd name="connsiteX1" fmla="*/ 4757391 w 5822102"/>
+                <a:gd name="connsiteY1" fmla="*/ 0 h 6685267"/>
+                <a:gd name="connsiteX2" fmla="*/ 4913680 w 5822102"/>
+                <a:gd name="connsiteY2" fmla="*/ 56274 h 6685267"/>
+                <a:gd name="connsiteX3" fmla="*/ 5376238 w 5822102"/>
+                <a:gd name="connsiteY3" fmla="*/ 282027 h 6685267"/>
+                <a:gd name="connsiteX4" fmla="*/ 5658024 w 5822102"/>
+                <a:gd name="connsiteY4" fmla="*/ 471014 h 6685267"/>
+                <a:gd name="connsiteX5" fmla="*/ 5822102 w 5822102"/>
+                <a:gd name="connsiteY5" fmla="*/ 609109 h 6685267"/>
+                <a:gd name="connsiteX6" fmla="*/ 5822102 w 5822102"/>
+                <a:gd name="connsiteY6" fmla="*/ 760697 h 6685267"/>
+                <a:gd name="connsiteX7" fmla="*/ 5707785 w 5822102"/>
+                <a:gd name="connsiteY7" fmla="*/ 666601 h 6685267"/>
+                <a:gd name="connsiteX8" fmla="*/ 5577306 w 5822102"/>
+                <a:gd name="connsiteY8" fmla="*/ 571666 h 6685267"/>
+                <a:gd name="connsiteX9" fmla="*/ 5298630 w 5822102"/>
+                <a:gd name="connsiteY9" fmla="*/ 407449 h 6685267"/>
+                <a:gd name="connsiteX10" fmla="*/ 4690768 w 5822102"/>
+                <a:gd name="connsiteY10" fmla="*/ 184979 h 6685267"/>
+                <a:gd name="connsiteX11" fmla="*/ 4048577 w 5822102"/>
+                <a:gd name="connsiteY11" fmla="*/ 99280 h 6685267"/>
+                <a:gd name="connsiteX12" fmla="*/ 3405404 w 5822102"/>
+                <a:gd name="connsiteY12" fmla="*/ 131937 h 6685267"/>
+                <a:gd name="connsiteX13" fmla="*/ 3089702 w 5822102"/>
+                <a:gd name="connsiteY13" fmla="*/ 190190 h 6685267"/>
+                <a:gd name="connsiteX14" fmla="*/ 2780132 w 5822102"/>
+                <a:gd name="connsiteY14" fmla="*/ 273457 h 6685267"/>
+                <a:gd name="connsiteX15" fmla="*/ 2478040 w 5822102"/>
+                <a:gd name="connsiteY15" fmla="*/ 379654 h 6685267"/>
+                <a:gd name="connsiteX16" fmla="*/ 2184897 w 5822102"/>
+                <a:gd name="connsiteY16" fmla="*/ 507972 h 6685267"/>
+                <a:gd name="connsiteX17" fmla="*/ 1629141 w 5822102"/>
+                <a:gd name="connsiteY17" fmla="*/ 823205 h 6685267"/>
+                <a:gd name="connsiteX18" fmla="*/ 1497711 w 5822102"/>
+                <a:gd name="connsiteY18" fmla="*/ 914000 h 6685267"/>
+                <a:gd name="connsiteX19" fmla="*/ 1433099 w 5822102"/>
+                <a:gd name="connsiteY19" fmla="*/ 960903 h 6685267"/>
+                <a:gd name="connsiteX20" fmla="*/ 1369346 w 5822102"/>
+                <a:gd name="connsiteY20" fmla="*/ 1008963 h 6685267"/>
+                <a:gd name="connsiteX21" fmla="*/ 1123406 w 5822102"/>
+                <a:gd name="connsiteY21" fmla="*/ 1212905 h 6685267"/>
+                <a:gd name="connsiteX22" fmla="*/ 684367 w 5822102"/>
+                <a:gd name="connsiteY22" fmla="*/ 1675564 h 6685267"/>
+                <a:gd name="connsiteX23" fmla="*/ 497153 w 5822102"/>
+                <a:gd name="connsiteY23" fmla="*/ 1933588 h 6685267"/>
+                <a:gd name="connsiteX24" fmla="*/ 337770 w 5822102"/>
+                <a:gd name="connsiteY24" fmla="*/ 2208983 h 6685267"/>
+                <a:gd name="connsiteX25" fmla="*/ 302461 w 5822102"/>
+                <a:gd name="connsiteY25" fmla="*/ 2280207 h 6685267"/>
+                <a:gd name="connsiteX26" fmla="*/ 285296 w 5822102"/>
+                <a:gd name="connsiteY26" fmla="*/ 2316107 h 6685267"/>
+                <a:gd name="connsiteX27" fmla="*/ 268991 w 5822102"/>
+                <a:gd name="connsiteY27" fmla="*/ 2352355 h 6685267"/>
+                <a:gd name="connsiteX28" fmla="*/ 237849 w 5822102"/>
+                <a:gd name="connsiteY28" fmla="*/ 2425432 h 6685267"/>
+                <a:gd name="connsiteX29" fmla="*/ 208670 w 5822102"/>
+                <a:gd name="connsiteY29" fmla="*/ 2499319 h 6685267"/>
+                <a:gd name="connsiteX30" fmla="*/ 113775 w 5822102"/>
+                <a:gd name="connsiteY30" fmla="*/ 2801929 h 6685267"/>
+                <a:gd name="connsiteX31" fmla="*/ 36781 w 5822102"/>
+                <a:gd name="connsiteY31" fmla="*/ 3428922 h 6685267"/>
+                <a:gd name="connsiteX32" fmla="*/ 69148 w 5822102"/>
+                <a:gd name="connsiteY32" fmla="*/ 3741955 h 6685267"/>
+                <a:gd name="connsiteX33" fmla="*/ 167966 w 5822102"/>
+                <a:gd name="connsiteY33" fmla="*/ 4041323 h 6685267"/>
+                <a:gd name="connsiteX34" fmla="*/ 202049 w 5822102"/>
+                <a:gd name="connsiteY34" fmla="*/ 4112894 h 6685267"/>
+                <a:gd name="connsiteX35" fmla="*/ 239933 w 5822102"/>
+                <a:gd name="connsiteY35" fmla="*/ 4182843 h 6685267"/>
+                <a:gd name="connsiteX36" fmla="*/ 323916 w 5822102"/>
+                <a:gd name="connsiteY36" fmla="*/ 4318456 h 6685267"/>
+                <a:gd name="connsiteX37" fmla="*/ 416604 w 5822102"/>
+                <a:gd name="connsiteY37" fmla="*/ 4449436 h 6685267"/>
+                <a:gd name="connsiteX38" fmla="*/ 515911 w 5822102"/>
+                <a:gd name="connsiteY38" fmla="*/ 4576711 h 6685267"/>
+                <a:gd name="connsiteX39" fmla="*/ 722619 w 5822102"/>
+                <a:gd name="connsiteY39" fmla="*/ 4828482 h 6685267"/>
+                <a:gd name="connsiteX40" fmla="*/ 825972 w 5822102"/>
+                <a:gd name="connsiteY40" fmla="*/ 4956104 h 6685267"/>
+                <a:gd name="connsiteX41" fmla="*/ 926506 w 5822102"/>
+                <a:gd name="connsiteY41" fmla="*/ 5085347 h 6685267"/>
+                <a:gd name="connsiteX42" fmla="*/ 1027040 w 5822102"/>
+                <a:gd name="connsiteY42" fmla="*/ 5210191 h 6685267"/>
+                <a:gd name="connsiteX43" fmla="*/ 1132110 w 5822102"/>
+                <a:gd name="connsiteY43" fmla="*/ 5330748 h 6685267"/>
+                <a:gd name="connsiteX44" fmla="*/ 1354880 w 5822102"/>
+                <a:gd name="connsiteY44" fmla="*/ 5558083 h 6685267"/>
+                <a:gd name="connsiteX45" fmla="*/ 1855220 w 5822102"/>
+                <a:gd name="connsiteY45" fmla="*/ 5937591 h 6685267"/>
+                <a:gd name="connsiteX46" fmla="*/ 2131810 w 5822102"/>
+                <a:gd name="connsiteY46" fmla="*/ 6080268 h 6685267"/>
+                <a:gd name="connsiteX47" fmla="*/ 2423726 w 5822102"/>
+                <a:gd name="connsiteY47" fmla="*/ 6188087 h 6685267"/>
+                <a:gd name="connsiteX48" fmla="*/ 2727780 w 5822102"/>
+                <a:gd name="connsiteY48" fmla="*/ 6262552 h 6685267"/>
+                <a:gd name="connsiteX49" fmla="*/ 3041276 w 5822102"/>
+                <a:gd name="connsiteY49" fmla="*/ 6304245 h 6685267"/>
+                <a:gd name="connsiteX50" fmla="*/ 3360532 w 5822102"/>
+                <a:gd name="connsiteY50" fmla="*/ 6317331 h 6685267"/>
+                <a:gd name="connsiteX51" fmla="*/ 3439855 w 5822102"/>
+                <a:gd name="connsiteY51" fmla="*/ 6316751 h 6685267"/>
+                <a:gd name="connsiteX52" fmla="*/ 3478721 w 5822102"/>
+                <a:gd name="connsiteY52" fmla="*/ 6315826 h 6685267"/>
+                <a:gd name="connsiteX53" fmla="*/ 3517463 w 5822102"/>
+                <a:gd name="connsiteY53" fmla="*/ 6313971 h 6685267"/>
+                <a:gd name="connsiteX54" fmla="*/ 3671452 w 5822102"/>
+                <a:gd name="connsiteY54" fmla="*/ 6301233 h 6685267"/>
+                <a:gd name="connsiteX55" fmla="*/ 4265460 w 5822102"/>
+                <a:gd name="connsiteY55" fmla="*/ 6149638 h 6685267"/>
+                <a:gd name="connsiteX56" fmla="*/ 4546587 w 5822102"/>
+                <a:gd name="connsiteY56" fmla="*/ 6018079 h 6685267"/>
+                <a:gd name="connsiteX57" fmla="*/ 4818030 w 5822102"/>
+                <a:gd name="connsiteY57" fmla="*/ 5858029 h 6685267"/>
+                <a:gd name="connsiteX58" fmla="*/ 5081870 w 5822102"/>
+                <a:gd name="connsiteY58" fmla="*/ 5676903 h 6685267"/>
+                <a:gd name="connsiteX59" fmla="*/ 5212073 w 5822102"/>
+                <a:gd name="connsiteY59" fmla="*/ 5581013 h 6685267"/>
+                <a:gd name="connsiteX60" fmla="*/ 5343625 w 5822102"/>
+                <a:gd name="connsiteY60" fmla="*/ 5481533 h 6685267"/>
+                <a:gd name="connsiteX61" fmla="*/ 5610378 w 5822102"/>
+                <a:gd name="connsiteY61" fmla="*/ 5284425 h 6685267"/>
+                <a:gd name="connsiteX62" fmla="*/ 5822102 w 5822102"/>
+                <a:gd name="connsiteY62" fmla="*/ 5126414 h 6685267"/>
+                <a:gd name="connsiteX63" fmla="*/ 5822102 w 5822102"/>
+                <a:gd name="connsiteY63" fmla="*/ 5556641 h 6685267"/>
+                <a:gd name="connsiteX64" fmla="*/ 5576325 w 5822102"/>
+                <a:gd name="connsiteY64" fmla="*/ 5749979 h 6685267"/>
+                <a:gd name="connsiteX65" fmla="*/ 5447715 w 5822102"/>
+                <a:gd name="connsiteY65" fmla="*/ 5852818 h 6685267"/>
+                <a:gd name="connsiteX66" fmla="*/ 5315059 w 5822102"/>
+                <a:gd name="connsiteY66" fmla="*/ 5956236 h 6685267"/>
+                <a:gd name="connsiteX67" fmla="*/ 5038468 w 5822102"/>
+                <a:gd name="connsiteY67" fmla="*/ 6155776 h 6685267"/>
+                <a:gd name="connsiteX68" fmla="*/ 4741892 w 5822102"/>
+                <a:gd name="connsiteY68" fmla="*/ 6338292 h 6685267"/>
+                <a:gd name="connsiteX69" fmla="*/ 4420920 w 5822102"/>
+                <a:gd name="connsiteY69" fmla="*/ 6492203 h 6685267"/>
+                <a:gd name="connsiteX70" fmla="*/ 3717672 w 5822102"/>
+                <a:gd name="connsiteY70" fmla="*/ 6670434 h 6685267"/>
+                <a:gd name="connsiteX71" fmla="*/ 3535853 w 5822102"/>
+                <a:gd name="connsiteY71" fmla="*/ 6683289 h 6685267"/>
+                <a:gd name="connsiteX72" fmla="*/ 3490367 w 5822102"/>
+                <a:gd name="connsiteY72" fmla="*/ 6684910 h 6685267"/>
+                <a:gd name="connsiteX73" fmla="*/ 3445005 w 5822102"/>
+                <a:gd name="connsiteY73" fmla="*/ 6685142 h 6685267"/>
+                <a:gd name="connsiteX74" fmla="*/ 3355872 w 5822102"/>
+                <a:gd name="connsiteY74" fmla="*/ 6684100 h 6685267"/>
+                <a:gd name="connsiteX75" fmla="*/ 3179203 w 5822102"/>
+                <a:gd name="connsiteY75" fmla="*/ 6677150 h 6685267"/>
+                <a:gd name="connsiteX76" fmla="*/ 3002410 w 5822102"/>
+                <a:gd name="connsiteY76" fmla="*/ 6661169 h 6685267"/>
+                <a:gd name="connsiteX77" fmla="*/ 2650296 w 5822102"/>
+                <a:gd name="connsiteY77" fmla="*/ 6604191 h 6685267"/>
+                <a:gd name="connsiteX78" fmla="*/ 2306028 w 5822102"/>
+                <a:gd name="connsiteY78" fmla="*/ 6505869 h 6685267"/>
+                <a:gd name="connsiteX79" fmla="*/ 1978803 w 5822102"/>
+                <a:gd name="connsiteY79" fmla="*/ 6363307 h 6685267"/>
+                <a:gd name="connsiteX80" fmla="*/ 1678428 w 5822102"/>
+                <a:gd name="connsiteY80" fmla="*/ 6177779 h 6685267"/>
+                <a:gd name="connsiteX81" fmla="*/ 1175880 w 5822102"/>
+                <a:gd name="connsiteY81" fmla="*/ 5710373 h 6685267"/>
+                <a:gd name="connsiteX82" fmla="*/ 971502 w 5822102"/>
+                <a:gd name="connsiteY82" fmla="*/ 5445399 h 6685267"/>
+                <a:gd name="connsiteX83" fmla="*/ 790909 w 5822102"/>
+                <a:gd name="connsiteY83" fmla="*/ 5169078 h 6685267"/>
+                <a:gd name="connsiteX84" fmla="*/ 706680 w 5822102"/>
+                <a:gd name="connsiteY84" fmla="*/ 5031959 h 6685267"/>
+                <a:gd name="connsiteX85" fmla="*/ 619143 w 5822102"/>
+                <a:gd name="connsiteY85" fmla="*/ 4897157 h 6685267"/>
+                <a:gd name="connsiteX86" fmla="*/ 436465 w 5822102"/>
+                <a:gd name="connsiteY86" fmla="*/ 4628710 h 6685267"/>
+                <a:gd name="connsiteX87" fmla="*/ 347088 w 5822102"/>
+                <a:gd name="connsiteY87" fmla="*/ 4492171 h 6685267"/>
+                <a:gd name="connsiteX88" fmla="*/ 262001 w 5822102"/>
+                <a:gd name="connsiteY88" fmla="*/ 4352619 h 6685267"/>
+                <a:gd name="connsiteX89" fmla="*/ 118679 w 5822102"/>
+                <a:gd name="connsiteY89" fmla="*/ 4059853 h 6685267"/>
+                <a:gd name="connsiteX90" fmla="*/ 28322 w 5822102"/>
+                <a:gd name="connsiteY90" fmla="*/ 3749136 h 6685267"/>
+                <a:gd name="connsiteX91" fmla="*/ 0 w 5822102"/>
+                <a:gd name="connsiteY91" fmla="*/ 3428922 h 6685267"/>
+                <a:gd name="connsiteX92" fmla="*/ 253052 w 5822102"/>
+                <a:gd name="connsiteY92" fmla="*/ 2174356 h 6685267"/>
+                <a:gd name="connsiteX93" fmla="*/ 389141 w 5822102"/>
+                <a:gd name="connsiteY93" fmla="*/ 1877652 h 6685267"/>
+                <a:gd name="connsiteX94" fmla="*/ 552079 w 5822102"/>
+                <a:gd name="connsiteY94" fmla="*/ 1591834 h 6685267"/>
+                <a:gd name="connsiteX95" fmla="*/ 954950 w 5822102"/>
+                <a:gd name="connsiteY95" fmla="*/ 1061773 h 6685267"/>
+                <a:gd name="connsiteX96" fmla="*/ 1192922 w 5822102"/>
+                <a:gd name="connsiteY96" fmla="*/ 822626 h 6685267"/>
+                <a:gd name="connsiteX97" fmla="*/ 1255939 w 5822102"/>
+                <a:gd name="connsiteY97" fmla="*/ 765880 h 6685267"/>
+                <a:gd name="connsiteX98" fmla="*/ 1320183 w 5822102"/>
+                <a:gd name="connsiteY98" fmla="*/ 710291 h 6685267"/>
+                <a:gd name="connsiteX99" fmla="*/ 1452961 w 5822102"/>
+                <a:gd name="connsiteY99" fmla="*/ 603514 h 6685267"/>
+                <a:gd name="connsiteX100" fmla="*/ 2033360 w 5822102"/>
+                <a:gd name="connsiteY100" fmla="*/ 235818 h 6685267"/>
+                <a:gd name="connsiteX101" fmla="*/ 2512513 w 5822102"/>
+                <a:gd name="connsiteY101" fmla="*/ 30012 h 6685267"/>
+              </a:gdLst>
+              <a:ahLst/>
+              <a:cxnLst>
+                <a:cxn ang="0">
+                  <a:pos x="connsiteX0" y="connsiteY0"/>
+                </a:cxn>
+                <a:cxn ang="0">
+                  <a:pos x="connsiteX1" y="connsiteY1"/>
+                </a:cxn>
+                <a:cxn ang="0">
+                  <a:pos x="connsiteX2" y="connsiteY2"/>
+                </a:cxn>
+                <a:cxn ang="0">
+                  <a:pos x="connsiteX3" y="connsiteY3"/>
+                </a:cxn>
+                <a:cxn ang="0">
+                  <a:pos x="connsiteX4" y="connsiteY4"/>
+                </a:cxn>
+                <a:cxn ang="0">
+                  <a:pos x="connsiteX5" y="connsiteY5"/>
+                </a:cxn>
+                <a:cxn ang="0">
+                  <a:pos x="connsiteX6" y="connsiteY6"/>
+                </a:cxn>
+                <a:cxn ang="0">
+                  <a:pos x="connsiteX7" y="connsiteY7"/>
+                </a:cxn>
+                <a:cxn ang="0">
+                  <a:pos x="connsiteX8" y="connsiteY8"/>
+                </a:cxn>
+                <a:cxn ang="0">
+                  <a:pos x="connsiteX9" y="connsiteY9"/>
+                </a:cxn>
+                <a:cxn ang="0">
+                  <a:pos x="connsiteX10" y="connsiteY10"/>
+                </a:cxn>
+                <a:cxn ang="0">
+                  <a:pos x="connsiteX11" y="connsiteY11"/>
+                </a:cxn>
+                <a:cxn ang="0">
+                  <a:pos x="connsiteX12" y="connsiteY12"/>
+                </a:cxn>
+                <a:cxn ang="0">
+                  <a:pos x="connsiteX13" y="connsiteY13"/>
+                </a:cxn>
+                <a:cxn ang="0">
+                  <a:pos x="connsiteX14" y="connsiteY14"/>
+                </a:cxn>
+                <a:cxn ang="0">
+                  <a:pos x="connsiteX15" y="connsiteY15"/>
+                </a:cxn>
+                <a:cxn ang="0">
+                  <a:pos x="connsiteX16" y="connsiteY16"/>
+                </a:cxn>
+                <a:cxn ang="0">
+                  <a:pos x="connsiteX17" y="connsiteY17"/>
+                </a:cxn>
+                <a:cxn ang="0">
+                  <a:pos x="connsiteX18" y="connsiteY18"/>
+                </a:cxn>
+                <a:cxn ang="0">
+                  <a:pos x="connsiteX19" y="connsiteY19"/>
+                </a:cxn>
+                <a:cxn ang="0">
+                  <a:pos x="connsiteX20" y="connsiteY20"/>
+                </a:cxn>
+                <a:cxn ang="0">
+                  <a:pos x="connsiteX21" y="connsiteY21"/>
+                </a:cxn>
+                <a:cxn ang="0">
+                  <a:pos x="connsiteX22" y="connsiteY22"/>
+                </a:cxn>
+                <a:cxn ang="0">
+                  <a:pos x="connsiteX23" y="connsiteY23"/>
+                </a:cxn>
+                <a:cxn ang="0">
+                  <a:pos x="connsiteX24" y="connsiteY24"/>
+                </a:cxn>
+                <a:cxn ang="0">
+                  <a:pos x="connsiteX25" y="connsiteY25"/>
+                </a:cxn>
+                <a:cxn ang="0">
+                  <a:pos x="connsiteX26" y="connsiteY26"/>
+                </a:cxn>
+                <a:cxn ang="0">
+                  <a:pos x="connsiteX27" y="connsiteY27"/>
+                </a:cxn>
+                <a:cxn ang="0">
+                  <a:pos x="connsiteX28" y="connsiteY28"/>
+                </a:cxn>
+                <a:cxn ang="0">
+                  <a:pos x="connsiteX29" y="connsiteY29"/>
+                </a:cxn>
+                <a:cxn ang="0">
+                  <a:pos x="connsiteX30" y="connsiteY30"/>
+                </a:cxn>
+                <a:cxn ang="0">
+                  <a:pos x="connsiteX31" y="connsiteY31"/>
+                </a:cxn>
+                <a:cxn ang="0">
+                  <a:pos x="connsiteX32" y="connsiteY32"/>
+                </a:cxn>
+                <a:cxn ang="0">
+                  <a:pos x="connsiteX33" y="connsiteY33"/>
+                </a:cxn>
+                <a:cxn ang="0">
+                  <a:pos x="connsiteX34" y="connsiteY34"/>
+                </a:cxn>
+                <a:cxn ang="0">
+                  <a:pos x="connsiteX35" y="connsiteY35"/>
+                </a:cxn>
+                <a:cxn ang="0">
+                  <a:pos x="connsiteX36" y="connsiteY36"/>
+                </a:cxn>
+                <a:cxn ang="0">
+                  <a:pos x="connsiteX37" y="connsiteY37"/>
+                </a:cxn>
+                <a:cxn ang="0">
+                  <a:pos x="connsiteX38" y="connsiteY38"/>
+                </a:cxn>
+                <a:cxn ang="0">
+                  <a:pos x="connsiteX39" y="connsiteY39"/>
+                </a:cxn>
+                <a:cxn ang="0">
+                  <a:pos x="connsiteX40" y="connsiteY40"/>
+                </a:cxn>
+                <a:cxn ang="0">
+                  <a:pos x="connsiteX41" y="connsiteY41"/>
+                </a:cxn>
+                <a:cxn ang="0">
+                  <a:pos x="connsiteX42" y="connsiteY42"/>
+                </a:cxn>
+                <a:cxn ang="0">
+                  <a:pos x="connsiteX43" y="connsiteY43"/>
+                </a:cxn>
+                <a:cxn ang="0">
+                  <a:pos x="connsiteX44" y="connsiteY44"/>
+                </a:cxn>
+                <a:cxn ang="0">
+                  <a:pos x="connsiteX45" y="connsiteY45"/>
+                </a:cxn>
+                <a:cxn ang="0">
+                  <a:pos x="connsiteX46" y="connsiteY46"/>
+                </a:cxn>
+                <a:cxn ang="0">
+                  <a:pos x="connsiteX47" y="connsiteY47"/>
+                </a:cxn>
+                <a:cxn ang="0">
+                  <a:pos x="connsiteX48" y="connsiteY48"/>
+                </a:cxn>
+                <a:cxn ang="0">
+                  <a:pos x="connsiteX49" y="connsiteY49"/>
+                </a:cxn>
+                <a:cxn ang="0">
+                  <a:pos x="connsiteX50" y="connsiteY50"/>
+                </a:cxn>
+                <a:cxn ang="0">
+                  <a:pos x="connsiteX51" y="connsiteY51"/>
+                </a:cxn>
+                <a:cxn ang="0">
+                  <a:pos x="connsiteX52" y="connsiteY52"/>
+                </a:cxn>
+                <a:cxn ang="0">
+                  <a:pos x="connsiteX53" y="connsiteY53"/>
+                </a:cxn>
+                <a:cxn ang="0">
+                  <a:pos x="connsiteX54" y="connsiteY54"/>
+                </a:cxn>
+                <a:cxn ang="0">
+                  <a:pos x="connsiteX55" y="connsiteY55"/>
+                </a:cxn>
+                <a:cxn ang="0">
+                  <a:pos x="connsiteX56" y="connsiteY56"/>
+                </a:cxn>
+                <a:cxn ang="0">
+                  <a:pos x="connsiteX57" y="connsiteY57"/>
+                </a:cxn>
+                <a:cxn ang="0">
+                  <a:pos x="connsiteX58" y="connsiteY58"/>
+                </a:cxn>
+                <a:cxn ang="0">
+                  <a:pos x="connsiteX59" y="connsiteY59"/>
+                </a:cxn>
+                <a:cxn ang="0">
+                  <a:pos x="connsiteX60" y="connsiteY60"/>
+                </a:cxn>
+                <a:cxn ang="0">
+                  <a:pos x="connsiteX61" y="connsiteY61"/>
+                </a:cxn>
+                <a:cxn ang="0">
+                  <a:pos x="connsiteX62" y="connsiteY62"/>
+                </a:cxn>
+                <a:cxn ang="0">
+                  <a:pos x="connsiteX63" y="connsiteY63"/>
+                </a:cxn>
+                <a:cxn ang="0">
+                  <a:pos x="connsiteX64" y="connsiteY64"/>
+                </a:cxn>
+                <a:cxn ang="0">
+                  <a:pos x="connsiteX65" y="connsiteY65"/>
+                </a:cxn>
+                <a:cxn ang="0">
+                  <a:pos x="connsiteX66" y="connsiteY66"/>
+                </a:cxn>
+                <a:cxn ang="0">
+                  <a:pos x="connsiteX67" y="connsiteY67"/>
+                </a:cxn>
+                <a:cxn ang="0">
+                  <a:pos x="connsiteX68" y="connsiteY68"/>
+                </a:cxn>
+                <a:cxn ang="0">
+                  <a:pos x="connsiteX69" y="connsiteY69"/>
+                </a:cxn>
+                <a:cxn ang="0">
+                  <a:pos x="connsiteX70" y="connsiteY70"/>
+                </a:cxn>
+                <a:cxn ang="0">
+                  <a:pos x="connsiteX71" y="connsiteY71"/>
+                </a:cxn>
+                <a:cxn ang="0">
+                  <a:pos x="connsiteX72" y="connsiteY72"/>
+                </a:cxn>
+                <a:cxn ang="0">
+                  <a:pos x="connsiteX73" y="connsiteY73"/>
+                </a:cxn>
+                <a:cxn ang="0">
+                  <a:pos x="connsiteX74" y="connsiteY74"/>
+                </a:cxn>
+                <a:cxn ang="0">
+                  <a:pos x="connsiteX75" y="connsiteY75"/>
+                </a:cxn>
+                <a:cxn ang="0">
+                  <a:pos x="connsiteX76" y="connsiteY76"/>
+                </a:cxn>
+                <a:cxn ang="0">
+                  <a:pos x="connsiteX77" y="connsiteY77"/>
+                </a:cxn>
+                <a:cxn ang="0">
+                  <a:pos x="connsiteX78" y="connsiteY78"/>
+                </a:cxn>
+                <a:cxn ang="0">
+                  <a:pos x="connsiteX79" y="connsiteY79"/>
+                </a:cxn>
+                <a:cxn ang="0">
+                  <a:pos x="connsiteX80" y="connsiteY80"/>
+                </a:cxn>
+                <a:cxn ang="0">
+                  <a:pos x="connsiteX81" y="connsiteY81"/>
+                </a:cxn>
+                <a:cxn ang="0">
+                  <a:pos x="connsiteX82" y="connsiteY82"/>
+                </a:cxn>
+                <a:cxn ang="0">
+                  <a:pos x="connsiteX83" y="connsiteY83"/>
+                </a:cxn>
+                <a:cxn ang="0">
+                  <a:pos x="connsiteX84" y="connsiteY84"/>
+                </a:cxn>
+                <a:cxn ang="0">
+                  <a:pos x="connsiteX85" y="connsiteY85"/>
+                </a:cxn>
+                <a:cxn ang="0">
+                  <a:pos x="connsiteX86" y="connsiteY86"/>
+                </a:cxn>
+                <a:cxn ang="0">
+                  <a:pos x="connsiteX87" y="connsiteY87"/>
+                </a:cxn>
+                <a:cxn ang="0">
+                  <a:pos x="connsiteX88" y="connsiteY88"/>
+                </a:cxn>
+                <a:cxn ang="0">
+                  <a:pos x="connsiteX89" y="connsiteY89"/>
+                </a:cxn>
+                <a:cxn ang="0">
+                  <a:pos x="connsiteX90" y="connsiteY90"/>
+                </a:cxn>
+                <a:cxn ang="0">
+                  <a:pos x="connsiteX91" y="connsiteY91"/>
+                </a:cxn>
+                <a:cxn ang="0">
+                  <a:pos x="connsiteX92" y="connsiteY92"/>
+                </a:cxn>
+                <a:cxn ang="0">
+                  <a:pos x="connsiteX93" y="connsiteY93"/>
+                </a:cxn>
+                <a:cxn ang="0">
+                  <a:pos x="connsiteX94" y="connsiteY94"/>
+                </a:cxn>
+                <a:cxn ang="0">
+                  <a:pos x="connsiteX95" y="connsiteY95"/>
+                </a:cxn>
+                <a:cxn ang="0">
+                  <a:pos x="connsiteX96" y="connsiteY96"/>
+                </a:cxn>
+                <a:cxn ang="0">
+                  <a:pos x="connsiteX97" y="connsiteY97"/>
+                </a:cxn>
+                <a:cxn ang="0">
+                  <a:pos x="connsiteX98" y="connsiteY98"/>
+                </a:cxn>
+                <a:cxn ang="0">
+                  <a:pos x="connsiteX99" y="connsiteY99"/>
+                </a:cxn>
+                <a:cxn ang="0">
+                  <a:pos x="connsiteX100" y="connsiteY100"/>
+                </a:cxn>
+                <a:cxn ang="0">
+                  <a:pos x="connsiteX101" y="connsiteY101"/>
+                </a:cxn>
+              </a:cxnLst>
+              <a:rect l="l" t="t" r="r" b="b"/>
+              <a:pathLst>
+                <a:path w="5822102" h="6685267">
+                  <a:moveTo>
+                    <a:pt x="2605444" y="0"/>
+                  </a:moveTo>
+                  <a:lnTo>
+                    <a:pt x="4757391" y="0"/>
+                  </a:lnTo>
+                  <a:lnTo>
+                    <a:pt x="4913680" y="56274"/>
+                  </a:lnTo>
+                  <a:cubicBezTo>
+                    <a:pt x="5074659" y="119278"/>
+                    <a:pt x="5229483" y="195083"/>
+                    <a:pt x="5376238" y="282027"/>
+                  </a:cubicBezTo>
+                  <a:cubicBezTo>
+                    <a:pt x="5474014" y="340105"/>
+                    <a:pt x="5568080" y="403280"/>
+                    <a:pt x="5658024" y="471014"/>
+                  </a:cubicBezTo>
+                  <a:lnTo>
+                    <a:pt x="5822102" y="609109"/>
+                  </a:lnTo>
+                  <a:lnTo>
+                    <a:pt x="5822102" y="760697"/>
+                  </a:lnTo>
+                  <a:lnTo>
+                    <a:pt x="5707785" y="666601"/>
+                  </a:lnTo>
+                  <a:cubicBezTo>
+                    <a:pt x="5665273" y="633682"/>
+                    <a:pt x="5621749" y="602008"/>
+                    <a:pt x="5577306" y="571666"/>
+                  </a:cubicBezTo>
+                  <a:cubicBezTo>
+                    <a:pt x="5487929" y="511562"/>
+                    <a:pt x="5395118" y="456089"/>
+                    <a:pt x="5298630" y="407449"/>
+                  </a:cubicBezTo>
+                  <a:cubicBezTo>
+                    <a:pt x="5106266" y="309010"/>
+                    <a:pt x="4901153" y="235355"/>
+                    <a:pt x="4690768" y="184979"/>
+                  </a:cubicBezTo>
+                  <a:cubicBezTo>
+                    <a:pt x="4480382" y="134486"/>
+                    <a:pt x="4264724" y="106807"/>
+                    <a:pt x="4048577" y="99280"/>
+                  </a:cubicBezTo>
+                  <a:cubicBezTo>
+                    <a:pt x="3832182" y="90709"/>
+                    <a:pt x="3617997" y="102290"/>
+                    <a:pt x="3405404" y="131937"/>
+                  </a:cubicBezTo>
+                  <a:cubicBezTo>
+                    <a:pt x="3299353" y="147340"/>
+                    <a:pt x="3193915" y="166449"/>
+                    <a:pt x="3089702" y="190190"/>
+                  </a:cubicBezTo>
+                  <a:cubicBezTo>
+                    <a:pt x="2985491" y="214278"/>
+                    <a:pt x="2882137" y="241725"/>
+                    <a:pt x="2780132" y="273457"/>
+                  </a:cubicBezTo>
+                  <a:cubicBezTo>
+                    <a:pt x="2678126" y="305073"/>
+                    <a:pt x="2577348" y="340510"/>
+                    <a:pt x="2478040" y="379654"/>
+                  </a:cubicBezTo>
+                  <a:cubicBezTo>
+                    <a:pt x="2378854" y="418914"/>
+                    <a:pt x="2281017" y="461763"/>
+                    <a:pt x="2184897" y="507972"/>
+                  </a:cubicBezTo>
+                  <a:cubicBezTo>
+                    <a:pt x="1992657" y="600271"/>
+                    <a:pt x="1806791" y="705542"/>
+                    <a:pt x="1629141" y="823205"/>
+                  </a:cubicBezTo>
+                  <a:cubicBezTo>
+                    <a:pt x="1584882" y="852736"/>
+                    <a:pt x="1540745" y="882731"/>
+                    <a:pt x="1497711" y="914000"/>
+                  </a:cubicBezTo>
+                  <a:cubicBezTo>
+                    <a:pt x="1475888" y="929286"/>
+                    <a:pt x="1454555" y="945153"/>
+                    <a:pt x="1433099" y="960903"/>
+                  </a:cubicBezTo>
+                  <a:cubicBezTo>
+                    <a:pt x="1411521" y="976537"/>
+                    <a:pt x="1390311" y="992634"/>
+                    <a:pt x="1369346" y="1008963"/>
+                  </a:cubicBezTo>
+                  <a:cubicBezTo>
+                    <a:pt x="1285119" y="1074165"/>
+                    <a:pt x="1202730" y="1141797"/>
+                    <a:pt x="1123406" y="1212905"/>
+                  </a:cubicBezTo>
+                  <a:cubicBezTo>
+                    <a:pt x="964391" y="1354656"/>
+                    <a:pt x="816900" y="1509261"/>
+                    <a:pt x="684367" y="1675564"/>
+                  </a:cubicBezTo>
+                  <a:cubicBezTo>
+                    <a:pt x="618161" y="1758716"/>
+                    <a:pt x="555512" y="1844763"/>
+                    <a:pt x="497153" y="1933588"/>
+                  </a:cubicBezTo>
+                  <a:cubicBezTo>
+                    <a:pt x="439775" y="2022877"/>
+                    <a:pt x="385584" y="2114367"/>
+                    <a:pt x="337770" y="2208983"/>
+                  </a:cubicBezTo>
+                  <a:cubicBezTo>
+                    <a:pt x="325388" y="2232493"/>
+                    <a:pt x="313862" y="2256349"/>
+                    <a:pt x="302461" y="2280207"/>
+                  </a:cubicBezTo>
+                  <a:lnTo>
+                    <a:pt x="285296" y="2316107"/>
+                  </a:lnTo>
+                  <a:lnTo>
+                    <a:pt x="268991" y="2352355"/>
+                  </a:lnTo>
+                  <a:cubicBezTo>
+                    <a:pt x="258324" y="2376560"/>
+                    <a:pt x="247535" y="2400764"/>
+                    <a:pt x="237849" y="2425432"/>
+                  </a:cubicBezTo>
+                  <a:cubicBezTo>
+                    <a:pt x="228163" y="2450099"/>
+                    <a:pt x="217498" y="2474419"/>
+                    <a:pt x="208670" y="2499319"/>
+                  </a:cubicBezTo>
+                  <a:cubicBezTo>
+                    <a:pt x="170909" y="2598219"/>
+                    <a:pt x="138908" y="2699206"/>
+                    <a:pt x="113775" y="2801929"/>
+                  </a:cubicBezTo>
+                  <a:cubicBezTo>
+                    <a:pt x="62773" y="3006911"/>
+                    <a:pt x="36659" y="3217917"/>
+                    <a:pt x="36781" y="3428922"/>
+                  </a:cubicBezTo>
+                  <a:cubicBezTo>
+                    <a:pt x="37394" y="3534078"/>
+                    <a:pt x="47816" y="3639001"/>
+                    <a:pt x="69148" y="3741955"/>
+                  </a:cubicBezTo>
+                  <a:cubicBezTo>
+                    <a:pt x="91585" y="3844679"/>
+                    <a:pt x="124074" y="3945202"/>
+                    <a:pt x="167966" y="4041323"/>
+                  </a:cubicBezTo>
+                  <a:cubicBezTo>
+                    <a:pt x="178387" y="4065528"/>
+                    <a:pt x="190525" y="4089153"/>
+                    <a:pt x="202049" y="4112894"/>
+                  </a:cubicBezTo>
+                  <a:cubicBezTo>
+                    <a:pt x="214555" y="4136288"/>
+                    <a:pt x="226447" y="4159912"/>
+                    <a:pt x="239933" y="4182843"/>
+                  </a:cubicBezTo>
+                  <a:cubicBezTo>
+                    <a:pt x="265680" y="4229167"/>
+                    <a:pt x="294368" y="4274101"/>
+                    <a:pt x="323916" y="4318456"/>
+                  </a:cubicBezTo>
+                  <a:cubicBezTo>
+                    <a:pt x="353341" y="4362927"/>
+                    <a:pt x="384849" y="4406240"/>
+                    <a:pt x="416604" y="4449436"/>
+                  </a:cubicBezTo>
+                  <a:cubicBezTo>
+                    <a:pt x="448847" y="4492286"/>
+                    <a:pt x="482319" y="4534557"/>
+                    <a:pt x="515911" y="4576711"/>
+                  </a:cubicBezTo>
+                  <a:cubicBezTo>
+                    <a:pt x="583219" y="4661137"/>
+                    <a:pt x="653594" y="4743825"/>
+                    <a:pt x="722619" y="4828482"/>
+                  </a:cubicBezTo>
+                  <a:cubicBezTo>
+                    <a:pt x="757315" y="4870637"/>
+                    <a:pt x="791889" y="4913138"/>
+                    <a:pt x="825972" y="4956104"/>
+                  </a:cubicBezTo>
+                  <a:cubicBezTo>
+                    <a:pt x="859934" y="4998722"/>
+                    <a:pt x="893649" y="5044004"/>
+                    <a:pt x="926506" y="5085347"/>
+                  </a:cubicBezTo>
+                  <a:cubicBezTo>
+                    <a:pt x="959119" y="5127734"/>
+                    <a:pt x="993324" y="5168847"/>
+                    <a:pt x="1027040" y="5210191"/>
+                  </a:cubicBezTo>
+                  <a:cubicBezTo>
+                    <a:pt x="1061737" y="5250840"/>
+                    <a:pt x="1096188" y="5291488"/>
+                    <a:pt x="1132110" y="5330748"/>
+                  </a:cubicBezTo>
+                  <a:cubicBezTo>
+                    <a:pt x="1203465" y="5409731"/>
+                    <a:pt x="1277639" y="5485818"/>
+                    <a:pt x="1354880" y="5558083"/>
+                  </a:cubicBezTo>
+                  <a:cubicBezTo>
+                    <a:pt x="1509603" y="5702266"/>
+                    <a:pt x="1676588" y="5830930"/>
+                    <a:pt x="1855220" y="5937591"/>
+                  </a:cubicBezTo>
+                  <a:cubicBezTo>
+                    <a:pt x="1944720" y="5990632"/>
+                    <a:pt x="2036549" y="6039272"/>
+                    <a:pt x="2131810" y="6080268"/>
+                  </a:cubicBezTo>
+                  <a:cubicBezTo>
+                    <a:pt x="2226460" y="6122423"/>
+                    <a:pt x="2324173" y="6157977"/>
+                    <a:pt x="2423726" y="6188087"/>
+                  </a:cubicBezTo>
+                  <a:cubicBezTo>
+                    <a:pt x="2523280" y="6218313"/>
+                    <a:pt x="2624794" y="6242749"/>
+                    <a:pt x="2727780" y="6262552"/>
+                  </a:cubicBezTo>
+                  <a:cubicBezTo>
+                    <a:pt x="2830890" y="6282008"/>
+                    <a:pt x="2935714" y="6295326"/>
+                    <a:pt x="3041276" y="6304245"/>
+                  </a:cubicBezTo>
+                  <a:cubicBezTo>
+                    <a:pt x="3146836" y="6313277"/>
+                    <a:pt x="3253499" y="6317215"/>
+                    <a:pt x="3360532" y="6317331"/>
+                  </a:cubicBezTo>
+                  <a:cubicBezTo>
+                    <a:pt x="3387259" y="6317331"/>
+                    <a:pt x="3414354" y="6317794"/>
+                    <a:pt x="3439855" y="6316751"/>
+                  </a:cubicBezTo>
+                  <a:lnTo>
+                    <a:pt x="3478721" y="6315826"/>
+                  </a:lnTo>
+                  <a:lnTo>
+                    <a:pt x="3517463" y="6313971"/>
+                  </a:lnTo>
+                  <a:cubicBezTo>
+                    <a:pt x="3569078" y="6311772"/>
+                    <a:pt x="3620449" y="6306907"/>
+                    <a:pt x="3671452" y="6301233"/>
+                  </a:cubicBezTo>
+                  <a:cubicBezTo>
+                    <a:pt x="3875707" y="6277608"/>
+                    <a:pt x="4074445" y="6225841"/>
+                    <a:pt x="4265460" y="6149638"/>
+                  </a:cubicBezTo>
+                  <a:cubicBezTo>
+                    <a:pt x="4361212" y="6111884"/>
+                    <a:pt x="4454636" y="6067065"/>
+                    <a:pt x="4546587" y="6018079"/>
+                  </a:cubicBezTo>
+                  <a:cubicBezTo>
+                    <a:pt x="4638662" y="5969322"/>
+                    <a:pt x="4729020" y="5915240"/>
+                    <a:pt x="4818030" y="5858029"/>
+                  </a:cubicBezTo>
+                  <a:cubicBezTo>
+                    <a:pt x="4907038" y="5800703"/>
+                    <a:pt x="4994577" y="5739672"/>
+                    <a:pt x="5081870" y="5676903"/>
+                  </a:cubicBezTo>
+                  <a:cubicBezTo>
+                    <a:pt x="5125392" y="5645519"/>
+                    <a:pt x="5168794" y="5613324"/>
+                    <a:pt x="5212073" y="5581013"/>
+                  </a:cubicBezTo>
+                  <a:lnTo>
+                    <a:pt x="5343625" y="5481533"/>
+                  </a:lnTo>
+                  <a:cubicBezTo>
+                    <a:pt x="5432696" y="5414768"/>
+                    <a:pt x="5521951" y="5349452"/>
+                    <a:pt x="5610378" y="5284425"/>
+                  </a:cubicBezTo>
+                  <a:lnTo>
+                    <a:pt x="5822102" y="5126414"/>
+                  </a:lnTo>
+                  <a:lnTo>
+                    <a:pt x="5822102" y="5556641"/>
+                  </a:lnTo>
+                  <a:lnTo>
+                    <a:pt x="5576325" y="5749979"/>
+                  </a:lnTo>
+                  <a:lnTo>
+                    <a:pt x="5447715" y="5852818"/>
+                  </a:lnTo>
+                  <a:cubicBezTo>
+                    <a:pt x="5403945" y="5887445"/>
+                    <a:pt x="5359932" y="5922073"/>
+                    <a:pt x="5315059" y="5956236"/>
+                  </a:cubicBezTo>
+                  <a:cubicBezTo>
+                    <a:pt x="5225682" y="6024680"/>
+                    <a:pt x="5133976" y="6091734"/>
+                    <a:pt x="5038468" y="6155776"/>
+                  </a:cubicBezTo>
+                  <a:cubicBezTo>
+                    <a:pt x="4943084" y="6219703"/>
+                    <a:pt x="4845002" y="6281777"/>
+                    <a:pt x="4741892" y="6338292"/>
+                  </a:cubicBezTo>
+                  <a:cubicBezTo>
+                    <a:pt x="4638784" y="6394692"/>
+                    <a:pt x="4532120" y="6447038"/>
+                    <a:pt x="4420920" y="6492203"/>
+                  </a:cubicBezTo>
+                  <a:cubicBezTo>
+                    <a:pt x="4199255" y="6583693"/>
+                    <a:pt x="3959813" y="6644840"/>
+                    <a:pt x="3717672" y="6670434"/>
+                  </a:cubicBezTo>
+                  <a:cubicBezTo>
+                    <a:pt x="3657106" y="6676456"/>
+                    <a:pt x="3596419" y="6681321"/>
+                    <a:pt x="3535853" y="6683289"/>
+                  </a:cubicBezTo>
+                  <a:lnTo>
+                    <a:pt x="3490367" y="6684910"/>
+                  </a:lnTo>
+                  <a:lnTo>
+                    <a:pt x="3445005" y="6685142"/>
+                  </a:lnTo>
+                  <a:cubicBezTo>
+                    <a:pt x="3414354" y="6685605"/>
+                    <a:pt x="3385297" y="6684679"/>
+                    <a:pt x="3355872" y="6684100"/>
+                  </a:cubicBezTo>
+                  <a:cubicBezTo>
+                    <a:pt x="3297146" y="6683405"/>
+                    <a:pt x="3238052" y="6680047"/>
+                    <a:pt x="3179203" y="6677150"/>
+                  </a:cubicBezTo>
+                  <a:cubicBezTo>
+                    <a:pt x="3120232" y="6672519"/>
+                    <a:pt x="3061259" y="6668233"/>
+                    <a:pt x="3002410" y="6661169"/>
+                  </a:cubicBezTo>
+                  <a:cubicBezTo>
+                    <a:pt x="2884589" y="6647851"/>
+                    <a:pt x="2766891" y="6629669"/>
+                    <a:pt x="2650296" y="6604191"/>
+                  </a:cubicBezTo>
+                  <a:cubicBezTo>
+                    <a:pt x="2533702" y="6578713"/>
+                    <a:pt x="2418456" y="6545938"/>
+                    <a:pt x="2306028" y="6505869"/>
+                  </a:cubicBezTo>
+                  <a:cubicBezTo>
+                    <a:pt x="2193602" y="6465683"/>
+                    <a:pt x="2084118" y="6417738"/>
+                    <a:pt x="1978803" y="6363307"/>
+                  </a:cubicBezTo>
+                  <a:cubicBezTo>
+                    <a:pt x="1873855" y="6308066"/>
+                    <a:pt x="1773077" y="6246340"/>
+                    <a:pt x="1678428" y="6177779"/>
+                  </a:cubicBezTo>
+                  <a:cubicBezTo>
+                    <a:pt x="1488393" y="6041356"/>
+                    <a:pt x="1321900" y="5881423"/>
+                    <a:pt x="1175880" y="5710373"/>
+                  </a:cubicBezTo>
+                  <a:cubicBezTo>
+                    <a:pt x="1103177" y="5624441"/>
+                    <a:pt x="1035501" y="5535732"/>
+                    <a:pt x="971502" y="5445399"/>
+                  </a:cubicBezTo>
+                  <a:cubicBezTo>
+                    <a:pt x="907380" y="5355069"/>
+                    <a:pt x="847550" y="5262768"/>
+                    <a:pt x="790909" y="5169078"/>
+                  </a:cubicBezTo>
+                  <a:cubicBezTo>
+                    <a:pt x="761974" y="5121712"/>
+                    <a:pt x="735492" y="5077357"/>
+                    <a:pt x="706680" y="5031959"/>
+                  </a:cubicBezTo>
+                  <a:cubicBezTo>
+                    <a:pt x="678114" y="4986910"/>
+                    <a:pt x="649058" y="4941860"/>
+                    <a:pt x="619143" y="4897157"/>
+                  </a:cubicBezTo>
+                  <a:lnTo>
+                    <a:pt x="436465" y="4628710"/>
+                  </a:lnTo>
+                  <a:cubicBezTo>
+                    <a:pt x="406182" y="4583544"/>
+                    <a:pt x="376267" y="4538147"/>
+                    <a:pt x="347088" y="4492171"/>
+                  </a:cubicBezTo>
+                  <a:cubicBezTo>
+                    <a:pt x="317908" y="4446194"/>
+                    <a:pt x="288974" y="4400102"/>
+                    <a:pt x="262001" y="4352619"/>
+                  </a:cubicBezTo>
+                  <a:cubicBezTo>
+                    <a:pt x="207934" y="4258119"/>
+                    <a:pt x="158280" y="4160840"/>
+                    <a:pt x="118679" y="4059853"/>
+                  </a:cubicBezTo>
+                  <a:cubicBezTo>
+                    <a:pt x="78343" y="3959214"/>
+                    <a:pt x="48429" y="3854870"/>
+                    <a:pt x="28322" y="3749136"/>
+                  </a:cubicBezTo>
+                  <a:cubicBezTo>
+                    <a:pt x="9073" y="3643402"/>
+                    <a:pt x="0" y="3536046"/>
+                    <a:pt x="0" y="3428922"/>
+                  </a:cubicBezTo>
+                  <a:cubicBezTo>
+                    <a:pt x="1594" y="3001816"/>
+                    <a:pt x="89010" y="2575868"/>
+                    <a:pt x="253052" y="2174356"/>
+                  </a:cubicBezTo>
+                  <a:cubicBezTo>
+                    <a:pt x="294246" y="2074066"/>
+                    <a:pt x="338873" y="1974700"/>
+                    <a:pt x="389141" y="1877652"/>
+                  </a:cubicBezTo>
+                  <a:cubicBezTo>
+                    <a:pt x="438672" y="1780256"/>
+                    <a:pt x="493230" y="1684945"/>
+                    <a:pt x="552079" y="1591834"/>
+                  </a:cubicBezTo>
+                  <a:cubicBezTo>
+                    <a:pt x="669900" y="1405728"/>
+                    <a:pt x="804394" y="1227729"/>
+                    <a:pt x="954950" y="1061773"/>
+                  </a:cubicBezTo>
+                  <a:cubicBezTo>
+                    <a:pt x="1030597" y="979085"/>
+                    <a:pt x="1109552" y="898829"/>
+                    <a:pt x="1192922" y="822626"/>
+                  </a:cubicBezTo>
+                  <a:cubicBezTo>
+                    <a:pt x="1213642" y="803402"/>
+                    <a:pt x="1234483" y="784409"/>
+                    <a:pt x="1255939" y="765880"/>
+                  </a:cubicBezTo>
+                  <a:cubicBezTo>
+                    <a:pt x="1277273" y="747234"/>
+                    <a:pt x="1298237" y="728241"/>
+                    <a:pt x="1320183" y="710291"/>
+                  </a:cubicBezTo>
+                  <a:cubicBezTo>
+                    <a:pt x="1363585" y="673811"/>
+                    <a:pt x="1408088" y="638489"/>
+                    <a:pt x="1452961" y="603514"/>
+                  </a:cubicBezTo>
+                  <a:cubicBezTo>
+                    <a:pt x="1633310" y="464543"/>
+                    <a:pt x="1828125" y="341437"/>
+                    <a:pt x="2033360" y="235818"/>
+                  </a:cubicBezTo>
+                  <a:cubicBezTo>
+                    <a:pt x="2187242" y="156561"/>
+                    <a:pt x="2347554" y="87597"/>
+                    <a:pt x="2512513" y="30012"/>
+                  </a:cubicBezTo>
+                  <a:close/>
+                </a:path>
+              </a:pathLst>
+            </a:custGeom>
+            <a:gradFill>
+              <a:gsLst>
+                <a:gs pos="2000">
+                  <a:schemeClr val="bg1">
+                    <a:alpha val="10000"/>
+                  </a:schemeClr>
+                </a:gs>
+                <a:gs pos="16000">
+                  <a:schemeClr val="accent6">
+                    <a:alpha val="10000"/>
+                  </a:schemeClr>
+                </a:gs>
+                <a:gs pos="100000">
+                  <a:schemeClr val="bg1">
+                    <a:alpha val="10000"/>
+                  </a:schemeClr>
+                </a:gs>
+                <a:gs pos="85000">
+                  <a:schemeClr val="accent1">
+                    <a:alpha val="10000"/>
+                  </a:schemeClr>
+                </a:gs>
+              </a:gsLst>
+              <a:lin ang="12000000" scaled="0"/>
+            </a:gradFill>
+            <a:ln>
+              <a:noFill/>
+            </a:ln>
+          </p:spPr>
+          <p:style>
+            <a:lnRef idx="2">
+              <a:schemeClr val="accent1">
+                <a:shade val="50000"/>
+              </a:schemeClr>
+            </a:lnRef>
+            <a:fillRef idx="1">
+              <a:schemeClr val="accent1"/>
+            </a:fillRef>
+            <a:effectRef idx="0">
+              <a:schemeClr val="accent1"/>
+            </a:effectRef>
+            <a:fontRef idx="minor">
+              <a:schemeClr val="lt1"/>
+            </a:fontRef>
+          </p:style>
+          <p:txBody>
+            <a:bodyPr rtlCol="0" anchor="ctr"/>
+            <a:lstStyle/>
+            <a:p>
+              <a:pPr algn="ctr"/>
+              <a:endParaRPr lang="en-US"/>
+            </a:p>
+          </p:txBody>
+        </p:sp>
+        <p:sp>
+          <p:nvSpPr>
+            <p:cNvPr id="16" name="Freeform: Shape 15">
+              <a:extLst>
+                <a:ext uri="{FF2B5EF4-FFF2-40B4-BE49-F238E27FC236}">
+                  <a16:creationId xmlns:a16="http://schemas.microsoft.com/office/drawing/2014/main" id="{15102EBE-A80F-4CFF-B1DD-941EF9728B54}"/>
+                </a:ext>
+                <a:ext uri="{C183D7F6-B498-43B3-948B-1728B52AA6E4}">
+                  <adec:decorative xmlns:adec="http://schemas.microsoft.com/office/drawing/2017/decorative" val="1"/>
+                </a:ext>
+              </a:extLst>
+            </p:cNvPr>
+            <p:cNvSpPr/>
+            <p:nvPr>
+              <p:extLst>
+                <p:ext uri="{386F3935-93C4-4BCD-93E2-E3B085C9AB24}">
+                  <p16:designElem xmlns:p16="http://schemas.microsoft.com/office/powerpoint/2015/main" val="1"/>
+                </p:ext>
+              </p:extLst>
+            </p:nvPr>
+          </p:nvSpPr>
+          <p:spPr>
+            <a:xfrm>
+              <a:off x="6404998" y="98659"/>
+              <a:ext cx="5774333" cy="6315453"/>
+            </a:xfrm>
+            <a:custGeom>
+              <a:avLst/>
+              <a:gdLst>
+                <a:gd name="connsiteX0" fmla="*/ 3707237 w 5774333"/>
+                <a:gd name="connsiteY0" fmla="*/ 1489 h 6315453"/>
+                <a:gd name="connsiteX1" fmla="*/ 4037665 w 5774333"/>
+                <a:gd name="connsiteY1" fmla="*/ 6121 h 6315453"/>
+                <a:gd name="connsiteX2" fmla="*/ 4692239 w 5774333"/>
+                <a:gd name="connsiteY2" fmla="*/ 102128 h 6315453"/>
+                <a:gd name="connsiteX3" fmla="*/ 5315059 w 5774333"/>
+                <a:gd name="connsiteY3" fmla="*/ 324945 h 6315453"/>
+                <a:gd name="connsiteX4" fmla="*/ 5738325 w 5774333"/>
+                <a:gd name="connsiteY4" fmla="*/ 578286 h 6315453"/>
+                <a:gd name="connsiteX5" fmla="*/ 5774333 w 5774333"/>
+                <a:gd name="connsiteY5" fmla="*/ 606551 h 6315453"/>
+                <a:gd name="connsiteX6" fmla="*/ 5774333 w 5774333"/>
+                <a:gd name="connsiteY6" fmla="*/ 975490 h 6315453"/>
+                <a:gd name="connsiteX7" fmla="*/ 5676001 w 5774333"/>
+                <a:gd name="connsiteY7" fmla="*/ 889749 h 6315453"/>
+                <a:gd name="connsiteX8" fmla="*/ 5177132 w 5774333"/>
+                <a:gd name="connsiteY8" fmla="*/ 581926 h 6315453"/>
+                <a:gd name="connsiteX9" fmla="*/ 4615735 w 5774333"/>
+                <a:gd name="connsiteY9" fmla="*/ 388640 h 6315453"/>
+                <a:gd name="connsiteX10" fmla="*/ 4020010 w 5774333"/>
+                <a:gd name="connsiteY10" fmla="*/ 308500 h 6315453"/>
+                <a:gd name="connsiteX11" fmla="*/ 3416315 w 5774333"/>
+                <a:gd name="connsiteY11" fmla="*/ 328882 h 6315453"/>
+                <a:gd name="connsiteX12" fmla="*/ 2823779 w 5774333"/>
+                <a:gd name="connsiteY12" fmla="*/ 446545 h 6315453"/>
+                <a:gd name="connsiteX13" fmla="*/ 2256987 w 5774333"/>
+                <a:gd name="connsiteY13" fmla="*/ 651296 h 6315453"/>
+                <a:gd name="connsiteX14" fmla="*/ 1244169 w 5774333"/>
+                <a:gd name="connsiteY14" fmla="*/ 1280374 h 6315453"/>
+                <a:gd name="connsiteX15" fmla="*/ 830141 w 5774333"/>
+                <a:gd name="connsiteY15" fmla="*/ 1700184 h 6315453"/>
+                <a:gd name="connsiteX16" fmla="*/ 502792 w 5774333"/>
+                <a:gd name="connsiteY16" fmla="*/ 2182300 h 6315453"/>
+                <a:gd name="connsiteX17" fmla="*/ 280637 w 5774333"/>
+                <a:gd name="connsiteY17" fmla="*/ 2715256 h 6315453"/>
+                <a:gd name="connsiteX18" fmla="*/ 199843 w 5774333"/>
+                <a:gd name="connsiteY18" fmla="*/ 3283418 h 6315453"/>
+                <a:gd name="connsiteX19" fmla="*/ 233926 w 5774333"/>
+                <a:gd name="connsiteY19" fmla="*/ 3561593 h 6315453"/>
+                <a:gd name="connsiteX20" fmla="*/ 334582 w 5774333"/>
+                <a:gd name="connsiteY20" fmla="*/ 3821816 h 6315453"/>
+                <a:gd name="connsiteX21" fmla="*/ 404834 w 5774333"/>
+                <a:gd name="connsiteY21" fmla="*/ 3944343 h 6315453"/>
+                <a:gd name="connsiteX22" fmla="*/ 485506 w 5774333"/>
+                <a:gd name="connsiteY22" fmla="*/ 4062932 h 6315453"/>
+                <a:gd name="connsiteX23" fmla="*/ 671861 w 5774333"/>
+                <a:gd name="connsiteY23" fmla="*/ 4292120 h 6315453"/>
+                <a:gd name="connsiteX24" fmla="*/ 873542 w 5774333"/>
+                <a:gd name="connsiteY24" fmla="*/ 4523044 h 6315453"/>
+                <a:gd name="connsiteX25" fmla="*/ 973831 w 5774333"/>
+                <a:gd name="connsiteY25" fmla="*/ 4643601 h 6315453"/>
+                <a:gd name="connsiteX26" fmla="*/ 1022014 w 5774333"/>
+                <a:gd name="connsiteY26" fmla="*/ 4702780 h 6315453"/>
+                <a:gd name="connsiteX27" fmla="*/ 1069215 w 5774333"/>
+                <a:gd name="connsiteY27" fmla="*/ 4759411 h 6315453"/>
+                <a:gd name="connsiteX28" fmla="*/ 1474784 w 5774333"/>
+                <a:gd name="connsiteY28" fmla="*/ 5177948 h 6315453"/>
+                <a:gd name="connsiteX29" fmla="*/ 1690442 w 5774333"/>
+                <a:gd name="connsiteY29" fmla="*/ 5366255 h 6315453"/>
+                <a:gd name="connsiteX30" fmla="*/ 1916276 w 5774333"/>
+                <a:gd name="connsiteY30" fmla="*/ 5539852 h 6315453"/>
+                <a:gd name="connsiteX31" fmla="*/ 2420784 w 5774333"/>
+                <a:gd name="connsiteY31" fmla="*/ 5814437 h 6315453"/>
+                <a:gd name="connsiteX32" fmla="*/ 2703015 w 5774333"/>
+                <a:gd name="connsiteY32" fmla="*/ 5892029 h 6315453"/>
+                <a:gd name="connsiteX33" fmla="*/ 2775350 w 5774333"/>
+                <a:gd name="connsiteY33" fmla="*/ 5905695 h 6315453"/>
+                <a:gd name="connsiteX34" fmla="*/ 2848299 w 5774333"/>
+                <a:gd name="connsiteY34" fmla="*/ 5917161 h 6315453"/>
+                <a:gd name="connsiteX35" fmla="*/ 2995544 w 5774333"/>
+                <a:gd name="connsiteY35" fmla="*/ 5933605 h 6315453"/>
+                <a:gd name="connsiteX36" fmla="*/ 3069596 w 5774333"/>
+                <a:gd name="connsiteY36" fmla="*/ 5938933 h 6315453"/>
+                <a:gd name="connsiteX37" fmla="*/ 3143894 w 5774333"/>
+                <a:gd name="connsiteY37" fmla="*/ 5942639 h 6315453"/>
+                <a:gd name="connsiteX38" fmla="*/ 3218436 w 5774333"/>
+                <a:gd name="connsiteY38" fmla="*/ 5944260 h 6315453"/>
+                <a:gd name="connsiteX39" fmla="*/ 3293101 w 5774333"/>
+                <a:gd name="connsiteY39" fmla="*/ 5943913 h 6315453"/>
+                <a:gd name="connsiteX40" fmla="*/ 3330494 w 5774333"/>
+                <a:gd name="connsiteY40" fmla="*/ 5943565 h 6315453"/>
+                <a:gd name="connsiteX41" fmla="*/ 3366540 w 5774333"/>
+                <a:gd name="connsiteY41" fmla="*/ 5942059 h 6315453"/>
+                <a:gd name="connsiteX42" fmla="*/ 3402462 w 5774333"/>
+                <a:gd name="connsiteY42" fmla="*/ 5940323 h 6315453"/>
+                <a:gd name="connsiteX43" fmla="*/ 3438262 w 5774333"/>
+                <a:gd name="connsiteY43" fmla="*/ 5937543 h 6315453"/>
+                <a:gd name="connsiteX44" fmla="*/ 3580236 w 5774333"/>
+                <a:gd name="connsiteY44" fmla="*/ 5920982 h 6315453"/>
+                <a:gd name="connsiteX45" fmla="*/ 4121034 w 5774333"/>
+                <a:gd name="connsiteY45" fmla="*/ 5753290 h 6315453"/>
+                <a:gd name="connsiteX46" fmla="*/ 4620639 w 5774333"/>
+                <a:gd name="connsiteY46" fmla="*/ 5459364 h 6315453"/>
+                <a:gd name="connsiteX47" fmla="*/ 4741771 w 5774333"/>
+                <a:gd name="connsiteY47" fmla="*/ 5372971 h 6315453"/>
+                <a:gd name="connsiteX48" fmla="*/ 4862901 w 5774333"/>
+                <a:gd name="connsiteY48" fmla="*/ 5283682 h 6315453"/>
+                <a:gd name="connsiteX49" fmla="*/ 5108229 w 5774333"/>
+                <a:gd name="connsiteY49" fmla="*/ 5098386 h 6315453"/>
+                <a:gd name="connsiteX50" fmla="*/ 5612493 w 5774333"/>
+                <a:gd name="connsiteY50" fmla="*/ 4739724 h 6315453"/>
+                <a:gd name="connsiteX51" fmla="*/ 5774333 w 5774333"/>
+                <a:gd name="connsiteY51" fmla="*/ 4623488 h 6315453"/>
+                <a:gd name="connsiteX52" fmla="*/ 5774333 w 5774333"/>
+                <a:gd name="connsiteY52" fmla="*/ 5232926 h 6315453"/>
+                <a:gd name="connsiteX53" fmla="*/ 5676492 w 5774333"/>
+                <a:gd name="connsiteY53" fmla="*/ 5306859 h 6315453"/>
+                <a:gd name="connsiteX54" fmla="*/ 5426260 w 5774333"/>
+                <a:gd name="connsiteY54" fmla="*/ 5486233 h 6315453"/>
+                <a:gd name="connsiteX55" fmla="*/ 5300225 w 5774333"/>
+                <a:gd name="connsiteY55" fmla="*/ 5576217 h 6315453"/>
+                <a:gd name="connsiteX56" fmla="*/ 5170757 w 5774333"/>
+                <a:gd name="connsiteY56" fmla="*/ 5666780 h 6315453"/>
+                <a:gd name="connsiteX57" fmla="*/ 5038100 w 5774333"/>
+                <a:gd name="connsiteY57" fmla="*/ 5756185 h 6315453"/>
+                <a:gd name="connsiteX58" fmla="*/ 4901276 w 5774333"/>
+                <a:gd name="connsiteY58" fmla="*/ 5843043 h 6315453"/>
+                <a:gd name="connsiteX59" fmla="*/ 4614019 w 5774333"/>
+                <a:gd name="connsiteY59" fmla="*/ 6006103 h 6315453"/>
+                <a:gd name="connsiteX60" fmla="*/ 4305061 w 5774333"/>
+                <a:gd name="connsiteY60" fmla="*/ 6144726 h 6315453"/>
+                <a:gd name="connsiteX61" fmla="*/ 3632710 w 5774333"/>
+                <a:gd name="connsiteY61" fmla="*/ 6304196 h 6315453"/>
+                <a:gd name="connsiteX62" fmla="*/ 3459594 w 5774333"/>
+                <a:gd name="connsiteY62" fmla="*/ 6314504 h 6315453"/>
+                <a:gd name="connsiteX63" fmla="*/ 3416315 w 5774333"/>
+                <a:gd name="connsiteY63" fmla="*/ 6315429 h 6315453"/>
+                <a:gd name="connsiteX64" fmla="*/ 3373159 w 5774333"/>
+                <a:gd name="connsiteY64" fmla="*/ 6315198 h 6315453"/>
+                <a:gd name="connsiteX65" fmla="*/ 3330127 w 5774333"/>
+                <a:gd name="connsiteY65" fmla="*/ 6314735 h 6315453"/>
+                <a:gd name="connsiteX66" fmla="*/ 3288320 w 5774333"/>
+                <a:gd name="connsiteY66" fmla="*/ 6313230 h 6315453"/>
+                <a:gd name="connsiteX67" fmla="*/ 2954350 w 5774333"/>
+                <a:gd name="connsiteY67" fmla="*/ 6288098 h 6315453"/>
+                <a:gd name="connsiteX68" fmla="*/ 2622466 w 5774333"/>
+                <a:gd name="connsiteY68" fmla="*/ 6232742 h 6315453"/>
+                <a:gd name="connsiteX69" fmla="*/ 2296466 w 5774333"/>
+                <a:gd name="connsiteY69" fmla="*/ 6146001 h 6315453"/>
+                <a:gd name="connsiteX70" fmla="*/ 1672419 w 5774333"/>
+                <a:gd name="connsiteY70" fmla="*/ 5885197 h 6315453"/>
+                <a:gd name="connsiteX71" fmla="*/ 1146578 w 5774333"/>
+                <a:gd name="connsiteY71" fmla="*/ 5479168 h 6315453"/>
+                <a:gd name="connsiteX72" fmla="*/ 933372 w 5774333"/>
+                <a:gd name="connsiteY72" fmla="*/ 5234810 h 6315453"/>
+                <a:gd name="connsiteX73" fmla="*/ 747140 w 5774333"/>
+                <a:gd name="connsiteY73" fmla="*/ 4976091 h 6315453"/>
+                <a:gd name="connsiteX74" fmla="*/ 703616 w 5774333"/>
+                <a:gd name="connsiteY74" fmla="*/ 4910196 h 6315453"/>
+                <a:gd name="connsiteX75" fmla="*/ 662053 w 5774333"/>
+                <a:gd name="connsiteY75" fmla="*/ 4846269 h 6315453"/>
+                <a:gd name="connsiteX76" fmla="*/ 580033 w 5774333"/>
+                <a:gd name="connsiteY76" fmla="*/ 4722352 h 6315453"/>
+                <a:gd name="connsiteX77" fmla="*/ 410105 w 5774333"/>
+                <a:gd name="connsiteY77" fmla="*/ 4469193 h 6315453"/>
+                <a:gd name="connsiteX78" fmla="*/ 244224 w 5774333"/>
+                <a:gd name="connsiteY78" fmla="*/ 4201556 h 6315453"/>
+                <a:gd name="connsiteX79" fmla="*/ 169437 w 5774333"/>
+                <a:gd name="connsiteY79" fmla="*/ 4059690 h 6315453"/>
+                <a:gd name="connsiteX80" fmla="*/ 105929 w 5774333"/>
+                <a:gd name="connsiteY80" fmla="*/ 3911221 h 6315453"/>
+                <a:gd name="connsiteX81" fmla="*/ 57256 w 5774333"/>
+                <a:gd name="connsiteY81" fmla="*/ 3757195 h 6315453"/>
+                <a:gd name="connsiteX82" fmla="*/ 39111 w 5774333"/>
+                <a:gd name="connsiteY82" fmla="*/ 3678677 h 6315453"/>
+                <a:gd name="connsiteX83" fmla="*/ 31142 w 5774333"/>
+                <a:gd name="connsiteY83" fmla="*/ 3639300 h 6315453"/>
+                <a:gd name="connsiteX84" fmla="*/ 24521 w 5774333"/>
+                <a:gd name="connsiteY84" fmla="*/ 3599809 h 6315453"/>
+                <a:gd name="connsiteX85" fmla="*/ 0 w 5774333"/>
+                <a:gd name="connsiteY85" fmla="*/ 3283418 h 6315453"/>
+                <a:gd name="connsiteX86" fmla="*/ 68045 w 5774333"/>
+                <a:gd name="connsiteY86" fmla="*/ 2666963 h 6315453"/>
+                <a:gd name="connsiteX87" fmla="*/ 272546 w 5774333"/>
+                <a:gd name="connsiteY87" fmla="*/ 2076334 h 6315453"/>
+                <a:gd name="connsiteX88" fmla="*/ 1039300 w 5774333"/>
+                <a:gd name="connsiteY88" fmla="*/ 1073307 h 6315453"/>
+                <a:gd name="connsiteX89" fmla="*/ 1547733 w 5774333"/>
+                <a:gd name="connsiteY89" fmla="*/ 680365 h 6315453"/>
+                <a:gd name="connsiteX90" fmla="*/ 2115995 w 5774333"/>
+                <a:gd name="connsiteY90" fmla="*/ 368373 h 6315453"/>
+                <a:gd name="connsiteX91" fmla="*/ 3377451 w 5774333"/>
+                <a:gd name="connsiteY91" fmla="*/ 24304 h 6315453"/>
+                <a:gd name="connsiteX92" fmla="*/ 3707237 w 5774333"/>
+                <a:gd name="connsiteY92" fmla="*/ 1489 h 6315453"/>
+              </a:gdLst>
+              <a:ahLst/>
+              <a:cxnLst>
+                <a:cxn ang="0">
+                  <a:pos x="connsiteX0" y="connsiteY0"/>
+                </a:cxn>
+                <a:cxn ang="0">
+                  <a:pos x="connsiteX1" y="connsiteY1"/>
+                </a:cxn>
+                <a:cxn ang="0">
+                  <a:pos x="connsiteX2" y="connsiteY2"/>
+                </a:cxn>
+                <a:cxn ang="0">
+                  <a:pos x="connsiteX3" y="connsiteY3"/>
+                </a:cxn>
+                <a:cxn ang="0">
+                  <a:pos x="connsiteX4" y="connsiteY4"/>
+                </a:cxn>
+                <a:cxn ang="0">
+                  <a:pos x="connsiteX5" y="connsiteY5"/>
+                </a:cxn>
+                <a:cxn ang="0">
+                  <a:pos x="connsiteX6" y="connsiteY6"/>
+                </a:cxn>
+                <a:cxn ang="0">
+                  <a:pos x="connsiteX7" y="connsiteY7"/>
+                </a:cxn>
+                <a:cxn ang="0">
+                  <a:pos x="connsiteX8" y="connsiteY8"/>
+                </a:cxn>
+                <a:cxn ang="0">
+                  <a:pos x="connsiteX9" y="connsiteY9"/>
+                </a:cxn>
+                <a:cxn ang="0">
+                  <a:pos x="connsiteX10" y="connsiteY10"/>
+                </a:cxn>
+                <a:cxn ang="0">
+                  <a:pos x="connsiteX11" y="connsiteY11"/>
+                </a:cxn>
+                <a:cxn ang="0">
+                  <a:pos x="connsiteX12" y="connsiteY12"/>
+                </a:cxn>
+                <a:cxn ang="0">
+                  <a:pos x="connsiteX13" y="connsiteY13"/>
+                </a:cxn>
+                <a:cxn ang="0">
+                  <a:pos x="connsiteX14" y="connsiteY14"/>
+                </a:cxn>
+                <a:cxn ang="0">
+                  <a:pos x="connsiteX15" y="connsiteY15"/>
+                </a:cxn>
+                <a:cxn ang="0">
+                  <a:pos x="connsiteX16" y="connsiteY16"/>
+                </a:cxn>
+                <a:cxn ang="0">
+                  <a:pos x="connsiteX17" y="connsiteY17"/>
+                </a:cxn>
+                <a:cxn ang="0">
+                  <a:pos x="connsiteX18" y="connsiteY18"/>
+                </a:cxn>
+                <a:cxn ang="0">
+                  <a:pos x="connsiteX19" y="connsiteY19"/>
+                </a:cxn>
+                <a:cxn ang="0">
+                  <a:pos x="connsiteX20" y="connsiteY20"/>
+                </a:cxn>
+                <a:cxn ang="0">
+                  <a:pos x="connsiteX21" y="connsiteY21"/>
+                </a:cxn>
+                <a:cxn ang="0">
+                  <a:pos x="connsiteX22" y="connsiteY22"/>
+                </a:cxn>
+                <a:cxn ang="0">
+                  <a:pos x="connsiteX23" y="connsiteY23"/>
+                </a:cxn>
+                <a:cxn ang="0">
+                  <a:pos x="connsiteX24" y="connsiteY24"/>
+                </a:cxn>
+                <a:cxn ang="0">
+                  <a:pos x="connsiteX25" y="connsiteY25"/>
+                </a:cxn>
+                <a:cxn ang="0">
+                  <a:pos x="connsiteX26" y="connsiteY26"/>
+                </a:cxn>
+                <a:cxn ang="0">
+                  <a:pos x="connsiteX27" y="connsiteY27"/>
+                </a:cxn>
+                <a:cxn ang="0">
+                  <a:pos x="connsiteX28" y="connsiteY28"/>
+                </a:cxn>
+                <a:cxn ang="0">
+                  <a:pos x="connsiteX29" y="connsiteY29"/>
+                </a:cxn>
+                <a:cxn ang="0">
+                  <a:pos x="connsiteX30" y="connsiteY30"/>
+                </a:cxn>
+                <a:cxn ang="0">
+                  <a:pos x="connsiteX31" y="connsiteY31"/>
+                </a:cxn>
+                <a:cxn ang="0">
+                  <a:pos x="connsiteX32" y="connsiteY32"/>
+                </a:cxn>
+                <a:cxn ang="0">
+                  <a:pos x="connsiteX33" y="connsiteY33"/>
+                </a:cxn>
+                <a:cxn ang="0">
+                  <a:pos x="connsiteX34" y="connsiteY34"/>
+                </a:cxn>
+                <a:cxn ang="0">
+                  <a:pos x="connsiteX35" y="connsiteY35"/>
+                </a:cxn>
+                <a:cxn ang="0">
+                  <a:pos x="connsiteX36" y="connsiteY36"/>
+                </a:cxn>
+                <a:cxn ang="0">
+                  <a:pos x="connsiteX37" y="connsiteY37"/>
+                </a:cxn>
+                <a:cxn ang="0">
+                  <a:pos x="connsiteX38" y="connsiteY38"/>
+                </a:cxn>
+                <a:cxn ang="0">
+                  <a:pos x="connsiteX39" y="connsiteY39"/>
+                </a:cxn>
+                <a:cxn ang="0">
+                  <a:pos x="connsiteX40" y="connsiteY40"/>
+                </a:cxn>
+                <a:cxn ang="0">
+                  <a:pos x="connsiteX41" y="connsiteY41"/>
+                </a:cxn>
+                <a:cxn ang="0">
+                  <a:pos x="connsiteX42" y="connsiteY42"/>
+                </a:cxn>
+                <a:cxn ang="0">
+                  <a:pos x="connsiteX43" y="connsiteY43"/>
+                </a:cxn>
+                <a:cxn ang="0">
+                  <a:pos x="connsiteX44" y="connsiteY44"/>
+                </a:cxn>
+                <a:cxn ang="0">
+                  <a:pos x="connsiteX45" y="connsiteY45"/>
+                </a:cxn>
+                <a:cxn ang="0">
+                  <a:pos x="connsiteX46" y="connsiteY46"/>
+                </a:cxn>
+                <a:cxn ang="0">
+                  <a:pos x="connsiteX47" y="connsiteY47"/>
+                </a:cxn>
+                <a:cxn ang="0">
+                  <a:pos x="connsiteX48" y="connsiteY48"/>
+                </a:cxn>
+                <a:cxn ang="0">
+                  <a:pos x="connsiteX49" y="connsiteY49"/>
+                </a:cxn>
+                <a:cxn ang="0">
+                  <a:pos x="connsiteX50" y="connsiteY50"/>
+                </a:cxn>
+                <a:cxn ang="0">
+                  <a:pos x="connsiteX51" y="connsiteY51"/>
+                </a:cxn>
+                <a:cxn ang="0">
+                  <a:pos x="connsiteX52" y="connsiteY52"/>
+                </a:cxn>
+                <a:cxn ang="0">
+                  <a:pos x="connsiteX53" y="connsiteY53"/>
+                </a:cxn>
+                <a:cxn ang="0">
+                  <a:pos x="connsiteX54" y="connsiteY54"/>
+                </a:cxn>
+                <a:cxn ang="0">
+                  <a:pos x="connsiteX55" y="connsiteY55"/>
+                </a:cxn>
+                <a:cxn ang="0">
+                  <a:pos x="connsiteX56" y="connsiteY56"/>
+                </a:cxn>
+                <a:cxn ang="0">
+                  <a:pos x="connsiteX57" y="connsiteY57"/>
+                </a:cxn>
+                <a:cxn ang="0">
+                  <a:pos x="connsiteX58" y="connsiteY58"/>
+                </a:cxn>
+                <a:cxn ang="0">
+                  <a:pos x="connsiteX59" y="connsiteY59"/>
+                </a:cxn>
+                <a:cxn ang="0">
+                  <a:pos x="connsiteX60" y="connsiteY60"/>
+                </a:cxn>
+                <a:cxn ang="0">
+                  <a:pos x="connsiteX61" y="connsiteY61"/>
+                </a:cxn>
+                <a:cxn ang="0">
+                  <a:pos x="connsiteX62" y="connsiteY62"/>
+                </a:cxn>
+                <a:cxn ang="0">
+                  <a:pos x="connsiteX63" y="connsiteY63"/>
+                </a:cxn>
+                <a:cxn ang="0">
+                  <a:pos x="connsiteX64" y="connsiteY64"/>
+                </a:cxn>
+                <a:cxn ang="0">
+                  <a:pos x="connsiteX65" y="connsiteY65"/>
+                </a:cxn>
+                <a:cxn ang="0">
+                  <a:pos x="connsiteX66" y="connsiteY66"/>
+                </a:cxn>
+                <a:cxn ang="0">
+                  <a:pos x="connsiteX67" y="connsiteY67"/>
+                </a:cxn>
+                <a:cxn ang="0">
+                  <a:pos x="connsiteX68" y="connsiteY68"/>
+                </a:cxn>
+                <a:cxn ang="0">
+                  <a:pos x="connsiteX69" y="connsiteY69"/>
+                </a:cxn>
+                <a:cxn ang="0">
+                  <a:pos x="connsiteX70" y="connsiteY70"/>
+                </a:cxn>
+                <a:cxn ang="0">
+                  <a:pos x="connsiteX71" y="connsiteY71"/>
+                </a:cxn>
+                <a:cxn ang="0">
+                  <a:pos x="connsiteX72" y="connsiteY72"/>
+                </a:cxn>
+                <a:cxn ang="0">
+                  <a:pos x="connsiteX73" y="connsiteY73"/>
+                </a:cxn>
+                <a:cxn ang="0">
+                  <a:pos x="connsiteX74" y="connsiteY74"/>
+                </a:cxn>
+                <a:cxn ang="0">
+                  <a:pos x="connsiteX75" y="connsiteY75"/>
+                </a:cxn>
+                <a:cxn ang="0">
+                  <a:pos x="connsiteX76" y="connsiteY76"/>
+                </a:cxn>
+                <a:cxn ang="0">
+                  <a:pos x="connsiteX77" y="connsiteY77"/>
+                </a:cxn>
+                <a:cxn ang="0">
+                  <a:pos x="connsiteX78" y="connsiteY78"/>
+                </a:cxn>
+                <a:cxn ang="0">
+                  <a:pos x="connsiteX79" y="connsiteY79"/>
+                </a:cxn>
+                <a:cxn ang="0">
+                  <a:pos x="connsiteX80" y="connsiteY80"/>
+                </a:cxn>
+                <a:cxn ang="0">
+                  <a:pos x="connsiteX81" y="connsiteY81"/>
+                </a:cxn>
+                <a:cxn ang="0">
+                  <a:pos x="connsiteX82" y="connsiteY82"/>
+                </a:cxn>
+                <a:cxn ang="0">
+                  <a:pos x="connsiteX83" y="connsiteY83"/>
+                </a:cxn>
+                <a:cxn ang="0">
+                  <a:pos x="connsiteX84" y="connsiteY84"/>
+                </a:cxn>
+                <a:cxn ang="0">
+                  <a:pos x="connsiteX85" y="connsiteY85"/>
+                </a:cxn>
+                <a:cxn ang="0">
+                  <a:pos x="connsiteX86" y="connsiteY86"/>
+                </a:cxn>
+                <a:cxn ang="0">
+                  <a:pos x="connsiteX87" y="connsiteY87"/>
+                </a:cxn>
+                <a:cxn ang="0">
+                  <a:pos x="connsiteX88" y="connsiteY88"/>
+                </a:cxn>
+                <a:cxn ang="0">
+                  <a:pos x="connsiteX89" y="connsiteY89"/>
+                </a:cxn>
+                <a:cxn ang="0">
+                  <a:pos x="connsiteX90" y="connsiteY90"/>
+                </a:cxn>
+                <a:cxn ang="0">
+                  <a:pos x="connsiteX91" y="connsiteY91"/>
+                </a:cxn>
+                <a:cxn ang="0">
+                  <a:pos x="connsiteX92" y="connsiteY92"/>
+                </a:cxn>
+              </a:cxnLst>
+              <a:rect l="l" t="t" r="r" b="b"/>
+              <a:pathLst>
+                <a:path w="5774333" h="6315453">
+                  <a:moveTo>
+                    <a:pt x="3707237" y="1489"/>
+                  </a:moveTo>
+                  <a:cubicBezTo>
+                    <a:pt x="3817502" y="-1522"/>
+                    <a:pt x="3927875" y="41"/>
+                    <a:pt x="4037665" y="6121"/>
+                  </a:cubicBezTo>
+                  <a:cubicBezTo>
+                    <a:pt x="4257614" y="18745"/>
+                    <a:pt x="4477439" y="49665"/>
+                    <a:pt x="4692239" y="102128"/>
+                  </a:cubicBezTo>
+                  <a:cubicBezTo>
+                    <a:pt x="4907039" y="154474"/>
+                    <a:pt x="5116811" y="228592"/>
+                    <a:pt x="5315059" y="324945"/>
+                  </a:cubicBezTo>
+                  <a:cubicBezTo>
+                    <a:pt x="5463562" y="397211"/>
+                    <a:pt x="5606133" y="481527"/>
+                    <a:pt x="5738325" y="578286"/>
+                  </a:cubicBezTo>
+                  <a:lnTo>
+                    <a:pt x="5774333" y="606551"/>
+                  </a:lnTo>
+                  <a:lnTo>
+                    <a:pt x="5774333" y="975490"/>
+                  </a:lnTo>
+                  <a:lnTo>
+                    <a:pt x="5676001" y="889749"/>
+                  </a:lnTo>
+                  <a:cubicBezTo>
+                    <a:pt x="5522381" y="769886"/>
+                    <a:pt x="5355519" y="665657"/>
+                    <a:pt x="5177132" y="581926"/>
+                  </a:cubicBezTo>
+                  <a:cubicBezTo>
+                    <a:pt x="4998867" y="497965"/>
+                    <a:pt x="4810183" y="433574"/>
+                    <a:pt x="4615735" y="388640"/>
+                  </a:cubicBezTo>
+                  <a:cubicBezTo>
+                    <a:pt x="4421289" y="343591"/>
+                    <a:pt x="4221446" y="317649"/>
+                    <a:pt x="4020010" y="308500"/>
+                  </a:cubicBezTo>
+                  <a:cubicBezTo>
+                    <a:pt x="3818207" y="298887"/>
+                    <a:pt x="3616649" y="305257"/>
+                    <a:pt x="3416315" y="328882"/>
+                  </a:cubicBezTo>
+                  <a:cubicBezTo>
+                    <a:pt x="3216106" y="352623"/>
+                    <a:pt x="3017736" y="392346"/>
+                    <a:pt x="2823779" y="446545"/>
+                  </a:cubicBezTo>
+                  <a:cubicBezTo>
+                    <a:pt x="2629699" y="500513"/>
+                    <a:pt x="2440401" y="570345"/>
+                    <a:pt x="2256987" y="651296"/>
+                  </a:cubicBezTo>
+                  <a:cubicBezTo>
+                    <a:pt x="1889058" y="811461"/>
+                    <a:pt x="1545527" y="1023856"/>
+                    <a:pt x="1244169" y="1280374"/>
+                  </a:cubicBezTo>
+                  <a:cubicBezTo>
+                    <a:pt x="1093982" y="1409039"/>
+                    <a:pt x="954828" y="1549400"/>
+                    <a:pt x="830141" y="1700184"/>
+                  </a:cubicBezTo>
+                  <a:cubicBezTo>
+                    <a:pt x="705209" y="1850736"/>
+                    <a:pt x="594989" y="2012176"/>
+                    <a:pt x="502792" y="2182300"/>
+                  </a:cubicBezTo>
+                  <a:cubicBezTo>
+                    <a:pt x="410595" y="2352308"/>
+                    <a:pt x="333847" y="2530307"/>
+                    <a:pt x="280637" y="2715256"/>
+                  </a:cubicBezTo>
+                  <a:cubicBezTo>
+                    <a:pt x="227306" y="2899741"/>
+                    <a:pt x="199719" y="3091521"/>
+                    <a:pt x="199843" y="3283418"/>
+                  </a:cubicBezTo>
+                  <a:cubicBezTo>
+                    <a:pt x="200946" y="3377687"/>
+                    <a:pt x="210754" y="3471261"/>
+                    <a:pt x="233926" y="3561593"/>
+                  </a:cubicBezTo>
+                  <a:cubicBezTo>
+                    <a:pt x="256730" y="3652040"/>
+                    <a:pt x="292162" y="3738550"/>
+                    <a:pt x="334582" y="3821816"/>
+                  </a:cubicBezTo>
+                  <a:cubicBezTo>
+                    <a:pt x="356038" y="3863392"/>
+                    <a:pt x="379823" y="3904157"/>
+                    <a:pt x="404834" y="3944343"/>
+                  </a:cubicBezTo>
+                  <a:cubicBezTo>
+                    <a:pt x="430212" y="3984413"/>
+                    <a:pt x="457308" y="4023905"/>
+                    <a:pt x="485506" y="4062932"/>
+                  </a:cubicBezTo>
+                  <a:cubicBezTo>
+                    <a:pt x="542639" y="4140757"/>
+                    <a:pt x="606146" y="4216265"/>
+                    <a:pt x="671861" y="4292120"/>
+                  </a:cubicBezTo>
+                  <a:cubicBezTo>
+                    <a:pt x="737576" y="4368091"/>
+                    <a:pt x="806234" y="4444062"/>
+                    <a:pt x="873542" y="4523044"/>
+                  </a:cubicBezTo>
+                  <a:cubicBezTo>
+                    <a:pt x="907258" y="4562419"/>
+                    <a:pt x="940606" y="4602721"/>
+                    <a:pt x="973831" y="4643601"/>
+                  </a:cubicBezTo>
+                  <a:lnTo>
+                    <a:pt x="1022014" y="4702780"/>
+                  </a:lnTo>
+                  <a:cubicBezTo>
+                    <a:pt x="1037829" y="4721658"/>
+                    <a:pt x="1052910" y="4740998"/>
+                    <a:pt x="1069215" y="4759411"/>
+                  </a:cubicBezTo>
+                  <a:cubicBezTo>
+                    <a:pt x="1196477" y="4909269"/>
+                    <a:pt x="1334527" y="5047199"/>
+                    <a:pt x="1474784" y="5177948"/>
+                  </a:cubicBezTo>
+                  <a:cubicBezTo>
+                    <a:pt x="1545281" y="5243033"/>
+                    <a:pt x="1617003" y="5305917"/>
+                    <a:pt x="1690442" y="5366255"/>
+                  </a:cubicBezTo>
+                  <a:cubicBezTo>
+                    <a:pt x="1763881" y="5426591"/>
+                    <a:pt x="1838668" y="5484959"/>
+                    <a:pt x="1916276" y="5539852"/>
+                  </a:cubicBezTo>
+                  <a:cubicBezTo>
+                    <a:pt x="2070877" y="5649872"/>
+                    <a:pt x="2237617" y="5748194"/>
+                    <a:pt x="2420784" y="5814437"/>
+                  </a:cubicBezTo>
+                  <a:cubicBezTo>
+                    <a:pt x="2512124" y="5847559"/>
+                    <a:pt x="2606773" y="5872921"/>
+                    <a:pt x="2703015" y="5892029"/>
+                  </a:cubicBezTo>
+                  <a:cubicBezTo>
+                    <a:pt x="2727168" y="5896546"/>
+                    <a:pt x="2751075" y="5901758"/>
+                    <a:pt x="2775350" y="5905695"/>
+                  </a:cubicBezTo>
+                  <a:lnTo>
+                    <a:pt x="2848299" y="5917161"/>
+                  </a:lnTo>
+                  <a:cubicBezTo>
+                    <a:pt x="2897218" y="5923298"/>
+                    <a:pt x="2946136" y="5929784"/>
+                    <a:pt x="2995544" y="5933605"/>
+                  </a:cubicBezTo>
+                  <a:cubicBezTo>
+                    <a:pt x="3020188" y="5935806"/>
+                    <a:pt x="3044831" y="5937891"/>
+                    <a:pt x="3069596" y="5938933"/>
+                  </a:cubicBezTo>
+                  <a:cubicBezTo>
+                    <a:pt x="3094362" y="5940090"/>
+                    <a:pt x="3119005" y="5941943"/>
+                    <a:pt x="3143894" y="5942639"/>
+                  </a:cubicBezTo>
+                  <a:lnTo>
+                    <a:pt x="3218436" y="5944260"/>
+                  </a:lnTo>
+                  <a:cubicBezTo>
+                    <a:pt x="3243201" y="5944838"/>
+                    <a:pt x="3268212" y="5944029"/>
+                    <a:pt x="3293101" y="5943913"/>
+                  </a:cubicBezTo>
+                  <a:lnTo>
+                    <a:pt x="3330494" y="5943565"/>
+                  </a:lnTo>
+                  <a:cubicBezTo>
+                    <a:pt x="3342632" y="5943218"/>
+                    <a:pt x="3354524" y="5942523"/>
+                    <a:pt x="3366540" y="5942059"/>
+                  </a:cubicBezTo>
+                  <a:cubicBezTo>
+                    <a:pt x="3378554" y="5941480"/>
+                    <a:pt x="3390570" y="5941134"/>
+                    <a:pt x="3402462" y="5940323"/>
+                  </a:cubicBezTo>
+                  <a:lnTo>
+                    <a:pt x="3438262" y="5937543"/>
+                  </a:lnTo>
+                  <a:cubicBezTo>
+                    <a:pt x="3485954" y="5933953"/>
+                    <a:pt x="3533279" y="5927931"/>
+                    <a:pt x="3580236" y="5920982"/>
+                  </a:cubicBezTo>
+                  <a:cubicBezTo>
+                    <a:pt x="3768185" y="5891567"/>
+                    <a:pt x="3948901" y="5834010"/>
+                    <a:pt x="4121034" y="5753290"/>
+                  </a:cubicBezTo>
+                  <a:cubicBezTo>
+                    <a:pt x="4293782" y="5673497"/>
+                    <a:pt x="4458191" y="5571353"/>
+                    <a:pt x="4620639" y="5459364"/>
+                  </a:cubicBezTo>
+                  <a:cubicBezTo>
+                    <a:pt x="4661221" y="5431455"/>
+                    <a:pt x="4701557" y="5402271"/>
+                    <a:pt x="4741771" y="5372971"/>
+                  </a:cubicBezTo>
+                  <a:cubicBezTo>
+                    <a:pt x="4782230" y="5343672"/>
+                    <a:pt x="4822566" y="5313908"/>
+                    <a:pt x="4862901" y="5283682"/>
+                  </a:cubicBezTo>
+                  <a:lnTo>
+                    <a:pt x="5108229" y="5098386"/>
+                  </a:lnTo>
+                  <a:cubicBezTo>
+                    <a:pt x="5276563" y="4972270"/>
+                    <a:pt x="5446489" y="4854838"/>
+                    <a:pt x="5612493" y="4739724"/>
+                  </a:cubicBezTo>
+                  <a:lnTo>
+                    <a:pt x="5774333" y="4623488"/>
+                  </a:lnTo>
+                  <a:lnTo>
+                    <a:pt x="5774333" y="5232926"/>
+                  </a:lnTo>
+                  <a:lnTo>
+                    <a:pt x="5676492" y="5306859"/>
+                  </a:lnTo>
+                  <a:cubicBezTo>
+                    <a:pt x="5592693" y="5367905"/>
+                    <a:pt x="5508955" y="5427286"/>
+                    <a:pt x="5426260" y="5486233"/>
+                  </a:cubicBezTo>
+                  <a:lnTo>
+                    <a:pt x="5300225" y="5576217"/>
+                  </a:lnTo>
+                  <a:cubicBezTo>
+                    <a:pt x="5257559" y="5606443"/>
+                    <a:pt x="5214525" y="5636901"/>
+                    <a:pt x="5170757" y="5666780"/>
+                  </a:cubicBezTo>
+                  <a:cubicBezTo>
+                    <a:pt x="5127110" y="5696775"/>
+                    <a:pt x="5082973" y="5726654"/>
+                    <a:pt x="5038100" y="5756185"/>
+                  </a:cubicBezTo>
+                  <a:cubicBezTo>
+                    <a:pt x="4993106" y="5785486"/>
+                    <a:pt x="4947743" y="5814553"/>
+                    <a:pt x="4901276" y="5843043"/>
+                  </a:cubicBezTo>
+                  <a:cubicBezTo>
+                    <a:pt x="4808835" y="5900136"/>
+                    <a:pt x="4713449" y="5955494"/>
+                    <a:pt x="4614019" y="6006103"/>
+                  </a:cubicBezTo>
+                  <a:cubicBezTo>
+                    <a:pt x="4514711" y="6056943"/>
+                    <a:pt x="4411971" y="6104192"/>
+                    <a:pt x="4305061" y="6144726"/>
+                  </a:cubicBezTo>
+                  <a:cubicBezTo>
+                    <a:pt x="4092223" y="6226952"/>
+                    <a:pt x="3863569" y="6282424"/>
+                    <a:pt x="3632710" y="6304196"/>
+                  </a:cubicBezTo>
+                  <a:cubicBezTo>
+                    <a:pt x="3574964" y="6309408"/>
+                    <a:pt x="3517218" y="6313345"/>
+                    <a:pt x="3459594" y="6314504"/>
+                  </a:cubicBezTo>
+                  <a:lnTo>
+                    <a:pt x="3416315" y="6315429"/>
+                  </a:lnTo>
+                  <a:cubicBezTo>
+                    <a:pt x="3401971" y="6315546"/>
+                    <a:pt x="3387505" y="6315198"/>
+                    <a:pt x="3373159" y="6315198"/>
+                  </a:cubicBezTo>
+                  <a:lnTo>
+                    <a:pt x="3330127" y="6314735"/>
+                  </a:lnTo>
+                  <a:lnTo>
+                    <a:pt x="3288320" y="6313230"/>
+                  </a:lnTo>
+                  <a:cubicBezTo>
+                    <a:pt x="3176996" y="6309870"/>
+                    <a:pt x="3065428" y="6301533"/>
+                    <a:pt x="2954350" y="6288098"/>
+                  </a:cubicBezTo>
+                  <a:cubicBezTo>
+                    <a:pt x="2843150" y="6275360"/>
+                    <a:pt x="2732194" y="6257061"/>
+                    <a:pt x="2622466" y="6232742"/>
+                  </a:cubicBezTo>
+                  <a:cubicBezTo>
+                    <a:pt x="2512859" y="6208190"/>
+                    <a:pt x="2404110" y="6179122"/>
+                    <a:pt x="2296466" y="6146001"/>
+                  </a:cubicBezTo>
+                  <a:cubicBezTo>
+                    <a:pt x="2081544" y="6079179"/>
+                    <a:pt x="1869073" y="5996027"/>
+                    <a:pt x="1672419" y="5885197"/>
+                  </a:cubicBezTo>
+                  <a:cubicBezTo>
+                    <a:pt x="1475643" y="5774599"/>
+                    <a:pt x="1299954" y="5634353"/>
+                    <a:pt x="1146578" y="5479168"/>
+                  </a:cubicBezTo>
+                  <a:cubicBezTo>
+                    <a:pt x="1069461" y="5401692"/>
+                    <a:pt x="999333" y="5319235"/>
+                    <a:pt x="933372" y="5234810"/>
+                  </a:cubicBezTo>
+                  <a:cubicBezTo>
+                    <a:pt x="867781" y="5150038"/>
+                    <a:pt x="805375" y="5063991"/>
+                    <a:pt x="747140" y="4976091"/>
+                  </a:cubicBezTo>
+                  <a:cubicBezTo>
+                    <a:pt x="732182" y="4954319"/>
+                    <a:pt x="718082" y="4932199"/>
+                    <a:pt x="703616" y="4910196"/>
+                  </a:cubicBezTo>
+                  <a:lnTo>
+                    <a:pt x="662053" y="4846269"/>
+                  </a:lnTo>
+                  <a:cubicBezTo>
+                    <a:pt x="635449" y="4804925"/>
+                    <a:pt x="607864" y="4763928"/>
+                    <a:pt x="580033" y="4722352"/>
+                  </a:cubicBezTo>
+                  <a:lnTo>
+                    <a:pt x="410105" y="4469193"/>
+                  </a:lnTo>
+                  <a:cubicBezTo>
+                    <a:pt x="353095" y="4382915"/>
+                    <a:pt x="296820" y="4294089"/>
+                    <a:pt x="244224" y="4201556"/>
+                  </a:cubicBezTo>
+                  <a:cubicBezTo>
+                    <a:pt x="217987" y="4155232"/>
+                    <a:pt x="192609" y="4108098"/>
+                    <a:pt x="169437" y="4059690"/>
+                  </a:cubicBezTo>
+                  <a:cubicBezTo>
+                    <a:pt x="146388" y="4011165"/>
+                    <a:pt x="124932" y="3961715"/>
+                    <a:pt x="105929" y="3911221"/>
+                  </a:cubicBezTo>
+                  <a:cubicBezTo>
+                    <a:pt x="87293" y="3860613"/>
+                    <a:pt x="70742" y="3809309"/>
+                    <a:pt x="57256" y="3757195"/>
+                  </a:cubicBezTo>
+                  <a:cubicBezTo>
+                    <a:pt x="50881" y="3731138"/>
+                    <a:pt x="44383" y="3704965"/>
+                    <a:pt x="39111" y="3678677"/>
+                  </a:cubicBezTo>
+                  <a:lnTo>
+                    <a:pt x="31142" y="3639300"/>
+                  </a:lnTo>
+                  <a:lnTo>
+                    <a:pt x="24521" y="3599809"/>
+                  </a:lnTo>
+                  <a:cubicBezTo>
+                    <a:pt x="7234" y="3494423"/>
+                    <a:pt x="0" y="3388457"/>
+                    <a:pt x="0" y="3283418"/>
+                  </a:cubicBezTo>
+                  <a:cubicBezTo>
+                    <a:pt x="491" y="3076698"/>
+                    <a:pt x="23418" y="2869978"/>
+                    <a:pt x="68045" y="2666963"/>
+                  </a:cubicBezTo>
+                  <a:cubicBezTo>
+                    <a:pt x="112550" y="2464064"/>
+                    <a:pt x="180717" y="2265104"/>
+                    <a:pt x="272546" y="2076334"/>
+                  </a:cubicBezTo>
+                  <a:cubicBezTo>
+                    <a:pt x="457062" y="1698794"/>
+                    <a:pt x="724457" y="1360978"/>
+                    <a:pt x="1039300" y="1073307"/>
+                  </a:cubicBezTo>
+                  <a:cubicBezTo>
+                    <a:pt x="1197090" y="929472"/>
+                    <a:pt x="1367630" y="798259"/>
+                    <a:pt x="1547733" y="680365"/>
+                  </a:cubicBezTo>
+                  <a:cubicBezTo>
+                    <a:pt x="1728081" y="562587"/>
+                    <a:pt x="1917870" y="457663"/>
+                    <a:pt x="2115995" y="368373"/>
+                  </a:cubicBezTo>
+                  <a:cubicBezTo>
+                    <a:pt x="2512737" y="191070"/>
+                    <a:pt x="2939883" y="73870"/>
+                    <a:pt x="3377451" y="24304"/>
+                  </a:cubicBezTo>
+                  <a:cubicBezTo>
+                    <a:pt x="3486812" y="12086"/>
+                    <a:pt x="3596971" y="4500"/>
+                    <a:pt x="3707237" y="1489"/>
+                  </a:cubicBezTo>
+                  <a:close/>
+                </a:path>
+              </a:pathLst>
+            </a:custGeom>
+            <a:gradFill>
+              <a:gsLst>
+                <a:gs pos="2000">
+                  <a:schemeClr val="bg1">
+                    <a:alpha val="10000"/>
+                  </a:schemeClr>
+                </a:gs>
+                <a:gs pos="16000">
+                  <a:schemeClr val="accent6">
+                    <a:alpha val="10000"/>
+                  </a:schemeClr>
+                </a:gs>
+                <a:gs pos="100000">
+                  <a:schemeClr val="bg1">
+                    <a:alpha val="10000"/>
+                  </a:schemeClr>
+                </a:gs>
+                <a:gs pos="85000">
+                  <a:schemeClr val="accent1">
+                    <a:alpha val="10000"/>
+                  </a:schemeClr>
+                </a:gs>
+              </a:gsLst>
+              <a:lin ang="12000000" scaled="0"/>
+            </a:gradFill>
+            <a:ln>
+              <a:noFill/>
+            </a:ln>
+          </p:spPr>
+          <p:style>
+            <a:lnRef idx="2">
+              <a:schemeClr val="accent1">
+                <a:shade val="50000"/>
+              </a:schemeClr>
+            </a:lnRef>
+            <a:fillRef idx="1">
+              <a:schemeClr val="accent1"/>
+            </a:fillRef>
+            <a:effectRef idx="0">
+              <a:schemeClr val="accent1"/>
+            </a:effectRef>
+            <a:fontRef idx="minor">
+              <a:schemeClr val="lt1"/>
+            </a:fontRef>
+          </p:style>
+          <p:txBody>
+            <a:bodyPr rtlCol="0" anchor="ctr"/>
+            <a:lstStyle/>
+            <a:p>
+              <a:pPr algn="ctr"/>
+              <a:endParaRPr lang="en-US"/>
+            </a:p>
+          </p:txBody>
+        </p:sp>
+        <p:sp>
+          <p:nvSpPr>
+            <p:cNvPr id="17" name="Freeform: Shape 16">
+              <a:extLst>
+                <a:ext uri="{FF2B5EF4-FFF2-40B4-BE49-F238E27FC236}">
+                  <a16:creationId xmlns:a16="http://schemas.microsoft.com/office/drawing/2014/main" id="{EC18CE1F-9DF1-47AF-9E66-6CE348AC2334}"/>
+                </a:ext>
+                <a:ext uri="{C183D7F6-B498-43B3-948B-1728B52AA6E4}">
+                  <adec:decorative xmlns:adec="http://schemas.microsoft.com/office/drawing/2017/decorative" val="1"/>
+                </a:ext>
+              </a:extLst>
+            </p:cNvPr>
+            <p:cNvSpPr/>
+            <p:nvPr>
+              <p:extLst>
+                <p:ext uri="{386F3935-93C4-4BCD-93E2-E3B085C9AB24}">
+                  <p16:designElem xmlns:p16="http://schemas.microsoft.com/office/powerpoint/2015/main" val="1"/>
+                </p:ext>
+              </p:extLst>
+            </p:nvPr>
+          </p:nvSpPr>
+          <p:spPr>
+            <a:xfrm>
+              <a:off x="6410220" y="131729"/>
+              <a:ext cx="5769111" cy="6229400"/>
+            </a:xfrm>
+            <a:custGeom>
+              <a:avLst/>
+              <a:gdLst>
+                <a:gd name="connsiteX0" fmla="*/ 3882695 w 5769111"/>
+                <a:gd name="connsiteY0" fmla="*/ 0 h 6229400"/>
+                <a:gd name="connsiteX1" fmla="*/ 5691883 w 5769111"/>
+                <a:gd name="connsiteY1" fmla="*/ 557381 h 6229400"/>
+                <a:gd name="connsiteX2" fmla="*/ 5769111 w 5769111"/>
+                <a:gd name="connsiteY2" fmla="*/ 620523 h 6229400"/>
+                <a:gd name="connsiteX3" fmla="*/ 5769111 w 5769111"/>
+                <a:gd name="connsiteY3" fmla="*/ 1464911 h 6229400"/>
+                <a:gd name="connsiteX4" fmla="*/ 5660063 w 5769111"/>
+                <a:gd name="connsiteY4" fmla="*/ 1328105 h 6229400"/>
+                <a:gd name="connsiteX5" fmla="*/ 4910471 w 5769111"/>
+                <a:gd name="connsiteY5" fmla="*/ 781599 h 6229400"/>
+                <a:gd name="connsiteX6" fmla="*/ 3882695 w 5769111"/>
+                <a:gd name="connsiteY6" fmla="*/ 579048 h 6229400"/>
+                <a:gd name="connsiteX7" fmla="*/ 2683153 w 5769111"/>
+                <a:gd name="connsiteY7" fmla="*/ 797003 h 6229400"/>
+                <a:gd name="connsiteX8" fmla="*/ 1617493 w 5769111"/>
+                <a:gd name="connsiteY8" fmla="*/ 1395738 h 6229400"/>
+                <a:gd name="connsiteX9" fmla="*/ 880408 w 5769111"/>
+                <a:gd name="connsiteY9" fmla="*/ 2259099 h 6229400"/>
+                <a:gd name="connsiteX10" fmla="*/ 613135 w 5769111"/>
+                <a:gd name="connsiteY10" fmla="*/ 3263863 h 6229400"/>
+                <a:gd name="connsiteX11" fmla="*/ 1055484 w 5769111"/>
+                <a:gd name="connsiteY11" fmla="*/ 4196825 h 6229400"/>
+                <a:gd name="connsiteX12" fmla="*/ 1278376 w 5769111"/>
+                <a:gd name="connsiteY12" fmla="*/ 4492950 h 6229400"/>
+                <a:gd name="connsiteX13" fmla="*/ 3369851 w 5769111"/>
+                <a:gd name="connsiteY13" fmla="*/ 5650468 h 6229400"/>
+                <a:gd name="connsiteX14" fmla="*/ 4957551 w 5769111"/>
+                <a:gd name="connsiteY14" fmla="*/ 4938355 h 6229400"/>
+                <a:gd name="connsiteX15" fmla="*/ 5150773 w 5769111"/>
+                <a:gd name="connsiteY15" fmla="*/ 4796950 h 6229400"/>
+                <a:gd name="connsiteX16" fmla="*/ 5747247 w 5769111"/>
+                <a:gd name="connsiteY16" fmla="*/ 4338176 h 6229400"/>
+                <a:gd name="connsiteX17" fmla="*/ 5769111 w 5769111"/>
+                <a:gd name="connsiteY17" fmla="*/ 4318497 h 6229400"/>
+                <a:gd name="connsiteX18" fmla="*/ 5769111 w 5769111"/>
+                <a:gd name="connsiteY18" fmla="*/ 5074612 h 6229400"/>
+                <a:gd name="connsiteX19" fmla="*/ 5636252 w 5769111"/>
+                <a:gd name="connsiteY19" fmla="*/ 5174208 h 6229400"/>
+                <a:gd name="connsiteX20" fmla="*/ 5334922 w 5769111"/>
+                <a:gd name="connsiteY20" fmla="*/ 5394528 h 6229400"/>
+                <a:gd name="connsiteX21" fmla="*/ 3369727 w 5769111"/>
+                <a:gd name="connsiteY21" fmla="*/ 6229400 h 6229400"/>
+                <a:gd name="connsiteX22" fmla="*/ 771046 w 5769111"/>
+                <a:gd name="connsiteY22" fmla="*/ 4817913 h 6229400"/>
+                <a:gd name="connsiteX23" fmla="*/ 0 w 5769111"/>
+                <a:gd name="connsiteY23" fmla="*/ 3263748 h 6229400"/>
+                <a:gd name="connsiteX24" fmla="*/ 3882695 w 5769111"/>
+                <a:gd name="connsiteY24" fmla="*/ 0 h 6229400"/>
+              </a:gdLst>
+              <a:ahLst/>
+              <a:cxnLst>
+                <a:cxn ang="0">
+                  <a:pos x="connsiteX0" y="connsiteY0"/>
+                </a:cxn>
+                <a:cxn ang="0">
+                  <a:pos x="connsiteX1" y="connsiteY1"/>
+                </a:cxn>
+                <a:cxn ang="0">
+                  <a:pos x="connsiteX2" y="connsiteY2"/>
+                </a:cxn>
+                <a:cxn ang="0">
+                  <a:pos x="connsiteX3" y="connsiteY3"/>
+                </a:cxn>
+                <a:cxn ang="0">
+                  <a:pos x="connsiteX4" y="connsiteY4"/>
+                </a:cxn>
+                <a:cxn ang="0">
+                  <a:pos x="connsiteX5" y="connsiteY5"/>
+                </a:cxn>
+                <a:cxn ang="0">
+                  <a:pos x="connsiteX6" y="connsiteY6"/>
+                </a:cxn>
+                <a:cxn ang="0">
+                  <a:pos x="connsiteX7" y="connsiteY7"/>
+                </a:cxn>
+                <a:cxn ang="0">
+                  <a:pos x="connsiteX8" y="connsiteY8"/>
+                </a:cxn>
+                <a:cxn ang="0">
+                  <a:pos x="connsiteX9" y="connsiteY9"/>
+                </a:cxn>
+                <a:cxn ang="0">
+                  <a:pos x="connsiteX10" y="connsiteY10"/>
+                </a:cxn>
+                <a:cxn ang="0">
+                  <a:pos x="connsiteX11" y="connsiteY11"/>
+                </a:cxn>
+                <a:cxn ang="0">
+                  <a:pos x="connsiteX12" y="connsiteY12"/>
+                </a:cxn>
+                <a:cxn ang="0">
+                  <a:pos x="connsiteX13" y="connsiteY13"/>
+                </a:cxn>
+                <a:cxn ang="0">
+                  <a:pos x="connsiteX14" y="connsiteY14"/>
+                </a:cxn>
+                <a:cxn ang="0">
+                  <a:pos x="connsiteX15" y="connsiteY15"/>
+                </a:cxn>
+                <a:cxn ang="0">
+                  <a:pos x="connsiteX16" y="connsiteY16"/>
+                </a:cxn>
+                <a:cxn ang="0">
+                  <a:pos x="connsiteX17" y="connsiteY17"/>
+                </a:cxn>
+                <a:cxn ang="0">
+                  <a:pos x="connsiteX18" y="connsiteY18"/>
+                </a:cxn>
+                <a:cxn ang="0">
+                  <a:pos x="connsiteX19" y="connsiteY19"/>
+                </a:cxn>
+                <a:cxn ang="0">
+                  <a:pos x="connsiteX20" y="connsiteY20"/>
+                </a:cxn>
+                <a:cxn ang="0">
+                  <a:pos x="connsiteX21" y="connsiteY21"/>
+                </a:cxn>
+                <a:cxn ang="0">
+                  <a:pos x="connsiteX22" y="connsiteY22"/>
+                </a:cxn>
+                <a:cxn ang="0">
+                  <a:pos x="connsiteX23" y="connsiteY23"/>
+                </a:cxn>
+                <a:cxn ang="0">
+                  <a:pos x="connsiteX24" y="connsiteY24"/>
+                </a:cxn>
+              </a:cxnLst>
+              <a:rect l="l" t="t" r="r" b="b"/>
+              <a:pathLst>
+                <a:path w="5769111" h="6229400">
+                  <a:moveTo>
+                    <a:pt x="3882695" y="0"/>
+                  </a:moveTo>
+                  <a:cubicBezTo>
+                    <a:pt x="4601253" y="0"/>
+                    <a:pt x="5210727" y="205477"/>
+                    <a:pt x="5691883" y="557381"/>
+                  </a:cubicBezTo>
+                  <a:lnTo>
+                    <a:pt x="5769111" y="620523"/>
+                  </a:lnTo>
+                  <a:lnTo>
+                    <a:pt x="5769111" y="1464911"/>
+                  </a:lnTo>
+                  <a:lnTo>
+                    <a:pt x="5660063" y="1328105"/>
+                  </a:lnTo>
+                  <a:cubicBezTo>
+                    <a:pt x="5449800" y="1091506"/>
+                    <a:pt x="5197607" y="907600"/>
+                    <a:pt x="4910471" y="781599"/>
+                  </a:cubicBezTo>
+                  <a:cubicBezTo>
+                    <a:pt x="4604088" y="647260"/>
+                    <a:pt x="4258349" y="579048"/>
+                    <a:pt x="3882695" y="579048"/>
+                  </a:cubicBezTo>
+                  <a:cubicBezTo>
+                    <a:pt x="3484238" y="579048"/>
+                    <a:pt x="3080631" y="652240"/>
+                    <a:pt x="2683153" y="797003"/>
+                  </a:cubicBezTo>
+                  <a:cubicBezTo>
+                    <a:pt x="2296098" y="937595"/>
+                    <a:pt x="1927678" y="1144662"/>
+                    <a:pt x="1617493" y="1395738"/>
+                  </a:cubicBezTo>
+                  <a:cubicBezTo>
+                    <a:pt x="1301915" y="1651098"/>
+                    <a:pt x="1053890" y="1941665"/>
+                    <a:pt x="880408" y="2259099"/>
+                  </a:cubicBezTo>
+                  <a:cubicBezTo>
+                    <a:pt x="703125" y="2583597"/>
+                    <a:pt x="613135" y="2921645"/>
+                    <a:pt x="613135" y="3263863"/>
+                  </a:cubicBezTo>
+                  <a:cubicBezTo>
+                    <a:pt x="613135" y="3608512"/>
+                    <a:pt x="756702" y="3809789"/>
+                    <a:pt x="1055484" y="4196825"/>
+                  </a:cubicBezTo>
+                  <a:cubicBezTo>
+                    <a:pt x="1127574" y="4290167"/>
+                    <a:pt x="1202116" y="4386753"/>
+                    <a:pt x="1278376" y="4492950"/>
+                  </a:cubicBezTo>
+                  <a:cubicBezTo>
+                    <a:pt x="1861105" y="5304313"/>
+                    <a:pt x="2486623" y="5650468"/>
+                    <a:pt x="3369851" y="5650468"/>
+                  </a:cubicBezTo>
+                  <a:cubicBezTo>
+                    <a:pt x="3949515" y="5650468"/>
+                    <a:pt x="4374822" y="5368471"/>
+                    <a:pt x="4957551" y="4938355"/>
+                  </a:cubicBezTo>
+                  <a:cubicBezTo>
+                    <a:pt x="5022653" y="4890293"/>
+                    <a:pt x="5087755" y="4842811"/>
+                    <a:pt x="5150773" y="4796950"/>
+                  </a:cubicBezTo>
+                  <a:cubicBezTo>
+                    <a:pt x="5364254" y="4641404"/>
+                    <a:pt x="5570313" y="4491241"/>
+                    <a:pt x="5747247" y="4338176"/>
+                  </a:cubicBezTo>
+                  <a:lnTo>
+                    <a:pt x="5769111" y="4318497"/>
+                  </a:lnTo>
+                  <a:lnTo>
+                    <a:pt x="5769111" y="5074612"/>
+                  </a:lnTo>
+                  <a:lnTo>
+                    <a:pt x="5636252" y="5174208"/>
+                  </a:lnTo>
+                  <a:cubicBezTo>
+                    <a:pt x="5537051" y="5246835"/>
+                    <a:pt x="5436100" y="5319845"/>
+                    <a:pt x="5334922" y="5394528"/>
+                  </a:cubicBezTo>
+                  <a:cubicBezTo>
+                    <a:pt x="4745327" y="5829741"/>
+                    <a:pt x="4177309" y="6229400"/>
+                    <a:pt x="3369727" y="6229400"/>
+                  </a:cubicBezTo>
+                  <a:cubicBezTo>
+                    <a:pt x="2172147" y="6229400"/>
+                    <a:pt x="1394603" y="5686137"/>
+                    <a:pt x="771046" y="4817913"/>
+                  </a:cubicBezTo>
+                  <a:cubicBezTo>
+                    <a:pt x="396864" y="4297000"/>
+                    <a:pt x="0" y="3939728"/>
+                    <a:pt x="0" y="3263748"/>
+                  </a:cubicBezTo>
+                  <a:cubicBezTo>
+                    <a:pt x="0" y="1461170"/>
+                    <a:pt x="1955141" y="0"/>
+                    <a:pt x="3882695" y="0"/>
+                  </a:cubicBezTo>
+                  <a:close/>
+                </a:path>
+              </a:pathLst>
+            </a:custGeom>
+            <a:gradFill>
+              <a:gsLst>
+                <a:gs pos="2000">
+                  <a:schemeClr val="bg1">
+                    <a:alpha val="10000"/>
+                  </a:schemeClr>
+                </a:gs>
+                <a:gs pos="16000">
+                  <a:schemeClr val="accent6">
+                    <a:alpha val="10000"/>
+                  </a:schemeClr>
+                </a:gs>
+                <a:gs pos="100000">
+                  <a:schemeClr val="bg1">
+                    <a:alpha val="10000"/>
+                  </a:schemeClr>
+                </a:gs>
+                <a:gs pos="85000">
+                  <a:schemeClr val="accent1">
+                    <a:alpha val="10000"/>
+                  </a:schemeClr>
+                </a:gs>
+              </a:gsLst>
+              <a:lin ang="12000000" scaled="0"/>
+            </a:gradFill>
+            <a:ln>
+              <a:noFill/>
+            </a:ln>
+          </p:spPr>
+          <p:style>
+            <a:lnRef idx="2">
+              <a:schemeClr val="accent1">
+                <a:shade val="50000"/>
+              </a:schemeClr>
+            </a:lnRef>
+            <a:fillRef idx="1">
+              <a:schemeClr val="accent1"/>
+            </a:fillRef>
+            <a:effectRef idx="0">
+              <a:schemeClr val="accent1"/>
+            </a:effectRef>
+            <a:fontRef idx="minor">
+              <a:schemeClr val="lt1"/>
+            </a:fontRef>
+          </p:style>
+          <p:txBody>
+            <a:bodyPr rtlCol="0" anchor="ctr"/>
+            <a:lstStyle/>
+            <a:p>
+              <a:pPr algn="ctr"/>
+              <a:endParaRPr lang="en-US"/>
+            </a:p>
+          </p:txBody>
+        </p:sp>
+        <p:sp>
+          <p:nvSpPr>
+            <p:cNvPr id="18" name="Freeform: Shape 17">
+              <a:extLst>
+                <a:ext uri="{FF2B5EF4-FFF2-40B4-BE49-F238E27FC236}">
+                  <a16:creationId xmlns:a16="http://schemas.microsoft.com/office/drawing/2014/main" id="{5BD26A8C-8D1D-41E6-A71E-FE9AC75F3F8A}"/>
+                </a:ext>
+                <a:ext uri="{C183D7F6-B498-43B3-948B-1728B52AA6E4}">
+                  <adec:decorative xmlns:adec="http://schemas.microsoft.com/office/drawing/2017/decorative" val="1"/>
+                </a:ext>
+              </a:extLst>
+            </p:cNvPr>
+            <p:cNvSpPr/>
+            <p:nvPr>
+              <p:extLst>
+                <p:ext uri="{386F3935-93C4-4BCD-93E2-E3B085C9AB24}">
+                  <p16:designElem xmlns:p16="http://schemas.microsoft.com/office/powerpoint/2015/main" val="1"/>
+                </p:ext>
+              </p:extLst>
+            </p:nvPr>
+          </p:nvSpPr>
+          <p:spPr>
+            <a:xfrm>
+              <a:off x="6410220" y="131729"/>
+              <a:ext cx="5769111" cy="6229400"/>
+            </a:xfrm>
+            <a:custGeom>
+              <a:avLst/>
+              <a:gdLst>
+                <a:gd name="connsiteX0" fmla="*/ 3882695 w 5769111"/>
+                <a:gd name="connsiteY0" fmla="*/ 0 h 6229400"/>
+                <a:gd name="connsiteX1" fmla="*/ 5691883 w 5769111"/>
+                <a:gd name="connsiteY1" fmla="*/ 557381 h 6229400"/>
+                <a:gd name="connsiteX2" fmla="*/ 5769111 w 5769111"/>
+                <a:gd name="connsiteY2" fmla="*/ 620523 h 6229400"/>
+                <a:gd name="connsiteX3" fmla="*/ 5769111 w 5769111"/>
+                <a:gd name="connsiteY3" fmla="*/ 1675390 h 6229400"/>
+                <a:gd name="connsiteX4" fmla="*/ 5711488 w 5769111"/>
+                <a:gd name="connsiteY4" fmla="*/ 1585205 h 6229400"/>
+                <a:gd name="connsiteX5" fmla="*/ 5566027 w 5769111"/>
+                <a:gd name="connsiteY5" fmla="*/ 1402571 h 6229400"/>
+                <a:gd name="connsiteX6" fmla="*/ 4858734 w 5769111"/>
+                <a:gd name="connsiteY6" fmla="*/ 886639 h 6229400"/>
+                <a:gd name="connsiteX7" fmla="*/ 3882695 w 5769111"/>
+                <a:gd name="connsiteY7" fmla="*/ 694858 h 6229400"/>
+                <a:gd name="connsiteX8" fmla="*/ 2727046 w 5769111"/>
+                <a:gd name="connsiteY8" fmla="*/ 905053 h 6229400"/>
+                <a:gd name="connsiteX9" fmla="*/ 1697186 w 5769111"/>
+                <a:gd name="connsiteY9" fmla="*/ 1483638 h 6229400"/>
+                <a:gd name="connsiteX10" fmla="*/ 989279 w 5769111"/>
+                <a:gd name="connsiteY10" fmla="*/ 2312139 h 6229400"/>
+                <a:gd name="connsiteX11" fmla="*/ 735615 w 5769111"/>
+                <a:gd name="connsiteY11" fmla="*/ 3263863 h 6229400"/>
+                <a:gd name="connsiteX12" fmla="*/ 1154424 w 5769111"/>
+                <a:gd name="connsiteY12" fmla="*/ 4128614 h 6229400"/>
+                <a:gd name="connsiteX13" fmla="*/ 1379768 w 5769111"/>
+                <a:gd name="connsiteY13" fmla="*/ 4427981 h 6229400"/>
+                <a:gd name="connsiteX14" fmla="*/ 2239456 w 5769111"/>
+                <a:gd name="connsiteY14" fmla="*/ 5256947 h 6229400"/>
+                <a:gd name="connsiteX15" fmla="*/ 3369727 w 5769111"/>
+                <a:gd name="connsiteY15" fmla="*/ 5534658 h 6229400"/>
+                <a:gd name="connsiteX16" fmla="*/ 4096760 w 5769111"/>
+                <a:gd name="connsiteY16" fmla="*/ 5357817 h 6229400"/>
+                <a:gd name="connsiteX17" fmla="*/ 4881905 w 5769111"/>
+                <a:gd name="connsiteY17" fmla="*/ 4847212 h 6229400"/>
+                <a:gd name="connsiteX18" fmla="*/ 5075739 w 5769111"/>
+                <a:gd name="connsiteY18" fmla="*/ 4705346 h 6229400"/>
+                <a:gd name="connsiteX19" fmla="*/ 5759930 w 5769111"/>
+                <a:gd name="connsiteY19" fmla="*/ 4166809 h 6229400"/>
+                <a:gd name="connsiteX20" fmla="*/ 5769111 w 5769111"/>
+                <a:gd name="connsiteY20" fmla="*/ 4157764 h 6229400"/>
+                <a:gd name="connsiteX21" fmla="*/ 5769111 w 5769111"/>
+                <a:gd name="connsiteY21" fmla="*/ 5074612 h 6229400"/>
+                <a:gd name="connsiteX22" fmla="*/ 5636252 w 5769111"/>
+                <a:gd name="connsiteY22" fmla="*/ 5174208 h 6229400"/>
+                <a:gd name="connsiteX23" fmla="*/ 5334922 w 5769111"/>
+                <a:gd name="connsiteY23" fmla="*/ 5394528 h 6229400"/>
+                <a:gd name="connsiteX24" fmla="*/ 3369727 w 5769111"/>
+                <a:gd name="connsiteY24" fmla="*/ 6229400 h 6229400"/>
+                <a:gd name="connsiteX25" fmla="*/ 771046 w 5769111"/>
+                <a:gd name="connsiteY25" fmla="*/ 4817913 h 6229400"/>
+                <a:gd name="connsiteX26" fmla="*/ 0 w 5769111"/>
+                <a:gd name="connsiteY26" fmla="*/ 3263748 h 6229400"/>
+                <a:gd name="connsiteX27" fmla="*/ 3882695 w 5769111"/>
+                <a:gd name="connsiteY27" fmla="*/ 0 h 6229400"/>
+              </a:gdLst>
+              <a:ahLst/>
+              <a:cxnLst>
+                <a:cxn ang="0">
+                  <a:pos x="connsiteX0" y="connsiteY0"/>
+                </a:cxn>
+                <a:cxn ang="0">
+                  <a:pos x="connsiteX1" y="connsiteY1"/>
+                </a:cxn>
+                <a:cxn ang="0">
+                  <a:pos x="connsiteX2" y="connsiteY2"/>
+                </a:cxn>
+                <a:cxn ang="0">
+                  <a:pos x="connsiteX3" y="connsiteY3"/>
+                </a:cxn>
+                <a:cxn ang="0">
+                  <a:pos x="connsiteX4" y="connsiteY4"/>
+                </a:cxn>
+                <a:cxn ang="0">
+                  <a:pos x="connsiteX5" y="connsiteY5"/>
+                </a:cxn>
+                <a:cxn ang="0">
+                  <a:pos x="connsiteX6" y="connsiteY6"/>
+                </a:cxn>
+                <a:cxn ang="0">
+                  <a:pos x="connsiteX7" y="connsiteY7"/>
+                </a:cxn>
+                <a:cxn ang="0">
+                  <a:pos x="connsiteX8" y="connsiteY8"/>
+                </a:cxn>
+                <a:cxn ang="0">
+                  <a:pos x="connsiteX9" y="connsiteY9"/>
+                </a:cxn>
+                <a:cxn ang="0">
+                  <a:pos x="connsiteX10" y="connsiteY10"/>
+                </a:cxn>
+                <a:cxn ang="0">
+                  <a:pos x="connsiteX11" y="connsiteY11"/>
+                </a:cxn>
+                <a:cxn ang="0">
+                  <a:pos x="connsiteX12" y="connsiteY12"/>
+                </a:cxn>
+                <a:cxn ang="0">
+                  <a:pos x="connsiteX13" y="connsiteY13"/>
+                </a:cxn>
+                <a:cxn ang="0">
+                  <a:pos x="connsiteX14" y="connsiteY14"/>
+                </a:cxn>
+                <a:cxn ang="0">
+                  <a:pos x="connsiteX15" y="connsiteY15"/>
+                </a:cxn>
+                <a:cxn ang="0">
+                  <a:pos x="connsiteX16" y="connsiteY16"/>
+                </a:cxn>
+                <a:cxn ang="0">
+                  <a:pos x="connsiteX17" y="connsiteY17"/>
+                </a:cxn>
+                <a:cxn ang="0">
+                  <a:pos x="connsiteX18" y="connsiteY18"/>
+                </a:cxn>
+                <a:cxn ang="0">
+                  <a:pos x="connsiteX19" y="connsiteY19"/>
+                </a:cxn>
+                <a:cxn ang="0">
+                  <a:pos x="connsiteX20" y="connsiteY20"/>
+                </a:cxn>
+                <a:cxn ang="0">
+                  <a:pos x="connsiteX21" y="connsiteY21"/>
+                </a:cxn>
+                <a:cxn ang="0">
+                  <a:pos x="connsiteX22" y="connsiteY22"/>
+                </a:cxn>
+                <a:cxn ang="0">
+                  <a:pos x="connsiteX23" y="connsiteY23"/>
+                </a:cxn>
+                <a:cxn ang="0">
+                  <a:pos x="connsiteX24" y="connsiteY24"/>
+                </a:cxn>
+                <a:cxn ang="0">
+                  <a:pos x="connsiteX25" y="connsiteY25"/>
+                </a:cxn>
+                <a:cxn ang="0">
+                  <a:pos x="connsiteX26" y="connsiteY26"/>
+                </a:cxn>
+                <a:cxn ang="0">
+                  <a:pos x="connsiteX27" y="connsiteY27"/>
+                </a:cxn>
+              </a:cxnLst>
+              <a:rect l="l" t="t" r="r" b="b"/>
+              <a:pathLst>
+                <a:path w="5769111" h="6229400">
+                  <a:moveTo>
+                    <a:pt x="3882695" y="0"/>
+                  </a:moveTo>
+                  <a:cubicBezTo>
+                    <a:pt x="4601253" y="0"/>
+                    <a:pt x="5210727" y="205477"/>
+                    <a:pt x="5691883" y="557381"/>
+                  </a:cubicBezTo>
+                  <a:lnTo>
+                    <a:pt x="5769111" y="620523"/>
+                  </a:lnTo>
+                  <a:lnTo>
+                    <a:pt x="5769111" y="1675390"/>
+                  </a:lnTo>
+                  <a:lnTo>
+                    <a:pt x="5711488" y="1585205"/>
+                  </a:lnTo>
+                  <a:cubicBezTo>
+                    <a:pt x="5665942" y="1521390"/>
+                    <a:pt x="5617428" y="1460432"/>
+                    <a:pt x="5566027" y="1402571"/>
+                  </a:cubicBezTo>
+                  <a:cubicBezTo>
+                    <a:pt x="5367411" y="1179058"/>
+                    <a:pt x="5129563" y="1005460"/>
+                    <a:pt x="4858734" y="886639"/>
+                  </a:cubicBezTo>
+                  <a:cubicBezTo>
+                    <a:pt x="4568779" y="759363"/>
+                    <a:pt x="4240327" y="694858"/>
+                    <a:pt x="3882695" y="694858"/>
+                  </a:cubicBezTo>
+                  <a:cubicBezTo>
+                    <a:pt x="3504835" y="694858"/>
+                    <a:pt x="3105151" y="767471"/>
+                    <a:pt x="2727046" y="905053"/>
+                  </a:cubicBezTo>
+                  <a:cubicBezTo>
+                    <a:pt x="2352985" y="1041013"/>
+                    <a:pt x="1996826" y="1241132"/>
+                    <a:pt x="1697186" y="1483638"/>
+                  </a:cubicBezTo>
+                  <a:cubicBezTo>
+                    <a:pt x="1397913" y="1725796"/>
+                    <a:pt x="1153199" y="2012308"/>
+                    <a:pt x="989279" y="2312139"/>
+                  </a:cubicBezTo>
+                  <a:cubicBezTo>
+                    <a:pt x="820946" y="2620077"/>
+                    <a:pt x="735615" y="2940290"/>
+                    <a:pt x="735615" y="3263863"/>
+                  </a:cubicBezTo>
+                  <a:cubicBezTo>
+                    <a:pt x="735615" y="3573074"/>
+                    <a:pt x="863980" y="3752464"/>
+                    <a:pt x="1154424" y="4128614"/>
+                  </a:cubicBezTo>
+                  <a:cubicBezTo>
+                    <a:pt x="1227127" y="4222767"/>
+                    <a:pt x="1302282" y="4320162"/>
+                    <a:pt x="1379768" y="4427981"/>
+                  </a:cubicBezTo>
+                  <a:cubicBezTo>
+                    <a:pt x="1653784" y="4809458"/>
+                    <a:pt x="1934912" y="5080685"/>
+                    <a:pt x="2239456" y="5256947"/>
+                  </a:cubicBezTo>
+                  <a:cubicBezTo>
+                    <a:pt x="2562268" y="5443863"/>
+                    <a:pt x="2932037" y="5534658"/>
+                    <a:pt x="3369727" y="5534658"/>
+                  </a:cubicBezTo>
+                  <a:cubicBezTo>
+                    <a:pt x="3618120" y="5534658"/>
+                    <a:pt x="3849103" y="5478491"/>
+                    <a:pt x="4096760" y="5357817"/>
+                  </a:cubicBezTo>
+                  <a:cubicBezTo>
+                    <a:pt x="4351037" y="5233901"/>
+                    <a:pt x="4602740" y="5053238"/>
+                    <a:pt x="4881905" y="4847212"/>
+                  </a:cubicBezTo>
+                  <a:cubicBezTo>
+                    <a:pt x="4947375" y="4798920"/>
+                    <a:pt x="5012599" y="4751322"/>
+                    <a:pt x="5075739" y="4705346"/>
+                  </a:cubicBezTo>
+                  <a:cubicBezTo>
+                    <a:pt x="5327320" y="4521990"/>
+                    <a:pt x="5568418" y="4346256"/>
+                    <a:pt x="5759930" y="4166809"/>
+                  </a:cubicBezTo>
+                  <a:lnTo>
+                    <a:pt x="5769111" y="4157764"/>
+                  </a:lnTo>
+                  <a:lnTo>
+                    <a:pt x="5769111" y="5074612"/>
+                  </a:lnTo>
+                  <a:lnTo>
+                    <a:pt x="5636252" y="5174208"/>
+                  </a:lnTo>
+                  <a:cubicBezTo>
+                    <a:pt x="5537051" y="5246835"/>
+                    <a:pt x="5436100" y="5319845"/>
+                    <a:pt x="5334922" y="5394528"/>
+                  </a:cubicBezTo>
+                  <a:cubicBezTo>
+                    <a:pt x="4745327" y="5829741"/>
+                    <a:pt x="4177309" y="6229400"/>
+                    <a:pt x="3369727" y="6229400"/>
+                  </a:cubicBezTo>
+                  <a:cubicBezTo>
+                    <a:pt x="2172147" y="6229400"/>
+                    <a:pt x="1394603" y="5686137"/>
+                    <a:pt x="771046" y="4817913"/>
+                  </a:cubicBezTo>
+                  <a:cubicBezTo>
+                    <a:pt x="396864" y="4297000"/>
+                    <a:pt x="0" y="3939728"/>
+                    <a:pt x="0" y="3263748"/>
+                  </a:cubicBezTo>
+                  <a:cubicBezTo>
+                    <a:pt x="0" y="1461170"/>
+                    <a:pt x="1955141" y="0"/>
+                    <a:pt x="3882695" y="0"/>
+                  </a:cubicBezTo>
+                  <a:close/>
+                </a:path>
+              </a:pathLst>
+            </a:custGeom>
+            <a:gradFill>
+              <a:gsLst>
+                <a:gs pos="2000">
+                  <a:schemeClr val="bg1">
+                    <a:alpha val="10000"/>
+                  </a:schemeClr>
+                </a:gs>
+                <a:gs pos="16000">
+                  <a:schemeClr val="accent6">
+                    <a:alpha val="10000"/>
+                  </a:schemeClr>
+                </a:gs>
+                <a:gs pos="100000">
+                  <a:schemeClr val="bg1">
+                    <a:alpha val="10000"/>
+                  </a:schemeClr>
+                </a:gs>
+                <a:gs pos="85000">
+                  <a:schemeClr val="accent1">
+                    <a:alpha val="10000"/>
+                  </a:schemeClr>
+                </a:gs>
+              </a:gsLst>
+              <a:lin ang="12000000" scaled="0"/>
+            </a:gradFill>
+            <a:ln>
+              <a:noFill/>
+            </a:ln>
+          </p:spPr>
+          <p:style>
+            <a:lnRef idx="2">
+              <a:schemeClr val="accent1">
+                <a:shade val="50000"/>
+              </a:schemeClr>
+            </a:lnRef>
+            <a:fillRef idx="1">
+              <a:schemeClr val="accent1"/>
+            </a:fillRef>
+            <a:effectRef idx="0">
+              <a:schemeClr val="accent1"/>
+            </a:effectRef>
+            <a:fontRef idx="minor">
+              <a:schemeClr val="lt1"/>
+            </a:fontRef>
+          </p:style>
+          <p:txBody>
+            <a:bodyPr rtlCol="0" anchor="ctr"/>
+            <a:lstStyle/>
+            <a:p>
+              <a:pPr algn="ctr"/>
+              <a:endParaRPr lang="en-US"/>
+            </a:p>
+          </p:txBody>
+        </p:sp>
+      </p:grpSp>
+      <p:pic>
+        <p:nvPicPr>
+          <p:cNvPr id="7" name="Graphic 6" descr="Checkmark">
+            <a:extLst>
+              <a:ext uri="{FF2B5EF4-FFF2-40B4-BE49-F238E27FC236}">
+                <a16:creationId xmlns:a16="http://schemas.microsoft.com/office/drawing/2014/main" id="{660153F0-7872-B06C-7FD9-9B40687E62DA}"/>
+              </a:ext>
+            </a:extLst>
+          </p:cNvPr>
+          <p:cNvPicPr>
+            <a:picLocks noChangeAspect="1"/>
+          </p:cNvPicPr>
+          <p:nvPr/>
+        </p:nvPicPr>
+        <p:blipFill>
+          <a:blip r:embed="rId2">
+            <a:extLst>
+              <a:ext uri="{28A0092B-C50C-407E-A947-70E740481C1C}">
+                <a14:useLocalDpi xmlns:a14="http://schemas.microsoft.com/office/drawing/2010/main" val="0"/>
+              </a:ext>
+              <a:ext uri="{96DAC541-7B7A-43D3-8B79-37D633B846F1}">
+                <asvg:svgBlip xmlns:asvg="http://schemas.microsoft.com/office/drawing/2016/SVG/main" r:embed="rId3"/>
+              </a:ext>
+            </a:extLst>
+          </a:blip>
+          <a:stretch>
+            <a:fillRect/>
+          </a:stretch>
+        </p:blipFill>
+        <p:spPr>
+          <a:xfrm>
+            <a:off x="8121726" y="1629089"/>
+            <a:ext cx="3620021" cy="3620021"/>
+          </a:xfrm>
+          <a:prstGeom prst="rect">
+            <a:avLst/>
+          </a:prstGeom>
+        </p:spPr>
+      </p:pic>
+      <p:sp>
+        <p:nvSpPr>
+          <p:cNvPr id="5" name="Rectangle 4">
+            <a:extLst>
+              <a:ext uri="{FF2B5EF4-FFF2-40B4-BE49-F238E27FC236}">
+                <a16:creationId xmlns:a16="http://schemas.microsoft.com/office/drawing/2014/main" id="{48854170-395B-2773-B95C-9A2AFD3097A1}"/>
+              </a:ext>
+            </a:extLst>
+          </p:cNvPr>
+          <p:cNvSpPr/>
+          <p:nvPr/>
+        </p:nvSpPr>
+        <p:spPr>
+          <a:xfrm>
+            <a:off x="519335" y="2190406"/>
+            <a:ext cx="2455144" cy="785711"/>
+          </a:xfrm>
+          <a:prstGeom prst="rect">
+            <a:avLst/>
+          </a:prstGeom>
+          <a:solidFill>
+            <a:srgbClr val="ED7D31"/>
+          </a:solidFill>
+          <a:ln>
+            <a:noFill/>
+          </a:ln>
+        </p:spPr>
+        <p:style>
+          <a:lnRef idx="0">
+            <a:scrgbClr r="0" g="0" b="0"/>
+          </a:lnRef>
+          <a:fillRef idx="0">
+            <a:scrgbClr r="0" g="0" b="0"/>
+          </a:fillRef>
+          <a:effectRef idx="0">
+            <a:scrgbClr r="0" g="0" b="0"/>
+          </a:effectRef>
+          <a:fontRef idx="minor">
+            <a:schemeClr val="accent2"/>
+          </a:fontRef>
+        </p:style>
+        <p:txBody>
+          <a:bodyPr rtlCol="0" anchor="ctr"/>
+          <a:lstStyle/>
+          <a:p>
+            <a:pPr algn="ctr"/>
+            <a:r>
+              <a:rPr lang="en-CN" dirty="0">
+                <a:solidFill>
+                  <a:schemeClr val="bg1"/>
+                </a:solidFill>
+              </a:rPr>
+              <a:t>Used JavaFX</a:t>
+            </a:r>
+          </a:p>
+        </p:txBody>
+      </p:sp>
+      <p:sp>
+        <p:nvSpPr>
+          <p:cNvPr id="6" name="Rectangle 5">
+            <a:extLst>
+              <a:ext uri="{FF2B5EF4-FFF2-40B4-BE49-F238E27FC236}">
+                <a16:creationId xmlns:a16="http://schemas.microsoft.com/office/drawing/2014/main" id="{6462561C-605C-68E2-03E9-954D29D6A6C6}"/>
+              </a:ext>
+            </a:extLst>
+          </p:cNvPr>
+          <p:cNvSpPr/>
+          <p:nvPr/>
+        </p:nvSpPr>
+        <p:spPr>
+          <a:xfrm>
+            <a:off x="521567" y="3731440"/>
+            <a:ext cx="2455144" cy="785711"/>
+          </a:xfrm>
+          <a:prstGeom prst="rect">
+            <a:avLst/>
+          </a:prstGeom>
+          <a:solidFill>
+            <a:srgbClr val="DC7A4B"/>
+          </a:solidFill>
+          <a:ln>
+            <a:noFill/>
+          </a:ln>
+        </p:spPr>
+        <p:style>
+          <a:lnRef idx="0">
+            <a:scrgbClr r="0" g="0" b="0"/>
+          </a:lnRef>
+          <a:fillRef idx="0">
+            <a:scrgbClr r="0" g="0" b="0"/>
+          </a:fillRef>
+          <a:effectRef idx="0">
+            <a:scrgbClr r="0" g="0" b="0"/>
+          </a:effectRef>
+          <a:fontRef idx="minor">
+            <a:schemeClr val="accent2"/>
+          </a:fontRef>
+        </p:style>
+        <p:txBody>
+          <a:bodyPr rtlCol="0" anchor="ctr"/>
+          <a:lstStyle/>
+          <a:p>
+            <a:pPr algn="ctr"/>
+            <a:r>
+              <a:rPr lang="en-CN" dirty="0">
+                <a:solidFill>
+                  <a:schemeClr val="bg1"/>
+                </a:solidFill>
+              </a:rPr>
+              <a:t>Class Definition</a:t>
+            </a:r>
+          </a:p>
+        </p:txBody>
+      </p:sp>
+      <p:sp>
+        <p:nvSpPr>
+          <p:cNvPr id="8" name="Rectangle 7">
+            <a:extLst>
+              <a:ext uri="{FF2B5EF4-FFF2-40B4-BE49-F238E27FC236}">
+                <a16:creationId xmlns:a16="http://schemas.microsoft.com/office/drawing/2014/main" id="{8AD0B9CD-0660-A5E9-9A9A-01581F7D8B6C}"/>
+              </a:ext>
+            </a:extLst>
+          </p:cNvPr>
+          <p:cNvSpPr/>
+          <p:nvPr/>
+        </p:nvSpPr>
+        <p:spPr>
+          <a:xfrm>
+            <a:off x="521567" y="5316966"/>
+            <a:ext cx="2455144" cy="785711"/>
+          </a:xfrm>
+          <a:prstGeom prst="rect">
+            <a:avLst/>
+          </a:prstGeom>
+          <a:solidFill>
+            <a:srgbClr val="CC7D64"/>
+          </a:solidFill>
+          <a:ln>
+            <a:noFill/>
+          </a:ln>
+        </p:spPr>
+        <p:style>
+          <a:lnRef idx="0">
+            <a:scrgbClr r="0" g="0" b="0"/>
+          </a:lnRef>
+          <a:fillRef idx="0">
+            <a:scrgbClr r="0" g="0" b="0"/>
+          </a:fillRef>
+          <a:effectRef idx="0">
+            <a:scrgbClr r="0" g="0" b="0"/>
+          </a:effectRef>
+          <a:fontRef idx="minor">
+            <a:schemeClr val="accent2"/>
+          </a:fontRef>
+        </p:style>
+        <p:txBody>
+          <a:bodyPr rtlCol="0" anchor="ctr"/>
+          <a:lstStyle/>
+          <a:p>
+            <a:pPr algn="ctr"/>
+            <a:r>
+              <a:rPr lang="en-CN" dirty="0">
+                <a:solidFill>
+                  <a:schemeClr val="bg1"/>
+                </a:solidFill>
+              </a:rPr>
+              <a:t>Interitance</a:t>
+            </a:r>
+          </a:p>
+        </p:txBody>
+      </p:sp>
+      <p:sp>
+        <p:nvSpPr>
+          <p:cNvPr id="9" name="Rectangle 8">
+            <a:extLst>
+              <a:ext uri="{FF2B5EF4-FFF2-40B4-BE49-F238E27FC236}">
+                <a16:creationId xmlns:a16="http://schemas.microsoft.com/office/drawing/2014/main" id="{07B814CD-1061-3EC7-838A-9B1CDA78D146}"/>
+              </a:ext>
+            </a:extLst>
+          </p:cNvPr>
+          <p:cNvSpPr/>
+          <p:nvPr/>
+        </p:nvSpPr>
+        <p:spPr>
+          <a:xfrm>
+            <a:off x="3589592" y="3731440"/>
+            <a:ext cx="2455144" cy="785711"/>
+          </a:xfrm>
+          <a:prstGeom prst="rect">
+            <a:avLst/>
+          </a:prstGeom>
+          <a:solidFill>
+            <a:srgbClr val="B09391"/>
+          </a:solidFill>
+          <a:ln>
+            <a:noFill/>
+          </a:ln>
+        </p:spPr>
+        <p:style>
+          <a:lnRef idx="0">
+            <a:scrgbClr r="0" g="0" b="0"/>
+          </a:lnRef>
+          <a:fillRef idx="0">
+            <a:scrgbClr r="0" g="0" b="0"/>
+          </a:fillRef>
+          <a:effectRef idx="0">
+            <a:scrgbClr r="0" g="0" b="0"/>
+          </a:effectRef>
+          <a:fontRef idx="minor">
+            <a:schemeClr val="accent2"/>
+          </a:fontRef>
+        </p:style>
+        <p:txBody>
+          <a:bodyPr rtlCol="0" anchor="ctr"/>
+          <a:lstStyle/>
+          <a:p>
+            <a:pPr algn="ctr"/>
+            <a:r>
+              <a:rPr lang="en-CN" dirty="0">
+                <a:solidFill>
+                  <a:schemeClr val="bg1"/>
+                </a:solidFill>
+              </a:rPr>
+              <a:t>Lists</a:t>
+            </a:r>
+          </a:p>
+        </p:txBody>
+      </p:sp>
+      <p:sp>
+        <p:nvSpPr>
+          <p:cNvPr id="11" name="Rectangle 10">
+            <a:extLst>
+              <a:ext uri="{FF2B5EF4-FFF2-40B4-BE49-F238E27FC236}">
+                <a16:creationId xmlns:a16="http://schemas.microsoft.com/office/drawing/2014/main" id="{EE75CDA4-6196-A2A6-F4EC-C6FF17D8E7EF}"/>
+              </a:ext>
+            </a:extLst>
+          </p:cNvPr>
+          <p:cNvSpPr/>
+          <p:nvPr/>
+        </p:nvSpPr>
+        <p:spPr>
+          <a:xfrm>
+            <a:off x="3589592" y="5316965"/>
+            <a:ext cx="2455144" cy="785711"/>
+          </a:xfrm>
+          <a:prstGeom prst="rect">
+            <a:avLst/>
+          </a:prstGeom>
+          <a:solidFill>
+            <a:srgbClr val="A5A5A5"/>
+          </a:solidFill>
+          <a:ln>
+            <a:noFill/>
+          </a:ln>
+        </p:spPr>
+        <p:style>
+          <a:lnRef idx="0">
+            <a:scrgbClr r="0" g="0" b="0"/>
+          </a:lnRef>
+          <a:fillRef idx="0">
+            <a:scrgbClr r="0" g="0" b="0"/>
+          </a:fillRef>
+          <a:effectRef idx="0">
+            <a:scrgbClr r="0" g="0" b="0"/>
+          </a:effectRef>
+          <a:fontRef idx="minor">
+            <a:schemeClr val="accent2"/>
+          </a:fontRef>
+        </p:style>
+        <p:txBody>
+          <a:bodyPr rtlCol="0" anchor="ctr"/>
+          <a:lstStyle/>
+          <a:p>
+            <a:pPr algn="ctr"/>
+            <a:r>
+              <a:rPr lang="en-CN" dirty="0">
+                <a:solidFill>
+                  <a:schemeClr val="bg1"/>
+                </a:solidFill>
+              </a:rPr>
+              <a:t>Maps</a:t>
+            </a:r>
+          </a:p>
+        </p:txBody>
+      </p:sp>
+      <p:sp>
+        <p:nvSpPr>
+          <p:cNvPr id="13" name="Rectangle 12">
+            <a:extLst>
+              <a:ext uri="{FF2B5EF4-FFF2-40B4-BE49-F238E27FC236}">
+                <a16:creationId xmlns:a16="http://schemas.microsoft.com/office/drawing/2014/main" id="{711E8559-3435-3BC1-BF7E-8BE169E6478A}"/>
+              </a:ext>
+            </a:extLst>
+          </p:cNvPr>
+          <p:cNvSpPr/>
+          <p:nvPr/>
+        </p:nvSpPr>
+        <p:spPr>
+          <a:xfrm>
+            <a:off x="3589592" y="2152967"/>
+            <a:ext cx="2455144" cy="785711"/>
+          </a:xfrm>
+          <a:prstGeom prst="rect">
+            <a:avLst/>
+          </a:prstGeom>
+          <a:solidFill>
+            <a:schemeClr val="accent2">
+              <a:lumMod val="75000"/>
+            </a:schemeClr>
+          </a:solidFill>
+          <a:ln>
+            <a:noFill/>
+          </a:ln>
+        </p:spPr>
+        <p:style>
+          <a:lnRef idx="0">
+            <a:scrgbClr r="0" g="0" b="0"/>
+          </a:lnRef>
+          <a:fillRef idx="0">
+            <a:scrgbClr r="0" g="0" b="0"/>
+          </a:fillRef>
+          <a:effectRef idx="0">
+            <a:scrgbClr r="0" g="0" b="0"/>
+          </a:effectRef>
+          <a:fontRef idx="minor">
+            <a:schemeClr val="accent2"/>
+          </a:fontRef>
+        </p:style>
+        <p:txBody>
+          <a:bodyPr rtlCol="0" anchor="ctr"/>
+          <a:lstStyle/>
+          <a:p>
+            <a:pPr algn="ctr"/>
+            <a:r>
+              <a:rPr lang="en-CN" dirty="0">
+                <a:solidFill>
+                  <a:schemeClr val="bg1"/>
+                </a:solidFill>
+              </a:rPr>
+              <a:t>Interface</a:t>
+            </a:r>
+          </a:p>
+        </p:txBody>
+      </p:sp>
+    </p:spTree>
+    <p:extLst>
+      <p:ext uri="{BB962C8B-B14F-4D97-AF65-F5344CB8AC3E}">
+        <p14:creationId xmlns:p14="http://schemas.microsoft.com/office/powerpoint/2010/main" val="196374541"/>
       </p:ext>
     </p:extLst>
   </p:cSld>
@@ -12082,6 +12082,14 @@
 <file path=ppt/slides/slide6.xml><?xml version="1.0" encoding="utf-8"?>
 <p:sld xmlns:a="http://schemas.openxmlformats.org/drawingml/2006/main" xmlns:r="http://schemas.openxmlformats.org/officeDocument/2006/relationships" xmlns:p="http://schemas.openxmlformats.org/presentationml/2006/main">
   <p:cSld>
+    <p:bg>
+      <p:bgPr>
+        <a:solidFill>
+          <a:schemeClr val="bg1"/>
+        </a:solidFill>
+        <a:effectLst/>
+      </p:bgPr>
+    </p:bg>
     <p:spTree>
       <p:nvGrpSpPr>
         <p:cNvPr id="1" name=""/>
@@ -12096,6 +12104,66 @@
           <a:chExt cx="0" cy="0"/>
         </a:xfrm>
       </p:grpSpPr>
+      <p:sp useBgFill="1">
+        <p:nvSpPr>
+          <p:cNvPr id="9" name="Rectangle 8">
+            <a:extLst>
+              <a:ext uri="{FF2B5EF4-FFF2-40B4-BE49-F238E27FC236}">
+                <a16:creationId xmlns:a16="http://schemas.microsoft.com/office/drawing/2014/main" id="{BCED4D40-4B67-4331-AC48-79B82B4A47D8}"/>
+              </a:ext>
+              <a:ext uri="{C183D7F6-B498-43B3-948B-1728B52AA6E4}">
+                <adec:decorative xmlns:adec="http://schemas.microsoft.com/office/drawing/2017/decorative" val="1"/>
+              </a:ext>
+            </a:extLst>
+          </p:cNvPr>
+          <p:cNvSpPr>
+            <a:spLocks noGrp="1" noRot="1" noChangeAspect="1" noMove="1" noResize="1" noEditPoints="1" noAdjustHandles="1" noChangeArrowheads="1" noChangeShapeType="1" noTextEdit="1"/>
+          </p:cNvSpPr>
+          <p:nvPr>
+            <p:extLst>
+              <p:ext uri="{386F3935-93C4-4BCD-93E2-E3B085C9AB24}">
+                <p16:designElem xmlns:p16="http://schemas.microsoft.com/office/powerpoint/2015/main" val="1"/>
+              </p:ext>
+            </p:extLst>
+          </p:nvPr>
+        </p:nvSpPr>
+        <p:spPr>
+          <a:xfrm>
+            <a:off x="0" y="0"/>
+            <a:ext cx="12192000" cy="6858000"/>
+          </a:xfrm>
+          <a:prstGeom prst="rect">
+            <a:avLst/>
+          </a:prstGeom>
+          <a:ln>
+            <a:noFill/>
+          </a:ln>
+        </p:spPr>
+        <p:style>
+          <a:lnRef idx="2">
+            <a:schemeClr val="accent1">
+              <a:shade val="50000"/>
+            </a:schemeClr>
+          </a:lnRef>
+          <a:fillRef idx="1">
+            <a:schemeClr val="accent1"/>
+          </a:fillRef>
+          <a:effectRef idx="0">
+            <a:schemeClr val="accent1"/>
+          </a:effectRef>
+          <a:fontRef idx="minor">
+            <a:schemeClr val="lt1"/>
+          </a:fontRef>
+        </p:style>
+        <p:txBody>
+          <a:bodyPr rtlCol="0" anchor="ctr"/>
+          <a:lstStyle/>
+          <a:p>
+            <a:pPr algn="ctr"/>
+            <a:endParaRPr lang="en-US"/>
+          </a:p>
+        </p:txBody>
+      </p:sp>
       <p:sp>
         <p:nvSpPr>
           <p:cNvPr id="2" name="Title 1">
@@ -12114,19 +12182,371 @@
         </p:nvSpPr>
         <p:spPr>
           <a:xfrm>
-            <a:off x="3558540" y="0"/>
-            <a:ext cx="5074920" cy="1081087"/>
+            <a:off x="638881" y="417576"/>
+            <a:ext cx="10909640" cy="1249394"/>
           </a:xfrm>
         </p:spPr>
         <p:txBody>
-          <a:bodyPr/>
+          <a:bodyPr vert="horz" lIns="91440" tIns="45720" rIns="91440" bIns="45720" rtlCol="0" anchor="ctr">
+            <a:normAutofit/>
+          </a:bodyPr>
           <a:lstStyle/>
           <a:p>
             <a:pPr algn="ctr"/>
             <a:r>
-              <a:rPr lang="en-CN" dirty="0"/>
+              <a:rPr lang="en-US" sz="6600" kern="1200">
+                <a:solidFill>
+                  <a:schemeClr val="tx1"/>
+                </a:solidFill>
+                <a:latin typeface="+mj-lt"/>
+                <a:ea typeface="+mj-ea"/>
+                <a:cs typeface="+mj-cs"/>
+              </a:rPr>
               <a:t>Work Assignment</a:t>
             </a:r>
+          </a:p>
+        </p:txBody>
+      </p:sp>
+      <p:sp>
+        <p:nvSpPr>
+          <p:cNvPr id="11" name="sketch line">
+            <a:extLst>
+              <a:ext uri="{FF2B5EF4-FFF2-40B4-BE49-F238E27FC236}">
+                <a16:creationId xmlns:a16="http://schemas.microsoft.com/office/drawing/2014/main" id="{670CEDEF-4F34-412E-84EE-329C1E936AF5}"/>
+              </a:ext>
+              <a:ext uri="{C183D7F6-B498-43B3-948B-1728B52AA6E4}">
+                <adec:decorative xmlns:adec="http://schemas.microsoft.com/office/drawing/2017/decorative" val="1"/>
+              </a:ext>
+            </a:extLst>
+          </p:cNvPr>
+          <p:cNvSpPr>
+            <a:spLocks noGrp="1" noRot="1" noChangeAspect="1" noMove="1" noResize="1" noEditPoints="1" noAdjustHandles="1" noChangeArrowheads="1" noChangeShapeType="1" noTextEdit="1"/>
+          </p:cNvSpPr>
+          <p:nvPr>
+            <p:extLst>
+              <p:ext uri="{386F3935-93C4-4BCD-93E2-E3B085C9AB24}">
+                <p16:designElem xmlns:p16="http://schemas.microsoft.com/office/powerpoint/2015/main" val="1"/>
+              </p:ext>
+            </p:extLst>
+          </p:nvPr>
+        </p:nvSpPr>
+        <p:spPr>
+          <a:xfrm>
+            <a:off x="3807702" y="1733454"/>
+            <a:ext cx="4572000" cy="18288"/>
+          </a:xfrm>
+          <a:custGeom>
+            <a:avLst/>
+            <a:gdLst>
+              <a:gd name="connsiteX0" fmla="*/ 0 w 4572000"/>
+              <a:gd name="connsiteY0" fmla="*/ 0 h 18288"/>
+              <a:gd name="connsiteX1" fmla="*/ 515983 w 4572000"/>
+              <a:gd name="connsiteY1" fmla="*/ 0 h 18288"/>
+              <a:gd name="connsiteX2" fmla="*/ 1031966 w 4572000"/>
+              <a:gd name="connsiteY2" fmla="*/ 0 h 18288"/>
+              <a:gd name="connsiteX3" fmla="*/ 1639389 w 4572000"/>
+              <a:gd name="connsiteY3" fmla="*/ 0 h 18288"/>
+              <a:gd name="connsiteX4" fmla="*/ 2383971 w 4572000"/>
+              <a:gd name="connsiteY4" fmla="*/ 0 h 18288"/>
+              <a:gd name="connsiteX5" fmla="*/ 2945674 w 4572000"/>
+              <a:gd name="connsiteY5" fmla="*/ 0 h 18288"/>
+              <a:gd name="connsiteX6" fmla="*/ 3507377 w 4572000"/>
+              <a:gd name="connsiteY6" fmla="*/ 0 h 18288"/>
+              <a:gd name="connsiteX7" fmla="*/ 4572000 w 4572000"/>
+              <a:gd name="connsiteY7" fmla="*/ 0 h 18288"/>
+              <a:gd name="connsiteX8" fmla="*/ 4572000 w 4572000"/>
+              <a:gd name="connsiteY8" fmla="*/ 18288 h 18288"/>
+              <a:gd name="connsiteX9" fmla="*/ 3873137 w 4572000"/>
+              <a:gd name="connsiteY9" fmla="*/ 18288 h 18288"/>
+              <a:gd name="connsiteX10" fmla="*/ 3311434 w 4572000"/>
+              <a:gd name="connsiteY10" fmla="*/ 18288 h 18288"/>
+              <a:gd name="connsiteX11" fmla="*/ 2749731 w 4572000"/>
+              <a:gd name="connsiteY11" fmla="*/ 18288 h 18288"/>
+              <a:gd name="connsiteX12" fmla="*/ 2050869 w 4572000"/>
+              <a:gd name="connsiteY12" fmla="*/ 18288 h 18288"/>
+              <a:gd name="connsiteX13" fmla="*/ 1306286 w 4572000"/>
+              <a:gd name="connsiteY13" fmla="*/ 18288 h 18288"/>
+              <a:gd name="connsiteX14" fmla="*/ 790303 w 4572000"/>
+              <a:gd name="connsiteY14" fmla="*/ 18288 h 18288"/>
+              <a:gd name="connsiteX15" fmla="*/ 0 w 4572000"/>
+              <a:gd name="connsiteY15" fmla="*/ 18288 h 18288"/>
+              <a:gd name="connsiteX16" fmla="*/ 0 w 4572000"/>
+              <a:gd name="connsiteY16" fmla="*/ 0 h 18288"/>
+            </a:gdLst>
+            <a:ahLst/>
+            <a:cxnLst>
+              <a:cxn ang="0">
+                <a:pos x="connsiteX0" y="connsiteY0"/>
+              </a:cxn>
+              <a:cxn ang="0">
+                <a:pos x="connsiteX1" y="connsiteY1"/>
+              </a:cxn>
+              <a:cxn ang="0">
+                <a:pos x="connsiteX2" y="connsiteY2"/>
+              </a:cxn>
+              <a:cxn ang="0">
+                <a:pos x="connsiteX3" y="connsiteY3"/>
+              </a:cxn>
+              <a:cxn ang="0">
+                <a:pos x="connsiteX4" y="connsiteY4"/>
+              </a:cxn>
+              <a:cxn ang="0">
+                <a:pos x="connsiteX5" y="connsiteY5"/>
+              </a:cxn>
+              <a:cxn ang="0">
+                <a:pos x="connsiteX6" y="connsiteY6"/>
+              </a:cxn>
+              <a:cxn ang="0">
+                <a:pos x="connsiteX7" y="connsiteY7"/>
+              </a:cxn>
+              <a:cxn ang="0">
+                <a:pos x="connsiteX8" y="connsiteY8"/>
+              </a:cxn>
+              <a:cxn ang="0">
+                <a:pos x="connsiteX9" y="connsiteY9"/>
+              </a:cxn>
+              <a:cxn ang="0">
+                <a:pos x="connsiteX10" y="connsiteY10"/>
+              </a:cxn>
+              <a:cxn ang="0">
+                <a:pos x="connsiteX11" y="connsiteY11"/>
+              </a:cxn>
+              <a:cxn ang="0">
+                <a:pos x="connsiteX12" y="connsiteY12"/>
+              </a:cxn>
+              <a:cxn ang="0">
+                <a:pos x="connsiteX13" y="connsiteY13"/>
+              </a:cxn>
+              <a:cxn ang="0">
+                <a:pos x="connsiteX14" y="connsiteY14"/>
+              </a:cxn>
+              <a:cxn ang="0">
+                <a:pos x="connsiteX15" y="connsiteY15"/>
+              </a:cxn>
+              <a:cxn ang="0">
+                <a:pos x="connsiteX16" y="connsiteY16"/>
+              </a:cxn>
+            </a:cxnLst>
+            <a:rect l="l" t="t" r="r" b="b"/>
+            <a:pathLst>
+              <a:path w="4572000" h="18288" fill="none" extrusionOk="0">
+                <a:moveTo>
+                  <a:pt x="0" y="0"/>
+                </a:moveTo>
+                <a:cubicBezTo>
+                  <a:pt x="105156" y="-20963"/>
+                  <a:pt x="340432" y="822"/>
+                  <a:pt x="515983" y="0"/>
+                </a:cubicBezTo>
+                <a:cubicBezTo>
+                  <a:pt x="691534" y="-822"/>
+                  <a:pt x="850679" y="16479"/>
+                  <a:pt x="1031966" y="0"/>
+                </a:cubicBezTo>
+                <a:cubicBezTo>
+                  <a:pt x="1213253" y="-16479"/>
+                  <a:pt x="1443646" y="-18730"/>
+                  <a:pt x="1639389" y="0"/>
+                </a:cubicBezTo>
+                <a:cubicBezTo>
+                  <a:pt x="1835132" y="18730"/>
+                  <a:pt x="2159975" y="18531"/>
+                  <a:pt x="2383971" y="0"/>
+                </a:cubicBezTo>
+                <a:cubicBezTo>
+                  <a:pt x="2607967" y="-18531"/>
+                  <a:pt x="2719096" y="-12030"/>
+                  <a:pt x="2945674" y="0"/>
+                </a:cubicBezTo>
+                <a:cubicBezTo>
+                  <a:pt x="3172252" y="12030"/>
+                  <a:pt x="3269167" y="27666"/>
+                  <a:pt x="3507377" y="0"/>
+                </a:cubicBezTo>
+                <a:cubicBezTo>
+                  <a:pt x="3745587" y="-27666"/>
+                  <a:pt x="4116741" y="18705"/>
+                  <a:pt x="4572000" y="0"/>
+                </a:cubicBezTo>
+                <a:cubicBezTo>
+                  <a:pt x="4572895" y="8974"/>
+                  <a:pt x="4571454" y="9359"/>
+                  <a:pt x="4572000" y="18288"/>
+                </a:cubicBezTo>
+                <a:cubicBezTo>
+                  <a:pt x="4374698" y="3942"/>
+                  <a:pt x="4098874" y="-11042"/>
+                  <a:pt x="3873137" y="18288"/>
+                </a:cubicBezTo>
+                <a:cubicBezTo>
+                  <a:pt x="3647400" y="47618"/>
+                  <a:pt x="3517055" y="5421"/>
+                  <a:pt x="3311434" y="18288"/>
+                </a:cubicBezTo>
+                <a:cubicBezTo>
+                  <a:pt x="3105813" y="31155"/>
+                  <a:pt x="3025168" y="17856"/>
+                  <a:pt x="2749731" y="18288"/>
+                </a:cubicBezTo>
+                <a:cubicBezTo>
+                  <a:pt x="2474294" y="18720"/>
+                  <a:pt x="2291766" y="-14168"/>
+                  <a:pt x="2050869" y="18288"/>
+                </a:cubicBezTo>
+                <a:cubicBezTo>
+                  <a:pt x="1809972" y="50744"/>
+                  <a:pt x="1540276" y="46798"/>
+                  <a:pt x="1306286" y="18288"/>
+                </a:cubicBezTo>
+                <a:cubicBezTo>
+                  <a:pt x="1072296" y="-10222"/>
+                  <a:pt x="972445" y="19645"/>
+                  <a:pt x="790303" y="18288"/>
+                </a:cubicBezTo>
+                <a:cubicBezTo>
+                  <a:pt x="608161" y="16931"/>
+                  <a:pt x="200981" y="8241"/>
+                  <a:pt x="0" y="18288"/>
+                </a:cubicBezTo>
+                <a:cubicBezTo>
+                  <a:pt x="-229" y="14222"/>
+                  <a:pt x="509" y="5816"/>
+                  <a:pt x="0" y="0"/>
+                </a:cubicBezTo>
+                <a:close/>
+              </a:path>
+              <a:path w="4572000" h="18288" stroke="0" extrusionOk="0">
+                <a:moveTo>
+                  <a:pt x="0" y="0"/>
+                </a:moveTo>
+                <a:cubicBezTo>
+                  <a:pt x="143285" y="-9565"/>
+                  <a:pt x="327959" y="-11498"/>
+                  <a:pt x="561703" y="0"/>
+                </a:cubicBezTo>
+                <a:cubicBezTo>
+                  <a:pt x="795447" y="11498"/>
+                  <a:pt x="838260" y="18255"/>
+                  <a:pt x="1077686" y="0"/>
+                </a:cubicBezTo>
+                <a:cubicBezTo>
+                  <a:pt x="1317112" y="-18255"/>
+                  <a:pt x="1437472" y="23514"/>
+                  <a:pt x="1639389" y="0"/>
+                </a:cubicBezTo>
+                <a:cubicBezTo>
+                  <a:pt x="1841306" y="-23514"/>
+                  <a:pt x="2037142" y="-12551"/>
+                  <a:pt x="2292531" y="0"/>
+                </a:cubicBezTo>
+                <a:cubicBezTo>
+                  <a:pt x="2547920" y="12551"/>
+                  <a:pt x="2810436" y="-20352"/>
+                  <a:pt x="2991394" y="0"/>
+                </a:cubicBezTo>
+                <a:cubicBezTo>
+                  <a:pt x="3172352" y="20352"/>
+                  <a:pt x="3530025" y="-13347"/>
+                  <a:pt x="3735977" y="0"/>
+                </a:cubicBezTo>
+                <a:cubicBezTo>
+                  <a:pt x="3941929" y="13347"/>
+                  <a:pt x="4161497" y="34086"/>
+                  <a:pt x="4572000" y="0"/>
+                </a:cubicBezTo>
+                <a:cubicBezTo>
+                  <a:pt x="4571545" y="6162"/>
+                  <a:pt x="4571903" y="11775"/>
+                  <a:pt x="4572000" y="18288"/>
+                </a:cubicBezTo>
+                <a:cubicBezTo>
+                  <a:pt x="4228040" y="36490"/>
+                  <a:pt x="4199736" y="42557"/>
+                  <a:pt x="3873137" y="18288"/>
+                </a:cubicBezTo>
+                <a:cubicBezTo>
+                  <a:pt x="3546538" y="-5981"/>
+                  <a:pt x="3472124" y="16809"/>
+                  <a:pt x="3128554" y="18288"/>
+                </a:cubicBezTo>
+                <a:cubicBezTo>
+                  <a:pt x="2784984" y="19767"/>
+                  <a:pt x="2735896" y="-17781"/>
+                  <a:pt x="2383971" y="18288"/>
+                </a:cubicBezTo>
+                <a:cubicBezTo>
+                  <a:pt x="2032046" y="54357"/>
+                  <a:pt x="2019324" y="2920"/>
+                  <a:pt x="1867989" y="18288"/>
+                </a:cubicBezTo>
+                <a:cubicBezTo>
+                  <a:pt x="1716654" y="33656"/>
+                  <a:pt x="1418675" y="32575"/>
+                  <a:pt x="1169126" y="18288"/>
+                </a:cubicBezTo>
+                <a:cubicBezTo>
+                  <a:pt x="919577" y="4001"/>
+                  <a:pt x="798537" y="16165"/>
+                  <a:pt x="561703" y="18288"/>
+                </a:cubicBezTo>
+                <a:cubicBezTo>
+                  <a:pt x="324869" y="20411"/>
+                  <a:pt x="221395" y="-912"/>
+                  <a:pt x="0" y="18288"/>
+                </a:cubicBezTo>
+                <a:cubicBezTo>
+                  <a:pt x="766" y="10800"/>
+                  <a:pt x="-457" y="8180"/>
+                  <a:pt x="0" y="0"/>
+                </a:cubicBezTo>
+                <a:close/>
+              </a:path>
+            </a:pathLst>
+          </a:custGeom>
+          <a:solidFill>
+            <a:schemeClr val="accent2"/>
+          </a:solidFill>
+          <a:ln w="41275" cap="rnd">
+            <a:solidFill>
+              <a:schemeClr val="accent2"/>
+            </a:solidFill>
+            <a:round/>
+            <a:extLst>
+              <a:ext uri="{C807C97D-BFC1-408E-A445-0C87EB9F89A2}">
+                <ask:lineSketchStyleProps xmlns:ask="http://schemas.microsoft.com/office/drawing/2018/sketchyshapes" sd="2727557108">
+                  <a:prstGeom prst="rect">
+                    <a:avLst/>
+                  </a:prstGeom>
+                  <ask:type>
+                    <ask:lineSketchFreehand/>
+                  </ask:type>
+                </ask:lineSketchStyleProps>
+              </a:ext>
+            </a:extLst>
+          </a:ln>
+        </p:spPr>
+        <p:style>
+          <a:lnRef idx="2">
+            <a:schemeClr val="accent1">
+              <a:shade val="50000"/>
+            </a:schemeClr>
+          </a:lnRef>
+          <a:fillRef idx="1">
+            <a:schemeClr val="accent1"/>
+          </a:fillRef>
+          <a:effectRef idx="0">
+            <a:schemeClr val="accent1"/>
+          </a:effectRef>
+          <a:fontRef idx="minor">
+            <a:schemeClr val="lt1"/>
+          </a:fontRef>
+        </p:style>
+        <p:txBody>
+          <a:bodyPr rtlCol="0" anchor="ctr"/>
+          <a:lstStyle/>
+          <a:p>
+            <a:pPr algn="ctr"/>
+            <a:endParaRPr lang="en-US"/>
           </a:p>
         </p:txBody>
       </p:sp>
@@ -12145,14 +12565,14 @@
           <p:nvPr>
             <p:extLst>
               <p:ext uri="{D42A27DB-BD31-4B8C-83A1-F6EECF244321}">
-                <p14:modId xmlns:p14="http://schemas.microsoft.com/office/powerpoint/2010/main" val="2585725029"/>
+                <p14:modId xmlns:p14="http://schemas.microsoft.com/office/powerpoint/2010/main" val="1907669138"/>
               </p:ext>
             </p:extLst>
           </p:nvPr>
         </p:nvGraphicFramePr>
         <p:xfrm>
-          <a:off x="182622" y="1272998"/>
-          <a:ext cx="11826755" cy="3717856"/>
+          <a:off x="399853" y="2633472"/>
+          <a:ext cx="11389247" cy="3586356"/>
         </p:xfrm>
         <a:graphic>
           <a:graphicData uri="http://schemas.openxmlformats.org/drawingml/2006/table">
@@ -12161,35 +12581,35 @@
                 <a:tableStyleId>{69012ECD-51FC-41F1-AA8D-1B2483CD663E}</a:tableStyleId>
               </a:tblPr>
               <a:tblGrid>
-                <a:gridCol w="2365351">
+                <a:gridCol w="1690198">
                   <a:extLst>
                     <a:ext uri="{9D8B030D-6E8A-4147-A177-3AD203B41FA5}">
                       <a16:colId xmlns:a16="http://schemas.microsoft.com/office/drawing/2014/main" val="1010788525"/>
                     </a:ext>
                   </a:extLst>
                 </a:gridCol>
-                <a:gridCol w="2365351">
+                <a:gridCol w="2137932">
                   <a:extLst>
                     <a:ext uri="{9D8B030D-6E8A-4147-A177-3AD203B41FA5}">
                       <a16:colId xmlns:a16="http://schemas.microsoft.com/office/drawing/2014/main" val="2098898780"/>
                     </a:ext>
                   </a:extLst>
                 </a:gridCol>
-                <a:gridCol w="2365351">
+                <a:gridCol w="2389783">
                   <a:extLst>
                     <a:ext uri="{9D8B030D-6E8A-4147-A177-3AD203B41FA5}">
                       <a16:colId xmlns:a16="http://schemas.microsoft.com/office/drawing/2014/main" val="561518507"/>
                     </a:ext>
                   </a:extLst>
                 </a:gridCol>
-                <a:gridCol w="2365351">
+                <a:gridCol w="2991426">
                   <a:extLst>
                     <a:ext uri="{9D8B030D-6E8A-4147-A177-3AD203B41FA5}">
                       <a16:colId xmlns:a16="http://schemas.microsoft.com/office/drawing/2014/main" val="583581075"/>
                     </a:ext>
                   </a:extLst>
                 </a:gridCol>
-                <a:gridCol w="2365351">
+                <a:gridCol w="2179908">
                   <a:extLst>
                     <a:ext uri="{9D8B030D-6E8A-4147-A177-3AD203B41FA5}">
                       <a16:colId xmlns:a16="http://schemas.microsoft.com/office/drawing/2014/main" val="1891911248"/>
@@ -12197,20 +12617,20 @@
                   </a:extLst>
                 </a:gridCol>
               </a:tblGrid>
-              <a:tr h="670208">
+              <a:tr h="443258">
                 <a:tc>
                   <a:txBody>
                     <a:bodyPr/>
                     <a:lstStyle/>
                     <a:p>
                       <a:pPr algn="ctr"/>
-                      <a:endParaRPr lang="en-CN" dirty="0">
+                      <a:endParaRPr lang="en-CN" sz="2000">
                         <a:latin typeface="Arial" panose="020B0604020202020204" pitchFamily="34" charset="0"/>
                         <a:cs typeface="Arial" panose="020B0604020202020204" pitchFamily="34" charset="0"/>
                       </a:endParaRPr>
                     </a:p>
                   </a:txBody>
-                  <a:tcPr>
+                  <a:tcPr marL="100740" marR="100740" marT="50370" marB="50370">
                     <a:lnL w="12700" cap="flat" cmpd="sng" algn="ctr">
                       <a:solidFill>
                         <a:schemeClr val="tx1"/>
@@ -12256,16 +12676,16 @@
                     <a:p>
                       <a:pPr algn="ctr"/>
                       <a:r>
-                        <a:rPr lang="en-CN" dirty="0"/>
+                        <a:rPr lang="en-CN" sz="2000"/>
                         <a:t>Qingyu Zhou</a:t>
                       </a:r>
-                      <a:endParaRPr lang="en-CN" dirty="0">
+                      <a:endParaRPr lang="en-CN" sz="2000">
                         <a:latin typeface="Arial" panose="020B0604020202020204" pitchFamily="34" charset="0"/>
                         <a:cs typeface="Arial" panose="020B0604020202020204" pitchFamily="34" charset="0"/>
                       </a:endParaRPr>
                     </a:p>
                   </a:txBody>
-                  <a:tcPr>
+                  <a:tcPr marL="100740" marR="100740" marT="50370" marB="50370">
                     <a:lnL w="12700" cap="flat" cmpd="sng" algn="ctr">
                       <a:solidFill>
                         <a:schemeClr val="tx1"/>
@@ -12311,16 +12731,16 @@
                     <a:p>
                       <a:pPr algn="ctr"/>
                       <a:r>
-                        <a:rPr lang="en-CN" dirty="0"/>
+                        <a:rPr lang="en-CN" sz="2000"/>
                         <a:t>Junyi Zhang</a:t>
                       </a:r>
-                      <a:endParaRPr lang="en-CN" dirty="0">
+                      <a:endParaRPr lang="en-CN" sz="2000">
                         <a:latin typeface="Arial" panose="020B0604020202020204" pitchFamily="34" charset="0"/>
                         <a:cs typeface="Arial" panose="020B0604020202020204" pitchFamily="34" charset="0"/>
                       </a:endParaRPr>
                     </a:p>
                   </a:txBody>
-                  <a:tcPr>
+                  <a:tcPr marL="100740" marR="100740" marT="50370" marB="50370">
                     <a:lnL w="12700" cap="flat" cmpd="sng" algn="ctr">
                       <a:solidFill>
                         <a:schemeClr val="tx1"/>
@@ -12366,16 +12786,16 @@
                     <a:p>
                       <a:pPr algn="ctr"/>
                       <a:r>
-                        <a:rPr lang="en-CN" dirty="0"/>
+                        <a:rPr lang="en-CN" sz="2000"/>
                         <a:t>Li Ning</a:t>
                       </a:r>
-                      <a:endParaRPr lang="en-CN" dirty="0">
+                      <a:endParaRPr lang="en-CN" sz="2000">
                         <a:latin typeface="Arial" panose="020B0604020202020204" pitchFamily="34" charset="0"/>
                         <a:cs typeface="Arial" panose="020B0604020202020204" pitchFamily="34" charset="0"/>
                       </a:endParaRPr>
                     </a:p>
                   </a:txBody>
-                  <a:tcPr>
+                  <a:tcPr marL="100740" marR="100740" marT="50370" marB="50370">
                     <a:lnL w="12700" cap="flat" cmpd="sng" algn="ctr">
                       <a:solidFill>
                         <a:schemeClr val="tx1"/>
@@ -12421,16 +12841,16 @@
                     <a:p>
                       <a:pPr algn="ctr"/>
                       <a:r>
-                        <a:rPr lang="en-CN" dirty="0"/>
+                        <a:rPr lang="en-CN" sz="2000"/>
                         <a:t>Yirui Song</a:t>
                       </a:r>
-                      <a:endParaRPr lang="en-CN" dirty="0">
+                      <a:endParaRPr lang="en-CN" sz="2000">
                         <a:latin typeface="Arial" panose="020B0604020202020204" pitchFamily="34" charset="0"/>
                         <a:cs typeface="Arial" panose="020B0604020202020204" pitchFamily="34" charset="0"/>
                       </a:endParaRPr>
                     </a:p>
                   </a:txBody>
-                  <a:tcPr>
+                  <a:tcPr marL="100740" marR="100740" marT="50370" marB="50370">
                     <a:lnL w="12700" cap="flat" cmpd="sng" algn="ctr">
                       <a:solidFill>
                         <a:schemeClr val="tx1"/>
@@ -12475,7 +12895,7 @@
                   </a:ext>
                 </a:extLst>
               </a:tr>
-              <a:tr h="670208">
+              <a:tr h="1047699">
                 <a:tc>
                   <a:txBody>
                     <a:bodyPr/>
@@ -12483,16 +12903,16 @@
                     <a:p>
                       <a:pPr algn="ctr"/>
                       <a:r>
-                        <a:rPr lang="en-CN" b="1" dirty="0"/>
+                        <a:rPr lang="en-CN" sz="2000" b="1"/>
                         <a:t>UI</a:t>
                       </a:r>
-                      <a:endParaRPr lang="en-CN" b="1" dirty="0">
+                      <a:endParaRPr lang="en-CN" sz="2000" b="1">
                         <a:latin typeface="Arial" panose="020B0604020202020204" pitchFamily="34" charset="0"/>
                         <a:cs typeface="Arial" panose="020B0604020202020204" pitchFamily="34" charset="0"/>
                       </a:endParaRPr>
                     </a:p>
                   </a:txBody>
-                  <a:tcPr>
+                  <a:tcPr marL="100740" marR="100740" marT="50370" marB="50370">
                     <a:lnL w="12700" cap="flat" cmpd="sng" algn="ctr">
                       <a:solidFill>
                         <a:schemeClr val="tx1"/>
@@ -12537,30 +12957,30 @@
                     <a:lstStyle/>
                     <a:p>
                       <a:r>
-                        <a:rPr lang="en-US" dirty="0"/>
+                        <a:rPr lang="en-US" sz="2000"/>
                         <a:t>H</a:t>
                       </a:r>
                       <a:r>
-                        <a:rPr lang="en-CN" dirty="0"/>
+                        <a:rPr lang="en-CN" sz="2000"/>
                         <a:t>ome</a:t>
                       </a:r>
                     </a:p>
                     <a:p>
                       <a:r>
-                        <a:rPr lang="en-US" dirty="0"/>
+                        <a:rPr lang="en-US" sz="2000"/>
                         <a:t>A</a:t>
                       </a:r>
                       <a:r>
-                        <a:rPr lang="en-CN" dirty="0"/>
+                        <a:rPr lang="en-CN" sz="2000"/>
                         <a:t>dd items</a:t>
                       </a:r>
-                      <a:endParaRPr lang="en-CN" dirty="0">
+                      <a:endParaRPr lang="en-CN" sz="2000">
                         <a:latin typeface="Arial" panose="020B0604020202020204" pitchFamily="34" charset="0"/>
                         <a:cs typeface="Arial" panose="020B0604020202020204" pitchFamily="34" charset="0"/>
                       </a:endParaRPr>
                     </a:p>
                   </a:txBody>
-                  <a:tcPr>
+                  <a:tcPr marL="100740" marR="100740" marT="50370" marB="50370">
                     <a:lnL w="12700" cap="flat" cmpd="sng" algn="ctr">
                       <a:solidFill>
                         <a:schemeClr val="tx1"/>
@@ -12622,40 +13042,40 @@
                         <a:defRPr/>
                       </a:pPr>
                       <a:r>
-                        <a:rPr lang="en-CN" dirty="0"/>
+                        <a:rPr lang="en-CN" sz="2000"/>
                         <a:t>Login</a:t>
                       </a:r>
                     </a:p>
                     <a:p>
                       <a:r>
-                        <a:rPr lang="en-CN" dirty="0"/>
+                        <a:rPr lang="en-CN" sz="2000"/>
                         <a:t>Product</a:t>
                       </a:r>
                       <a:r>
-                        <a:rPr lang="zh-CN" altLang="en-US" dirty="0"/>
+                        <a:rPr lang="zh-CN" altLang="en-US" sz="2000"/>
                         <a:t> </a:t>
                       </a:r>
                       <a:r>
-                        <a:rPr lang="en-US" altLang="zh-CN" dirty="0"/>
+                        <a:rPr lang="en-US" altLang="zh-CN" sz="2000"/>
                         <a:t>Details</a:t>
                       </a:r>
                     </a:p>
                     <a:p>
                       <a:r>
-                        <a:rPr lang="en-CN" dirty="0"/>
+                        <a:rPr lang="en-CN" sz="2000"/>
                         <a:t>Payment</a:t>
                       </a:r>
                       <a:r>
-                        <a:rPr lang="en-US" dirty="0"/>
+                        <a:rPr lang="en-US" sz="2000"/>
                         <a:t> Interface</a:t>
                       </a:r>
-                      <a:endParaRPr lang="en-CN" dirty="0">
+                      <a:endParaRPr lang="en-CN" sz="2000">
                         <a:latin typeface="Arial" panose="020B0604020202020204" pitchFamily="34" charset="0"/>
                         <a:cs typeface="Arial" panose="020B0604020202020204" pitchFamily="34" charset="0"/>
                       </a:endParaRPr>
                     </a:p>
                   </a:txBody>
-                  <a:tcPr>
+                  <a:tcPr marL="100740" marR="100740" marT="50370" marB="50370">
                     <a:lnL w="12700" cap="flat" cmpd="sng" algn="ctr">
                       <a:solidFill>
                         <a:schemeClr val="tx1"/>
@@ -12699,13 +13119,13 @@
                     <a:bodyPr/>
                     <a:lstStyle/>
                     <a:p>
-                      <a:endParaRPr lang="en-CN" dirty="0">
+                      <a:endParaRPr lang="en-CN" sz="2000">
                         <a:latin typeface="Arial" panose="020B0604020202020204" pitchFamily="34" charset="0"/>
                         <a:cs typeface="Arial" panose="020B0604020202020204" pitchFamily="34" charset="0"/>
                       </a:endParaRPr>
                     </a:p>
                   </a:txBody>
-                  <a:tcPr>
+                  <a:tcPr marL="100740" marR="100740" marT="50370" marB="50370">
                     <a:lnL w="12700" cap="flat" cmpd="sng" algn="ctr">
                       <a:solidFill>
                         <a:schemeClr val="tx1"/>
@@ -12750,16 +13170,16 @@
                     <a:lstStyle/>
                     <a:p>
                       <a:r>
-                        <a:rPr lang="en-CN" dirty="0"/>
+                        <a:rPr lang="en-CN" sz="2000"/>
                         <a:t>Register</a:t>
                       </a:r>
-                      <a:endParaRPr lang="en-CN" dirty="0">
+                      <a:endParaRPr lang="en-CN" sz="2000">
                         <a:latin typeface="Arial" panose="020B0604020202020204" pitchFamily="34" charset="0"/>
                         <a:cs typeface="Arial" panose="020B0604020202020204" pitchFamily="34" charset="0"/>
                       </a:endParaRPr>
                     </a:p>
                   </a:txBody>
-                  <a:tcPr>
+                  <a:tcPr marL="100740" marR="100740" marT="50370" marB="50370">
                     <a:lnL w="12700" cap="flat" cmpd="sng" algn="ctr">
                       <a:solidFill>
                         <a:schemeClr val="tx1"/>
@@ -12804,7 +13224,7 @@
                   </a:ext>
                 </a:extLst>
               </a:tr>
-              <a:tr h="670208">
+              <a:tr h="1652141">
                 <a:tc>
                   <a:txBody>
                     <a:bodyPr/>
@@ -12828,7 +13248,7 @@
                         <a:defRPr/>
                       </a:pPr>
                       <a:r>
-                        <a:rPr lang="en-CN" b="1" dirty="0"/>
+                        <a:rPr lang="en-CN" sz="2000" b="1"/>
                         <a:t>Controller / Service</a:t>
                       </a:r>
                     </a:p>
@@ -12850,13 +13270,13 @@
                         <a:tabLst/>
                         <a:defRPr/>
                       </a:pPr>
-                      <a:endParaRPr lang="en-CN" b="1" dirty="0">
+                      <a:endParaRPr lang="en-CN" sz="2000" b="1">
                         <a:latin typeface="Arial" panose="020B0604020202020204" pitchFamily="34" charset="0"/>
                         <a:cs typeface="Arial" panose="020B0604020202020204" pitchFamily="34" charset="0"/>
                       </a:endParaRPr>
                     </a:p>
                   </a:txBody>
-                  <a:tcPr>
+                  <a:tcPr marL="100740" marR="100740" marT="50370" marB="50370">
                     <a:lnL w="12700" cap="flat" cmpd="sng" algn="ctr">
                       <a:solidFill>
                         <a:schemeClr val="tx1"/>
@@ -12918,16 +13338,16 @@
                         <a:defRPr/>
                       </a:pPr>
                       <a:r>
-                        <a:rPr lang="en-CN" dirty="0"/>
+                        <a:rPr lang="en-CN" sz="2000"/>
                         <a:t>Full stack of Homep age and Add items page</a:t>
                       </a:r>
-                      <a:endParaRPr lang="en-CN" dirty="0">
+                      <a:endParaRPr lang="en-CN" sz="2000">
                         <a:latin typeface="Arial" panose="020B0604020202020204" pitchFamily="34" charset="0"/>
                         <a:cs typeface="Arial" panose="020B0604020202020204" pitchFamily="34" charset="0"/>
                       </a:endParaRPr>
                     </a:p>
                   </a:txBody>
-                  <a:tcPr>
+                  <a:tcPr marL="100740" marR="100740" marT="50370" marB="50370">
                     <a:lnL w="12700" cap="flat" cmpd="sng" algn="ctr">
                       <a:solidFill>
                         <a:schemeClr val="tx1"/>
@@ -12989,7 +13409,7 @@
                         <a:defRPr/>
                       </a:pPr>
                       <a:r>
-                        <a:rPr lang="en-CN" dirty="0"/>
+                        <a:rPr lang="en-CN" sz="2000"/>
                         <a:t>Product Sevice &amp; Control</a:t>
                       </a:r>
                     </a:p>
@@ -13012,16 +13432,16 @@
                         <a:defRPr/>
                       </a:pPr>
                       <a:r>
-                        <a:rPr lang="en-CN" dirty="0"/>
+                        <a:rPr lang="en-CN" sz="2000"/>
                         <a:t>FileLoader controller</a:t>
                       </a:r>
-                      <a:endParaRPr lang="en-CN" dirty="0">
+                      <a:endParaRPr lang="en-CN" sz="2000">
                         <a:latin typeface="Arial" panose="020B0604020202020204" pitchFamily="34" charset="0"/>
                         <a:cs typeface="Arial" panose="020B0604020202020204" pitchFamily="34" charset="0"/>
                       </a:endParaRPr>
                     </a:p>
                   </a:txBody>
-                  <a:tcPr>
+                  <a:tcPr marL="100740" marR="100740" marT="50370" marB="50370">
                     <a:lnL w="12700" cap="flat" cmpd="sng" algn="ctr">
                       <a:solidFill>
                         <a:schemeClr val="tx1"/>
@@ -13083,7 +13503,7 @@
                         <a:defRPr/>
                       </a:pPr>
                       <a:r>
-                        <a:rPr lang="en-CN" dirty="0"/>
+                        <a:rPr lang="en-CN" sz="2000"/>
                         <a:t>Product Detail Sevice &amp; Control</a:t>
                       </a:r>
                     </a:p>
@@ -13106,18 +13526,18 @@
                         <a:defRPr/>
                       </a:pPr>
                       <a:r>
-                        <a:rPr lang="en-CN" dirty="0"/>
+                        <a:rPr lang="en-CN" sz="2000"/>
                         <a:t>Payment Sevice &amp; Control</a:t>
                       </a:r>
                     </a:p>
                     <a:p>
-                      <a:endParaRPr lang="en-CN" dirty="0">
+                      <a:endParaRPr lang="en-CN" sz="2000">
                         <a:latin typeface="Arial" panose="020B0604020202020204" pitchFamily="34" charset="0"/>
                         <a:cs typeface="Arial" panose="020B0604020202020204" pitchFamily="34" charset="0"/>
                       </a:endParaRPr>
                     </a:p>
                   </a:txBody>
-                  <a:tcPr>
+                  <a:tcPr marL="100740" marR="100740" marT="50370" marB="50370">
                     <a:lnL w="12700" cap="flat" cmpd="sng" algn="ctr">
                       <a:solidFill>
                         <a:schemeClr val="tx1"/>
@@ -13162,16 +13582,16 @@
                     <a:lstStyle/>
                     <a:p>
                       <a:r>
-                        <a:rPr lang="en-CN" dirty="0"/>
+                        <a:rPr lang="en-CN" sz="2000"/>
                         <a:t>Register Control &amp; Service, Login Backend</a:t>
                       </a:r>
-                      <a:endParaRPr lang="en-CN" dirty="0">
+                      <a:endParaRPr lang="en-CN" sz="2000">
                         <a:latin typeface="Arial" panose="020B0604020202020204" pitchFamily="34" charset="0"/>
                         <a:cs typeface="Arial" panose="020B0604020202020204" pitchFamily="34" charset="0"/>
                       </a:endParaRPr>
                     </a:p>
                   </a:txBody>
-                  <a:tcPr>
+                  <a:tcPr marL="100740" marR="100740" marT="50370" marB="50370">
                     <a:lnL w="12700" cap="flat" cmpd="sng" algn="ctr">
                       <a:solidFill>
                         <a:schemeClr val="tx1"/>
@@ -13216,7 +13636,7 @@
                   </a:ext>
                 </a:extLst>
               </a:tr>
-              <a:tr h="670208">
+              <a:tr h="443258">
                 <a:tc>
                   <a:txBody>
                     <a:bodyPr/>
@@ -13240,16 +13660,16 @@
                         <a:defRPr/>
                       </a:pPr>
                       <a:r>
-                        <a:rPr lang="en-CN" b="1" dirty="0"/>
+                        <a:rPr lang="en-CN" sz="2000" b="1"/>
                         <a:t>Document</a:t>
                       </a:r>
-                      <a:endParaRPr lang="en-CN" b="1" dirty="0">
+                      <a:endParaRPr lang="en-CN" sz="2000" b="1">
                         <a:latin typeface="Arial" panose="020B0604020202020204" pitchFamily="34" charset="0"/>
                         <a:cs typeface="Arial" panose="020B0604020202020204" pitchFamily="34" charset="0"/>
                       </a:endParaRPr>
                     </a:p>
                   </a:txBody>
-                  <a:tcPr>
+                  <a:tcPr marL="100740" marR="100740" marT="50370" marB="50370">
                     <a:lnL w="12700" cap="flat" cmpd="sng" algn="ctr">
                       <a:solidFill>
                         <a:schemeClr val="tx1"/>
@@ -13294,7 +13714,7 @@
                     <a:lstStyle/>
                     <a:p>
                       <a:r>
-                        <a:rPr lang="en-CN" dirty="0">
+                        <a:rPr lang="en-CN" sz="2000">
                           <a:latin typeface="Arial" panose="020B0604020202020204" pitchFamily="34" charset="0"/>
                           <a:cs typeface="Arial" panose="020B0604020202020204" pitchFamily="34" charset="0"/>
                         </a:rPr>
@@ -13302,7 +13722,7 @@
                       </a:r>
                     </a:p>
                   </a:txBody>
-                  <a:tcPr>
+                  <a:tcPr marL="100740" marR="100740" marT="50370" marB="50370">
                     <a:lnL w="12700" cap="flat" cmpd="sng" algn="ctr">
                       <a:solidFill>
                         <a:schemeClr val="tx1"/>
@@ -13364,7 +13784,7 @@
                         <a:defRPr/>
                       </a:pPr>
                       <a:r>
-                        <a:rPr lang="en-CN" dirty="0">
+                        <a:rPr lang="en-CN" sz="2000">
                           <a:latin typeface="Arial" panose="020B0604020202020204" pitchFamily="34" charset="0"/>
                           <a:cs typeface="Arial" panose="020B0604020202020204" pitchFamily="34" charset="0"/>
                         </a:rPr>
@@ -13372,7 +13792,7 @@
                       </a:r>
                     </a:p>
                   </a:txBody>
-                  <a:tcPr>
+                  <a:tcPr marL="100740" marR="100740" marT="50370" marB="50370">
                     <a:lnL w="12700" cap="flat" cmpd="sng" algn="ctr">
                       <a:solidFill>
                         <a:schemeClr val="tx1"/>
@@ -13434,7 +13854,7 @@
                         <a:defRPr/>
                       </a:pPr>
                       <a:r>
-                        <a:rPr lang="en-CN" dirty="0">
+                        <a:rPr lang="en-CN" sz="2000">
                           <a:latin typeface="Arial" panose="020B0604020202020204" pitchFamily="34" charset="0"/>
                           <a:cs typeface="Arial" panose="020B0604020202020204" pitchFamily="34" charset="0"/>
                         </a:rPr>
@@ -13442,7 +13862,7 @@
                       </a:r>
                     </a:p>
                   </a:txBody>
-                  <a:tcPr>
+                  <a:tcPr marL="100740" marR="100740" marT="50370" marB="50370">
                     <a:lnL w="12700" cap="flat" cmpd="sng" algn="ctr">
                       <a:solidFill>
                         <a:schemeClr val="tx1"/>
@@ -13504,19 +13924,15 @@
                         <a:defRPr/>
                       </a:pPr>
                       <a:r>
-                        <a:rPr lang="en-CN">
+                        <a:rPr lang="en-CN" sz="2000">
                           <a:latin typeface="Arial" panose="020B0604020202020204" pitchFamily="34" charset="0"/>
                           <a:cs typeface="Arial" panose="020B0604020202020204" pitchFamily="34" charset="0"/>
                         </a:rPr>
                         <a:t>Report</a:t>
                       </a:r>
-                      <a:endParaRPr lang="en-CN" dirty="0">
-                        <a:latin typeface="Arial" panose="020B0604020202020204" pitchFamily="34" charset="0"/>
-                        <a:cs typeface="Arial" panose="020B0604020202020204" pitchFamily="34" charset="0"/>
-                      </a:endParaRPr>
                     </a:p>
                   </a:txBody>
-                  <a:tcPr>
+                  <a:tcPr marL="100740" marR="100740" marT="50370" marB="50370">
                     <a:lnL w="12700" cap="flat" cmpd="sng" algn="ctr">
                       <a:solidFill>
                         <a:schemeClr val="tx1"/>
@@ -13611,11 +14027,17 @@
             <p:ph type="title"/>
           </p:nvPr>
         </p:nvSpPr>
-        <p:spPr/>
+        <p:spPr>
+          <a:xfrm>
+            <a:off x="838200" y="115093"/>
+            <a:ext cx="10515600" cy="1325563"/>
+          </a:xfrm>
+        </p:spPr>
         <p:txBody>
           <a:bodyPr/>
           <a:lstStyle/>
           <a:p>
+            <a:pPr algn="ctr"/>
             <a:r>
               <a:rPr lang="en-CN" dirty="0"/>
               <a:t>Conclusion and Future work</a:t>
@@ -13646,19 +14068,21 @@
           </a:xfrm>
         </p:spPr>
         <p:txBody>
-          <a:bodyPr/>
+          <a:bodyPr vert="horz" lIns="91440" tIns="45720" rIns="91440" bIns="45720" rtlCol="0">
+            <a:normAutofit/>
+          </a:bodyPr>
           <a:lstStyle/>
           <a:p>
-            <a:pPr marL="0" indent="0">
+            <a:pPr marL="0" indent="0" algn="just">
+              <a:lnSpc>
+                <a:spcPct val="100000"/>
+              </a:lnSpc>
               <a:buNone/>
             </a:pPr>
             <a:r>
-              <a:rPr lang="en-US" dirty="0">
-                <a:latin typeface="Avenir Next LT Pro"/>
-              </a:rPr>
+              <a:rPr lang="en-US" dirty="0"/>
               <a:t>This application is a basic application. In future, we can implement  different types of user and implement message feature.</a:t>
             </a:r>
-            <a:endParaRPr lang="en-US" dirty="0"/>
           </a:p>
         </p:txBody>
       </p:sp>
@@ -13678,7 +14102,7 @@
         </p:nvSpPr>
         <p:spPr>
           <a:xfrm>
-            <a:off x="838200" y="2766218"/>
+            <a:off x="838200" y="2840486"/>
             <a:ext cx="10515600" cy="1325563"/>
           </a:xfrm>
           <a:prstGeom prst="rect">
@@ -13854,7 +14278,7 @@
             </a:lvl9pPr>
           </a:lstStyle>
           <a:p>
-            <a:pPr marL="0" lvl="0" indent="0">
+            <a:pPr marL="0" lvl="0" indent="0" algn="just">
               <a:lnSpc>
                 <a:spcPct val="100000"/>
               </a:lnSpc>
@@ -14059,7 +14483,7 @@
             </a:lvl9pPr>
           </a:lstStyle>
           <a:p>
-            <a:pPr marL="0" lvl="0" indent="0">
+            <a:pPr marL="0" lvl="0" indent="0" algn="just">
               <a:lnSpc>
                 <a:spcPct val="100000"/>
               </a:lnSpc>
@@ -14264,7 +14688,7 @@
             </a:lvl9pPr>
           </a:lstStyle>
           <a:p>
-            <a:pPr marL="0" lvl="0" indent="0">
+            <a:pPr marL="0" lvl="0" indent="0" algn="just">
               <a:lnSpc>
                 <a:spcPct val="100000"/>
               </a:lnSpc>

--- a/Final Project Presentation Slides.pptx
+++ b/Final Project Presentation Slides.pptx
@@ -8349,12 +8349,20 @@
           <a:p>
             <a:pPr algn="ctr"/>
             <a:r>
+              <a:rPr lang="en-CN" b="1" dirty="0">
+                <a:solidFill>
+                  <a:schemeClr val="tx2"/>
+                </a:solidFill>
+              </a:rPr>
+              <a:t>Requirements</a:t>
+            </a:r>
+            <a:r>
               <a:rPr lang="en-CN" sz="4000" b="1" dirty="0">
                 <a:solidFill>
                   <a:schemeClr val="tx2"/>
                 </a:solidFill>
               </a:rPr>
-              <a:t>Requirements </a:t>
+              <a:t> </a:t>
             </a:r>
             <a:r>
               <a:rPr lang="en-CN" b="1" dirty="0"/>
@@ -11237,7 +11245,7 @@
                   <a:schemeClr val="bg1"/>
                 </a:solidFill>
               </a:rPr>
-              <a:t>Used JavaFX</a:t>
+              <a:t>JavaFX</a:t>
             </a:r>
           </a:p>
         </p:txBody>
@@ -11587,7 +11595,10 @@
           <a:p>
             <a:pPr algn="ctr"/>
             <a:r>
-              <a:rPr lang="en-CN" dirty="0"/>
+              <a:rPr lang="en-CN" dirty="0">
+                <a:latin typeface="Arial" panose="020B0604020202020204" pitchFamily="34" charset="0"/>
+                <a:cs typeface="Arial" panose="020B0604020202020204" pitchFamily="34" charset="0"/>
+              </a:rPr>
               <a:t>Analysis</a:t>
             </a:r>
           </a:p>
@@ -11633,7 +11644,10 @@
           <a:lstStyle/>
           <a:p>
             <a:pPr algn="ctr"/>
-            <a:endParaRPr lang="en-CN" dirty="0"/>
+            <a:endParaRPr lang="en-CN" dirty="0">
+              <a:latin typeface="Arial" panose="020B0604020202020204" pitchFamily="34" charset="0"/>
+              <a:cs typeface="Arial" panose="020B0604020202020204" pitchFamily="34" charset="0"/>
+            </a:endParaRPr>
           </a:p>
         </p:txBody>
       </p:sp>
@@ -11676,15 +11690,25 @@
           <a:bodyPr rtlCol="0" anchor="ctr"/>
           <a:lstStyle/>
           <a:p>
+            <a:pPr algn="just"/>
             <a:r>
-              <a:rPr lang="en-US" altLang="zh-CN" dirty="0"/>
+              <a:rPr lang="en-US" altLang="zh-CN" dirty="0">
+                <a:latin typeface="Arial" panose="020B0604020202020204" pitchFamily="34" charset="0"/>
+                <a:cs typeface="Arial" panose="020B0604020202020204" pitchFamily="34" charset="0"/>
+              </a:rPr>
               <a:t>Northeastern University currently lacks a dedicated second-hand trading platform. However, many other universities already have their own second-hand marketplaces</a:t>
             </a:r>
             <a:r>
-              <a:rPr lang="en-CN" altLang="zh-CN" dirty="0"/>
+              <a:rPr lang="en-CN" altLang="zh-CN" dirty="0">
+                <a:latin typeface="Arial" panose="020B0604020202020204" pitchFamily="34" charset="0"/>
+                <a:cs typeface="Arial" panose="020B0604020202020204" pitchFamily="34" charset="0"/>
+              </a:rPr>
               <a:t>.</a:t>
             </a:r>
-            <a:endParaRPr lang="en-US" dirty="0"/>
+            <a:endParaRPr lang="en-US" dirty="0">
+              <a:latin typeface="Arial" panose="020B0604020202020204" pitchFamily="34" charset="0"/>
+              <a:cs typeface="Arial" panose="020B0604020202020204" pitchFamily="34" charset="0"/>
+            </a:endParaRPr>
           </a:p>
         </p:txBody>
       </p:sp>
@@ -11728,7 +11752,10 @@
           <a:lstStyle/>
           <a:p>
             <a:pPr algn="ctr"/>
-            <a:endParaRPr lang="en-CN" dirty="0"/>
+            <a:endParaRPr lang="en-CN" dirty="0">
+              <a:latin typeface="Arial" panose="020B0604020202020204" pitchFamily="34" charset="0"/>
+              <a:cs typeface="Arial" panose="020B0604020202020204" pitchFamily="34" charset="0"/>
+            </a:endParaRPr>
           </a:p>
         </p:txBody>
       </p:sp>
@@ -11771,14 +11798,20 @@
           <a:bodyPr rtlCol="0" anchor="ctr"/>
           <a:lstStyle/>
           <a:p>
-            <a:pPr marL="0" lvl="0" indent="0">
+            <a:pPr marL="0" lvl="0" indent="0" algn="just">
               <a:buNone/>
             </a:pPr>
             <a:r>
-              <a:rPr lang="en-US" altLang="zh-CN" dirty="0"/>
+              <a:rPr lang="en-US" altLang="zh-CN" dirty="0">
+                <a:latin typeface="Arial" panose="020B0604020202020204" pitchFamily="34" charset="0"/>
+                <a:cs typeface="Arial" panose="020B0604020202020204" pitchFamily="34" charset="0"/>
+              </a:rPr>
               <a:t>Students are left with no choice but to use external platforms for trading, where reliability cannot be guaranteed.</a:t>
             </a:r>
-            <a:endParaRPr lang="en-US" dirty="0"/>
+            <a:endParaRPr lang="en-US" dirty="0">
+              <a:latin typeface="Arial" panose="020B0604020202020204" pitchFamily="34" charset="0"/>
+              <a:cs typeface="Arial" panose="020B0604020202020204" pitchFamily="34" charset="0"/>
+            </a:endParaRPr>
           </a:p>
         </p:txBody>
       </p:sp>
@@ -11822,7 +11855,10 @@
           <a:lstStyle/>
           <a:p>
             <a:pPr algn="ctr"/>
-            <a:endParaRPr lang="en-CN" dirty="0"/>
+            <a:endParaRPr lang="en-CN" dirty="0">
+              <a:latin typeface="Arial" panose="020B0604020202020204" pitchFamily="34" charset="0"/>
+              <a:cs typeface="Arial" panose="020B0604020202020204" pitchFamily="34" charset="0"/>
+            </a:endParaRPr>
           </a:p>
         </p:txBody>
       </p:sp>
@@ -11865,12 +11901,13 @@
           <a:bodyPr rtlCol="0" anchor="ctr"/>
           <a:lstStyle/>
           <a:p>
-            <a:pPr marL="0" indent="0">
+            <a:pPr marL="0" indent="0" algn="just">
               <a:buNone/>
             </a:pPr>
             <a:r>
               <a:rPr lang="en-US" dirty="0">
-                <a:latin typeface="Avenir Next LT Pro"/>
+                <a:latin typeface="Arial" panose="020B0604020202020204" pitchFamily="34" charset="0"/>
+                <a:cs typeface="Arial" panose="020B0604020202020204" pitchFamily="34" charset="0"/>
               </a:rPr>
               <a:t>Our application provides users with the ease to sell or buy second-hand goods.</a:t>
             </a:r>
@@ -11917,7 +11954,10 @@
           <a:lstStyle/>
           <a:p>
             <a:pPr algn="ctr"/>
-            <a:endParaRPr lang="en-CN" dirty="0"/>
+            <a:endParaRPr lang="en-CN" dirty="0">
+              <a:latin typeface="Arial" panose="020B0604020202020204" pitchFamily="34" charset="0"/>
+              <a:cs typeface="Arial" panose="020B0604020202020204" pitchFamily="34" charset="0"/>
+            </a:endParaRPr>
           </a:p>
         </p:txBody>
       </p:sp>
@@ -11960,15 +12000,18 @@
           <a:bodyPr rtlCol="0" anchor="ctr"/>
           <a:lstStyle/>
           <a:p>
+            <a:pPr algn="just"/>
             <a:r>
               <a:rPr lang="en-US" altLang="zh-CN" dirty="0">
-                <a:latin typeface="Avenir Next LT Pro"/>
+                <a:latin typeface="Arial" panose="020B0604020202020204" pitchFamily="34" charset="0"/>
+                <a:cs typeface="Arial" panose="020B0604020202020204" pitchFamily="34" charset="0"/>
               </a:rPr>
               <a:t>Our platform ensures reliability and security for every transaction, guaranteeing the safety of students' trades</a:t>
             </a:r>
             <a:r>
               <a:rPr lang="en-US" dirty="0">
-                <a:latin typeface="Avenir Next LT Pro"/>
+                <a:latin typeface="Arial" panose="020B0604020202020204" pitchFamily="34" charset="0"/>
+                <a:cs typeface="Arial" panose="020B0604020202020204" pitchFamily="34" charset="0"/>
               </a:rPr>
               <a:t>.</a:t>
             </a:r>
@@ -12565,7 +12608,7 @@
           <p:nvPr>
             <p:extLst>
               <p:ext uri="{D42A27DB-BD31-4B8C-83A1-F6EECF244321}">
-                <p14:modId xmlns:p14="http://schemas.microsoft.com/office/powerpoint/2010/main" val="1907669138"/>
+                <p14:modId xmlns:p14="http://schemas.microsoft.com/office/powerpoint/2010/main" val="3393710377"/>
               </p:ext>
             </p:extLst>
           </p:nvPr>
@@ -13660,10 +13703,10 @@
                         <a:defRPr/>
                       </a:pPr>
                       <a:r>
-                        <a:rPr lang="en-CN" sz="2000" b="1"/>
+                        <a:rPr lang="en-CN" sz="2000" b="1" dirty="0"/>
                         <a:t>Document</a:t>
                       </a:r>
-                      <a:endParaRPr lang="en-CN" sz="2000" b="1">
+                      <a:endParaRPr lang="en-CN" sz="2000" b="1" dirty="0">
                         <a:latin typeface="Arial" panose="020B0604020202020204" pitchFamily="34" charset="0"/>
                         <a:cs typeface="Arial" panose="020B0604020202020204" pitchFamily="34" charset="0"/>
                       </a:endParaRPr>
@@ -13714,7 +13757,7 @@
                     <a:lstStyle/>
                     <a:p>
                       <a:r>
-                        <a:rPr lang="en-CN" sz="2000">
+                        <a:rPr lang="en-CN" sz="2000" dirty="0">
                           <a:latin typeface="Arial" panose="020B0604020202020204" pitchFamily="34" charset="0"/>
                           <a:cs typeface="Arial" panose="020B0604020202020204" pitchFamily="34" charset="0"/>
                         </a:rPr>
@@ -13784,7 +13827,7 @@
                         <a:defRPr/>
                       </a:pPr>
                       <a:r>
-                        <a:rPr lang="en-CN" sz="2000">
+                        <a:rPr lang="en-CN" sz="2000" dirty="0">
                           <a:latin typeface="Arial" panose="020B0604020202020204" pitchFamily="34" charset="0"/>
                           <a:cs typeface="Arial" panose="020B0604020202020204" pitchFamily="34" charset="0"/>
                         </a:rPr>
@@ -13854,7 +13897,7 @@
                         <a:defRPr/>
                       </a:pPr>
                       <a:r>
-                        <a:rPr lang="en-CN" sz="2000">
+                        <a:rPr lang="en-CN" sz="2000" dirty="0">
                           <a:latin typeface="Arial" panose="020B0604020202020204" pitchFamily="34" charset="0"/>
                           <a:cs typeface="Arial" panose="020B0604020202020204" pitchFamily="34" charset="0"/>
                         </a:rPr>
@@ -13924,7 +13967,7 @@
                         <a:defRPr/>
                       </a:pPr>
                       <a:r>
-                        <a:rPr lang="en-CN" sz="2000">
+                        <a:rPr lang="en-CN" sz="2000" dirty="0">
                           <a:latin typeface="Arial" panose="020B0604020202020204" pitchFamily="34" charset="0"/>
                           <a:cs typeface="Arial" panose="020B0604020202020204" pitchFamily="34" charset="0"/>
                         </a:rPr>
@@ -14039,7 +14082,10 @@
           <a:p>
             <a:pPr algn="ctr"/>
             <a:r>
-              <a:rPr lang="en-CN" dirty="0"/>
+              <a:rPr lang="en-CN" dirty="0">
+                <a:latin typeface="Arial" panose="020B0604020202020204" pitchFamily="34" charset="0"/>
+                <a:cs typeface="Arial" panose="020B0604020202020204" pitchFamily="34" charset="0"/>
+              </a:rPr>
               <a:t>Conclusion and Future work</a:t>
             </a:r>
           </a:p>
@@ -14080,7 +14126,10 @@
               <a:buNone/>
             </a:pPr>
             <a:r>
-              <a:rPr lang="en-US" dirty="0"/>
+              <a:rPr lang="en-US" sz="2400" dirty="0">
+                <a:latin typeface="Arial" panose="020B0604020202020204" pitchFamily="34" charset="0"/>
+                <a:cs typeface="Arial" panose="020B0604020202020204" pitchFamily="34" charset="0"/>
+              </a:rPr>
               <a:t>This application is a basic application. In future, we can implement  different types of user and implement message feature.</a:t>
             </a:r>
           </a:p>
@@ -14102,7 +14151,7 @@
         </p:nvSpPr>
         <p:spPr>
           <a:xfrm>
-            <a:off x="838200" y="2840486"/>
+            <a:off x="838200" y="2779153"/>
             <a:ext cx="10515600" cy="1325563"/>
           </a:xfrm>
           <a:prstGeom prst="rect">
@@ -14285,7 +14334,10 @@
               <a:buNone/>
             </a:pPr>
             <a:r>
-              <a:rPr lang="en-US" dirty="0"/>
+              <a:rPr lang="en-US" sz="2400" dirty="0">
+                <a:latin typeface="Arial" panose="020B0604020202020204" pitchFamily="34" charset="0"/>
+                <a:cs typeface="Arial" panose="020B0604020202020204" pitchFamily="34" charset="0"/>
+              </a:rPr>
               <a:t>The advantage of this type of application is anyone can sell and buy their used goods, and there is no need for a third-party to manage.</a:t>
             </a:r>
           </a:p>
@@ -14490,7 +14542,10 @@
               <a:buNone/>
             </a:pPr>
             <a:r>
-              <a:rPr lang="en-US" dirty="0"/>
+              <a:rPr lang="en-US" sz="2400" dirty="0">
+                <a:latin typeface="Arial" panose="020B0604020202020204" pitchFamily="34" charset="0"/>
+                <a:cs typeface="Arial" panose="020B0604020202020204" pitchFamily="34" charset="0"/>
+              </a:rPr>
               <a:t>The advantage of this type of application is anyone can sell and buy their used goods, and there is no need for a third-party to manage.</a:t>
             </a:r>
           </a:p>
@@ -14695,7 +14750,10 @@
               <a:buNone/>
             </a:pPr>
             <a:r>
-              <a:rPr lang="en-US" dirty="0"/>
+              <a:rPr lang="en-US" sz="2400" dirty="0">
+                <a:latin typeface="Arial" panose="020B0604020202020204" pitchFamily="34" charset="0"/>
+                <a:cs typeface="Arial" panose="020B0604020202020204" pitchFamily="34" charset="0"/>
+              </a:rPr>
               <a:t>The Project for now is limited to only one user. If more time we would develop C/S model.</a:t>
             </a:r>
           </a:p>

--- a/Final Project Presentation Slides.pptx
+++ b/Final Project Presentation Slides.pptx
@@ -12608,7 +12608,7 @@
           <p:nvPr>
             <p:extLst>
               <p:ext uri="{D42A27DB-BD31-4B8C-83A1-F6EECF244321}">
-                <p14:modId xmlns:p14="http://schemas.microsoft.com/office/powerpoint/2010/main" val="3393710377"/>
+                <p14:modId xmlns:p14="http://schemas.microsoft.com/office/powerpoint/2010/main" val="747720197"/>
               </p:ext>
             </p:extLst>
           </p:nvPr>
@@ -12719,10 +12719,10 @@
                     <a:p>
                       <a:pPr algn="ctr"/>
                       <a:r>
-                        <a:rPr lang="en-CN" sz="2000"/>
+                        <a:rPr lang="en-CN" sz="2000" dirty="0"/>
                         <a:t>Qingyu Zhou</a:t>
                       </a:r>
-                      <a:endParaRPr lang="en-CN" sz="2000">
+                      <a:endParaRPr lang="en-CN" sz="2000" dirty="0">
                         <a:latin typeface="Arial" panose="020B0604020202020204" pitchFamily="34" charset="0"/>
                         <a:cs typeface="Arial" panose="020B0604020202020204" pitchFamily="34" charset="0"/>
                       </a:endParaRPr>
@@ -12774,10 +12774,10 @@
                     <a:p>
                       <a:pPr algn="ctr"/>
                       <a:r>
-                        <a:rPr lang="en-CN" sz="2000"/>
+                        <a:rPr lang="en-CN" sz="2000" dirty="0"/>
                         <a:t>Junyi Zhang</a:t>
                       </a:r>
-                      <a:endParaRPr lang="en-CN" sz="2000">
+                      <a:endParaRPr lang="en-CN" sz="2000" dirty="0">
                         <a:latin typeface="Arial" panose="020B0604020202020204" pitchFamily="34" charset="0"/>
                         <a:cs typeface="Arial" panose="020B0604020202020204" pitchFamily="34" charset="0"/>
                       </a:endParaRPr>
@@ -13000,24 +13000,14 @@
                     <a:lstStyle/>
                     <a:p>
                       <a:r>
-                        <a:rPr lang="en-US" sz="2000"/>
-                        <a:t>H</a:t>
-                      </a:r>
-                      <a:r>
-                        <a:rPr lang="en-CN" sz="2000"/>
-                        <a:t>ome</a:t>
-                      </a:r>
-                    </a:p>
-                    <a:p>
-                      <a:r>
-                        <a:rPr lang="en-US" sz="2000"/>
+                        <a:rPr lang="en-US" sz="2000" dirty="0"/>
                         <a:t>A</a:t>
                       </a:r>
                       <a:r>
-                        <a:rPr lang="en-CN" sz="2000"/>
+                        <a:rPr lang="en-CN" sz="2000" dirty="0"/>
                         <a:t>dd items</a:t>
                       </a:r>
-                      <a:endParaRPr lang="en-CN" sz="2000">
+                      <a:endParaRPr lang="en-CN" sz="2000" dirty="0">
                         <a:latin typeface="Arial" panose="020B0604020202020204" pitchFamily="34" charset="0"/>
                         <a:cs typeface="Arial" panose="020B0604020202020204" pitchFamily="34" charset="0"/>
                       </a:endParaRPr>
@@ -13085,34 +13075,34 @@
                         <a:defRPr/>
                       </a:pPr>
                       <a:r>
-                        <a:rPr lang="en-CN" sz="2000"/>
+                        <a:rPr lang="en-CN" sz="2000" dirty="0"/>
                         <a:t>Login</a:t>
                       </a:r>
                     </a:p>
                     <a:p>
                       <a:r>
-                        <a:rPr lang="en-CN" sz="2000"/>
+                        <a:rPr lang="en-CN" sz="2000" dirty="0"/>
                         <a:t>Product</a:t>
                       </a:r>
                       <a:r>
-                        <a:rPr lang="zh-CN" altLang="en-US" sz="2000"/>
+                        <a:rPr lang="zh-CN" altLang="en-US" sz="2000" dirty="0"/>
                         <a:t> </a:t>
                       </a:r>
                       <a:r>
-                        <a:rPr lang="en-US" altLang="zh-CN" sz="2000"/>
+                        <a:rPr lang="en-US" altLang="zh-CN" sz="2000" dirty="0"/>
                         <a:t>Details</a:t>
                       </a:r>
                     </a:p>
                     <a:p>
                       <a:r>
-                        <a:rPr lang="en-CN" sz="2000"/>
+                        <a:rPr lang="en-CN" sz="2000" dirty="0"/>
                         <a:t>Payment</a:t>
                       </a:r>
                       <a:r>
-                        <a:rPr lang="en-US" sz="2000"/>
+                        <a:rPr lang="en-US" sz="2000" dirty="0"/>
                         <a:t> Interface</a:t>
                       </a:r>
-                      <a:endParaRPr lang="en-CN" sz="2000">
+                      <a:endParaRPr lang="en-CN" sz="2000" dirty="0">
                         <a:latin typeface="Arial" panose="020B0604020202020204" pitchFamily="34" charset="0"/>
                         <a:cs typeface="Arial" panose="020B0604020202020204" pitchFamily="34" charset="0"/>
                       </a:endParaRPr>
@@ -13162,10 +13152,31 @@
                     <a:bodyPr/>
                     <a:lstStyle/>
                     <a:p>
-                      <a:endParaRPr lang="en-CN" sz="2000">
-                        <a:latin typeface="Arial" panose="020B0604020202020204" pitchFamily="34" charset="0"/>
-                        <a:cs typeface="Arial" panose="020B0604020202020204" pitchFamily="34" charset="0"/>
-                      </a:endParaRPr>
+                      <a:pPr marL="0" marR="0" lvl="0" indent="0" algn="l" defTabSz="914400" rtl="0" eaLnBrk="1" fontAlgn="auto" latinLnBrk="0" hangingPunct="1">
+                        <a:lnSpc>
+                          <a:spcPct val="100000"/>
+                        </a:lnSpc>
+                        <a:spcBef>
+                          <a:spcPts val="0"/>
+                        </a:spcBef>
+                        <a:spcAft>
+                          <a:spcPts val="0"/>
+                        </a:spcAft>
+                        <a:buClrTx/>
+                        <a:buSzTx/>
+                        <a:buFontTx/>
+                        <a:buNone/>
+                        <a:tabLst/>
+                        <a:defRPr/>
+                      </a:pPr>
+                      <a:r>
+                        <a:rPr lang="en-US" sz="2000" dirty="0"/>
+                        <a:t>H</a:t>
+                      </a:r>
+                      <a:r>
+                        <a:rPr lang="en-CN" sz="2000" dirty="0"/>
+                        <a:t>ome</a:t>
+                      </a:r>
                     </a:p>
                   </a:txBody>
                   <a:tcPr marL="100740" marR="100740" marT="50370" marB="50370">
@@ -13381,10 +13392,33 @@
                         <a:defRPr/>
                       </a:pPr>
                       <a:r>
-                        <a:rPr lang="en-CN" sz="2000"/>
-                        <a:t>Full stack of Homep age and Add items page</a:t>
+                        <a:rPr lang="en-CN" sz="2000" dirty="0"/>
+                        <a:t>Product Sevice &amp; Control</a:t>
                       </a:r>
-                      <a:endParaRPr lang="en-CN" sz="2000">
+                    </a:p>
+                    <a:p>
+                      <a:pPr marL="0" marR="0" lvl="0" indent="0" algn="l" defTabSz="914400" rtl="0" eaLnBrk="1" fontAlgn="auto" latinLnBrk="0" hangingPunct="1">
+                        <a:lnSpc>
+                          <a:spcPct val="100000"/>
+                        </a:lnSpc>
+                        <a:spcBef>
+                          <a:spcPts val="0"/>
+                        </a:spcBef>
+                        <a:spcAft>
+                          <a:spcPts val="0"/>
+                        </a:spcAft>
+                        <a:buClrTx/>
+                        <a:buSzTx/>
+                        <a:buFontTx/>
+                        <a:buNone/>
+                        <a:tabLst/>
+                        <a:defRPr/>
+                      </a:pPr>
+                      <a:r>
+                        <a:rPr lang="en-CN" sz="2000" dirty="0"/>
+                        <a:t>FileLoader Controller</a:t>
+                      </a:r>
+                      <a:endParaRPr lang="en-CN" sz="2000" dirty="0">
                         <a:latin typeface="Arial" panose="020B0604020202020204" pitchFamily="34" charset="0"/>
                         <a:cs typeface="Arial" panose="020B0604020202020204" pitchFamily="34" charset="0"/>
                       </a:endParaRPr>
@@ -13452,8 +13486,20 @@
                         <a:defRPr/>
                       </a:pPr>
                       <a:r>
-                        <a:rPr lang="en-CN" sz="2000"/>
-                        <a:t>Product Sevice &amp; Control</a:t>
+                        <a:rPr lang="en-CN" sz="2000" dirty="0"/>
+                        <a:t>Home</a:t>
+                      </a:r>
+                      <a:r>
+                        <a:rPr lang="zh-CN" altLang="en-US" sz="2000" dirty="0"/>
+                        <a:t> </a:t>
+                      </a:r>
+                      <a:r>
+                        <a:rPr lang="en-CN" altLang="zh-CN" sz="2000" dirty="0"/>
+                        <a:t>P</a:t>
+                      </a:r>
+                      <a:r>
+                        <a:rPr lang="en-CN" sz="2000" dirty="0"/>
+                        <a:t>age &amp; Add items page interface</a:t>
                       </a:r>
                     </a:p>
                     <a:p>
@@ -13474,11 +13520,7 @@
                         <a:tabLst/>
                         <a:defRPr/>
                       </a:pPr>
-                      <a:r>
-                        <a:rPr lang="en-CN" sz="2000"/>
-                        <a:t>FileLoader controller</a:t>
-                      </a:r>
-                      <a:endParaRPr lang="en-CN" sz="2000">
+                      <a:endParaRPr lang="en-CN" sz="2000" dirty="0">
                         <a:latin typeface="Arial" panose="020B0604020202020204" pitchFamily="34" charset="0"/>
                         <a:cs typeface="Arial" panose="020B0604020202020204" pitchFamily="34" charset="0"/>
                       </a:endParaRPr>
@@ -13546,7 +13588,7 @@
                         <a:defRPr/>
                       </a:pPr>
                       <a:r>
-                        <a:rPr lang="en-CN" sz="2000"/>
+                        <a:rPr lang="en-CN" sz="2000" dirty="0"/>
                         <a:t>Product Detail Sevice &amp; Control</a:t>
                       </a:r>
                     </a:p>
@@ -13569,12 +13611,12 @@
                         <a:defRPr/>
                       </a:pPr>
                       <a:r>
-                        <a:rPr lang="en-CN" sz="2000"/>
+                        <a:rPr lang="en-CN" sz="2000" dirty="0"/>
                         <a:t>Payment Sevice &amp; Control</a:t>
                       </a:r>
                     </a:p>
                     <a:p>
-                      <a:endParaRPr lang="en-CN" sz="2000">
+                      <a:endParaRPr lang="en-CN" sz="2000" dirty="0">
                         <a:latin typeface="Arial" panose="020B0604020202020204" pitchFamily="34" charset="0"/>
                         <a:cs typeface="Arial" panose="020B0604020202020204" pitchFamily="34" charset="0"/>
                       </a:endParaRPr>
@@ -13625,10 +13667,10 @@
                     <a:lstStyle/>
                     <a:p>
                       <a:r>
-                        <a:rPr lang="en-CN" sz="2000"/>
+                        <a:rPr lang="en-CN" sz="2000" dirty="0"/>
                         <a:t>Register Control &amp; Service, Login Backend</a:t>
                       </a:r>
-                      <a:endParaRPr lang="en-CN" sz="2000">
+                      <a:endParaRPr lang="en-CN" sz="2000" dirty="0">
                         <a:latin typeface="Arial" panose="020B0604020202020204" pitchFamily="34" charset="0"/>
                         <a:cs typeface="Arial" panose="020B0604020202020204" pitchFamily="34" charset="0"/>
                       </a:endParaRPr>
